--- a/QA/QA Study Material.pptx
+++ b/QA/QA Study Material.pptx
@@ -5,7 +5,7 @@
     <p:sldMasterId id="2147483660" r:id="rId1"/>
   </p:sldMasterIdLst>
   <p:notesMasterIdLst>
-    <p:notesMasterId r:id="rId63"/>
+    <p:notesMasterId r:id="rId78"/>
   </p:notesMasterIdLst>
   <p:sldIdLst>
     <p:sldId id="257" r:id="rId2"/>
@@ -69,6 +69,21 @@
     <p:sldId id="1434" r:id="rId60"/>
     <p:sldId id="1435" r:id="rId61"/>
     <p:sldId id="1436" r:id="rId62"/>
+    <p:sldId id="1437" r:id="rId63"/>
+    <p:sldId id="1438" r:id="rId64"/>
+    <p:sldId id="1439" r:id="rId65"/>
+    <p:sldId id="1440" r:id="rId66"/>
+    <p:sldId id="1441" r:id="rId67"/>
+    <p:sldId id="1442" r:id="rId68"/>
+    <p:sldId id="1443" r:id="rId69"/>
+    <p:sldId id="1444" r:id="rId70"/>
+    <p:sldId id="1445" r:id="rId71"/>
+    <p:sldId id="1446" r:id="rId72"/>
+    <p:sldId id="1447" r:id="rId73"/>
+    <p:sldId id="1448" r:id="rId74"/>
+    <p:sldId id="1449" r:id="rId75"/>
+    <p:sldId id="1450" r:id="rId76"/>
+    <p:sldId id="1451" r:id="rId77"/>
   </p:sldIdLst>
   <p:sldSz cx="12192000" cy="6858000"/>
   <p:notesSz cx="6858000" cy="9144000"/>
@@ -748,7 +763,7 @@
                 <a:latin typeface="Times New Roman" pitchFamily="18" charset="0"/>
               </a:rPr>
               <a:pPr/>
-              <a:t>11/17/2021 2:38 PM</a:t>
+              <a:t>11/17/2021 3:49 PM</a:t>
             </a:fld>
             <a:endParaRPr lang="en-US" altLang="en-US" sz="700">
               <a:solidFill>
@@ -1616,7 +1631,7 @@
                 <a:latin typeface="Times New Roman" pitchFamily="18" charset="0"/>
               </a:rPr>
               <a:pPr/>
-              <a:t>11/17/2021 2:39 PM</a:t>
+              <a:t>11/17/2021 3:49 PM</a:t>
             </a:fld>
             <a:endParaRPr lang="en-US" sz="700">
               <a:solidFill>
@@ -1887,7 +1902,7 @@
                 <a:latin typeface="Times New Roman" pitchFamily="18" charset="0"/>
               </a:rPr>
               <a:pPr/>
-              <a:t>11/17/2021 2:39 PM</a:t>
+              <a:t>11/17/2021 3:49 PM</a:t>
             </a:fld>
             <a:endParaRPr lang="en-US" sz="700">
               <a:solidFill>
@@ -2855,7 +2870,7 @@
                 <a:latin typeface="Times New Roman" pitchFamily="18" charset="0"/>
               </a:rPr>
               <a:pPr/>
-              <a:t>11/17/2021 2:38 PM</a:t>
+              <a:t>11/17/2021 3:49 PM</a:t>
             </a:fld>
             <a:endParaRPr lang="en-US" sz="700">
               <a:solidFill>
@@ -4272,7 +4287,7 @@
                 <a:latin typeface="Times New Roman" pitchFamily="18" charset="0"/>
               </a:rPr>
               <a:pPr/>
-              <a:t>11/17/2021 2:38 PM</a:t>
+              <a:t>11/17/2021 3:49 PM</a:t>
             </a:fld>
             <a:endParaRPr lang="en-US" sz="700">
               <a:solidFill>
@@ -5177,7 +5192,7 @@
                 <a:latin typeface="Times New Roman" pitchFamily="18" charset="0"/>
               </a:rPr>
               <a:pPr/>
-              <a:t>11/17/2021 2:38 PM</a:t>
+              <a:t>11/17/2021 3:49 PM</a:t>
             </a:fld>
             <a:endParaRPr lang="en-US" sz="700">
               <a:solidFill>
@@ -5529,7 +5544,7 @@
                 <a:latin typeface="Times New Roman" pitchFamily="18" charset="0"/>
               </a:rPr>
               <a:pPr/>
-              <a:t>11/17/2021 2:38 PM</a:t>
+              <a:t>11/17/2021 3:49 PM</a:t>
             </a:fld>
             <a:endParaRPr lang="en-US" sz="700">
               <a:solidFill>
@@ -42274,6 +42289,1729 @@
 </p:sld>
 </file>
 
+<file path=ppt/slides/slide62.xml><?xml version="1.0" encoding="utf-8"?>
+<p:sld xmlns:a="http://schemas.openxmlformats.org/drawingml/2006/main" xmlns:r="http://schemas.openxmlformats.org/officeDocument/2006/relationships" xmlns:p="http://schemas.openxmlformats.org/presentationml/2006/main">
+  <p:cSld>
+    <p:spTree>
+      <p:nvGrpSpPr>
+        <p:cNvPr id="1" name=""/>
+        <p:cNvGrpSpPr/>
+        <p:nvPr/>
+      </p:nvGrpSpPr>
+      <p:grpSpPr>
+        <a:xfrm>
+          <a:off x="0" y="0"/>
+          <a:ext cx="0" cy="0"/>
+          <a:chOff x="0" y="0"/>
+          <a:chExt cx="0" cy="0"/>
+        </a:xfrm>
+      </p:grpSpPr>
+      <p:sp>
+        <p:nvSpPr>
+          <p:cNvPr id="3" name="Title 2">
+            <a:extLst>
+              <a:ext uri="{FF2B5EF4-FFF2-40B4-BE49-F238E27FC236}">
+                <a16:creationId xmlns:a16="http://schemas.microsoft.com/office/drawing/2014/main" id="{834266FF-816C-4353-88DA-CF7E556567A5}"/>
+              </a:ext>
+            </a:extLst>
+          </p:cNvPr>
+          <p:cNvSpPr>
+            <a:spLocks noGrp="1"/>
+          </p:cNvSpPr>
+          <p:nvPr>
+            <p:ph type="title" idx="4294967295"/>
+          </p:nvPr>
+        </p:nvSpPr>
+        <p:spPr>
+          <a:xfrm>
+            <a:off x="944563" y="123825"/>
+            <a:ext cx="11247437" cy="669925"/>
+          </a:xfrm>
+        </p:spPr>
+        <p:txBody>
+          <a:bodyPr>
+            <a:normAutofit fontScale="90000"/>
+          </a:bodyPr>
+          <a:lstStyle/>
+          <a:p>
+            <a:r>
+              <a:rPr lang="en-IN" b="0" i="0" dirty="0">
+                <a:solidFill>
+                  <a:schemeClr val="accent1">
+                    <a:lumMod val="75000"/>
+                  </a:schemeClr>
+                </a:solidFill>
+                <a:effectLst/>
+                <a:latin typeface="erdana"/>
+              </a:rPr>
+              <a:t>Types of Software Testing</a:t>
+            </a:r>
+            <a:br>
+              <a:rPr lang="en-IN" b="0" i="0" dirty="0">
+                <a:solidFill>
+                  <a:schemeClr val="accent1">
+                    <a:lumMod val="75000"/>
+                  </a:schemeClr>
+                </a:solidFill>
+                <a:effectLst/>
+                <a:latin typeface="erdana"/>
+              </a:rPr>
+            </a:br>
+            <a:endParaRPr lang="en-IN" dirty="0">
+              <a:solidFill>
+                <a:schemeClr val="accent1">
+                  <a:lumMod val="75000"/>
+                </a:schemeClr>
+              </a:solidFill>
+            </a:endParaRPr>
+          </a:p>
+        </p:txBody>
+      </p:sp>
+      <p:pic>
+        <p:nvPicPr>
+          <p:cNvPr id="8194" name="Picture 2" descr="Types of Software Testing">
+            <a:extLst>
+              <a:ext uri="{FF2B5EF4-FFF2-40B4-BE49-F238E27FC236}">
+                <a16:creationId xmlns:a16="http://schemas.microsoft.com/office/drawing/2014/main" id="{9A26C89F-0756-4614-A4B2-ED7AF633B025}"/>
+              </a:ext>
+            </a:extLst>
+          </p:cNvPr>
+          <p:cNvPicPr>
+            <a:picLocks noChangeAspect="1" noChangeArrowheads="1"/>
+          </p:cNvPicPr>
+          <p:nvPr/>
+        </p:nvPicPr>
+        <p:blipFill>
+          <a:blip r:embed="rId2">
+            <a:extLst>
+              <a:ext uri="{28A0092B-C50C-407E-A947-70E740481C1C}">
+                <a14:useLocalDpi xmlns:a14="http://schemas.microsoft.com/office/drawing/2010/main" val="0"/>
+              </a:ext>
+            </a:extLst>
+          </a:blip>
+          <a:srcRect/>
+          <a:stretch>
+            <a:fillRect/>
+          </a:stretch>
+        </p:blipFill>
+        <p:spPr bwMode="auto">
+          <a:xfrm>
+            <a:off x="2423905" y="1306168"/>
+            <a:ext cx="6191250" cy="4762500"/>
+          </a:xfrm>
+          <a:prstGeom prst="rect">
+            <a:avLst/>
+          </a:prstGeom>
+          <a:noFill/>
+          <a:extLst>
+            <a:ext uri="{909E8E84-426E-40DD-AFC4-6F175D3DCCD1}">
+              <a14:hiddenFill xmlns:a14="http://schemas.microsoft.com/office/drawing/2010/main">
+                <a:solidFill>
+                  <a:srgbClr val="FFFFFF"/>
+                </a:solidFill>
+              </a14:hiddenFill>
+            </a:ext>
+          </a:extLst>
+        </p:spPr>
+      </p:pic>
+    </p:spTree>
+    <p:extLst>
+      <p:ext uri="{BB962C8B-B14F-4D97-AF65-F5344CB8AC3E}">
+        <p14:creationId xmlns:p14="http://schemas.microsoft.com/office/powerpoint/2010/main" val="398290018"/>
+      </p:ext>
+    </p:extLst>
+  </p:cSld>
+  <p:clrMapOvr>
+    <a:masterClrMapping/>
+  </p:clrMapOvr>
+  <p:transition>
+    <p:wipe dir="u"/>
+  </p:transition>
+</p:sld>
+</file>
+
+<file path=ppt/slides/slide63.xml><?xml version="1.0" encoding="utf-8"?>
+<p:sld xmlns:a="http://schemas.openxmlformats.org/drawingml/2006/main" xmlns:r="http://schemas.openxmlformats.org/officeDocument/2006/relationships" xmlns:p="http://schemas.openxmlformats.org/presentationml/2006/main">
+  <p:cSld>
+    <p:spTree>
+      <p:nvGrpSpPr>
+        <p:cNvPr id="1" name=""/>
+        <p:cNvGrpSpPr/>
+        <p:nvPr/>
+      </p:nvGrpSpPr>
+      <p:grpSpPr>
+        <a:xfrm>
+          <a:off x="0" y="0"/>
+          <a:ext cx="0" cy="0"/>
+          <a:chOff x="0" y="0"/>
+          <a:chExt cx="0" cy="0"/>
+        </a:xfrm>
+      </p:grpSpPr>
+      <p:sp>
+        <p:nvSpPr>
+          <p:cNvPr id="2" name="Content Placeholder 1">
+            <a:extLst>
+              <a:ext uri="{FF2B5EF4-FFF2-40B4-BE49-F238E27FC236}">
+                <a16:creationId xmlns:a16="http://schemas.microsoft.com/office/drawing/2014/main" id="{00BA4777-314C-4927-987A-813872DBBC01}"/>
+              </a:ext>
+            </a:extLst>
+          </p:cNvPr>
+          <p:cNvSpPr>
+            <a:spLocks noGrp="1"/>
+          </p:cNvSpPr>
+          <p:nvPr>
+            <p:ph idx="1"/>
+          </p:nvPr>
+        </p:nvSpPr>
+        <p:spPr/>
+        <p:txBody>
+          <a:bodyPr/>
+          <a:lstStyle/>
+          <a:p>
+            <a:r>
+              <a:rPr lang="en-US" b="0" i="0" dirty="0">
+                <a:solidFill>
+                  <a:srgbClr val="333333"/>
+                </a:solidFill>
+                <a:effectLst/>
+                <a:latin typeface="inter-regular"/>
+              </a:rPr>
+              <a:t>Testing any software or an application according to the client's needs without using any automation tool is known as </a:t>
+            </a:r>
+            <a:r>
+              <a:rPr lang="en-US" b="1" i="0" dirty="0">
+                <a:solidFill>
+                  <a:srgbClr val="333333"/>
+                </a:solidFill>
+                <a:effectLst/>
+                <a:latin typeface="inter-bold"/>
+              </a:rPr>
+              <a:t>manual testing</a:t>
+            </a:r>
+            <a:r>
+              <a:rPr lang="en-US" b="0" i="0" dirty="0">
+                <a:solidFill>
+                  <a:srgbClr val="333333"/>
+                </a:solidFill>
+                <a:effectLst/>
+                <a:latin typeface="inter-regular"/>
+              </a:rPr>
+              <a:t>.</a:t>
+            </a:r>
+          </a:p>
+          <a:p>
+            <a:endParaRPr lang="en-US" dirty="0">
+              <a:solidFill>
+                <a:srgbClr val="333333"/>
+              </a:solidFill>
+              <a:latin typeface="inter-regular"/>
+            </a:endParaRPr>
+          </a:p>
+          <a:p>
+            <a:r>
+              <a:rPr lang="en-US" b="0" i="0" dirty="0">
+                <a:solidFill>
+                  <a:srgbClr val="333333"/>
+                </a:solidFill>
+                <a:effectLst/>
+                <a:latin typeface="inter-regular"/>
+              </a:rPr>
+              <a:t>In software testing, manual testing can be further classified into </a:t>
+            </a:r>
+            <a:r>
+              <a:rPr lang="en-US" b="1" i="0" dirty="0">
+                <a:solidFill>
+                  <a:srgbClr val="333333"/>
+                </a:solidFill>
+                <a:effectLst/>
+                <a:latin typeface="inter-bold"/>
+              </a:rPr>
+              <a:t>three different types of testing</a:t>
+            </a:r>
+            <a:r>
+              <a:rPr lang="en-US" b="1" i="0" dirty="0">
+                <a:solidFill>
+                  <a:srgbClr val="333333"/>
+                </a:solidFill>
+                <a:effectLst/>
+                <a:latin typeface="inter-regular"/>
+              </a:rPr>
+              <a:t>:</a:t>
+            </a:r>
+          </a:p>
+          <a:p>
+            <a:pPr lvl="1" algn="just">
+              <a:buFont typeface="Arial" panose="020B0604020202020204" pitchFamily="34" charset="0"/>
+              <a:buChar char="•"/>
+            </a:pPr>
+            <a:r>
+              <a:rPr lang="en-US" b="1" i="0" dirty="0">
+                <a:solidFill>
+                  <a:srgbClr val="000000"/>
+                </a:solidFill>
+                <a:effectLst/>
+                <a:latin typeface="inter-bold"/>
+              </a:rPr>
+              <a:t>White Box Testing</a:t>
+            </a:r>
+            <a:endParaRPr lang="en-US" b="0" i="0" dirty="0">
+              <a:solidFill>
+                <a:srgbClr val="000000"/>
+              </a:solidFill>
+              <a:effectLst/>
+              <a:latin typeface="inter-regular"/>
+            </a:endParaRPr>
+          </a:p>
+          <a:p>
+            <a:pPr lvl="1" algn="just">
+              <a:buFont typeface="Arial" panose="020B0604020202020204" pitchFamily="34" charset="0"/>
+              <a:buChar char="•"/>
+            </a:pPr>
+            <a:r>
+              <a:rPr lang="en-US" b="1" i="0" dirty="0">
+                <a:solidFill>
+                  <a:srgbClr val="000000"/>
+                </a:solidFill>
+                <a:effectLst/>
+                <a:latin typeface="inter-bold"/>
+              </a:rPr>
+              <a:t>Black Box Testing</a:t>
+            </a:r>
+            <a:endParaRPr lang="en-US" b="0" i="0" dirty="0">
+              <a:solidFill>
+                <a:srgbClr val="000000"/>
+              </a:solidFill>
+              <a:effectLst/>
+              <a:latin typeface="inter-regular"/>
+            </a:endParaRPr>
+          </a:p>
+          <a:p>
+            <a:pPr lvl="1" algn="just">
+              <a:buFont typeface="Arial" panose="020B0604020202020204" pitchFamily="34" charset="0"/>
+              <a:buChar char="•"/>
+            </a:pPr>
+            <a:r>
+              <a:rPr lang="en-US" b="1" i="0" dirty="0">
+                <a:solidFill>
+                  <a:srgbClr val="000000"/>
+                </a:solidFill>
+                <a:effectLst/>
+                <a:latin typeface="inter-bold"/>
+              </a:rPr>
+              <a:t>Grey Box Testing</a:t>
+            </a:r>
+            <a:endParaRPr lang="en-US" b="0" i="0" dirty="0">
+              <a:solidFill>
+                <a:srgbClr val="000000"/>
+              </a:solidFill>
+              <a:effectLst/>
+              <a:latin typeface="inter-regular"/>
+            </a:endParaRPr>
+          </a:p>
+          <a:p>
+            <a:endParaRPr lang="en-IN" dirty="0"/>
+          </a:p>
+        </p:txBody>
+      </p:sp>
+      <p:sp>
+        <p:nvSpPr>
+          <p:cNvPr id="3" name="Title 2">
+            <a:extLst>
+              <a:ext uri="{FF2B5EF4-FFF2-40B4-BE49-F238E27FC236}">
+                <a16:creationId xmlns:a16="http://schemas.microsoft.com/office/drawing/2014/main" id="{E9BB4EE2-1708-4469-A621-7887BCB32007}"/>
+              </a:ext>
+            </a:extLst>
+          </p:cNvPr>
+          <p:cNvSpPr>
+            <a:spLocks noGrp="1"/>
+          </p:cNvSpPr>
+          <p:nvPr>
+            <p:ph type="title"/>
+          </p:nvPr>
+        </p:nvSpPr>
+        <p:spPr/>
+        <p:txBody>
+          <a:bodyPr/>
+          <a:lstStyle/>
+          <a:p>
+            <a:r>
+              <a:rPr lang="en-IN" b="0" i="0" dirty="0">
+                <a:solidFill>
+                  <a:schemeClr val="accent1">
+                    <a:lumMod val="75000"/>
+                  </a:schemeClr>
+                </a:solidFill>
+                <a:effectLst/>
+                <a:latin typeface="erdana"/>
+              </a:rPr>
+              <a:t>What is Manual Testing?</a:t>
+            </a:r>
+            <a:endParaRPr lang="en-IN" dirty="0">
+              <a:solidFill>
+                <a:schemeClr val="accent1">
+                  <a:lumMod val="75000"/>
+                </a:schemeClr>
+              </a:solidFill>
+            </a:endParaRPr>
+          </a:p>
+        </p:txBody>
+      </p:sp>
+    </p:spTree>
+    <p:extLst>
+      <p:ext uri="{BB962C8B-B14F-4D97-AF65-F5344CB8AC3E}">
+        <p14:creationId xmlns:p14="http://schemas.microsoft.com/office/powerpoint/2010/main" val="2685651529"/>
+      </p:ext>
+    </p:extLst>
+  </p:cSld>
+  <p:clrMapOvr>
+    <a:masterClrMapping/>
+  </p:clrMapOvr>
+  <p:transition spd="slow">
+    <p:push dir="u"/>
+  </p:transition>
+</p:sld>
+</file>
+
+<file path=ppt/slides/slide64.xml><?xml version="1.0" encoding="utf-8"?>
+<p:sld xmlns:a="http://schemas.openxmlformats.org/drawingml/2006/main" xmlns:r="http://schemas.openxmlformats.org/officeDocument/2006/relationships" xmlns:p="http://schemas.openxmlformats.org/presentationml/2006/main">
+  <p:cSld>
+    <p:spTree>
+      <p:nvGrpSpPr>
+        <p:cNvPr id="1" name=""/>
+        <p:cNvGrpSpPr/>
+        <p:nvPr/>
+      </p:nvGrpSpPr>
+      <p:grpSpPr>
+        <a:xfrm>
+          <a:off x="0" y="0"/>
+          <a:ext cx="0" cy="0"/>
+          <a:chOff x="0" y="0"/>
+          <a:chExt cx="0" cy="0"/>
+        </a:xfrm>
+      </p:grpSpPr>
+      <p:sp>
+        <p:nvSpPr>
+          <p:cNvPr id="2" name="Content Placeholder 1">
+            <a:extLst>
+              <a:ext uri="{FF2B5EF4-FFF2-40B4-BE49-F238E27FC236}">
+                <a16:creationId xmlns:a16="http://schemas.microsoft.com/office/drawing/2014/main" id="{20FB4D8E-9D68-4346-A222-BFA9F29DCFBE}"/>
+              </a:ext>
+            </a:extLst>
+          </p:cNvPr>
+          <p:cNvSpPr>
+            <a:spLocks noGrp="1"/>
+          </p:cNvSpPr>
+          <p:nvPr>
+            <p:ph idx="1"/>
+          </p:nvPr>
+        </p:nvSpPr>
+        <p:spPr>
+          <a:xfrm>
+            <a:off x="560656" y="934281"/>
+            <a:ext cx="10520928" cy="5408741"/>
+          </a:xfrm>
+        </p:spPr>
+        <p:txBody>
+          <a:bodyPr/>
+          <a:lstStyle/>
+          <a:p>
+            <a:pPr algn="just"/>
+            <a:r>
+              <a:rPr lang="en-US" b="1" i="0" dirty="0">
+                <a:solidFill>
+                  <a:srgbClr val="333333"/>
+                </a:solidFill>
+                <a:effectLst/>
+                <a:latin typeface="inter-regular"/>
+              </a:rPr>
+              <a:t>D</a:t>
+            </a:r>
+            <a:r>
+              <a:rPr lang="en-US" b="1" i="0" dirty="0">
+                <a:solidFill>
+                  <a:srgbClr val="333333"/>
+                </a:solidFill>
+                <a:effectLst/>
+                <a:latin typeface="inter-bold"/>
+              </a:rPr>
+              <a:t>eveloper</a:t>
+            </a:r>
+            <a:r>
+              <a:rPr lang="en-US" b="0" i="0" dirty="0">
+                <a:solidFill>
+                  <a:srgbClr val="333333"/>
+                </a:solidFill>
+                <a:effectLst/>
+                <a:latin typeface="inter-regular"/>
+              </a:rPr>
+              <a:t> will execute the complete white-box testing for the particular software and send the specific application to the testing team.</a:t>
+            </a:r>
+          </a:p>
+          <a:p>
+            <a:pPr algn="just"/>
+            <a:r>
+              <a:rPr lang="en-US" b="0" i="0" dirty="0">
+                <a:solidFill>
+                  <a:srgbClr val="333333"/>
+                </a:solidFill>
+                <a:effectLst/>
+                <a:latin typeface="inter-regular"/>
+              </a:rPr>
+              <a:t>The purpose of implementing the white box testing is to emphasize the flow of inputs and outputs over the software and enhance the security of an application.</a:t>
+            </a:r>
+          </a:p>
+          <a:p>
+            <a:endParaRPr lang="en-IN" dirty="0"/>
+          </a:p>
+          <a:p>
+            <a:endParaRPr lang="en-IN" dirty="0"/>
+          </a:p>
+          <a:p>
+            <a:endParaRPr lang="en-IN" dirty="0"/>
+          </a:p>
+          <a:p>
+            <a:endParaRPr lang="en-IN" dirty="0"/>
+          </a:p>
+          <a:p>
+            <a:endParaRPr lang="en-IN" dirty="0"/>
+          </a:p>
+          <a:p>
+            <a:endParaRPr lang="en-IN" dirty="0"/>
+          </a:p>
+          <a:p>
+            <a:endParaRPr lang="en-IN" dirty="0"/>
+          </a:p>
+          <a:p>
+            <a:endParaRPr lang="en-IN" dirty="0"/>
+          </a:p>
+          <a:p>
+            <a:r>
+              <a:rPr lang="en-US" b="0" i="0" dirty="0">
+                <a:solidFill>
+                  <a:srgbClr val="333333"/>
+                </a:solidFill>
+                <a:effectLst/>
+                <a:latin typeface="inter-regular"/>
+              </a:rPr>
+              <a:t>White box testing is also known as </a:t>
+            </a:r>
+            <a:r>
+              <a:rPr lang="en-US" b="1" i="0" dirty="0">
+                <a:solidFill>
+                  <a:srgbClr val="333333"/>
+                </a:solidFill>
+                <a:effectLst/>
+                <a:latin typeface="inter-bold"/>
+              </a:rPr>
+              <a:t>open box testing, glass box testing, structural testing, clear box testing, and transparent box testing</a:t>
+            </a:r>
+            <a:r>
+              <a:rPr lang="en-US" b="0" i="0" dirty="0">
+                <a:solidFill>
+                  <a:srgbClr val="333333"/>
+                </a:solidFill>
+                <a:effectLst/>
+                <a:latin typeface="inter-regular"/>
+              </a:rPr>
+              <a:t>.</a:t>
+            </a:r>
+            <a:endParaRPr lang="en-IN" dirty="0"/>
+          </a:p>
+        </p:txBody>
+      </p:sp>
+      <p:sp>
+        <p:nvSpPr>
+          <p:cNvPr id="3" name="Title 2">
+            <a:extLst>
+              <a:ext uri="{FF2B5EF4-FFF2-40B4-BE49-F238E27FC236}">
+                <a16:creationId xmlns:a16="http://schemas.microsoft.com/office/drawing/2014/main" id="{8E2B3470-B6E2-4066-A215-219B01A52842}"/>
+              </a:ext>
+            </a:extLst>
+          </p:cNvPr>
+          <p:cNvSpPr>
+            <a:spLocks noGrp="1"/>
+          </p:cNvSpPr>
+          <p:nvPr>
+            <p:ph type="title"/>
+          </p:nvPr>
+        </p:nvSpPr>
+        <p:spPr/>
+        <p:txBody>
+          <a:bodyPr/>
+          <a:lstStyle/>
+          <a:p>
+            <a:r>
+              <a:rPr lang="en-IN" b="0" i="0" dirty="0">
+                <a:solidFill>
+                  <a:schemeClr val="accent1">
+                    <a:lumMod val="75000"/>
+                  </a:schemeClr>
+                </a:solidFill>
+                <a:effectLst/>
+                <a:latin typeface="erdana"/>
+              </a:rPr>
+              <a:t>White Box Testing</a:t>
+            </a:r>
+            <a:endParaRPr lang="en-IN" dirty="0">
+              <a:solidFill>
+                <a:schemeClr val="accent1">
+                  <a:lumMod val="75000"/>
+                </a:schemeClr>
+              </a:solidFill>
+            </a:endParaRPr>
+          </a:p>
+        </p:txBody>
+      </p:sp>
+      <p:pic>
+        <p:nvPicPr>
+          <p:cNvPr id="9218" name="Picture 2" descr="Types of Software Testing">
+            <a:extLst>
+              <a:ext uri="{FF2B5EF4-FFF2-40B4-BE49-F238E27FC236}">
+                <a16:creationId xmlns:a16="http://schemas.microsoft.com/office/drawing/2014/main" id="{241BDD64-B483-4D0A-902F-FEC926D89DAF}"/>
+              </a:ext>
+            </a:extLst>
+          </p:cNvPr>
+          <p:cNvPicPr>
+            <a:picLocks noChangeAspect="1" noChangeArrowheads="1"/>
+          </p:cNvPicPr>
+          <p:nvPr/>
+        </p:nvPicPr>
+        <p:blipFill>
+          <a:blip r:embed="rId2">
+            <a:extLst>
+              <a:ext uri="{28A0092B-C50C-407E-A947-70E740481C1C}">
+                <a14:useLocalDpi xmlns:a14="http://schemas.microsoft.com/office/drawing/2010/main" val="0"/>
+              </a:ext>
+            </a:extLst>
+          </a:blip>
+          <a:srcRect/>
+          <a:stretch>
+            <a:fillRect/>
+          </a:stretch>
+        </p:blipFill>
+        <p:spPr bwMode="auto">
+          <a:xfrm>
+            <a:off x="2637188" y="2421423"/>
+            <a:ext cx="5715000" cy="2114550"/>
+          </a:xfrm>
+          <a:prstGeom prst="rect">
+            <a:avLst/>
+          </a:prstGeom>
+          <a:noFill/>
+          <a:extLst>
+            <a:ext uri="{909E8E84-426E-40DD-AFC4-6F175D3DCCD1}">
+              <a14:hiddenFill xmlns:a14="http://schemas.microsoft.com/office/drawing/2010/main">
+                <a:solidFill>
+                  <a:srgbClr val="FFFFFF"/>
+                </a:solidFill>
+              </a14:hiddenFill>
+            </a:ext>
+          </a:extLst>
+        </p:spPr>
+      </p:pic>
+    </p:spTree>
+    <p:extLst>
+      <p:ext uri="{BB962C8B-B14F-4D97-AF65-F5344CB8AC3E}">
+        <p14:creationId xmlns:p14="http://schemas.microsoft.com/office/powerpoint/2010/main" val="722437558"/>
+      </p:ext>
+    </p:extLst>
+  </p:cSld>
+  <p:clrMapOvr>
+    <a:masterClrMapping/>
+  </p:clrMapOvr>
+  <p:transition spd="slow">
+    <p:push dir="u"/>
+  </p:transition>
+</p:sld>
+</file>
+
+<file path=ppt/slides/slide65.xml><?xml version="1.0" encoding="utf-8"?>
+<p:sld xmlns:a="http://schemas.openxmlformats.org/drawingml/2006/main" xmlns:r="http://schemas.openxmlformats.org/officeDocument/2006/relationships" xmlns:p="http://schemas.openxmlformats.org/presentationml/2006/main">
+  <p:cSld>
+    <p:spTree>
+      <p:nvGrpSpPr>
+        <p:cNvPr id="1" name=""/>
+        <p:cNvGrpSpPr/>
+        <p:nvPr/>
+      </p:nvGrpSpPr>
+      <p:grpSpPr>
+        <a:xfrm>
+          <a:off x="0" y="0"/>
+          <a:ext cx="0" cy="0"/>
+          <a:chOff x="0" y="0"/>
+          <a:chExt cx="0" cy="0"/>
+        </a:xfrm>
+      </p:grpSpPr>
+      <p:sp>
+        <p:nvSpPr>
+          <p:cNvPr id="2" name="Content Placeholder 1">
+            <a:extLst>
+              <a:ext uri="{FF2B5EF4-FFF2-40B4-BE49-F238E27FC236}">
+                <a16:creationId xmlns:a16="http://schemas.microsoft.com/office/drawing/2014/main" id="{DAC4E9BD-87FA-4581-BD18-7223740A54DA}"/>
+              </a:ext>
+            </a:extLst>
+          </p:cNvPr>
+          <p:cNvSpPr>
+            <a:spLocks noGrp="1"/>
+          </p:cNvSpPr>
+          <p:nvPr>
+            <p:ph idx="1"/>
+          </p:nvPr>
+        </p:nvSpPr>
+        <p:spPr/>
+        <p:txBody>
+          <a:bodyPr/>
+          <a:lstStyle/>
+          <a:p>
+            <a:r>
+              <a:rPr lang="en-US" dirty="0">
+                <a:solidFill>
+                  <a:srgbClr val="333333"/>
+                </a:solidFill>
+                <a:latin typeface="inter-regular"/>
+              </a:rPr>
+              <a:t>T</a:t>
+            </a:r>
+            <a:r>
+              <a:rPr lang="en-US" b="0" i="0" dirty="0">
+                <a:solidFill>
+                  <a:srgbClr val="333333"/>
+                </a:solidFill>
+                <a:effectLst/>
+                <a:latin typeface="inter-regular"/>
+              </a:rPr>
+              <a:t>est engineer will analyze the software against requirements, identify the defects or bug, and sends it back to the development team.</a:t>
+            </a:r>
+          </a:p>
+          <a:p>
+            <a:r>
+              <a:rPr lang="en-US" dirty="0">
+                <a:solidFill>
+                  <a:srgbClr val="333333"/>
+                </a:solidFill>
+                <a:latin typeface="inter-regular"/>
+              </a:rPr>
+              <a:t>D</a:t>
+            </a:r>
+            <a:r>
+              <a:rPr lang="en-US" b="0" i="0" dirty="0">
+                <a:solidFill>
+                  <a:srgbClr val="333333"/>
+                </a:solidFill>
+                <a:effectLst/>
+                <a:latin typeface="inter-regular"/>
+              </a:rPr>
+              <a:t>evelopers will fix those defects, do one round of White box testing, and send it to the testing team.</a:t>
+            </a:r>
+            <a:endParaRPr lang="en-US" dirty="0">
+              <a:solidFill>
+                <a:srgbClr val="333333"/>
+              </a:solidFill>
+              <a:latin typeface="inter-regular"/>
+            </a:endParaRPr>
+          </a:p>
+          <a:p>
+            <a:r>
+              <a:rPr lang="en-US" b="0" i="0" dirty="0">
+                <a:solidFill>
+                  <a:srgbClr val="333333"/>
+                </a:solidFill>
+                <a:effectLst/>
+                <a:latin typeface="inter-regular"/>
+              </a:rPr>
+              <a:t>The main objective of implementing the black box testing is to specify the business needs or the customer's requirements.</a:t>
+            </a:r>
+          </a:p>
+          <a:p>
+            <a:r>
+              <a:rPr lang="en-US" b="0" i="0" dirty="0">
+                <a:solidFill>
+                  <a:srgbClr val="333333"/>
+                </a:solidFill>
+                <a:effectLst/>
+                <a:latin typeface="inter-regular"/>
+              </a:rPr>
+              <a:t>It is a process of checking the functionality of an application as per the customer requirement. The source code is not visible in this testing; that's why it is known as </a:t>
+            </a:r>
+            <a:r>
+              <a:rPr lang="en-US" b="1" i="0" dirty="0">
+                <a:solidFill>
+                  <a:srgbClr val="333333"/>
+                </a:solidFill>
+                <a:effectLst/>
+                <a:latin typeface="inter-bold"/>
+              </a:rPr>
+              <a:t>black-box testing</a:t>
+            </a:r>
+            <a:r>
+              <a:rPr lang="en-US" b="0" i="0" dirty="0">
+                <a:solidFill>
+                  <a:srgbClr val="333333"/>
+                </a:solidFill>
+                <a:effectLst/>
+                <a:latin typeface="inter-regular"/>
+              </a:rPr>
+              <a:t>.</a:t>
+            </a:r>
+            <a:endParaRPr lang="en-IN" dirty="0"/>
+          </a:p>
+        </p:txBody>
+      </p:sp>
+      <p:sp>
+        <p:nvSpPr>
+          <p:cNvPr id="3" name="Title 2">
+            <a:extLst>
+              <a:ext uri="{FF2B5EF4-FFF2-40B4-BE49-F238E27FC236}">
+                <a16:creationId xmlns:a16="http://schemas.microsoft.com/office/drawing/2014/main" id="{4DEE2ED4-7B5E-4B3F-B02C-ACEB873AB443}"/>
+              </a:ext>
+            </a:extLst>
+          </p:cNvPr>
+          <p:cNvSpPr>
+            <a:spLocks noGrp="1"/>
+          </p:cNvSpPr>
+          <p:nvPr>
+            <p:ph type="title"/>
+          </p:nvPr>
+        </p:nvSpPr>
+        <p:spPr/>
+        <p:txBody>
+          <a:bodyPr/>
+          <a:lstStyle/>
+          <a:p>
+            <a:r>
+              <a:rPr lang="en-IN" b="0" i="0" dirty="0">
+                <a:solidFill>
+                  <a:schemeClr val="accent1">
+                    <a:lumMod val="75000"/>
+                  </a:schemeClr>
+                </a:solidFill>
+                <a:effectLst/>
+                <a:latin typeface="erdana"/>
+              </a:rPr>
+              <a:t>Black Box Testing</a:t>
+            </a:r>
+            <a:endParaRPr lang="en-IN" dirty="0">
+              <a:solidFill>
+                <a:schemeClr val="accent1">
+                  <a:lumMod val="75000"/>
+                </a:schemeClr>
+              </a:solidFill>
+            </a:endParaRPr>
+          </a:p>
+        </p:txBody>
+      </p:sp>
+      <p:pic>
+        <p:nvPicPr>
+          <p:cNvPr id="10242" name="Picture 2" descr="Types of Software Testing">
+            <a:extLst>
+              <a:ext uri="{FF2B5EF4-FFF2-40B4-BE49-F238E27FC236}">
+                <a16:creationId xmlns:a16="http://schemas.microsoft.com/office/drawing/2014/main" id="{4BBF1101-54DC-41AE-B8D0-6E335CA248E4}"/>
+              </a:ext>
+            </a:extLst>
+          </p:cNvPr>
+          <p:cNvPicPr>
+            <a:picLocks noChangeAspect="1" noChangeArrowheads="1"/>
+          </p:cNvPicPr>
+          <p:nvPr/>
+        </p:nvPicPr>
+        <p:blipFill>
+          <a:blip r:embed="rId2">
+            <a:extLst>
+              <a:ext uri="{28A0092B-C50C-407E-A947-70E740481C1C}">
+                <a14:useLocalDpi xmlns:a14="http://schemas.microsoft.com/office/drawing/2010/main" val="0"/>
+              </a:ext>
+            </a:extLst>
+          </a:blip>
+          <a:srcRect/>
+          <a:stretch>
+            <a:fillRect/>
+          </a:stretch>
+        </p:blipFill>
+        <p:spPr bwMode="auto">
+          <a:xfrm>
+            <a:off x="2512941" y="3800483"/>
+            <a:ext cx="5715000" cy="1771650"/>
+          </a:xfrm>
+          <a:prstGeom prst="rect">
+            <a:avLst/>
+          </a:prstGeom>
+          <a:noFill/>
+          <a:extLst>
+            <a:ext uri="{909E8E84-426E-40DD-AFC4-6F175D3DCCD1}">
+              <a14:hiddenFill xmlns:a14="http://schemas.microsoft.com/office/drawing/2010/main">
+                <a:solidFill>
+                  <a:srgbClr val="FFFFFF"/>
+                </a:solidFill>
+              </a14:hiddenFill>
+            </a:ext>
+          </a:extLst>
+        </p:spPr>
+      </p:pic>
+    </p:spTree>
+    <p:extLst>
+      <p:ext uri="{BB962C8B-B14F-4D97-AF65-F5344CB8AC3E}">
+        <p14:creationId xmlns:p14="http://schemas.microsoft.com/office/powerpoint/2010/main" val="1607986343"/>
+      </p:ext>
+    </p:extLst>
+  </p:cSld>
+  <p:clrMapOvr>
+    <a:masterClrMapping/>
+  </p:clrMapOvr>
+  <p:transition spd="slow">
+    <p:push dir="u"/>
+  </p:transition>
+</p:sld>
+</file>
+
+<file path=ppt/slides/slide66.xml><?xml version="1.0" encoding="utf-8"?>
+<p:sld xmlns:a="http://schemas.openxmlformats.org/drawingml/2006/main" xmlns:r="http://schemas.openxmlformats.org/officeDocument/2006/relationships" xmlns:p="http://schemas.openxmlformats.org/presentationml/2006/main">
+  <p:cSld>
+    <p:spTree>
+      <p:nvGrpSpPr>
+        <p:cNvPr id="1" name=""/>
+        <p:cNvGrpSpPr/>
+        <p:nvPr/>
+      </p:nvGrpSpPr>
+      <p:grpSpPr>
+        <a:xfrm>
+          <a:off x="0" y="0"/>
+          <a:ext cx="0" cy="0"/>
+          <a:chOff x="0" y="0"/>
+          <a:chExt cx="0" cy="0"/>
+        </a:xfrm>
+      </p:grpSpPr>
+      <p:sp>
+        <p:nvSpPr>
+          <p:cNvPr id="2" name="Content Placeholder 1">
+            <a:extLst>
+              <a:ext uri="{FF2B5EF4-FFF2-40B4-BE49-F238E27FC236}">
+                <a16:creationId xmlns:a16="http://schemas.microsoft.com/office/drawing/2014/main" id="{0A5ECFA1-9C2C-4EA8-B6F3-CC1E2E7D5C86}"/>
+              </a:ext>
+            </a:extLst>
+          </p:cNvPr>
+          <p:cNvSpPr>
+            <a:spLocks noGrp="1"/>
+          </p:cNvSpPr>
+          <p:nvPr>
+            <p:ph idx="1"/>
+          </p:nvPr>
+        </p:nvSpPr>
+        <p:spPr/>
+        <p:txBody>
+          <a:bodyPr/>
+          <a:lstStyle/>
+          <a:p>
+            <a:pPr algn="just"/>
+            <a:r>
+              <a:rPr lang="en-US" b="0" i="0" dirty="0">
+                <a:solidFill>
+                  <a:srgbClr val="333333"/>
+                </a:solidFill>
+                <a:effectLst/>
+                <a:latin typeface="inter-regular"/>
+              </a:rPr>
+              <a:t>Black box testing further categorizes into two parts:</a:t>
+            </a:r>
+          </a:p>
+          <a:p>
+            <a:pPr lvl="1" algn="just">
+              <a:buFont typeface="Arial" panose="020B0604020202020204" pitchFamily="34" charset="0"/>
+              <a:buChar char="•"/>
+            </a:pPr>
+            <a:r>
+              <a:rPr lang="en-US" b="1" i="0" dirty="0">
+                <a:solidFill>
+                  <a:srgbClr val="000000"/>
+                </a:solidFill>
+                <a:effectLst/>
+                <a:latin typeface="inter-bold"/>
+              </a:rPr>
+              <a:t>Functional Testing</a:t>
+            </a:r>
+            <a:endParaRPr lang="en-US" b="0" i="0" dirty="0">
+              <a:solidFill>
+                <a:srgbClr val="000000"/>
+              </a:solidFill>
+              <a:effectLst/>
+              <a:latin typeface="inter-regular"/>
+            </a:endParaRPr>
+          </a:p>
+          <a:p>
+            <a:pPr lvl="1" algn="just">
+              <a:buFont typeface="Arial" panose="020B0604020202020204" pitchFamily="34" charset="0"/>
+              <a:buChar char="•"/>
+            </a:pPr>
+            <a:r>
+              <a:rPr lang="en-US" b="1" i="0" dirty="0">
+                <a:solidFill>
+                  <a:srgbClr val="000000"/>
+                </a:solidFill>
+                <a:effectLst/>
+                <a:latin typeface="inter-bold"/>
+              </a:rPr>
+              <a:t>Non-function Testing</a:t>
+            </a:r>
+            <a:endParaRPr lang="en-US" b="0" i="0" dirty="0">
+              <a:solidFill>
+                <a:srgbClr val="000000"/>
+              </a:solidFill>
+              <a:effectLst/>
+              <a:latin typeface="inter-regular"/>
+            </a:endParaRPr>
+          </a:p>
+          <a:p>
+            <a:endParaRPr lang="en-IN" dirty="0"/>
+          </a:p>
+          <a:p>
+            <a:endParaRPr lang="en-IN" dirty="0"/>
+          </a:p>
+        </p:txBody>
+      </p:sp>
+      <p:sp>
+        <p:nvSpPr>
+          <p:cNvPr id="3" name="Title 2">
+            <a:extLst>
+              <a:ext uri="{FF2B5EF4-FFF2-40B4-BE49-F238E27FC236}">
+                <a16:creationId xmlns:a16="http://schemas.microsoft.com/office/drawing/2014/main" id="{1B197125-5874-48A2-A738-520BB730609C}"/>
+              </a:ext>
+            </a:extLst>
+          </p:cNvPr>
+          <p:cNvSpPr>
+            <a:spLocks noGrp="1"/>
+          </p:cNvSpPr>
+          <p:nvPr>
+            <p:ph type="title"/>
+          </p:nvPr>
+        </p:nvSpPr>
+        <p:spPr/>
+        <p:txBody>
+          <a:bodyPr/>
+          <a:lstStyle/>
+          <a:p>
+            <a:r>
+              <a:rPr lang="en-US" b="1" i="0" dirty="0">
+                <a:solidFill>
+                  <a:schemeClr val="accent1">
+                    <a:lumMod val="75000"/>
+                  </a:schemeClr>
+                </a:solidFill>
+                <a:effectLst/>
+                <a:latin typeface="inter-bold"/>
+              </a:rPr>
+              <a:t>Types of Black Box Testing</a:t>
+            </a:r>
+            <a:endParaRPr lang="en-IN" dirty="0">
+              <a:solidFill>
+                <a:schemeClr val="accent1">
+                  <a:lumMod val="75000"/>
+                </a:schemeClr>
+              </a:solidFill>
+            </a:endParaRPr>
+          </a:p>
+        </p:txBody>
+      </p:sp>
+    </p:spTree>
+    <p:extLst>
+      <p:ext uri="{BB962C8B-B14F-4D97-AF65-F5344CB8AC3E}">
+        <p14:creationId xmlns:p14="http://schemas.microsoft.com/office/powerpoint/2010/main" val="2097729724"/>
+      </p:ext>
+    </p:extLst>
+  </p:cSld>
+  <p:clrMapOvr>
+    <a:masterClrMapping/>
+  </p:clrMapOvr>
+  <p:transition spd="slow">
+    <p:push dir="u"/>
+  </p:transition>
+</p:sld>
+</file>
+
+<file path=ppt/slides/slide67.xml><?xml version="1.0" encoding="utf-8"?>
+<p:sld xmlns:a="http://schemas.openxmlformats.org/drawingml/2006/main" xmlns:r="http://schemas.openxmlformats.org/officeDocument/2006/relationships" xmlns:p="http://schemas.openxmlformats.org/presentationml/2006/main">
+  <p:cSld>
+    <p:spTree>
+      <p:nvGrpSpPr>
+        <p:cNvPr id="1" name=""/>
+        <p:cNvGrpSpPr/>
+        <p:nvPr/>
+      </p:nvGrpSpPr>
+      <p:grpSpPr>
+        <a:xfrm>
+          <a:off x="0" y="0"/>
+          <a:ext cx="0" cy="0"/>
+          <a:chOff x="0" y="0"/>
+          <a:chExt cx="0" cy="0"/>
+        </a:xfrm>
+      </p:grpSpPr>
+      <p:sp>
+        <p:nvSpPr>
+          <p:cNvPr id="2" name="Content Placeholder 1">
+            <a:extLst>
+              <a:ext uri="{FF2B5EF4-FFF2-40B4-BE49-F238E27FC236}">
+                <a16:creationId xmlns:a16="http://schemas.microsoft.com/office/drawing/2014/main" id="{868C4A92-82B2-42C5-9120-5DE4F3B04A21}"/>
+              </a:ext>
+            </a:extLst>
+          </p:cNvPr>
+          <p:cNvSpPr>
+            <a:spLocks noGrp="1"/>
+          </p:cNvSpPr>
+          <p:nvPr>
+            <p:ph idx="1"/>
+          </p:nvPr>
+        </p:nvSpPr>
+        <p:spPr/>
+        <p:txBody>
+          <a:bodyPr/>
+          <a:lstStyle/>
+          <a:p>
+            <a:pPr algn="just"/>
+            <a:r>
+              <a:rPr lang="en-US" b="0" i="0" dirty="0">
+                <a:solidFill>
+                  <a:srgbClr val="333333"/>
+                </a:solidFill>
+                <a:effectLst/>
+                <a:latin typeface="inter-regular"/>
+              </a:rPr>
+              <a:t>The test engineer will check all the components systematically against requirement specifications is known as </a:t>
+            </a:r>
+            <a:r>
+              <a:rPr lang="en-US" b="1" i="0" dirty="0">
+                <a:solidFill>
+                  <a:srgbClr val="333333"/>
+                </a:solidFill>
+                <a:effectLst/>
+                <a:latin typeface="inter-bold"/>
+              </a:rPr>
+              <a:t>functional testing</a:t>
+            </a:r>
+            <a:r>
+              <a:rPr lang="en-US" b="0" i="0" dirty="0">
+                <a:solidFill>
+                  <a:srgbClr val="333333"/>
+                </a:solidFill>
+                <a:effectLst/>
+                <a:latin typeface="inter-regular"/>
+              </a:rPr>
+              <a:t>. Functional testing is also known as </a:t>
+            </a:r>
+            <a:r>
+              <a:rPr lang="en-US" b="1" i="0" dirty="0">
+                <a:solidFill>
+                  <a:srgbClr val="333333"/>
+                </a:solidFill>
+                <a:effectLst/>
+                <a:latin typeface="inter-bold"/>
+              </a:rPr>
+              <a:t>Component testing</a:t>
+            </a:r>
+            <a:r>
+              <a:rPr lang="en-US" b="0" i="0" dirty="0">
+                <a:solidFill>
+                  <a:srgbClr val="333333"/>
+                </a:solidFill>
+                <a:effectLst/>
+                <a:latin typeface="inter-regular"/>
+              </a:rPr>
+              <a:t>.</a:t>
+            </a:r>
+          </a:p>
+          <a:p>
+            <a:pPr algn="just"/>
+            <a:r>
+              <a:rPr lang="en-US" b="0" i="0" dirty="0">
+                <a:solidFill>
+                  <a:srgbClr val="333333"/>
+                </a:solidFill>
+                <a:effectLst/>
+                <a:latin typeface="inter-regular"/>
+              </a:rPr>
+              <a:t>In functional testing, all the components are tested by giving the value, defining the output, and validating the actual output with the expected value.</a:t>
+            </a:r>
+          </a:p>
+          <a:p>
+            <a:pPr algn="just"/>
+            <a:r>
+              <a:rPr lang="en-US" b="0" i="0" dirty="0">
+                <a:solidFill>
+                  <a:srgbClr val="333333"/>
+                </a:solidFill>
+                <a:effectLst/>
+                <a:latin typeface="inter-regular"/>
+              </a:rPr>
+              <a:t>Functional testing is a part of black-box testing as its emphases on application requirement rather than actual code. The test engineer has to test only the program instead of the system.</a:t>
+            </a:r>
+          </a:p>
+          <a:p>
+            <a:pPr marL="0" indent="0">
+              <a:buNone/>
+            </a:pPr>
+            <a:endParaRPr lang="en-IN" dirty="0"/>
+          </a:p>
+          <a:p>
+            <a:pPr algn="just"/>
+            <a:r>
+              <a:rPr lang="en-US" b="1" i="0" dirty="0">
+                <a:solidFill>
+                  <a:srgbClr val="333333"/>
+                </a:solidFill>
+                <a:effectLst/>
+                <a:latin typeface="inter-bold"/>
+              </a:rPr>
+              <a:t>Types of Functional Testing:</a:t>
+            </a:r>
+            <a:endParaRPr lang="en-US" b="0" i="0" dirty="0">
+              <a:solidFill>
+                <a:srgbClr val="333333"/>
+              </a:solidFill>
+              <a:effectLst/>
+              <a:latin typeface="inter-regular"/>
+            </a:endParaRPr>
+          </a:p>
+          <a:p>
+            <a:pPr lvl="1" algn="just">
+              <a:buFont typeface="Arial" panose="020B0604020202020204" pitchFamily="34" charset="0"/>
+              <a:buChar char="•"/>
+            </a:pPr>
+            <a:r>
+              <a:rPr lang="en-US" b="1" i="0" dirty="0">
+                <a:solidFill>
+                  <a:srgbClr val="000000"/>
+                </a:solidFill>
+                <a:effectLst/>
+                <a:latin typeface="inter-bold"/>
+              </a:rPr>
+              <a:t>Unit Testing</a:t>
+            </a:r>
+            <a:endParaRPr lang="en-US" b="0" i="0" dirty="0">
+              <a:solidFill>
+                <a:srgbClr val="000000"/>
+              </a:solidFill>
+              <a:effectLst/>
+              <a:latin typeface="inter-regular"/>
+            </a:endParaRPr>
+          </a:p>
+          <a:p>
+            <a:pPr lvl="1" algn="just">
+              <a:buFont typeface="Arial" panose="020B0604020202020204" pitchFamily="34" charset="0"/>
+              <a:buChar char="•"/>
+            </a:pPr>
+            <a:r>
+              <a:rPr lang="en-US" b="1" i="0" dirty="0">
+                <a:solidFill>
+                  <a:srgbClr val="000000"/>
+                </a:solidFill>
+                <a:effectLst/>
+                <a:latin typeface="inter-bold"/>
+              </a:rPr>
+              <a:t>Integration Testing</a:t>
+            </a:r>
+            <a:endParaRPr lang="en-US" b="0" i="0" dirty="0">
+              <a:solidFill>
+                <a:srgbClr val="000000"/>
+              </a:solidFill>
+              <a:effectLst/>
+              <a:latin typeface="inter-regular"/>
+            </a:endParaRPr>
+          </a:p>
+          <a:p>
+            <a:pPr lvl="1" algn="just">
+              <a:buFont typeface="Arial" panose="020B0604020202020204" pitchFamily="34" charset="0"/>
+              <a:buChar char="•"/>
+            </a:pPr>
+            <a:r>
+              <a:rPr lang="en-US" b="1" i="0" dirty="0">
+                <a:solidFill>
+                  <a:srgbClr val="000000"/>
+                </a:solidFill>
+                <a:effectLst/>
+                <a:latin typeface="inter-bold"/>
+              </a:rPr>
+              <a:t>System Testing</a:t>
+            </a:r>
+            <a:endParaRPr lang="en-US" b="0" i="0" dirty="0">
+              <a:solidFill>
+                <a:srgbClr val="000000"/>
+              </a:solidFill>
+              <a:effectLst/>
+              <a:latin typeface="inter-regular"/>
+            </a:endParaRPr>
+          </a:p>
+          <a:p>
+            <a:endParaRPr lang="en-IN" dirty="0"/>
+          </a:p>
+        </p:txBody>
+      </p:sp>
+      <p:sp>
+        <p:nvSpPr>
+          <p:cNvPr id="3" name="Title 2">
+            <a:extLst>
+              <a:ext uri="{FF2B5EF4-FFF2-40B4-BE49-F238E27FC236}">
+                <a16:creationId xmlns:a16="http://schemas.microsoft.com/office/drawing/2014/main" id="{F336F31B-4242-4267-B5E5-6BEC719793C5}"/>
+              </a:ext>
+            </a:extLst>
+          </p:cNvPr>
+          <p:cNvSpPr>
+            <a:spLocks noGrp="1"/>
+          </p:cNvSpPr>
+          <p:nvPr>
+            <p:ph type="title"/>
+          </p:nvPr>
+        </p:nvSpPr>
+        <p:spPr/>
+        <p:txBody>
+          <a:bodyPr/>
+          <a:lstStyle/>
+          <a:p>
+            <a:r>
+              <a:rPr lang="en-IN" b="0" i="0" dirty="0">
+                <a:solidFill>
+                  <a:schemeClr val="accent1">
+                    <a:lumMod val="75000"/>
+                  </a:schemeClr>
+                </a:solidFill>
+                <a:effectLst/>
+                <a:latin typeface="erdana"/>
+              </a:rPr>
+              <a:t>Functional Testing</a:t>
+            </a:r>
+            <a:endParaRPr lang="en-IN" dirty="0">
+              <a:solidFill>
+                <a:schemeClr val="accent1">
+                  <a:lumMod val="75000"/>
+                </a:schemeClr>
+              </a:solidFill>
+            </a:endParaRPr>
+          </a:p>
+        </p:txBody>
+      </p:sp>
+    </p:spTree>
+    <p:extLst>
+      <p:ext uri="{BB962C8B-B14F-4D97-AF65-F5344CB8AC3E}">
+        <p14:creationId xmlns:p14="http://schemas.microsoft.com/office/powerpoint/2010/main" val="251329099"/>
+      </p:ext>
+    </p:extLst>
+  </p:cSld>
+  <p:clrMapOvr>
+    <a:masterClrMapping/>
+  </p:clrMapOvr>
+  <p:transition spd="slow">
+    <p:push dir="u"/>
+  </p:transition>
+</p:sld>
+</file>
+
+<file path=ppt/slides/slide68.xml><?xml version="1.0" encoding="utf-8"?>
+<p:sld xmlns:a="http://schemas.openxmlformats.org/drawingml/2006/main" xmlns:r="http://schemas.openxmlformats.org/officeDocument/2006/relationships" xmlns:p="http://schemas.openxmlformats.org/presentationml/2006/main">
+  <p:cSld>
+    <p:spTree>
+      <p:nvGrpSpPr>
+        <p:cNvPr id="1" name=""/>
+        <p:cNvGrpSpPr/>
+        <p:nvPr/>
+      </p:nvGrpSpPr>
+      <p:grpSpPr>
+        <a:xfrm>
+          <a:off x="0" y="0"/>
+          <a:ext cx="0" cy="0"/>
+          <a:chOff x="0" y="0"/>
+          <a:chExt cx="0" cy="0"/>
+        </a:xfrm>
+      </p:grpSpPr>
+      <p:sp>
+        <p:nvSpPr>
+          <p:cNvPr id="2" name="Content Placeholder 1">
+            <a:extLst>
+              <a:ext uri="{FF2B5EF4-FFF2-40B4-BE49-F238E27FC236}">
+                <a16:creationId xmlns:a16="http://schemas.microsoft.com/office/drawing/2014/main" id="{185F044E-BB08-4FAF-AB4A-6C4FAF413CC4}"/>
+              </a:ext>
+            </a:extLst>
+          </p:cNvPr>
+          <p:cNvSpPr>
+            <a:spLocks noGrp="1"/>
+          </p:cNvSpPr>
+          <p:nvPr>
+            <p:ph idx="1"/>
+          </p:nvPr>
+        </p:nvSpPr>
+        <p:spPr/>
+        <p:txBody>
+          <a:bodyPr/>
+          <a:lstStyle/>
+          <a:p>
+            <a:pPr algn="just"/>
+            <a:r>
+              <a:rPr lang="en-US" b="0" i="0" dirty="0">
+                <a:solidFill>
+                  <a:srgbClr val="333333"/>
+                </a:solidFill>
+                <a:effectLst/>
+                <a:latin typeface="inter-regular"/>
+              </a:rPr>
+              <a:t>Unit testing is the first level of functional testing in order to test any software. </a:t>
+            </a:r>
+          </a:p>
+          <a:p>
+            <a:pPr algn="just"/>
+            <a:r>
+              <a:rPr lang="en-US" b="0" i="0" dirty="0">
+                <a:solidFill>
+                  <a:srgbClr val="333333"/>
+                </a:solidFill>
+                <a:effectLst/>
+                <a:latin typeface="inter-regular"/>
+              </a:rPr>
+              <a:t>In this, the test engineer will test the module of an application independently or test all the module functionality is called </a:t>
+            </a:r>
+            <a:r>
+              <a:rPr lang="en-US" b="1" i="0" dirty="0">
+                <a:solidFill>
+                  <a:srgbClr val="333333"/>
+                </a:solidFill>
+                <a:effectLst/>
+                <a:latin typeface="inter-bold"/>
+              </a:rPr>
+              <a:t>unit testing</a:t>
+            </a:r>
+            <a:r>
+              <a:rPr lang="en-US" b="0" i="0" dirty="0">
+                <a:solidFill>
+                  <a:srgbClr val="333333"/>
+                </a:solidFill>
+                <a:effectLst/>
+                <a:latin typeface="inter-regular"/>
+              </a:rPr>
+              <a:t>.</a:t>
+            </a:r>
+          </a:p>
+          <a:p>
+            <a:pPr algn="just"/>
+            <a:r>
+              <a:rPr lang="en-US" b="0" i="0" dirty="0">
+                <a:solidFill>
+                  <a:srgbClr val="333333"/>
+                </a:solidFill>
+                <a:effectLst/>
+                <a:latin typeface="inter-regular"/>
+              </a:rPr>
+              <a:t>The primary objective of executing the unit testing is to confirm the unit components with their performance.</a:t>
+            </a:r>
+          </a:p>
+          <a:p>
+            <a:pPr algn="just"/>
+            <a:r>
+              <a:rPr lang="en-US" b="0" i="0" dirty="0">
+                <a:solidFill>
+                  <a:srgbClr val="333333"/>
+                </a:solidFill>
+                <a:effectLst/>
+                <a:latin typeface="inter-regular"/>
+              </a:rPr>
+              <a:t>Unit is defined as a single testable function of a software or an application. </a:t>
+            </a:r>
+          </a:p>
+          <a:p>
+            <a:pPr algn="just"/>
+            <a:r>
+              <a:rPr lang="en-US" b="0" i="0" dirty="0">
+                <a:solidFill>
+                  <a:srgbClr val="333333"/>
+                </a:solidFill>
+                <a:effectLst/>
+                <a:latin typeface="inter-regular"/>
+              </a:rPr>
+              <a:t>Verified throughout the specified application development phase.</a:t>
+            </a:r>
+          </a:p>
+          <a:p>
+            <a:endParaRPr lang="en-IN" dirty="0"/>
+          </a:p>
+        </p:txBody>
+      </p:sp>
+      <p:sp>
+        <p:nvSpPr>
+          <p:cNvPr id="3" name="Title 2">
+            <a:extLst>
+              <a:ext uri="{FF2B5EF4-FFF2-40B4-BE49-F238E27FC236}">
+                <a16:creationId xmlns:a16="http://schemas.microsoft.com/office/drawing/2014/main" id="{0EA85DDC-DA33-4D94-B4F7-70847111FBBC}"/>
+              </a:ext>
+            </a:extLst>
+          </p:cNvPr>
+          <p:cNvSpPr>
+            <a:spLocks noGrp="1"/>
+          </p:cNvSpPr>
+          <p:nvPr>
+            <p:ph type="title"/>
+          </p:nvPr>
+        </p:nvSpPr>
+        <p:spPr/>
+        <p:txBody>
+          <a:bodyPr/>
+          <a:lstStyle/>
+          <a:p>
+            <a:r>
+              <a:rPr lang="en-IN" b="0" i="0" dirty="0">
+                <a:solidFill>
+                  <a:schemeClr val="accent1">
+                    <a:lumMod val="75000"/>
+                  </a:schemeClr>
+                </a:solidFill>
+                <a:effectLst/>
+                <a:latin typeface="erdana"/>
+              </a:rPr>
+              <a:t>1. Unit Testing</a:t>
+            </a:r>
+            <a:endParaRPr lang="en-IN" dirty="0">
+              <a:solidFill>
+                <a:schemeClr val="accent1">
+                  <a:lumMod val="75000"/>
+                </a:schemeClr>
+              </a:solidFill>
+            </a:endParaRPr>
+          </a:p>
+        </p:txBody>
+      </p:sp>
+    </p:spTree>
+    <p:extLst>
+      <p:ext uri="{BB962C8B-B14F-4D97-AF65-F5344CB8AC3E}">
+        <p14:creationId xmlns:p14="http://schemas.microsoft.com/office/powerpoint/2010/main" val="1384847464"/>
+      </p:ext>
+    </p:extLst>
+  </p:cSld>
+  <p:clrMapOvr>
+    <a:masterClrMapping/>
+  </p:clrMapOvr>
+  <p:transition spd="slow">
+    <p:push dir="u"/>
+  </p:transition>
+</p:sld>
+</file>
+
+<file path=ppt/slides/slide69.xml><?xml version="1.0" encoding="utf-8"?>
+<p:sld xmlns:a="http://schemas.openxmlformats.org/drawingml/2006/main" xmlns:r="http://schemas.openxmlformats.org/officeDocument/2006/relationships" xmlns:p="http://schemas.openxmlformats.org/presentationml/2006/main">
+  <p:cSld>
+    <p:spTree>
+      <p:nvGrpSpPr>
+        <p:cNvPr id="1" name=""/>
+        <p:cNvGrpSpPr/>
+        <p:nvPr/>
+      </p:nvGrpSpPr>
+      <p:grpSpPr>
+        <a:xfrm>
+          <a:off x="0" y="0"/>
+          <a:ext cx="0" cy="0"/>
+          <a:chOff x="0" y="0"/>
+          <a:chExt cx="0" cy="0"/>
+        </a:xfrm>
+      </p:grpSpPr>
+      <p:sp>
+        <p:nvSpPr>
+          <p:cNvPr id="2" name="Content Placeholder 1">
+            <a:extLst>
+              <a:ext uri="{FF2B5EF4-FFF2-40B4-BE49-F238E27FC236}">
+                <a16:creationId xmlns:a16="http://schemas.microsoft.com/office/drawing/2014/main" id="{BD57BFEA-65E8-405E-98C9-5AC05076B548}"/>
+              </a:ext>
+            </a:extLst>
+          </p:cNvPr>
+          <p:cNvSpPr>
+            <a:spLocks noGrp="1"/>
+          </p:cNvSpPr>
+          <p:nvPr>
+            <p:ph idx="1"/>
+          </p:nvPr>
+        </p:nvSpPr>
+        <p:spPr/>
+        <p:txBody>
+          <a:bodyPr/>
+          <a:lstStyle/>
+          <a:p>
+            <a:pPr algn="just"/>
+            <a:r>
+              <a:rPr lang="en-US" b="0" i="0" dirty="0">
+                <a:solidFill>
+                  <a:srgbClr val="333333"/>
+                </a:solidFill>
+                <a:effectLst/>
+                <a:latin typeface="inter-regular"/>
+              </a:rPr>
+              <a:t>It is the second level of functional testing, test the data flow between dependent modules or interface between two features is called </a:t>
+            </a:r>
+            <a:r>
+              <a:rPr lang="en-US" b="1" i="0" dirty="0">
+                <a:solidFill>
+                  <a:srgbClr val="333333"/>
+                </a:solidFill>
+                <a:effectLst/>
+                <a:latin typeface="inter-bold"/>
+              </a:rPr>
+              <a:t>integration testing</a:t>
+            </a:r>
+            <a:r>
+              <a:rPr lang="en-US" b="0" i="0" dirty="0">
+                <a:solidFill>
+                  <a:srgbClr val="333333"/>
+                </a:solidFill>
+                <a:effectLst/>
+                <a:latin typeface="inter-regular"/>
+              </a:rPr>
+              <a:t>.</a:t>
+            </a:r>
+          </a:p>
+          <a:p>
+            <a:pPr algn="just"/>
+            <a:r>
+              <a:rPr lang="en-US" b="0" i="0" dirty="0">
+                <a:solidFill>
+                  <a:srgbClr val="333333"/>
+                </a:solidFill>
+                <a:effectLst/>
+                <a:latin typeface="inter-regular"/>
+              </a:rPr>
+              <a:t>The purpose of executing the integration testing is to test the statement's accuracy between each module.</a:t>
+            </a:r>
+          </a:p>
+          <a:p>
+            <a:pPr algn="just"/>
+            <a:endParaRPr lang="en-US" dirty="0">
+              <a:solidFill>
+                <a:srgbClr val="333333"/>
+              </a:solidFill>
+              <a:latin typeface="inter-regular"/>
+            </a:endParaRPr>
+          </a:p>
+          <a:p>
+            <a:pPr algn="just"/>
+            <a:r>
+              <a:rPr lang="en-US" b="0" i="0" dirty="0">
+                <a:solidFill>
+                  <a:srgbClr val="333333"/>
+                </a:solidFill>
+                <a:effectLst/>
+                <a:latin typeface="inter-regular"/>
+              </a:rPr>
+              <a:t>Types of Integration Testing</a:t>
+            </a:r>
+          </a:p>
+          <a:p>
+            <a:pPr lvl="1" algn="just">
+              <a:buFont typeface="Arial" panose="020B0604020202020204" pitchFamily="34" charset="0"/>
+              <a:buChar char="•"/>
+            </a:pPr>
+            <a:r>
+              <a:rPr lang="en-IN" i="0" dirty="0">
+                <a:solidFill>
+                  <a:srgbClr val="000000"/>
+                </a:solidFill>
+                <a:effectLst/>
+                <a:latin typeface="inter-bold"/>
+              </a:rPr>
+              <a:t>Incremental Testing</a:t>
+            </a:r>
+            <a:endParaRPr lang="en-IN" i="0" dirty="0">
+              <a:solidFill>
+                <a:srgbClr val="000000"/>
+              </a:solidFill>
+              <a:effectLst/>
+              <a:latin typeface="inter-regular"/>
+            </a:endParaRPr>
+          </a:p>
+          <a:p>
+            <a:pPr lvl="1" algn="just">
+              <a:buFont typeface="Arial" panose="020B0604020202020204" pitchFamily="34" charset="0"/>
+              <a:buChar char="•"/>
+            </a:pPr>
+            <a:r>
+              <a:rPr lang="en-IN" i="0" dirty="0">
+                <a:solidFill>
+                  <a:srgbClr val="000000"/>
+                </a:solidFill>
+                <a:effectLst/>
+                <a:latin typeface="inter-bold"/>
+              </a:rPr>
+              <a:t>Non-Incremental Testing</a:t>
+            </a:r>
+            <a:endParaRPr lang="en-IN" i="0" dirty="0">
+              <a:solidFill>
+                <a:srgbClr val="000000"/>
+              </a:solidFill>
+              <a:effectLst/>
+              <a:latin typeface="inter-regular"/>
+            </a:endParaRPr>
+          </a:p>
+          <a:p>
+            <a:pPr algn="just"/>
+            <a:endParaRPr lang="en-US" b="0" i="0" dirty="0">
+              <a:solidFill>
+                <a:srgbClr val="333333"/>
+              </a:solidFill>
+              <a:effectLst/>
+              <a:latin typeface="inter-regular"/>
+            </a:endParaRPr>
+          </a:p>
+          <a:p>
+            <a:endParaRPr lang="en-IN" dirty="0"/>
+          </a:p>
+        </p:txBody>
+      </p:sp>
+      <p:sp>
+        <p:nvSpPr>
+          <p:cNvPr id="3" name="Title 2">
+            <a:extLst>
+              <a:ext uri="{FF2B5EF4-FFF2-40B4-BE49-F238E27FC236}">
+                <a16:creationId xmlns:a16="http://schemas.microsoft.com/office/drawing/2014/main" id="{D9F57FBF-C55D-4848-B0FE-B67F8F868D54}"/>
+              </a:ext>
+            </a:extLst>
+          </p:cNvPr>
+          <p:cNvSpPr>
+            <a:spLocks noGrp="1"/>
+          </p:cNvSpPr>
+          <p:nvPr>
+            <p:ph type="title"/>
+          </p:nvPr>
+        </p:nvSpPr>
+        <p:spPr/>
+        <p:txBody>
+          <a:bodyPr/>
+          <a:lstStyle/>
+          <a:p>
+            <a:r>
+              <a:rPr lang="en-IN" b="0" i="0" dirty="0">
+                <a:solidFill>
+                  <a:schemeClr val="accent1">
+                    <a:lumMod val="75000"/>
+                  </a:schemeClr>
+                </a:solidFill>
+                <a:effectLst/>
+                <a:latin typeface="erdana"/>
+              </a:rPr>
+              <a:t>2. Integration Testing</a:t>
+            </a:r>
+            <a:endParaRPr lang="en-IN" dirty="0">
+              <a:solidFill>
+                <a:schemeClr val="accent1">
+                  <a:lumMod val="75000"/>
+                </a:schemeClr>
+              </a:solidFill>
+            </a:endParaRPr>
+          </a:p>
+        </p:txBody>
+      </p:sp>
+    </p:spTree>
+    <p:extLst>
+      <p:ext uri="{BB962C8B-B14F-4D97-AF65-F5344CB8AC3E}">
+        <p14:creationId xmlns:p14="http://schemas.microsoft.com/office/powerpoint/2010/main" val="4223824468"/>
+      </p:ext>
+    </p:extLst>
+  </p:cSld>
+  <p:clrMapOvr>
+    <a:masterClrMapping/>
+  </p:clrMapOvr>
+  <p:transition spd="slow">
+    <p:push dir="u"/>
+  </p:transition>
+</p:sld>
+</file>
+
 <file path=ppt/slides/slide7.xml><?xml version="1.0" encoding="utf-8"?>
 <p:sld xmlns:a="http://schemas.openxmlformats.org/drawingml/2006/main" xmlns:r="http://schemas.openxmlformats.org/officeDocument/2006/relationships" xmlns:p="http://schemas.openxmlformats.org/presentationml/2006/main">
   <p:cSld>
@@ -42512,6 +44250,1619 @@
   <p:clrMapOvr>
     <a:masterClrMapping/>
   </p:clrMapOvr>
+</p:sld>
+</file>
+
+<file path=ppt/slides/slide70.xml><?xml version="1.0" encoding="utf-8"?>
+<p:sld xmlns:a="http://schemas.openxmlformats.org/drawingml/2006/main" xmlns:r="http://schemas.openxmlformats.org/officeDocument/2006/relationships" xmlns:p="http://schemas.openxmlformats.org/presentationml/2006/main">
+  <p:cSld>
+    <p:spTree>
+      <p:nvGrpSpPr>
+        <p:cNvPr id="1" name=""/>
+        <p:cNvGrpSpPr/>
+        <p:nvPr/>
+      </p:nvGrpSpPr>
+      <p:grpSpPr>
+        <a:xfrm>
+          <a:off x="0" y="0"/>
+          <a:ext cx="0" cy="0"/>
+          <a:chOff x="0" y="0"/>
+          <a:chExt cx="0" cy="0"/>
+        </a:xfrm>
+      </p:grpSpPr>
+      <p:sp>
+        <p:nvSpPr>
+          <p:cNvPr id="2" name="Content Placeholder 1">
+            <a:extLst>
+              <a:ext uri="{FF2B5EF4-FFF2-40B4-BE49-F238E27FC236}">
+                <a16:creationId xmlns:a16="http://schemas.microsoft.com/office/drawing/2014/main" id="{42CA11C0-F3EB-4FF7-B305-6FA8E116A757}"/>
+              </a:ext>
+            </a:extLst>
+          </p:cNvPr>
+          <p:cNvSpPr>
+            <a:spLocks noGrp="1"/>
+          </p:cNvSpPr>
+          <p:nvPr>
+            <p:ph idx="1"/>
+          </p:nvPr>
+        </p:nvSpPr>
+        <p:spPr/>
+        <p:txBody>
+          <a:bodyPr/>
+          <a:lstStyle/>
+          <a:p>
+            <a:pPr algn="just"/>
+            <a:r>
+              <a:rPr lang="en-US" b="0" i="0" dirty="0">
+                <a:solidFill>
+                  <a:srgbClr val="333333"/>
+                </a:solidFill>
+                <a:effectLst/>
+                <a:latin typeface="inter-regular"/>
+              </a:rPr>
+              <a:t>Whenever there is a clear relationship between modules, we go for incremental integration testing. </a:t>
+            </a:r>
+          </a:p>
+          <a:p>
+            <a:pPr algn="just"/>
+            <a:r>
+              <a:rPr lang="en-US" b="0" i="0" dirty="0">
+                <a:solidFill>
+                  <a:srgbClr val="333333"/>
+                </a:solidFill>
+                <a:effectLst/>
+                <a:latin typeface="inter-regular"/>
+              </a:rPr>
+              <a:t>Suppose, we take two modules and analysis the data flow between them if they are working fine or not.</a:t>
+            </a:r>
+          </a:p>
+          <a:p>
+            <a:pPr algn="just"/>
+            <a:r>
+              <a:rPr lang="en-US" b="0" i="0" dirty="0">
+                <a:solidFill>
+                  <a:srgbClr val="333333"/>
+                </a:solidFill>
+                <a:effectLst/>
+                <a:latin typeface="inter-regular"/>
+              </a:rPr>
+              <a:t>If these modules are working fine, then we can add one more module and test again. </a:t>
+            </a:r>
+            <a:endParaRPr lang="en-US" dirty="0">
+              <a:solidFill>
+                <a:srgbClr val="333333"/>
+              </a:solidFill>
+              <a:latin typeface="inter-regular"/>
+            </a:endParaRPr>
+          </a:p>
+          <a:p>
+            <a:pPr algn="just"/>
+            <a:r>
+              <a:rPr lang="en-US" dirty="0">
+                <a:solidFill>
+                  <a:srgbClr val="333333"/>
+                </a:solidFill>
+                <a:latin typeface="inter-regular"/>
+              </a:rPr>
+              <a:t>W</a:t>
+            </a:r>
+            <a:r>
+              <a:rPr lang="en-US" b="0" i="0" dirty="0">
+                <a:solidFill>
+                  <a:srgbClr val="333333"/>
+                </a:solidFill>
+                <a:effectLst/>
+                <a:latin typeface="inter-regular"/>
+              </a:rPr>
+              <a:t>e can continue with the same process to get better results.</a:t>
+            </a:r>
+          </a:p>
+          <a:p>
+            <a:pPr algn="just"/>
+            <a:endParaRPr lang="en-US" dirty="0">
+              <a:solidFill>
+                <a:srgbClr val="333333"/>
+              </a:solidFill>
+              <a:latin typeface="inter-regular"/>
+            </a:endParaRPr>
+          </a:p>
+          <a:p>
+            <a:pPr algn="just"/>
+            <a:r>
+              <a:rPr lang="en-US" b="1" i="0" dirty="0">
+                <a:solidFill>
+                  <a:srgbClr val="333333"/>
+                </a:solidFill>
+                <a:effectLst/>
+                <a:latin typeface="inter-bold"/>
+              </a:rPr>
+              <a:t>Types of Incremental Integration Testing</a:t>
+            </a:r>
+          </a:p>
+          <a:p>
+            <a:pPr lvl="1" algn="just">
+              <a:buFont typeface="+mj-lt"/>
+              <a:buAutoNum type="arabicPeriod"/>
+            </a:pPr>
+            <a:r>
+              <a:rPr lang="en-US" b="1" i="0" dirty="0">
+                <a:solidFill>
+                  <a:srgbClr val="000000"/>
+                </a:solidFill>
+                <a:effectLst/>
+                <a:latin typeface="inter-bold"/>
+              </a:rPr>
+              <a:t>Top-down Incremental Integration Testing</a:t>
+            </a:r>
+          </a:p>
+          <a:p>
+            <a:pPr lvl="2"/>
+            <a:r>
+              <a:rPr lang="en-US" dirty="0">
+                <a:solidFill>
+                  <a:srgbClr val="333333"/>
+                </a:solidFill>
+                <a:latin typeface="inter-regular"/>
+              </a:rPr>
+              <a:t>A</a:t>
+            </a:r>
+            <a:r>
+              <a:rPr lang="en-US" b="0" i="0" dirty="0">
+                <a:solidFill>
+                  <a:srgbClr val="333333"/>
+                </a:solidFill>
+                <a:effectLst/>
+                <a:latin typeface="inter-regular"/>
+              </a:rPr>
+              <a:t>dd the modules step by step or incrementally and test the data flow between them. </a:t>
+            </a:r>
+          </a:p>
+          <a:p>
+            <a:pPr lvl="2"/>
+            <a:r>
+              <a:rPr lang="en-US" b="0" i="0" dirty="0">
+                <a:solidFill>
+                  <a:srgbClr val="333333"/>
+                </a:solidFill>
+                <a:effectLst/>
+                <a:latin typeface="inter-regular"/>
+              </a:rPr>
+              <a:t>Ensure that the modules we are adding are the </a:t>
+            </a:r>
+            <a:r>
+              <a:rPr lang="en-US" b="1" i="0" dirty="0">
+                <a:solidFill>
+                  <a:srgbClr val="333333"/>
+                </a:solidFill>
+                <a:effectLst/>
+                <a:latin typeface="inter-bold"/>
+              </a:rPr>
+              <a:t>child of the earlier ones</a:t>
+            </a:r>
+            <a:r>
+              <a:rPr lang="en-US" b="0" i="0" dirty="0">
+                <a:solidFill>
+                  <a:srgbClr val="333333"/>
+                </a:solidFill>
+                <a:effectLst/>
+                <a:latin typeface="inter-regular"/>
+              </a:rPr>
+              <a:t>.</a:t>
+            </a:r>
+          </a:p>
+          <a:p>
+            <a:pPr lvl="2" algn="just">
+              <a:buFont typeface="+mj-lt"/>
+              <a:buAutoNum type="arabicPeriod"/>
+            </a:pPr>
+            <a:endParaRPr lang="en-US" b="0" i="0" dirty="0">
+              <a:solidFill>
+                <a:srgbClr val="000000"/>
+              </a:solidFill>
+              <a:effectLst/>
+              <a:latin typeface="inter-regular"/>
+            </a:endParaRPr>
+          </a:p>
+          <a:p>
+            <a:pPr lvl="1" algn="just">
+              <a:buFont typeface="+mj-lt"/>
+              <a:buAutoNum type="arabicPeriod"/>
+            </a:pPr>
+            <a:r>
+              <a:rPr lang="en-US" b="1" i="0" dirty="0">
+                <a:solidFill>
+                  <a:srgbClr val="000000"/>
+                </a:solidFill>
+                <a:effectLst/>
+                <a:latin typeface="inter-bold"/>
+              </a:rPr>
+              <a:t>Bottom-up Incremental Integration Testing</a:t>
+            </a:r>
+          </a:p>
+          <a:p>
+            <a:pPr lvl="2" algn="just"/>
+            <a:r>
+              <a:rPr lang="en-US" dirty="0">
+                <a:solidFill>
+                  <a:srgbClr val="333333"/>
+                </a:solidFill>
+                <a:latin typeface="inter-regular"/>
+              </a:rPr>
+              <a:t>A</a:t>
+            </a:r>
+            <a:r>
+              <a:rPr lang="en-US" b="0" i="0" dirty="0">
+                <a:solidFill>
+                  <a:srgbClr val="333333"/>
+                </a:solidFill>
+                <a:effectLst/>
+                <a:latin typeface="inter-regular"/>
+              </a:rPr>
+              <a:t>dd the modules incrementally and check the data flow between modules. </a:t>
+            </a:r>
+          </a:p>
+          <a:p>
+            <a:pPr lvl="2" algn="just"/>
+            <a:r>
+              <a:rPr lang="en-US" b="0" i="0" dirty="0">
+                <a:solidFill>
+                  <a:srgbClr val="333333"/>
+                </a:solidFill>
+                <a:effectLst/>
+                <a:latin typeface="inter-regular"/>
+              </a:rPr>
+              <a:t>Ensure that the module we are adding is the </a:t>
+            </a:r>
+            <a:r>
+              <a:rPr lang="en-US" b="1" i="0" dirty="0">
+                <a:solidFill>
+                  <a:srgbClr val="333333"/>
+                </a:solidFill>
+                <a:effectLst/>
+                <a:latin typeface="inter-bold"/>
+              </a:rPr>
+              <a:t>parent of the earlier ones</a:t>
+            </a:r>
+            <a:r>
+              <a:rPr lang="en-US" b="0" i="0" dirty="0">
+                <a:solidFill>
+                  <a:srgbClr val="333333"/>
+                </a:solidFill>
+                <a:effectLst/>
+                <a:latin typeface="inter-regular"/>
+              </a:rPr>
+              <a:t>.</a:t>
+            </a:r>
+            <a:endParaRPr lang="en-US" b="0" i="0" dirty="0">
+              <a:solidFill>
+                <a:srgbClr val="000000"/>
+              </a:solidFill>
+              <a:effectLst/>
+              <a:latin typeface="inter-regular"/>
+            </a:endParaRPr>
+          </a:p>
+          <a:p>
+            <a:pPr algn="just"/>
+            <a:endParaRPr lang="en-US" b="0" i="0" dirty="0">
+              <a:solidFill>
+                <a:srgbClr val="333333"/>
+              </a:solidFill>
+              <a:effectLst/>
+              <a:latin typeface="inter-regular"/>
+            </a:endParaRPr>
+          </a:p>
+          <a:p>
+            <a:endParaRPr lang="en-IN" dirty="0"/>
+          </a:p>
+        </p:txBody>
+      </p:sp>
+      <p:sp>
+        <p:nvSpPr>
+          <p:cNvPr id="3" name="Title 2">
+            <a:extLst>
+              <a:ext uri="{FF2B5EF4-FFF2-40B4-BE49-F238E27FC236}">
+                <a16:creationId xmlns:a16="http://schemas.microsoft.com/office/drawing/2014/main" id="{2B0F8658-51C0-4CEA-AD9F-D63F45D1A3B6}"/>
+              </a:ext>
+            </a:extLst>
+          </p:cNvPr>
+          <p:cNvSpPr>
+            <a:spLocks noGrp="1"/>
+          </p:cNvSpPr>
+          <p:nvPr>
+            <p:ph type="title"/>
+          </p:nvPr>
+        </p:nvSpPr>
+        <p:spPr/>
+        <p:txBody>
+          <a:bodyPr/>
+          <a:lstStyle/>
+          <a:p>
+            <a:r>
+              <a:rPr lang="en-IN" b="0" i="0" dirty="0">
+                <a:solidFill>
+                  <a:schemeClr val="accent1">
+                    <a:lumMod val="75000"/>
+                  </a:schemeClr>
+                </a:solidFill>
+                <a:effectLst/>
+                <a:latin typeface="erdana"/>
+              </a:rPr>
+              <a:t>Incremental Integration Testing</a:t>
+            </a:r>
+            <a:endParaRPr lang="en-IN" dirty="0">
+              <a:solidFill>
+                <a:schemeClr val="accent1">
+                  <a:lumMod val="75000"/>
+                </a:schemeClr>
+              </a:solidFill>
+            </a:endParaRPr>
+          </a:p>
+        </p:txBody>
+      </p:sp>
+    </p:spTree>
+    <p:extLst>
+      <p:ext uri="{BB962C8B-B14F-4D97-AF65-F5344CB8AC3E}">
+        <p14:creationId xmlns:p14="http://schemas.microsoft.com/office/powerpoint/2010/main" val="1374507788"/>
+      </p:ext>
+    </p:extLst>
+  </p:cSld>
+  <p:clrMapOvr>
+    <a:masterClrMapping/>
+  </p:clrMapOvr>
+  <p:transition spd="slow">
+    <p:push dir="u"/>
+  </p:transition>
+</p:sld>
+</file>
+
+<file path=ppt/slides/slide71.xml><?xml version="1.0" encoding="utf-8"?>
+<p:sld xmlns:a="http://schemas.openxmlformats.org/drawingml/2006/main" xmlns:r="http://schemas.openxmlformats.org/officeDocument/2006/relationships" xmlns:p="http://schemas.openxmlformats.org/presentationml/2006/main">
+  <p:cSld>
+    <p:spTree>
+      <p:nvGrpSpPr>
+        <p:cNvPr id="1" name=""/>
+        <p:cNvGrpSpPr/>
+        <p:nvPr/>
+      </p:nvGrpSpPr>
+      <p:grpSpPr>
+        <a:xfrm>
+          <a:off x="0" y="0"/>
+          <a:ext cx="0" cy="0"/>
+          <a:chOff x="0" y="0"/>
+          <a:chExt cx="0" cy="0"/>
+        </a:xfrm>
+      </p:grpSpPr>
+      <p:sp>
+        <p:nvSpPr>
+          <p:cNvPr id="2" name="Content Placeholder 1">
+            <a:extLst>
+              <a:ext uri="{FF2B5EF4-FFF2-40B4-BE49-F238E27FC236}">
+                <a16:creationId xmlns:a16="http://schemas.microsoft.com/office/drawing/2014/main" id="{F8F1A3A8-7CDA-45D7-93DF-B0FF3FE94F49}"/>
+              </a:ext>
+            </a:extLst>
+          </p:cNvPr>
+          <p:cNvSpPr>
+            <a:spLocks noGrp="1"/>
+          </p:cNvSpPr>
+          <p:nvPr>
+            <p:ph idx="1"/>
+          </p:nvPr>
+        </p:nvSpPr>
+        <p:spPr/>
+        <p:txBody>
+          <a:bodyPr/>
+          <a:lstStyle/>
+          <a:p>
+            <a:r>
+              <a:rPr lang="en-US" b="0" i="0" dirty="0">
+                <a:solidFill>
+                  <a:srgbClr val="333333"/>
+                </a:solidFill>
+                <a:effectLst/>
+                <a:latin typeface="inter-regular"/>
+              </a:rPr>
+              <a:t>Whenever the data flow is complex and very difficult to classify a parent and a child,  go for the non-incremental integration approach.</a:t>
+            </a:r>
+            <a:endParaRPr lang="en-IN" dirty="0"/>
+          </a:p>
+        </p:txBody>
+      </p:sp>
+      <p:sp>
+        <p:nvSpPr>
+          <p:cNvPr id="3" name="Title 2">
+            <a:extLst>
+              <a:ext uri="{FF2B5EF4-FFF2-40B4-BE49-F238E27FC236}">
+                <a16:creationId xmlns:a16="http://schemas.microsoft.com/office/drawing/2014/main" id="{44C6C79F-62D3-4175-AE9D-B1CB93C7ADC1}"/>
+              </a:ext>
+            </a:extLst>
+          </p:cNvPr>
+          <p:cNvSpPr>
+            <a:spLocks noGrp="1"/>
+          </p:cNvSpPr>
+          <p:nvPr>
+            <p:ph type="title"/>
+          </p:nvPr>
+        </p:nvSpPr>
+        <p:spPr/>
+        <p:txBody>
+          <a:bodyPr/>
+          <a:lstStyle/>
+          <a:p>
+            <a:pPr algn="just"/>
+            <a:r>
+              <a:rPr lang="en-US" b="0" i="0" dirty="0">
+                <a:solidFill>
+                  <a:schemeClr val="accent1">
+                    <a:lumMod val="75000"/>
+                  </a:schemeClr>
+                </a:solidFill>
+                <a:effectLst/>
+                <a:latin typeface="erdana"/>
+              </a:rPr>
+              <a:t>Non-Incremental Integration Testing/ Big Bang Method</a:t>
+            </a:r>
+          </a:p>
+        </p:txBody>
+      </p:sp>
+    </p:spTree>
+    <p:extLst>
+      <p:ext uri="{BB962C8B-B14F-4D97-AF65-F5344CB8AC3E}">
+        <p14:creationId xmlns:p14="http://schemas.microsoft.com/office/powerpoint/2010/main" val="2452255276"/>
+      </p:ext>
+    </p:extLst>
+  </p:cSld>
+  <p:clrMapOvr>
+    <a:masterClrMapping/>
+  </p:clrMapOvr>
+  <p:transition spd="slow">
+    <p:push dir="u"/>
+  </p:transition>
+</p:sld>
+</file>
+
+<file path=ppt/slides/slide72.xml><?xml version="1.0" encoding="utf-8"?>
+<p:sld xmlns:a="http://schemas.openxmlformats.org/drawingml/2006/main" xmlns:r="http://schemas.openxmlformats.org/officeDocument/2006/relationships" xmlns:p="http://schemas.openxmlformats.org/presentationml/2006/main">
+  <p:cSld>
+    <p:spTree>
+      <p:nvGrpSpPr>
+        <p:cNvPr id="1" name=""/>
+        <p:cNvGrpSpPr/>
+        <p:nvPr/>
+      </p:nvGrpSpPr>
+      <p:grpSpPr>
+        <a:xfrm>
+          <a:off x="0" y="0"/>
+          <a:ext cx="0" cy="0"/>
+          <a:chOff x="0" y="0"/>
+          <a:chExt cx="0" cy="0"/>
+        </a:xfrm>
+      </p:grpSpPr>
+      <p:sp>
+        <p:nvSpPr>
+          <p:cNvPr id="2" name="Content Placeholder 1">
+            <a:extLst>
+              <a:ext uri="{FF2B5EF4-FFF2-40B4-BE49-F238E27FC236}">
+                <a16:creationId xmlns:a16="http://schemas.microsoft.com/office/drawing/2014/main" id="{9C9BF69A-E30B-4122-B6B0-99AFFFC53CE5}"/>
+              </a:ext>
+            </a:extLst>
+          </p:cNvPr>
+          <p:cNvSpPr>
+            <a:spLocks noGrp="1"/>
+          </p:cNvSpPr>
+          <p:nvPr>
+            <p:ph idx="1"/>
+          </p:nvPr>
+        </p:nvSpPr>
+        <p:spPr/>
+        <p:txBody>
+          <a:bodyPr/>
+          <a:lstStyle/>
+          <a:p>
+            <a:pPr algn="just"/>
+            <a:r>
+              <a:rPr lang="en-US" b="0" i="0" dirty="0">
+                <a:solidFill>
+                  <a:srgbClr val="333333"/>
+                </a:solidFill>
+                <a:effectLst/>
+                <a:latin typeface="inter-regular"/>
+              </a:rPr>
+              <a:t>Whenever we are done with the unit and integration testing, we can proceed with the system testing.</a:t>
+            </a:r>
+          </a:p>
+          <a:p>
+            <a:pPr algn="just"/>
+            <a:r>
+              <a:rPr lang="en-US" b="0" i="0" dirty="0">
+                <a:solidFill>
+                  <a:srgbClr val="333333"/>
+                </a:solidFill>
+                <a:effectLst/>
+                <a:latin typeface="inter-regular"/>
+              </a:rPr>
+              <a:t>In system testing, the test environment is parallel to the production environment. </a:t>
+            </a:r>
+          </a:p>
+          <a:p>
+            <a:pPr algn="just"/>
+            <a:r>
+              <a:rPr lang="en-US" b="0" i="0" dirty="0">
+                <a:solidFill>
+                  <a:srgbClr val="333333"/>
+                </a:solidFill>
+                <a:effectLst/>
+                <a:latin typeface="inter-regular"/>
+              </a:rPr>
+              <a:t>It is also known as </a:t>
+            </a:r>
+            <a:r>
+              <a:rPr lang="en-US" b="1" i="0" dirty="0">
+                <a:solidFill>
+                  <a:srgbClr val="333333"/>
+                </a:solidFill>
+                <a:effectLst/>
+                <a:latin typeface="inter-bold"/>
+              </a:rPr>
+              <a:t>end-to-end</a:t>
+            </a:r>
+            <a:r>
+              <a:rPr lang="en-US" b="0" i="0" dirty="0">
+                <a:solidFill>
+                  <a:srgbClr val="333333"/>
+                </a:solidFill>
+                <a:effectLst/>
+                <a:latin typeface="inter-regular"/>
+              </a:rPr>
+              <a:t> testing.</a:t>
+            </a:r>
+          </a:p>
+          <a:p>
+            <a:pPr algn="just"/>
+            <a:r>
+              <a:rPr lang="en-US" b="0" i="0" dirty="0">
+                <a:solidFill>
+                  <a:srgbClr val="333333"/>
+                </a:solidFill>
+                <a:effectLst/>
+                <a:latin typeface="inter-regular"/>
+              </a:rPr>
+              <a:t>In this type of testing, we will undergo each attribute of the software and test if the end feature works according to the business requirement. </a:t>
+            </a:r>
+          </a:p>
+          <a:p>
+            <a:pPr algn="just"/>
+            <a:r>
+              <a:rPr lang="en-US" b="0" i="0" dirty="0">
+                <a:solidFill>
+                  <a:srgbClr val="333333"/>
+                </a:solidFill>
+                <a:effectLst/>
+                <a:latin typeface="inter-regular"/>
+              </a:rPr>
+              <a:t>Analysis the software product as a complete system.</a:t>
+            </a:r>
+          </a:p>
+          <a:p>
+            <a:endParaRPr lang="en-IN" dirty="0"/>
+          </a:p>
+        </p:txBody>
+      </p:sp>
+      <p:sp>
+        <p:nvSpPr>
+          <p:cNvPr id="3" name="Title 2">
+            <a:extLst>
+              <a:ext uri="{FF2B5EF4-FFF2-40B4-BE49-F238E27FC236}">
+                <a16:creationId xmlns:a16="http://schemas.microsoft.com/office/drawing/2014/main" id="{48179335-1781-4DD4-8279-2F89983F509F}"/>
+              </a:ext>
+            </a:extLst>
+          </p:cNvPr>
+          <p:cNvSpPr>
+            <a:spLocks noGrp="1"/>
+          </p:cNvSpPr>
+          <p:nvPr>
+            <p:ph type="title"/>
+          </p:nvPr>
+        </p:nvSpPr>
+        <p:spPr/>
+        <p:txBody>
+          <a:bodyPr/>
+          <a:lstStyle/>
+          <a:p>
+            <a:r>
+              <a:rPr lang="en-IN" b="0" i="0" dirty="0">
+                <a:solidFill>
+                  <a:schemeClr val="accent1">
+                    <a:lumMod val="75000"/>
+                  </a:schemeClr>
+                </a:solidFill>
+                <a:effectLst/>
+                <a:latin typeface="erdana"/>
+              </a:rPr>
+              <a:t>3. System Testing</a:t>
+            </a:r>
+            <a:endParaRPr lang="en-IN" dirty="0">
+              <a:solidFill>
+                <a:schemeClr val="accent1">
+                  <a:lumMod val="75000"/>
+                </a:schemeClr>
+              </a:solidFill>
+            </a:endParaRPr>
+          </a:p>
+        </p:txBody>
+      </p:sp>
+    </p:spTree>
+    <p:extLst>
+      <p:ext uri="{BB962C8B-B14F-4D97-AF65-F5344CB8AC3E}">
+        <p14:creationId xmlns:p14="http://schemas.microsoft.com/office/powerpoint/2010/main" val="3105352512"/>
+      </p:ext>
+    </p:extLst>
+  </p:cSld>
+  <p:clrMapOvr>
+    <a:masterClrMapping/>
+  </p:clrMapOvr>
+  <p:transition spd="slow">
+    <p:push dir="u"/>
+  </p:transition>
+</p:sld>
+</file>
+
+<file path=ppt/slides/slide73.xml><?xml version="1.0" encoding="utf-8"?>
+<p:sld xmlns:a="http://schemas.openxmlformats.org/drawingml/2006/main" xmlns:r="http://schemas.openxmlformats.org/officeDocument/2006/relationships" xmlns:p="http://schemas.openxmlformats.org/presentationml/2006/main">
+  <p:cSld>
+    <p:spTree>
+      <p:nvGrpSpPr>
+        <p:cNvPr id="1" name=""/>
+        <p:cNvGrpSpPr/>
+        <p:nvPr/>
+      </p:nvGrpSpPr>
+      <p:grpSpPr>
+        <a:xfrm>
+          <a:off x="0" y="0"/>
+          <a:ext cx="0" cy="0"/>
+          <a:chOff x="0" y="0"/>
+          <a:chExt cx="0" cy="0"/>
+        </a:xfrm>
+      </p:grpSpPr>
+      <p:sp>
+        <p:nvSpPr>
+          <p:cNvPr id="2" name="Content Placeholder 1">
+            <a:extLst>
+              <a:ext uri="{FF2B5EF4-FFF2-40B4-BE49-F238E27FC236}">
+                <a16:creationId xmlns:a16="http://schemas.microsoft.com/office/drawing/2014/main" id="{A7877010-322D-420F-A3A6-A279B019A85B}"/>
+              </a:ext>
+            </a:extLst>
+          </p:cNvPr>
+          <p:cNvSpPr>
+            <a:spLocks noGrp="1"/>
+          </p:cNvSpPr>
+          <p:nvPr>
+            <p:ph idx="1"/>
+          </p:nvPr>
+        </p:nvSpPr>
+        <p:spPr/>
+        <p:txBody>
+          <a:bodyPr/>
+          <a:lstStyle/>
+          <a:p>
+            <a:pPr algn="just"/>
+            <a:r>
+              <a:rPr lang="en-US" b="0" i="0" dirty="0">
+                <a:solidFill>
+                  <a:srgbClr val="333333"/>
+                </a:solidFill>
+                <a:effectLst/>
+                <a:latin typeface="inter-regular"/>
+              </a:rPr>
+              <a:t>Provides detailed information on software product performance and used technologies.</a:t>
+            </a:r>
+          </a:p>
+          <a:p>
+            <a:pPr algn="just"/>
+            <a:r>
+              <a:rPr lang="en-US" b="0" i="0" dirty="0">
+                <a:solidFill>
+                  <a:srgbClr val="333333"/>
+                </a:solidFill>
+                <a:effectLst/>
+                <a:latin typeface="inter-regular"/>
+              </a:rPr>
+              <a:t>Non-functional testing will help us minimize the risk of production and related costs of the software.</a:t>
+            </a:r>
+          </a:p>
+          <a:p>
+            <a:pPr algn="just"/>
+            <a:r>
+              <a:rPr lang="en-US" b="0" i="0" dirty="0">
+                <a:solidFill>
+                  <a:srgbClr val="333333"/>
+                </a:solidFill>
+                <a:effectLst/>
+                <a:latin typeface="inter-regular"/>
+              </a:rPr>
+              <a:t>Non-functional testing is a combination of </a:t>
+            </a:r>
+            <a:r>
+              <a:rPr lang="en-US" b="1" i="0" dirty="0">
+                <a:solidFill>
+                  <a:srgbClr val="333333"/>
+                </a:solidFill>
+                <a:effectLst/>
+                <a:latin typeface="inter-bold"/>
+              </a:rPr>
+              <a:t>performance, load, stress, usability and, compatibility testing</a:t>
+            </a:r>
+            <a:r>
+              <a:rPr lang="en-US" b="0" i="0" dirty="0">
+                <a:solidFill>
+                  <a:srgbClr val="333333"/>
+                </a:solidFill>
+                <a:effectLst/>
+                <a:latin typeface="inter-regular"/>
+              </a:rPr>
+              <a:t>.</a:t>
+            </a:r>
+          </a:p>
+          <a:p>
+            <a:endParaRPr lang="en-IN" dirty="0"/>
+          </a:p>
+          <a:p>
+            <a:r>
+              <a:rPr lang="en-IN" b="1" i="0" dirty="0">
+                <a:solidFill>
+                  <a:schemeClr val="accent1">
+                    <a:lumMod val="75000"/>
+                  </a:schemeClr>
+                </a:solidFill>
+                <a:effectLst/>
+                <a:latin typeface="erdana"/>
+              </a:rPr>
+              <a:t>Types of Non-functional Testing</a:t>
+            </a:r>
+          </a:p>
+          <a:p>
+            <a:pPr lvl="1" algn="just">
+              <a:buFont typeface="Arial" panose="020B0604020202020204" pitchFamily="34" charset="0"/>
+              <a:buChar char="•"/>
+            </a:pPr>
+            <a:r>
+              <a:rPr lang="en-US" b="1" i="0" dirty="0">
+                <a:solidFill>
+                  <a:srgbClr val="000000"/>
+                </a:solidFill>
+                <a:effectLst/>
+                <a:latin typeface="inter-bold"/>
+              </a:rPr>
+              <a:t>Performance Testing</a:t>
+            </a:r>
+            <a:endParaRPr lang="en-US" b="0" i="0" dirty="0">
+              <a:solidFill>
+                <a:srgbClr val="000000"/>
+              </a:solidFill>
+              <a:effectLst/>
+              <a:latin typeface="inter-regular"/>
+            </a:endParaRPr>
+          </a:p>
+          <a:p>
+            <a:pPr lvl="1" algn="just">
+              <a:buFont typeface="Arial" panose="020B0604020202020204" pitchFamily="34" charset="0"/>
+              <a:buChar char="•"/>
+            </a:pPr>
+            <a:r>
+              <a:rPr lang="en-US" b="1" i="0" dirty="0">
+                <a:solidFill>
+                  <a:srgbClr val="000000"/>
+                </a:solidFill>
+                <a:effectLst/>
+                <a:latin typeface="inter-bold"/>
+              </a:rPr>
+              <a:t>Usability Testing</a:t>
+            </a:r>
+            <a:endParaRPr lang="en-US" b="0" i="0" dirty="0">
+              <a:solidFill>
+                <a:srgbClr val="000000"/>
+              </a:solidFill>
+              <a:effectLst/>
+              <a:latin typeface="inter-regular"/>
+            </a:endParaRPr>
+          </a:p>
+          <a:p>
+            <a:pPr lvl="1" algn="just">
+              <a:buFont typeface="Arial" panose="020B0604020202020204" pitchFamily="34" charset="0"/>
+              <a:buChar char="•"/>
+            </a:pPr>
+            <a:r>
+              <a:rPr lang="en-US" b="1" i="0" dirty="0">
+                <a:solidFill>
+                  <a:srgbClr val="000000"/>
+                </a:solidFill>
+                <a:effectLst/>
+                <a:latin typeface="inter-bold"/>
+              </a:rPr>
+              <a:t>Compatibility Testing</a:t>
+            </a:r>
+            <a:endParaRPr lang="en-US" b="0" i="0" dirty="0">
+              <a:solidFill>
+                <a:srgbClr val="000000"/>
+              </a:solidFill>
+              <a:effectLst/>
+              <a:latin typeface="inter-regular"/>
+            </a:endParaRPr>
+          </a:p>
+          <a:p>
+            <a:endParaRPr lang="en-IN" dirty="0"/>
+          </a:p>
+        </p:txBody>
+      </p:sp>
+      <p:sp>
+        <p:nvSpPr>
+          <p:cNvPr id="3" name="Title 2">
+            <a:extLst>
+              <a:ext uri="{FF2B5EF4-FFF2-40B4-BE49-F238E27FC236}">
+                <a16:creationId xmlns:a16="http://schemas.microsoft.com/office/drawing/2014/main" id="{99F38FEA-7430-4DF5-82A8-9C4B773F6EC0}"/>
+              </a:ext>
+            </a:extLst>
+          </p:cNvPr>
+          <p:cNvSpPr>
+            <a:spLocks noGrp="1"/>
+          </p:cNvSpPr>
+          <p:nvPr>
+            <p:ph type="title"/>
+          </p:nvPr>
+        </p:nvSpPr>
+        <p:spPr/>
+        <p:txBody>
+          <a:bodyPr/>
+          <a:lstStyle/>
+          <a:p>
+            <a:r>
+              <a:rPr lang="en-IN" b="0" i="0" dirty="0">
+                <a:solidFill>
+                  <a:schemeClr val="accent1">
+                    <a:lumMod val="75000"/>
+                  </a:schemeClr>
+                </a:solidFill>
+                <a:effectLst/>
+                <a:latin typeface="erdana"/>
+              </a:rPr>
+              <a:t>Non-function Testing</a:t>
+            </a:r>
+            <a:endParaRPr lang="en-IN" dirty="0">
+              <a:solidFill>
+                <a:schemeClr val="accent1">
+                  <a:lumMod val="75000"/>
+                </a:schemeClr>
+              </a:solidFill>
+            </a:endParaRPr>
+          </a:p>
+        </p:txBody>
+      </p:sp>
+    </p:spTree>
+    <p:extLst>
+      <p:ext uri="{BB962C8B-B14F-4D97-AF65-F5344CB8AC3E}">
+        <p14:creationId xmlns:p14="http://schemas.microsoft.com/office/powerpoint/2010/main" val="882668066"/>
+      </p:ext>
+    </p:extLst>
+  </p:cSld>
+  <p:clrMapOvr>
+    <a:masterClrMapping/>
+  </p:clrMapOvr>
+  <p:transition spd="slow">
+    <p:push dir="u"/>
+  </p:transition>
+</p:sld>
+</file>
+
+<file path=ppt/slides/slide74.xml><?xml version="1.0" encoding="utf-8"?>
+<p:sld xmlns:a="http://schemas.openxmlformats.org/drawingml/2006/main" xmlns:r="http://schemas.openxmlformats.org/officeDocument/2006/relationships" xmlns:p="http://schemas.openxmlformats.org/presentationml/2006/main">
+  <p:cSld>
+    <p:spTree>
+      <p:nvGrpSpPr>
+        <p:cNvPr id="1" name=""/>
+        <p:cNvGrpSpPr/>
+        <p:nvPr/>
+      </p:nvGrpSpPr>
+      <p:grpSpPr>
+        <a:xfrm>
+          <a:off x="0" y="0"/>
+          <a:ext cx="0" cy="0"/>
+          <a:chOff x="0" y="0"/>
+          <a:chExt cx="0" cy="0"/>
+        </a:xfrm>
+      </p:grpSpPr>
+      <p:sp>
+        <p:nvSpPr>
+          <p:cNvPr id="2" name="Content Placeholder 1">
+            <a:extLst>
+              <a:ext uri="{FF2B5EF4-FFF2-40B4-BE49-F238E27FC236}">
+                <a16:creationId xmlns:a16="http://schemas.microsoft.com/office/drawing/2014/main" id="{FB6FF921-6FFD-4C1B-9158-324ACD06BF08}"/>
+              </a:ext>
+            </a:extLst>
+          </p:cNvPr>
+          <p:cNvSpPr>
+            <a:spLocks noGrp="1"/>
+          </p:cNvSpPr>
+          <p:nvPr>
+            <p:ph idx="1"/>
+          </p:nvPr>
+        </p:nvSpPr>
+        <p:spPr/>
+        <p:txBody>
+          <a:bodyPr/>
+          <a:lstStyle/>
+          <a:p>
+            <a:pPr algn="just"/>
+            <a:r>
+              <a:rPr lang="en-US" dirty="0">
+                <a:solidFill>
+                  <a:srgbClr val="333333"/>
+                </a:solidFill>
+                <a:latin typeface="inter-regular"/>
+              </a:rPr>
+              <a:t>T</a:t>
+            </a:r>
+            <a:r>
+              <a:rPr lang="en-US" b="0" i="0" dirty="0">
+                <a:solidFill>
+                  <a:srgbClr val="333333"/>
+                </a:solidFill>
+                <a:effectLst/>
+                <a:latin typeface="inter-regular"/>
+              </a:rPr>
+              <a:t>est engineer will test the working of an application by applying some load.</a:t>
+            </a:r>
+          </a:p>
+          <a:p>
+            <a:pPr algn="just"/>
+            <a:r>
+              <a:rPr lang="en-US" b="0" i="0" dirty="0">
+                <a:solidFill>
+                  <a:srgbClr val="333333"/>
+                </a:solidFill>
+                <a:effectLst/>
+                <a:latin typeface="inter-regular"/>
+              </a:rPr>
+              <a:t>Test engineer will only focus on several aspects, such as </a:t>
+            </a:r>
+            <a:r>
+              <a:rPr lang="en-US" b="1" i="0" dirty="0">
+                <a:solidFill>
+                  <a:srgbClr val="333333"/>
+                </a:solidFill>
+                <a:effectLst/>
+                <a:latin typeface="inter-bold"/>
+              </a:rPr>
+              <a:t>Response time, Load, scalability, and Stability</a:t>
+            </a:r>
+            <a:r>
+              <a:rPr lang="en-US" b="0" i="0" dirty="0">
+                <a:solidFill>
+                  <a:srgbClr val="333333"/>
+                </a:solidFill>
+                <a:effectLst/>
+                <a:latin typeface="inter-regular"/>
+              </a:rPr>
+              <a:t> of the software or an application.</a:t>
+            </a:r>
+          </a:p>
+          <a:p>
+            <a:pPr algn="just"/>
+            <a:endParaRPr lang="en-US" b="1" i="0" dirty="0">
+              <a:solidFill>
+                <a:srgbClr val="333333"/>
+              </a:solidFill>
+              <a:effectLst/>
+              <a:latin typeface="inter-bold"/>
+            </a:endParaRPr>
+          </a:p>
+          <a:p>
+            <a:endParaRPr lang="en-IN" dirty="0"/>
+          </a:p>
+        </p:txBody>
+      </p:sp>
+      <p:sp>
+        <p:nvSpPr>
+          <p:cNvPr id="3" name="Title 2">
+            <a:extLst>
+              <a:ext uri="{FF2B5EF4-FFF2-40B4-BE49-F238E27FC236}">
+                <a16:creationId xmlns:a16="http://schemas.microsoft.com/office/drawing/2014/main" id="{EE0E7902-AEBA-4DA7-9720-754DE1172577}"/>
+              </a:ext>
+            </a:extLst>
+          </p:cNvPr>
+          <p:cNvSpPr>
+            <a:spLocks noGrp="1"/>
+          </p:cNvSpPr>
+          <p:nvPr>
+            <p:ph type="title"/>
+          </p:nvPr>
+        </p:nvSpPr>
+        <p:spPr/>
+        <p:txBody>
+          <a:bodyPr/>
+          <a:lstStyle/>
+          <a:p>
+            <a:r>
+              <a:rPr lang="en-IN" b="0" i="0" dirty="0">
+                <a:solidFill>
+                  <a:schemeClr val="accent1">
+                    <a:lumMod val="75000"/>
+                  </a:schemeClr>
+                </a:solidFill>
+                <a:effectLst/>
+                <a:latin typeface="erdana"/>
+              </a:rPr>
+              <a:t>1. Performance Testing</a:t>
+            </a:r>
+            <a:endParaRPr lang="en-IN" dirty="0">
+              <a:solidFill>
+                <a:schemeClr val="accent1">
+                  <a:lumMod val="75000"/>
+                </a:schemeClr>
+              </a:solidFill>
+            </a:endParaRPr>
+          </a:p>
+        </p:txBody>
+      </p:sp>
+    </p:spTree>
+    <p:extLst>
+      <p:ext uri="{BB962C8B-B14F-4D97-AF65-F5344CB8AC3E}">
+        <p14:creationId xmlns:p14="http://schemas.microsoft.com/office/powerpoint/2010/main" val="3534771026"/>
+      </p:ext>
+    </p:extLst>
+  </p:cSld>
+  <p:clrMapOvr>
+    <a:masterClrMapping/>
+  </p:clrMapOvr>
+  <p:transition spd="slow">
+    <p:push dir="u"/>
+  </p:transition>
+</p:sld>
+</file>
+
+<file path=ppt/slides/slide75.xml><?xml version="1.0" encoding="utf-8"?>
+<p:sld xmlns:a="http://schemas.openxmlformats.org/drawingml/2006/main" xmlns:r="http://schemas.openxmlformats.org/officeDocument/2006/relationships" xmlns:p="http://schemas.openxmlformats.org/presentationml/2006/main">
+  <p:cSld>
+    <p:spTree>
+      <p:nvGrpSpPr>
+        <p:cNvPr id="1" name=""/>
+        <p:cNvGrpSpPr/>
+        <p:nvPr/>
+      </p:nvGrpSpPr>
+      <p:grpSpPr>
+        <a:xfrm>
+          <a:off x="0" y="0"/>
+          <a:ext cx="0" cy="0"/>
+          <a:chOff x="0" y="0"/>
+          <a:chExt cx="0" cy="0"/>
+        </a:xfrm>
+      </p:grpSpPr>
+      <p:sp>
+        <p:nvSpPr>
+          <p:cNvPr id="2" name="Content Placeholder 1">
+            <a:extLst>
+              <a:ext uri="{FF2B5EF4-FFF2-40B4-BE49-F238E27FC236}">
+                <a16:creationId xmlns:a16="http://schemas.microsoft.com/office/drawing/2014/main" id="{EAF543CF-DD29-4D02-88A6-EB7399FCC111}"/>
+              </a:ext>
+            </a:extLst>
+          </p:cNvPr>
+          <p:cNvSpPr>
+            <a:spLocks noGrp="1"/>
+          </p:cNvSpPr>
+          <p:nvPr>
+            <p:ph idx="1"/>
+          </p:nvPr>
+        </p:nvSpPr>
+        <p:spPr/>
+        <p:txBody>
+          <a:bodyPr/>
+          <a:lstStyle/>
+          <a:p>
+            <a:pPr algn="just"/>
+            <a:r>
+              <a:rPr lang="en-US" sz="1800" b="1" i="0" dirty="0">
+                <a:solidFill>
+                  <a:srgbClr val="000000"/>
+                </a:solidFill>
+                <a:effectLst/>
+                <a:latin typeface="inter-bold"/>
+              </a:rPr>
+              <a:t>Load Testing</a:t>
+            </a:r>
+          </a:p>
+          <a:p>
+            <a:pPr lvl="1" algn="just"/>
+            <a:r>
+              <a:rPr lang="en-US" sz="1600" b="0" i="0" dirty="0">
+                <a:solidFill>
+                  <a:srgbClr val="333333"/>
+                </a:solidFill>
+                <a:effectLst/>
+                <a:latin typeface="inter-regular"/>
+              </a:rPr>
+              <a:t>Apply some load on the particular application to check the application's performance, known as </a:t>
+            </a:r>
+            <a:r>
+              <a:rPr lang="en-US" sz="1600" b="1" i="0" dirty="0">
+                <a:solidFill>
+                  <a:srgbClr val="333333"/>
+                </a:solidFill>
+                <a:effectLst/>
+                <a:latin typeface="inter-bold"/>
+              </a:rPr>
+              <a:t>load testing</a:t>
+            </a:r>
+            <a:r>
+              <a:rPr lang="en-US" sz="1600" b="0" i="0" dirty="0">
+                <a:solidFill>
+                  <a:srgbClr val="333333"/>
+                </a:solidFill>
+                <a:effectLst/>
+                <a:latin typeface="inter-regular"/>
+              </a:rPr>
+              <a:t>. </a:t>
+            </a:r>
+          </a:p>
+          <a:p>
+            <a:pPr lvl="1" algn="just"/>
+            <a:r>
+              <a:rPr lang="en-US" sz="1600" b="0" i="0" dirty="0">
+                <a:solidFill>
+                  <a:srgbClr val="333333"/>
+                </a:solidFill>
+                <a:effectLst/>
+                <a:latin typeface="inter-regular"/>
+              </a:rPr>
+              <a:t>Load could be less than or equal to the desired load.</a:t>
+            </a:r>
+          </a:p>
+          <a:p>
+            <a:pPr lvl="1" algn="just"/>
+            <a:r>
+              <a:rPr lang="en-US" sz="1600" b="0" i="0" dirty="0">
+                <a:solidFill>
+                  <a:srgbClr val="333333"/>
+                </a:solidFill>
+                <a:effectLst/>
+                <a:latin typeface="inter-regular"/>
+              </a:rPr>
+              <a:t>It will help us to detect the highest operating volume of the software and bottlenecks.</a:t>
+            </a:r>
+            <a:endParaRPr lang="en-US" sz="1600" b="0" i="0" dirty="0">
+              <a:solidFill>
+                <a:srgbClr val="000000"/>
+              </a:solidFill>
+              <a:effectLst/>
+              <a:latin typeface="inter-regular"/>
+            </a:endParaRPr>
+          </a:p>
+          <a:p>
+            <a:pPr algn="just"/>
+            <a:r>
+              <a:rPr lang="en-US" sz="1800" b="1" i="0" dirty="0">
+                <a:solidFill>
+                  <a:srgbClr val="000000"/>
+                </a:solidFill>
+                <a:effectLst/>
+                <a:latin typeface="inter-bold"/>
+              </a:rPr>
+              <a:t>Stress Testing</a:t>
+            </a:r>
+          </a:p>
+          <a:p>
+            <a:pPr lvl="1" algn="just"/>
+            <a:r>
+              <a:rPr lang="en-US" sz="1600" dirty="0">
+                <a:solidFill>
+                  <a:srgbClr val="333333"/>
+                </a:solidFill>
+                <a:latin typeface="inter-regular"/>
+              </a:rPr>
+              <a:t>U</a:t>
+            </a:r>
+            <a:r>
+              <a:rPr lang="en-US" sz="1600" b="0" i="0" dirty="0">
+                <a:solidFill>
+                  <a:srgbClr val="333333"/>
+                </a:solidFill>
+                <a:effectLst/>
+                <a:latin typeface="inter-regular"/>
+              </a:rPr>
+              <a:t>sed to analyze the user-friendliness and robustness of the software beyond the common functional limits.</a:t>
+            </a:r>
+          </a:p>
+          <a:p>
+            <a:pPr lvl="1" algn="just"/>
+            <a:r>
+              <a:rPr lang="en-US" sz="1600" b="0" i="0" dirty="0">
+                <a:solidFill>
+                  <a:srgbClr val="333333"/>
+                </a:solidFill>
+                <a:effectLst/>
+                <a:latin typeface="inter-regular"/>
+              </a:rPr>
+              <a:t>Primarily, stress testing is used for critical software, but it can also be used for all types of software applications.</a:t>
+            </a:r>
+            <a:endParaRPr lang="en-US" sz="1600" b="0" i="0" dirty="0">
+              <a:solidFill>
+                <a:srgbClr val="000000"/>
+              </a:solidFill>
+              <a:effectLst/>
+              <a:latin typeface="inter-regular"/>
+            </a:endParaRPr>
+          </a:p>
+          <a:p>
+            <a:pPr algn="just"/>
+            <a:r>
+              <a:rPr lang="en-US" sz="1800" b="1" i="0" dirty="0">
+                <a:solidFill>
+                  <a:srgbClr val="000000"/>
+                </a:solidFill>
+                <a:effectLst/>
+                <a:latin typeface="inter-bold"/>
+              </a:rPr>
+              <a:t>Scalability Testing</a:t>
+            </a:r>
+          </a:p>
+          <a:p>
+            <a:pPr lvl="1" algn="just"/>
+            <a:r>
+              <a:rPr lang="en-US" sz="1600" b="0" i="0" dirty="0">
+                <a:solidFill>
+                  <a:srgbClr val="333333"/>
+                </a:solidFill>
+                <a:effectLst/>
+                <a:latin typeface="inter-regular"/>
+              </a:rPr>
+              <a:t>Analysis the application's performance by enhancing or reducing the load in particular balances is known as </a:t>
+            </a:r>
+            <a:r>
+              <a:rPr lang="en-US" sz="1600" b="1" i="0" dirty="0">
+                <a:solidFill>
+                  <a:srgbClr val="333333"/>
+                </a:solidFill>
+                <a:effectLst/>
+                <a:latin typeface="inter-bold"/>
+              </a:rPr>
+              <a:t>scalability testing</a:t>
+            </a:r>
+            <a:r>
+              <a:rPr lang="en-US" sz="1600" b="0" i="0" dirty="0">
+                <a:solidFill>
+                  <a:srgbClr val="333333"/>
+                </a:solidFill>
+                <a:effectLst/>
+                <a:latin typeface="inter-regular"/>
+              </a:rPr>
+              <a:t>.</a:t>
+            </a:r>
+          </a:p>
+          <a:p>
+            <a:pPr lvl="1" algn="just"/>
+            <a:r>
+              <a:rPr lang="en-US" sz="1600" b="0" i="0" dirty="0">
+                <a:solidFill>
+                  <a:srgbClr val="333333"/>
+                </a:solidFill>
+                <a:effectLst/>
+                <a:latin typeface="inter-regular"/>
+              </a:rPr>
+              <a:t>In scalability testing, we can also check the </a:t>
+            </a:r>
+            <a:r>
+              <a:rPr lang="en-US" sz="1600" b="1" i="0" dirty="0">
+                <a:solidFill>
+                  <a:srgbClr val="333333"/>
+                </a:solidFill>
+                <a:effectLst/>
+                <a:latin typeface="inter-bold"/>
+              </a:rPr>
+              <a:t>system, processes, or database's ability</a:t>
+            </a:r>
+            <a:r>
+              <a:rPr lang="en-US" sz="1600" b="0" i="0" dirty="0">
+                <a:solidFill>
+                  <a:srgbClr val="333333"/>
+                </a:solidFill>
+                <a:effectLst/>
+                <a:latin typeface="inter-regular"/>
+              </a:rPr>
+              <a:t> to meet an upward need. </a:t>
+            </a:r>
+            <a:endParaRPr lang="en-US" sz="1600" b="0" i="0" dirty="0">
+              <a:solidFill>
+                <a:srgbClr val="000000"/>
+              </a:solidFill>
+              <a:effectLst/>
+              <a:latin typeface="inter-regular"/>
+            </a:endParaRPr>
+          </a:p>
+          <a:p>
+            <a:pPr algn="just"/>
+            <a:r>
+              <a:rPr lang="en-US" sz="1800" b="1" i="0" dirty="0">
+                <a:solidFill>
+                  <a:srgbClr val="000000"/>
+                </a:solidFill>
+                <a:effectLst/>
+                <a:latin typeface="inter-bold"/>
+              </a:rPr>
+              <a:t>Stability Testing</a:t>
+            </a:r>
+          </a:p>
+          <a:p>
+            <a:pPr lvl="1" algn="just"/>
+            <a:r>
+              <a:rPr lang="en-US" sz="1600" b="0" i="0" dirty="0">
+                <a:solidFill>
+                  <a:srgbClr val="333333"/>
+                </a:solidFill>
+                <a:effectLst/>
+                <a:latin typeface="inter-regular"/>
+              </a:rPr>
+              <a:t>Stability testing is a procedure where we evaluate the application's performance by applying the load for a precise time.</a:t>
+            </a:r>
+          </a:p>
+          <a:p>
+            <a:pPr lvl="1" algn="just"/>
+            <a:r>
+              <a:rPr lang="en-US" sz="1600" dirty="0">
+                <a:solidFill>
+                  <a:srgbClr val="333333"/>
+                </a:solidFill>
+                <a:latin typeface="inter-regular"/>
+              </a:rPr>
+              <a:t>M</a:t>
+            </a:r>
+            <a:r>
+              <a:rPr lang="en-US" sz="1600" b="0" i="0" dirty="0">
+                <a:solidFill>
+                  <a:srgbClr val="333333"/>
+                </a:solidFill>
+                <a:effectLst/>
+                <a:latin typeface="inter-regular"/>
+              </a:rPr>
+              <a:t>ainly checks the constancy problems of the application and the efficiency of a developed product. In this type of testing, we can rapidly find the system's defect even in a stressful situation.</a:t>
+            </a:r>
+          </a:p>
+          <a:p>
+            <a:pPr algn="just"/>
+            <a:endParaRPr lang="en-US" sz="1800" b="0" i="0" dirty="0">
+              <a:solidFill>
+                <a:srgbClr val="000000"/>
+              </a:solidFill>
+              <a:effectLst/>
+              <a:latin typeface="inter-regular"/>
+            </a:endParaRPr>
+          </a:p>
+          <a:p>
+            <a:endParaRPr lang="en-IN" sz="1800" dirty="0"/>
+          </a:p>
+        </p:txBody>
+      </p:sp>
+      <p:sp>
+        <p:nvSpPr>
+          <p:cNvPr id="3" name="Title 2">
+            <a:extLst>
+              <a:ext uri="{FF2B5EF4-FFF2-40B4-BE49-F238E27FC236}">
+                <a16:creationId xmlns:a16="http://schemas.microsoft.com/office/drawing/2014/main" id="{CFCACF1B-CB0D-424D-A27C-196786B0801F}"/>
+              </a:ext>
+            </a:extLst>
+          </p:cNvPr>
+          <p:cNvSpPr>
+            <a:spLocks noGrp="1"/>
+          </p:cNvSpPr>
+          <p:nvPr>
+            <p:ph type="title"/>
+          </p:nvPr>
+        </p:nvSpPr>
+        <p:spPr/>
+        <p:txBody>
+          <a:bodyPr/>
+          <a:lstStyle/>
+          <a:p>
+            <a:r>
+              <a:rPr lang="en-US" b="1" i="0" dirty="0">
+                <a:solidFill>
+                  <a:schemeClr val="accent1">
+                    <a:lumMod val="75000"/>
+                  </a:schemeClr>
+                </a:solidFill>
+                <a:effectLst/>
+                <a:latin typeface="inter-bold"/>
+              </a:rPr>
+              <a:t>Classification of Performance Testing</a:t>
+            </a:r>
+            <a:endParaRPr lang="en-IN" dirty="0">
+              <a:solidFill>
+                <a:schemeClr val="accent1">
+                  <a:lumMod val="75000"/>
+                </a:schemeClr>
+              </a:solidFill>
+            </a:endParaRPr>
+          </a:p>
+        </p:txBody>
+      </p:sp>
+    </p:spTree>
+    <p:extLst>
+      <p:ext uri="{BB962C8B-B14F-4D97-AF65-F5344CB8AC3E}">
+        <p14:creationId xmlns:p14="http://schemas.microsoft.com/office/powerpoint/2010/main" val="311598198"/>
+      </p:ext>
+    </p:extLst>
+  </p:cSld>
+  <p:clrMapOvr>
+    <a:masterClrMapping/>
+  </p:clrMapOvr>
+  <p:transition spd="slow">
+    <p:push dir="u"/>
+  </p:transition>
+</p:sld>
+</file>
+
+<file path=ppt/slides/slide76.xml><?xml version="1.0" encoding="utf-8"?>
+<p:sld xmlns:a="http://schemas.openxmlformats.org/drawingml/2006/main" xmlns:r="http://schemas.openxmlformats.org/officeDocument/2006/relationships" xmlns:p="http://schemas.openxmlformats.org/presentationml/2006/main">
+  <p:cSld>
+    <p:spTree>
+      <p:nvGrpSpPr>
+        <p:cNvPr id="1" name=""/>
+        <p:cNvGrpSpPr/>
+        <p:nvPr/>
+      </p:nvGrpSpPr>
+      <p:grpSpPr>
+        <a:xfrm>
+          <a:off x="0" y="0"/>
+          <a:ext cx="0" cy="0"/>
+          <a:chOff x="0" y="0"/>
+          <a:chExt cx="0" cy="0"/>
+        </a:xfrm>
+      </p:grpSpPr>
+      <p:sp>
+        <p:nvSpPr>
+          <p:cNvPr id="2" name="Content Placeholder 1">
+            <a:extLst>
+              <a:ext uri="{FF2B5EF4-FFF2-40B4-BE49-F238E27FC236}">
+                <a16:creationId xmlns:a16="http://schemas.microsoft.com/office/drawing/2014/main" id="{C90D0464-A04E-4390-9E2F-A936AB2557BA}"/>
+              </a:ext>
+            </a:extLst>
+          </p:cNvPr>
+          <p:cNvSpPr>
+            <a:spLocks noGrp="1"/>
+          </p:cNvSpPr>
+          <p:nvPr>
+            <p:ph idx="1"/>
+          </p:nvPr>
+        </p:nvSpPr>
+        <p:spPr/>
+        <p:txBody>
+          <a:bodyPr/>
+          <a:lstStyle/>
+          <a:p>
+            <a:pPr algn="just"/>
+            <a:r>
+              <a:rPr lang="en-US" dirty="0">
+                <a:solidFill>
+                  <a:srgbClr val="333333"/>
+                </a:solidFill>
+                <a:latin typeface="inter-regular"/>
+              </a:rPr>
+              <a:t>I</a:t>
+            </a:r>
+            <a:r>
+              <a:rPr lang="en-US" b="0" i="0" dirty="0">
+                <a:solidFill>
+                  <a:srgbClr val="333333"/>
+                </a:solidFill>
+                <a:effectLst/>
+                <a:latin typeface="inter-regular"/>
+              </a:rPr>
+              <a:t>s a </a:t>
+            </a:r>
+            <a:r>
+              <a:rPr lang="en-US" b="1" i="0" dirty="0">
+                <a:solidFill>
+                  <a:srgbClr val="333333"/>
+                </a:solidFill>
+                <a:effectLst/>
+                <a:latin typeface="inter-bold"/>
+              </a:rPr>
+              <a:t>collaboration of black box and white box testing</a:t>
+            </a:r>
+            <a:r>
+              <a:rPr lang="en-US" b="0" i="0" dirty="0">
+                <a:solidFill>
+                  <a:srgbClr val="333333"/>
+                </a:solidFill>
+                <a:effectLst/>
+                <a:latin typeface="inter-regular"/>
+              </a:rPr>
+              <a:t>.</a:t>
+            </a:r>
+          </a:p>
+          <a:p>
+            <a:pPr algn="just"/>
+            <a:r>
+              <a:rPr lang="en-US" b="0" i="0" dirty="0">
+                <a:solidFill>
+                  <a:srgbClr val="333333"/>
+                </a:solidFill>
+                <a:effectLst/>
+                <a:latin typeface="inter-regular"/>
+              </a:rPr>
+              <a:t>Includes access to internal coding for designing test cases. </a:t>
+            </a:r>
+          </a:p>
+          <a:p>
+            <a:pPr algn="just"/>
+            <a:r>
+              <a:rPr lang="en-US" b="0" i="0" dirty="0">
+                <a:solidFill>
+                  <a:srgbClr val="333333"/>
+                </a:solidFill>
+                <a:effectLst/>
+                <a:latin typeface="inter-regular"/>
+              </a:rPr>
+              <a:t>Performed by a person who knows coding as well as testing.</a:t>
+            </a:r>
+          </a:p>
+          <a:p>
+            <a:endParaRPr lang="en-IN" dirty="0"/>
+          </a:p>
+        </p:txBody>
+      </p:sp>
+      <p:sp>
+        <p:nvSpPr>
+          <p:cNvPr id="3" name="Title 2">
+            <a:extLst>
+              <a:ext uri="{FF2B5EF4-FFF2-40B4-BE49-F238E27FC236}">
+                <a16:creationId xmlns:a16="http://schemas.microsoft.com/office/drawing/2014/main" id="{2B9F5CDA-9171-4C3A-B6AA-C5D34A733FC4}"/>
+              </a:ext>
+            </a:extLst>
+          </p:cNvPr>
+          <p:cNvSpPr>
+            <a:spLocks noGrp="1"/>
+          </p:cNvSpPr>
+          <p:nvPr>
+            <p:ph type="title"/>
+          </p:nvPr>
+        </p:nvSpPr>
+        <p:spPr/>
+        <p:txBody>
+          <a:bodyPr/>
+          <a:lstStyle/>
+          <a:p>
+            <a:r>
+              <a:rPr lang="en-IN" b="0" i="0" dirty="0">
+                <a:solidFill>
+                  <a:schemeClr val="accent1">
+                    <a:lumMod val="75000"/>
+                  </a:schemeClr>
+                </a:solidFill>
+                <a:effectLst/>
+                <a:latin typeface="erdana"/>
+              </a:rPr>
+              <a:t>Grey Box Testing</a:t>
+            </a:r>
+            <a:endParaRPr lang="en-IN" dirty="0">
+              <a:solidFill>
+                <a:schemeClr val="accent1">
+                  <a:lumMod val="75000"/>
+                </a:schemeClr>
+              </a:solidFill>
+            </a:endParaRPr>
+          </a:p>
+        </p:txBody>
+      </p:sp>
+    </p:spTree>
+    <p:extLst>
+      <p:ext uri="{BB962C8B-B14F-4D97-AF65-F5344CB8AC3E}">
+        <p14:creationId xmlns:p14="http://schemas.microsoft.com/office/powerpoint/2010/main" val="1041243998"/>
+      </p:ext>
+    </p:extLst>
+  </p:cSld>
+  <p:clrMapOvr>
+    <a:masterClrMapping/>
+  </p:clrMapOvr>
+  <p:transition spd="slow">
+    <p:push dir="u"/>
+  </p:transition>
 </p:sld>
 </file>
 

--- a/QA/QA Study Material.pptx
+++ b/QA/QA Study Material.pptx
@@ -5,7 +5,7 @@
     <p:sldMasterId id="2147483660" r:id="rId1"/>
   </p:sldMasterIdLst>
   <p:notesMasterIdLst>
-    <p:notesMasterId r:id="rId78"/>
+    <p:notesMasterId r:id="rId89"/>
   </p:notesMasterIdLst>
   <p:sldIdLst>
     <p:sldId id="257" r:id="rId2"/>
@@ -84,6 +84,17 @@
     <p:sldId id="1449" r:id="rId75"/>
     <p:sldId id="1450" r:id="rId76"/>
     <p:sldId id="1451" r:id="rId77"/>
+    <p:sldId id="1453" r:id="rId78"/>
+    <p:sldId id="1480" r:id="rId79"/>
+    <p:sldId id="1481" r:id="rId80"/>
+    <p:sldId id="1471" r:id="rId81"/>
+    <p:sldId id="1472" r:id="rId82"/>
+    <p:sldId id="1473" r:id="rId83"/>
+    <p:sldId id="1474" r:id="rId84"/>
+    <p:sldId id="1475" r:id="rId85"/>
+    <p:sldId id="1476" r:id="rId86"/>
+    <p:sldId id="1477" r:id="rId87"/>
+    <p:sldId id="1478" r:id="rId88"/>
   </p:sldIdLst>
   <p:sldSz cx="12192000" cy="6858000"/>
   <p:notesSz cx="6858000" cy="9144000"/>
@@ -763,7 +774,7 @@
                 <a:latin typeface="Times New Roman" pitchFamily="18" charset="0"/>
               </a:rPr>
               <a:pPr/>
-              <a:t>11/17/2021 3:49 PM</a:t>
+              <a:t>11/17/2021 5:07 PM</a:t>
             </a:fld>
             <a:endParaRPr lang="en-US" altLang="en-US" sz="700">
               <a:solidFill>
@@ -1631,7 +1642,7 @@
                 <a:latin typeface="Times New Roman" pitchFamily="18" charset="0"/>
               </a:rPr>
               <a:pPr/>
-              <a:t>11/17/2021 3:49 PM</a:t>
+              <a:t>11/17/2021 5:07 PM</a:t>
             </a:fld>
             <a:endParaRPr lang="en-US" sz="700">
               <a:solidFill>
@@ -1902,7 +1913,7 @@
                 <a:latin typeface="Times New Roman" pitchFamily="18" charset="0"/>
               </a:rPr>
               <a:pPr/>
-              <a:t>11/17/2021 3:49 PM</a:t>
+              <a:t>11/17/2021 5:07 PM</a:t>
             </a:fld>
             <a:endParaRPr lang="en-US" sz="700">
               <a:solidFill>
@@ -2870,7 +2881,7 @@
                 <a:latin typeface="Times New Roman" pitchFamily="18" charset="0"/>
               </a:rPr>
               <a:pPr/>
-              <a:t>11/17/2021 3:49 PM</a:t>
+              <a:t>11/17/2021 5:07 PM</a:t>
             </a:fld>
             <a:endParaRPr lang="en-US" sz="700">
               <a:solidFill>
@@ -4287,7 +4298,7 @@
                 <a:latin typeface="Times New Roman" pitchFamily="18" charset="0"/>
               </a:rPr>
               <a:pPr/>
-              <a:t>11/17/2021 3:49 PM</a:t>
+              <a:t>11/17/2021 5:07 PM</a:t>
             </a:fld>
             <a:endParaRPr lang="en-US" sz="700">
               <a:solidFill>
@@ -5192,7 +5203,7 @@
                 <a:latin typeface="Times New Roman" pitchFamily="18" charset="0"/>
               </a:rPr>
               <a:pPr/>
-              <a:t>11/17/2021 3:49 PM</a:t>
+              <a:t>11/17/2021 5:07 PM</a:t>
             </a:fld>
             <a:endParaRPr lang="en-US" sz="700">
               <a:solidFill>
@@ -5544,7 +5555,7 @@
                 <a:latin typeface="Times New Roman" pitchFamily="18" charset="0"/>
               </a:rPr>
               <a:pPr/>
-              <a:t>11/17/2021 3:49 PM</a:t>
+              <a:t>11/17/2021 5:07 PM</a:t>
             </a:fld>
             <a:endParaRPr lang="en-US" sz="700">
               <a:solidFill>
@@ -45866,6 +45877,550 @@
 </p:sld>
 </file>
 
+<file path=ppt/slides/slide77.xml><?xml version="1.0" encoding="utf-8"?>
+<p:sld xmlns:a="http://schemas.openxmlformats.org/drawingml/2006/main" xmlns:r="http://schemas.openxmlformats.org/officeDocument/2006/relationships" xmlns:p="http://schemas.openxmlformats.org/presentationml/2006/main">
+  <p:cSld>
+    <p:spTree>
+      <p:nvGrpSpPr>
+        <p:cNvPr id="1" name=""/>
+        <p:cNvGrpSpPr/>
+        <p:nvPr/>
+      </p:nvGrpSpPr>
+      <p:grpSpPr>
+        <a:xfrm>
+          <a:off x="0" y="0"/>
+          <a:ext cx="0" cy="0"/>
+          <a:chOff x="0" y="0"/>
+          <a:chExt cx="0" cy="0"/>
+        </a:xfrm>
+      </p:grpSpPr>
+      <p:sp>
+        <p:nvSpPr>
+          <p:cNvPr id="2" name="Content Placeholder 1">
+            <a:extLst>
+              <a:ext uri="{FF2B5EF4-FFF2-40B4-BE49-F238E27FC236}">
+                <a16:creationId xmlns:a16="http://schemas.microsoft.com/office/drawing/2014/main" id="{F5D05E08-E28B-457B-82EE-8DEAABE40485}"/>
+              </a:ext>
+            </a:extLst>
+          </p:cNvPr>
+          <p:cNvSpPr>
+            <a:spLocks noGrp="1"/>
+          </p:cNvSpPr>
+          <p:nvPr>
+            <p:ph idx="1"/>
+          </p:nvPr>
+        </p:nvSpPr>
+        <p:spPr>
+          <a:xfrm>
+            <a:off x="733424" y="1209675"/>
+            <a:ext cx="10442575" cy="5113467"/>
+          </a:xfrm>
+        </p:spPr>
+        <p:txBody>
+          <a:bodyPr/>
+          <a:lstStyle/>
+          <a:p>
+            <a:pPr algn="just">
+              <a:buFont typeface="Arial" panose="020B0604020202020204" pitchFamily="34" charset="0"/>
+              <a:buChar char="•"/>
+            </a:pPr>
+            <a:r>
+              <a:rPr lang="en-US" b="0" i="0" dirty="0">
+                <a:solidFill>
+                  <a:srgbClr val="000000"/>
+                </a:solidFill>
+                <a:effectLst/>
+                <a:latin typeface="inter-regular"/>
+              </a:rPr>
+              <a:t>Test scenarios</a:t>
+            </a:r>
+          </a:p>
+          <a:p>
+            <a:pPr algn="just">
+              <a:buFont typeface="Arial" panose="020B0604020202020204" pitchFamily="34" charset="0"/>
+              <a:buChar char="•"/>
+            </a:pPr>
+            <a:r>
+              <a:rPr lang="en-US" b="0" i="0" dirty="0">
+                <a:solidFill>
+                  <a:srgbClr val="000000"/>
+                </a:solidFill>
+                <a:effectLst/>
+                <a:latin typeface="inter-regular"/>
+              </a:rPr>
+              <a:t>Test case</a:t>
+            </a:r>
+          </a:p>
+          <a:p>
+            <a:pPr algn="just">
+              <a:buFont typeface="Arial" panose="020B0604020202020204" pitchFamily="34" charset="0"/>
+              <a:buChar char="•"/>
+            </a:pPr>
+            <a:r>
+              <a:rPr lang="en-US" b="0" i="0" dirty="0">
+                <a:solidFill>
+                  <a:srgbClr val="000000"/>
+                </a:solidFill>
+                <a:effectLst/>
+                <a:latin typeface="inter-regular"/>
+              </a:rPr>
+              <a:t>Test plan</a:t>
+            </a:r>
+          </a:p>
+          <a:p>
+            <a:pPr algn="just">
+              <a:buFont typeface="Arial" panose="020B0604020202020204" pitchFamily="34" charset="0"/>
+              <a:buChar char="•"/>
+            </a:pPr>
+            <a:r>
+              <a:rPr lang="en-US" b="0" i="0" dirty="0">
+                <a:solidFill>
+                  <a:srgbClr val="000000"/>
+                </a:solidFill>
+                <a:effectLst/>
+                <a:latin typeface="inter-regular"/>
+              </a:rPr>
+              <a:t>Requirement traceability matrix(RTM)</a:t>
+            </a:r>
+          </a:p>
+          <a:p>
+            <a:pPr algn="just">
+              <a:buFont typeface="Arial" panose="020B0604020202020204" pitchFamily="34" charset="0"/>
+              <a:buChar char="•"/>
+            </a:pPr>
+            <a:r>
+              <a:rPr lang="en-US" b="0" i="0" dirty="0">
+                <a:solidFill>
+                  <a:srgbClr val="000000"/>
+                </a:solidFill>
+                <a:effectLst/>
+                <a:latin typeface="inter-regular"/>
+              </a:rPr>
+              <a:t>Test strategy</a:t>
+            </a:r>
+          </a:p>
+          <a:p>
+            <a:pPr algn="just">
+              <a:buFont typeface="Arial" panose="020B0604020202020204" pitchFamily="34" charset="0"/>
+              <a:buChar char="•"/>
+            </a:pPr>
+            <a:r>
+              <a:rPr lang="en-US" b="0" i="0" dirty="0">
+                <a:solidFill>
+                  <a:srgbClr val="000000"/>
+                </a:solidFill>
+                <a:effectLst/>
+                <a:latin typeface="inter-regular"/>
+              </a:rPr>
+              <a:t>Test data</a:t>
+            </a:r>
+          </a:p>
+          <a:p>
+            <a:pPr algn="just">
+              <a:buFont typeface="Arial" panose="020B0604020202020204" pitchFamily="34" charset="0"/>
+              <a:buChar char="•"/>
+            </a:pPr>
+            <a:r>
+              <a:rPr lang="en-US" b="0" i="0" dirty="0">
+                <a:solidFill>
+                  <a:srgbClr val="000000"/>
+                </a:solidFill>
+                <a:effectLst/>
+                <a:latin typeface="inter-regular"/>
+              </a:rPr>
+              <a:t>Bug report</a:t>
+            </a:r>
+          </a:p>
+          <a:p>
+            <a:pPr algn="just">
+              <a:buFont typeface="Arial" panose="020B0604020202020204" pitchFamily="34" charset="0"/>
+              <a:buChar char="•"/>
+            </a:pPr>
+            <a:r>
+              <a:rPr lang="en-US" b="0" i="0" dirty="0">
+                <a:solidFill>
+                  <a:srgbClr val="000000"/>
+                </a:solidFill>
+                <a:effectLst/>
+                <a:latin typeface="inter-regular"/>
+              </a:rPr>
+              <a:t>Test execution report</a:t>
+            </a:r>
+          </a:p>
+          <a:p>
+            <a:endParaRPr lang="en-IN" dirty="0"/>
+          </a:p>
+        </p:txBody>
+      </p:sp>
+      <p:sp>
+        <p:nvSpPr>
+          <p:cNvPr id="3" name="Title 2">
+            <a:extLst>
+              <a:ext uri="{FF2B5EF4-FFF2-40B4-BE49-F238E27FC236}">
+                <a16:creationId xmlns:a16="http://schemas.microsoft.com/office/drawing/2014/main" id="{914B2555-A1C1-4BD1-909F-A9BC64766E07}"/>
+              </a:ext>
+            </a:extLst>
+          </p:cNvPr>
+          <p:cNvSpPr>
+            <a:spLocks noGrp="1"/>
+          </p:cNvSpPr>
+          <p:nvPr>
+            <p:ph type="title"/>
+          </p:nvPr>
+        </p:nvSpPr>
+        <p:spPr>
+          <a:xfrm>
+            <a:off x="838200" y="141282"/>
+            <a:ext cx="10515600" cy="1325563"/>
+          </a:xfrm>
+        </p:spPr>
+        <p:txBody>
+          <a:bodyPr/>
+          <a:lstStyle/>
+          <a:p>
+            <a:r>
+              <a:rPr lang="en-IN" b="0" i="0" dirty="0">
+                <a:solidFill>
+                  <a:schemeClr val="accent1">
+                    <a:lumMod val="75000"/>
+                  </a:schemeClr>
+                </a:solidFill>
+                <a:effectLst/>
+                <a:latin typeface="erdana"/>
+              </a:rPr>
+              <a:t>Types of test document</a:t>
+            </a:r>
+            <a:endParaRPr lang="en-IN" dirty="0">
+              <a:solidFill>
+                <a:schemeClr val="accent1">
+                  <a:lumMod val="75000"/>
+                </a:schemeClr>
+              </a:solidFill>
+            </a:endParaRPr>
+          </a:p>
+        </p:txBody>
+      </p:sp>
+      <p:pic>
+        <p:nvPicPr>
+          <p:cNvPr id="4098" name="Picture 2" descr="Testing Documentation">
+            <a:extLst>
+              <a:ext uri="{FF2B5EF4-FFF2-40B4-BE49-F238E27FC236}">
+                <a16:creationId xmlns:a16="http://schemas.microsoft.com/office/drawing/2014/main" id="{9F4099D3-89D8-408A-A9AC-95F5BEA82087}"/>
+              </a:ext>
+            </a:extLst>
+          </p:cNvPr>
+          <p:cNvPicPr>
+            <a:picLocks noChangeAspect="1" noChangeArrowheads="1"/>
+          </p:cNvPicPr>
+          <p:nvPr/>
+        </p:nvPicPr>
+        <p:blipFill>
+          <a:blip r:embed="rId2">
+            <a:extLst>
+              <a:ext uri="{28A0092B-C50C-407E-A947-70E740481C1C}">
+                <a14:useLocalDpi xmlns:a14="http://schemas.microsoft.com/office/drawing/2010/main" val="0"/>
+              </a:ext>
+            </a:extLst>
+          </a:blip>
+          <a:srcRect/>
+          <a:stretch>
+            <a:fillRect/>
+          </a:stretch>
+        </p:blipFill>
+        <p:spPr bwMode="auto">
+          <a:xfrm>
+            <a:off x="4985840" y="419100"/>
+            <a:ext cx="5943600" cy="6019800"/>
+          </a:xfrm>
+          <a:prstGeom prst="rect">
+            <a:avLst/>
+          </a:prstGeom>
+          <a:noFill/>
+          <a:extLst>
+            <a:ext uri="{909E8E84-426E-40DD-AFC4-6F175D3DCCD1}">
+              <a14:hiddenFill xmlns:a14="http://schemas.microsoft.com/office/drawing/2010/main">
+                <a:solidFill>
+                  <a:srgbClr val="FFFFFF"/>
+                </a:solidFill>
+              </a14:hiddenFill>
+            </a:ext>
+          </a:extLst>
+        </p:spPr>
+      </p:pic>
+    </p:spTree>
+    <p:extLst>
+      <p:ext uri="{BB962C8B-B14F-4D97-AF65-F5344CB8AC3E}">
+        <p14:creationId xmlns:p14="http://schemas.microsoft.com/office/powerpoint/2010/main" val="3844629959"/>
+      </p:ext>
+    </p:extLst>
+  </p:cSld>
+  <p:clrMapOvr>
+    <a:masterClrMapping/>
+  </p:clrMapOvr>
+  <p:transition spd="slow">
+    <p:push dir="u"/>
+  </p:transition>
+</p:sld>
+</file>
+
+<file path=ppt/slides/slide78.xml><?xml version="1.0" encoding="utf-8"?>
+<p:sld xmlns:a="http://schemas.openxmlformats.org/drawingml/2006/main" xmlns:r="http://schemas.openxmlformats.org/officeDocument/2006/relationships" xmlns:p="http://schemas.openxmlformats.org/presentationml/2006/main">
+  <p:cSld>
+    <p:spTree>
+      <p:nvGrpSpPr>
+        <p:cNvPr id="1" name=""/>
+        <p:cNvGrpSpPr/>
+        <p:nvPr/>
+      </p:nvGrpSpPr>
+      <p:grpSpPr>
+        <a:xfrm>
+          <a:off x="0" y="0"/>
+          <a:ext cx="0" cy="0"/>
+          <a:chOff x="0" y="0"/>
+          <a:chExt cx="0" cy="0"/>
+        </a:xfrm>
+      </p:grpSpPr>
+      <p:sp>
+        <p:nvSpPr>
+          <p:cNvPr id="2" name="Content Placeholder 1">
+            <a:extLst>
+              <a:ext uri="{FF2B5EF4-FFF2-40B4-BE49-F238E27FC236}">
+                <a16:creationId xmlns:a16="http://schemas.microsoft.com/office/drawing/2014/main" id="{C43C57F2-C3C4-4685-80EC-EB4762295EA9}"/>
+              </a:ext>
+            </a:extLst>
+          </p:cNvPr>
+          <p:cNvSpPr>
+            <a:spLocks noGrp="1"/>
+          </p:cNvSpPr>
+          <p:nvPr>
+            <p:ph idx="1"/>
+          </p:nvPr>
+        </p:nvSpPr>
+        <p:spPr/>
+        <p:txBody>
+          <a:bodyPr/>
+          <a:lstStyle/>
+          <a:p>
+            <a:r>
+              <a:rPr lang="en-US" b="0" i="0" dirty="0">
+                <a:solidFill>
+                  <a:srgbClr val="333333"/>
+                </a:solidFill>
+                <a:effectLst/>
+                <a:latin typeface="inter-regular"/>
+              </a:rPr>
+              <a:t>It is a document that defines the multiple ways or combinations of testing the application. </a:t>
+            </a:r>
+          </a:p>
+          <a:p>
+            <a:r>
+              <a:rPr lang="en-US" b="0" i="0" dirty="0">
+                <a:solidFill>
+                  <a:srgbClr val="333333"/>
+                </a:solidFill>
+                <a:effectLst/>
+                <a:latin typeface="inter-regular"/>
+              </a:rPr>
+              <a:t>It is prepared to understand the flow of an application. It does not consist of any inputs and navigation steps.</a:t>
+            </a:r>
+            <a:endParaRPr lang="en-IN" dirty="0"/>
+          </a:p>
+        </p:txBody>
+      </p:sp>
+      <p:sp>
+        <p:nvSpPr>
+          <p:cNvPr id="3" name="Title 2">
+            <a:extLst>
+              <a:ext uri="{FF2B5EF4-FFF2-40B4-BE49-F238E27FC236}">
+                <a16:creationId xmlns:a16="http://schemas.microsoft.com/office/drawing/2014/main" id="{EC250A52-442E-44BC-AE60-050F3DF27769}"/>
+              </a:ext>
+            </a:extLst>
+          </p:cNvPr>
+          <p:cNvSpPr>
+            <a:spLocks noGrp="1"/>
+          </p:cNvSpPr>
+          <p:nvPr>
+            <p:ph type="title"/>
+          </p:nvPr>
+        </p:nvSpPr>
+        <p:spPr/>
+        <p:txBody>
+          <a:bodyPr/>
+          <a:lstStyle/>
+          <a:p>
+            <a:r>
+              <a:rPr lang="en-IN" i="0" dirty="0">
+                <a:solidFill>
+                  <a:schemeClr val="accent1">
+                    <a:lumMod val="75000"/>
+                  </a:schemeClr>
+                </a:solidFill>
+                <a:effectLst/>
+                <a:latin typeface="erdana"/>
+              </a:rPr>
+              <a:t>Test Scenarios</a:t>
+            </a:r>
+            <a:endParaRPr lang="en-IN" dirty="0">
+              <a:solidFill>
+                <a:schemeClr val="accent1">
+                  <a:lumMod val="75000"/>
+                </a:schemeClr>
+              </a:solidFill>
+            </a:endParaRPr>
+          </a:p>
+        </p:txBody>
+      </p:sp>
+    </p:spTree>
+    <p:extLst>
+      <p:ext uri="{BB962C8B-B14F-4D97-AF65-F5344CB8AC3E}">
+        <p14:creationId xmlns:p14="http://schemas.microsoft.com/office/powerpoint/2010/main" val="1791532493"/>
+      </p:ext>
+    </p:extLst>
+  </p:cSld>
+  <p:clrMapOvr>
+    <a:masterClrMapping/>
+  </p:clrMapOvr>
+  <p:transition spd="slow">
+    <p:push dir="u"/>
+  </p:transition>
+</p:sld>
+</file>
+
+<file path=ppt/slides/slide79.xml><?xml version="1.0" encoding="utf-8"?>
+<p:sld xmlns:a="http://schemas.openxmlformats.org/drawingml/2006/main" xmlns:r="http://schemas.openxmlformats.org/officeDocument/2006/relationships" xmlns:p="http://schemas.openxmlformats.org/presentationml/2006/main">
+  <p:cSld>
+    <p:spTree>
+      <p:nvGrpSpPr>
+        <p:cNvPr id="1" name=""/>
+        <p:cNvGrpSpPr/>
+        <p:nvPr/>
+      </p:nvGrpSpPr>
+      <p:grpSpPr>
+        <a:xfrm>
+          <a:off x="0" y="0"/>
+          <a:ext cx="0" cy="0"/>
+          <a:chOff x="0" y="0"/>
+          <a:chExt cx="0" cy="0"/>
+        </a:xfrm>
+      </p:grpSpPr>
+      <p:sp>
+        <p:nvSpPr>
+          <p:cNvPr id="2" name="Content Placeholder 1">
+            <a:extLst>
+              <a:ext uri="{FF2B5EF4-FFF2-40B4-BE49-F238E27FC236}">
+                <a16:creationId xmlns:a16="http://schemas.microsoft.com/office/drawing/2014/main" id="{179C410A-2F55-4B7D-B0D0-3330C0DF7B57}"/>
+              </a:ext>
+            </a:extLst>
+          </p:cNvPr>
+          <p:cNvSpPr>
+            <a:spLocks noGrp="1"/>
+          </p:cNvSpPr>
+          <p:nvPr>
+            <p:ph idx="1"/>
+          </p:nvPr>
+        </p:nvSpPr>
+        <p:spPr/>
+        <p:txBody>
+          <a:bodyPr/>
+          <a:lstStyle/>
+          <a:p>
+            <a:r>
+              <a:rPr lang="en-US" b="0" i="0" dirty="0">
+                <a:solidFill>
+                  <a:srgbClr val="333333"/>
+                </a:solidFill>
+                <a:effectLst/>
+                <a:latin typeface="inter-regular"/>
+              </a:rPr>
+              <a:t>It is an in-details document that describes step by step procedure to test an application. </a:t>
+            </a:r>
+          </a:p>
+          <a:p>
+            <a:r>
+              <a:rPr lang="en-US" b="0" i="0" dirty="0">
+                <a:solidFill>
+                  <a:srgbClr val="333333"/>
+                </a:solidFill>
+                <a:effectLst/>
+                <a:latin typeface="inter-regular"/>
+              </a:rPr>
+              <a:t>It consists of the complete navigation steps and inputs and all the scenarios that need to be tested for the application. </a:t>
+            </a:r>
+          </a:p>
+          <a:p>
+            <a:r>
+              <a:rPr lang="en-US" b="0" i="0" dirty="0">
+                <a:solidFill>
+                  <a:srgbClr val="333333"/>
+                </a:solidFill>
+                <a:effectLst/>
+                <a:latin typeface="inter-regular"/>
+              </a:rPr>
+              <a:t>We will write the test case to maintain the consistency, or every tester will follow the same approach for organizing the test document.</a:t>
+            </a:r>
+            <a:endParaRPr lang="en-IN" dirty="0"/>
+          </a:p>
+        </p:txBody>
+      </p:sp>
+      <p:sp>
+        <p:nvSpPr>
+          <p:cNvPr id="3" name="Title 2">
+            <a:extLst>
+              <a:ext uri="{FF2B5EF4-FFF2-40B4-BE49-F238E27FC236}">
+                <a16:creationId xmlns:a16="http://schemas.microsoft.com/office/drawing/2014/main" id="{44AF7380-C2D9-4D52-AE71-64A0E908D802}"/>
+              </a:ext>
+            </a:extLst>
+          </p:cNvPr>
+          <p:cNvSpPr>
+            <a:spLocks noGrp="1"/>
+          </p:cNvSpPr>
+          <p:nvPr>
+            <p:ph type="title"/>
+          </p:nvPr>
+        </p:nvSpPr>
+        <p:spPr/>
+        <p:txBody>
+          <a:bodyPr/>
+          <a:lstStyle/>
+          <a:p>
+            <a:r>
+              <a:rPr lang="en-IN" i="0" dirty="0">
+                <a:solidFill>
+                  <a:schemeClr val="accent1">
+                    <a:lumMod val="75000"/>
+                  </a:schemeClr>
+                </a:solidFill>
+                <a:effectLst/>
+                <a:latin typeface="erdana"/>
+              </a:rPr>
+              <a:t>Test case</a:t>
+            </a:r>
+            <a:endParaRPr lang="en-IN" dirty="0">
+              <a:solidFill>
+                <a:schemeClr val="accent1">
+                  <a:lumMod val="75000"/>
+                </a:schemeClr>
+              </a:solidFill>
+            </a:endParaRPr>
+          </a:p>
+        </p:txBody>
+      </p:sp>
+    </p:spTree>
+    <p:extLst>
+      <p:ext uri="{BB962C8B-B14F-4D97-AF65-F5344CB8AC3E}">
+        <p14:creationId xmlns:p14="http://schemas.microsoft.com/office/powerpoint/2010/main" val="2103971094"/>
+      </p:ext>
+    </p:extLst>
+  </p:cSld>
+  <p:clrMapOvr>
+    <a:masterClrMapping/>
+  </p:clrMapOvr>
+  <p:transition spd="slow">
+    <p:push dir="u"/>
+  </p:transition>
+</p:sld>
+</file>
+
 <file path=ppt/slides/slide8.xml><?xml version="1.0" encoding="utf-8"?>
 <p:sld xmlns:a="http://schemas.openxmlformats.org/drawingml/2006/main" xmlns:r="http://schemas.openxmlformats.org/officeDocument/2006/relationships" xmlns:p="http://schemas.openxmlformats.org/presentationml/2006/main">
   <p:cSld>
@@ -46106,6 +46661,1214 @@
   <p:clrMapOvr>
     <a:masterClrMapping/>
   </p:clrMapOvr>
+</p:sld>
+</file>
+
+<file path=ppt/slides/slide80.xml><?xml version="1.0" encoding="utf-8"?>
+<p:sld xmlns:a="http://schemas.openxmlformats.org/drawingml/2006/main" xmlns:r="http://schemas.openxmlformats.org/officeDocument/2006/relationships" xmlns:p="http://schemas.openxmlformats.org/presentationml/2006/main">
+  <p:cSld>
+    <p:spTree>
+      <p:nvGrpSpPr>
+        <p:cNvPr id="1" name=""/>
+        <p:cNvGrpSpPr/>
+        <p:nvPr/>
+      </p:nvGrpSpPr>
+      <p:grpSpPr>
+        <a:xfrm>
+          <a:off x="0" y="0"/>
+          <a:ext cx="0" cy="0"/>
+          <a:chOff x="0" y="0"/>
+          <a:chExt cx="0" cy="0"/>
+        </a:xfrm>
+      </p:grpSpPr>
+      <p:sp>
+        <p:nvSpPr>
+          <p:cNvPr id="2" name="Content Placeholder 1">
+            <a:extLst>
+              <a:ext uri="{FF2B5EF4-FFF2-40B4-BE49-F238E27FC236}">
+                <a16:creationId xmlns:a16="http://schemas.microsoft.com/office/drawing/2014/main" id="{F6431DEA-6797-4124-ADF7-17E427112C66}"/>
+              </a:ext>
+            </a:extLst>
+          </p:cNvPr>
+          <p:cNvSpPr>
+            <a:spLocks noGrp="1"/>
+          </p:cNvSpPr>
+          <p:nvPr>
+            <p:ph idx="1"/>
+          </p:nvPr>
+        </p:nvSpPr>
+        <p:spPr/>
+        <p:txBody>
+          <a:bodyPr/>
+          <a:lstStyle/>
+          <a:p>
+            <a:r>
+              <a:rPr lang="en-US" b="0" i="0" dirty="0">
+                <a:solidFill>
+                  <a:srgbClr val="333333"/>
+                </a:solidFill>
+                <a:effectLst/>
+                <a:latin typeface="inter-regular"/>
+              </a:rPr>
+              <a:t>It is a document that is prepared by the managers or test lead. It consists of all information about the testing activities. </a:t>
+            </a:r>
+          </a:p>
+          <a:p>
+            <a:r>
+              <a:rPr lang="en-US" b="0" i="0" dirty="0">
+                <a:solidFill>
+                  <a:srgbClr val="333333"/>
+                </a:solidFill>
+                <a:effectLst/>
+                <a:latin typeface="inter-regular"/>
+              </a:rPr>
+              <a:t>The test plan consists of multiple components such as </a:t>
+            </a:r>
+            <a:r>
+              <a:rPr lang="en-US" b="1" i="0" dirty="0">
+                <a:solidFill>
+                  <a:srgbClr val="333333"/>
+                </a:solidFill>
+                <a:effectLst/>
+                <a:latin typeface="inter-bold"/>
+              </a:rPr>
+              <a:t>Objectives, Scope, Approach, Test Environments, Test methodology, Template, Role &amp; Responsibility, Effort estimation, Entry and Exit criteria, Schedule, Tools, Defect tracking, Test Deliverable, Assumption, Risk,</a:t>
+            </a:r>
+            <a:r>
+              <a:rPr lang="en-US" b="0" i="0" dirty="0">
+                <a:solidFill>
+                  <a:srgbClr val="333333"/>
+                </a:solidFill>
+                <a:effectLst/>
+                <a:latin typeface="inter-regular"/>
+              </a:rPr>
+              <a:t> and </a:t>
+            </a:r>
+            <a:r>
+              <a:rPr lang="en-US" b="1" i="0" dirty="0">
+                <a:solidFill>
+                  <a:srgbClr val="333333"/>
+                </a:solidFill>
+                <a:effectLst/>
+                <a:latin typeface="inter-bold"/>
+              </a:rPr>
+              <a:t>Mitigation Plan or Contingency Plan.</a:t>
+            </a:r>
+            <a:endParaRPr lang="en-IN" dirty="0"/>
+          </a:p>
+        </p:txBody>
+      </p:sp>
+      <p:sp>
+        <p:nvSpPr>
+          <p:cNvPr id="3" name="Title 2">
+            <a:extLst>
+              <a:ext uri="{FF2B5EF4-FFF2-40B4-BE49-F238E27FC236}">
+                <a16:creationId xmlns:a16="http://schemas.microsoft.com/office/drawing/2014/main" id="{8B2FF7FA-43B8-41D9-B2B3-543F99629698}"/>
+              </a:ext>
+            </a:extLst>
+          </p:cNvPr>
+          <p:cNvSpPr>
+            <a:spLocks noGrp="1"/>
+          </p:cNvSpPr>
+          <p:nvPr>
+            <p:ph type="title"/>
+          </p:nvPr>
+        </p:nvSpPr>
+        <p:spPr/>
+        <p:txBody>
+          <a:bodyPr/>
+          <a:lstStyle/>
+          <a:p>
+            <a:r>
+              <a:rPr lang="en-IN" dirty="0">
+                <a:solidFill>
+                  <a:schemeClr val="accent1">
+                    <a:lumMod val="75000"/>
+                  </a:schemeClr>
+                </a:solidFill>
+              </a:rPr>
+              <a:t>Test Plan</a:t>
+            </a:r>
+          </a:p>
+        </p:txBody>
+      </p:sp>
+    </p:spTree>
+    <p:extLst>
+      <p:ext uri="{BB962C8B-B14F-4D97-AF65-F5344CB8AC3E}">
+        <p14:creationId xmlns:p14="http://schemas.microsoft.com/office/powerpoint/2010/main" val="1359023233"/>
+      </p:ext>
+    </p:extLst>
+  </p:cSld>
+  <p:clrMapOvr>
+    <a:masterClrMapping/>
+  </p:clrMapOvr>
+  <p:transition spd="slow">
+    <p:push dir="u"/>
+  </p:transition>
+</p:sld>
+</file>
+
+<file path=ppt/slides/slide81.xml><?xml version="1.0" encoding="utf-8"?>
+<p:sld xmlns:a="http://schemas.openxmlformats.org/drawingml/2006/main" xmlns:r="http://schemas.openxmlformats.org/officeDocument/2006/relationships" xmlns:p="http://schemas.openxmlformats.org/presentationml/2006/main">
+  <p:cSld>
+    <p:spTree>
+      <p:nvGrpSpPr>
+        <p:cNvPr id="1" name=""/>
+        <p:cNvGrpSpPr/>
+        <p:nvPr/>
+      </p:nvGrpSpPr>
+      <p:grpSpPr>
+        <a:xfrm>
+          <a:off x="0" y="0"/>
+          <a:ext cx="0" cy="0"/>
+          <a:chOff x="0" y="0"/>
+          <a:chExt cx="0" cy="0"/>
+        </a:xfrm>
+      </p:grpSpPr>
+      <p:sp>
+        <p:nvSpPr>
+          <p:cNvPr id="2" name="Content Placeholder 1">
+            <a:extLst>
+              <a:ext uri="{FF2B5EF4-FFF2-40B4-BE49-F238E27FC236}">
+                <a16:creationId xmlns:a16="http://schemas.microsoft.com/office/drawing/2014/main" id="{AC693DF7-79C3-4A67-9C21-604D11D37D75}"/>
+              </a:ext>
+            </a:extLst>
+          </p:cNvPr>
+          <p:cNvSpPr>
+            <a:spLocks noGrp="1"/>
+          </p:cNvSpPr>
+          <p:nvPr>
+            <p:ph idx="1"/>
+          </p:nvPr>
+        </p:nvSpPr>
+        <p:spPr/>
+        <p:txBody>
+          <a:bodyPr/>
+          <a:lstStyle/>
+          <a:p>
+            <a:r>
+              <a:rPr lang="en-US" b="0" i="0" dirty="0">
+                <a:solidFill>
+                  <a:srgbClr val="333333"/>
+                </a:solidFill>
+                <a:effectLst/>
+                <a:latin typeface="inter-regular"/>
+              </a:rPr>
+              <a:t>The Requirement traceability matrix [RTM] is a document which ensures that all the test case has been covered. </a:t>
+            </a:r>
+          </a:p>
+          <a:p>
+            <a:r>
+              <a:rPr lang="en-US" b="0" i="0" dirty="0">
+                <a:solidFill>
+                  <a:srgbClr val="333333"/>
+                </a:solidFill>
+                <a:effectLst/>
+                <a:latin typeface="inter-regular"/>
+              </a:rPr>
+              <a:t>This document is created before the test execution process to verify that we did not miss writing any test case for the particular requirement.</a:t>
+            </a:r>
+            <a:endParaRPr lang="en-IN" dirty="0"/>
+          </a:p>
+        </p:txBody>
+      </p:sp>
+      <p:sp>
+        <p:nvSpPr>
+          <p:cNvPr id="3" name="Title 2">
+            <a:extLst>
+              <a:ext uri="{FF2B5EF4-FFF2-40B4-BE49-F238E27FC236}">
+                <a16:creationId xmlns:a16="http://schemas.microsoft.com/office/drawing/2014/main" id="{7C0D2731-B2A7-4318-A122-06F3B5996807}"/>
+              </a:ext>
+            </a:extLst>
+          </p:cNvPr>
+          <p:cNvSpPr>
+            <a:spLocks noGrp="1"/>
+          </p:cNvSpPr>
+          <p:nvPr>
+            <p:ph type="title"/>
+          </p:nvPr>
+        </p:nvSpPr>
+        <p:spPr/>
+        <p:txBody>
+          <a:bodyPr/>
+          <a:lstStyle/>
+          <a:p>
+            <a:r>
+              <a:rPr lang="en-IN" i="0" dirty="0">
+                <a:solidFill>
+                  <a:schemeClr val="accent1">
+                    <a:lumMod val="75000"/>
+                  </a:schemeClr>
+                </a:solidFill>
+                <a:effectLst/>
+                <a:latin typeface="erdana"/>
+              </a:rPr>
+              <a:t>Requirement Traceability Matrix (RTM)</a:t>
+            </a:r>
+            <a:endParaRPr lang="en-IN" dirty="0">
+              <a:solidFill>
+                <a:schemeClr val="accent1">
+                  <a:lumMod val="75000"/>
+                </a:schemeClr>
+              </a:solidFill>
+            </a:endParaRPr>
+          </a:p>
+        </p:txBody>
+      </p:sp>
+    </p:spTree>
+    <p:extLst>
+      <p:ext uri="{BB962C8B-B14F-4D97-AF65-F5344CB8AC3E}">
+        <p14:creationId xmlns:p14="http://schemas.microsoft.com/office/powerpoint/2010/main" val="3856558522"/>
+      </p:ext>
+    </p:extLst>
+  </p:cSld>
+  <p:clrMapOvr>
+    <a:masterClrMapping/>
+  </p:clrMapOvr>
+  <p:transition spd="slow">
+    <p:push dir="u"/>
+  </p:transition>
+</p:sld>
+</file>
+
+<file path=ppt/slides/slide82.xml><?xml version="1.0" encoding="utf-8"?>
+<p:sld xmlns:a="http://schemas.openxmlformats.org/drawingml/2006/main" xmlns:r="http://schemas.openxmlformats.org/officeDocument/2006/relationships" xmlns:p="http://schemas.openxmlformats.org/presentationml/2006/main">
+  <p:cSld>
+    <p:spTree>
+      <p:nvGrpSpPr>
+        <p:cNvPr id="1" name=""/>
+        <p:cNvGrpSpPr/>
+        <p:nvPr/>
+      </p:nvGrpSpPr>
+      <p:grpSpPr>
+        <a:xfrm>
+          <a:off x="0" y="0"/>
+          <a:ext cx="0" cy="0"/>
+          <a:chOff x="0" y="0"/>
+          <a:chExt cx="0" cy="0"/>
+        </a:xfrm>
+      </p:grpSpPr>
+      <p:sp>
+        <p:nvSpPr>
+          <p:cNvPr id="2" name="Content Placeholder 1">
+            <a:extLst>
+              <a:ext uri="{FF2B5EF4-FFF2-40B4-BE49-F238E27FC236}">
+                <a16:creationId xmlns:a16="http://schemas.microsoft.com/office/drawing/2014/main" id="{531855D2-5BE5-44AF-9395-764D46DB3F8F}"/>
+              </a:ext>
+            </a:extLst>
+          </p:cNvPr>
+          <p:cNvSpPr>
+            <a:spLocks noGrp="1"/>
+          </p:cNvSpPr>
+          <p:nvPr>
+            <p:ph idx="1"/>
+          </p:nvPr>
+        </p:nvSpPr>
+        <p:spPr/>
+        <p:txBody>
+          <a:bodyPr/>
+          <a:lstStyle/>
+          <a:p>
+            <a:r>
+              <a:rPr lang="en-US" b="0" i="0" dirty="0">
+                <a:solidFill>
+                  <a:srgbClr val="333333"/>
+                </a:solidFill>
+                <a:effectLst/>
+                <a:latin typeface="inter-regular"/>
+              </a:rPr>
+              <a:t>The test strategy is a high-level document, which is used to verify the test types (levels) to be executed for the product and also describe that what kind of technique has to be used and which module is going to be tested. </a:t>
+            </a:r>
+          </a:p>
+          <a:p>
+            <a:r>
+              <a:rPr lang="en-US" b="0" i="0" dirty="0">
+                <a:solidFill>
+                  <a:srgbClr val="333333"/>
+                </a:solidFill>
+                <a:effectLst/>
+                <a:latin typeface="inter-regular"/>
+              </a:rPr>
+              <a:t>The Project Manager can approve it. </a:t>
+            </a:r>
+          </a:p>
+          <a:p>
+            <a:r>
+              <a:rPr lang="en-US" b="0" i="0" dirty="0">
+                <a:solidFill>
+                  <a:srgbClr val="333333"/>
+                </a:solidFill>
+                <a:effectLst/>
+                <a:latin typeface="inter-regular"/>
+              </a:rPr>
+              <a:t>It includes the multiple components such as documentation formats, objective, test processes, scope, and customer communication strategy, etc. we cannot modify the test strategy.</a:t>
+            </a:r>
+            <a:endParaRPr lang="en-IN" dirty="0"/>
+          </a:p>
+        </p:txBody>
+      </p:sp>
+      <p:sp>
+        <p:nvSpPr>
+          <p:cNvPr id="3" name="Title 2">
+            <a:extLst>
+              <a:ext uri="{FF2B5EF4-FFF2-40B4-BE49-F238E27FC236}">
+                <a16:creationId xmlns:a16="http://schemas.microsoft.com/office/drawing/2014/main" id="{3FD62317-F3F0-4A5E-AB4A-7F12B136FFDB}"/>
+              </a:ext>
+            </a:extLst>
+          </p:cNvPr>
+          <p:cNvSpPr>
+            <a:spLocks noGrp="1"/>
+          </p:cNvSpPr>
+          <p:nvPr>
+            <p:ph type="title"/>
+          </p:nvPr>
+        </p:nvSpPr>
+        <p:spPr/>
+        <p:txBody>
+          <a:bodyPr/>
+          <a:lstStyle/>
+          <a:p>
+            <a:r>
+              <a:rPr lang="en-IN" i="0" dirty="0">
+                <a:solidFill>
+                  <a:schemeClr val="accent1">
+                    <a:lumMod val="75000"/>
+                  </a:schemeClr>
+                </a:solidFill>
+                <a:effectLst/>
+                <a:latin typeface="erdana"/>
+              </a:rPr>
+              <a:t>Test strategy</a:t>
+            </a:r>
+            <a:endParaRPr lang="en-IN" dirty="0">
+              <a:solidFill>
+                <a:schemeClr val="accent1">
+                  <a:lumMod val="75000"/>
+                </a:schemeClr>
+              </a:solidFill>
+            </a:endParaRPr>
+          </a:p>
+        </p:txBody>
+      </p:sp>
+    </p:spTree>
+    <p:extLst>
+      <p:ext uri="{BB962C8B-B14F-4D97-AF65-F5344CB8AC3E}">
+        <p14:creationId xmlns:p14="http://schemas.microsoft.com/office/powerpoint/2010/main" val="1390259393"/>
+      </p:ext>
+    </p:extLst>
+  </p:cSld>
+  <p:clrMapOvr>
+    <a:masterClrMapping/>
+  </p:clrMapOvr>
+  <p:transition spd="slow">
+    <p:push dir="u"/>
+  </p:transition>
+</p:sld>
+</file>
+
+<file path=ppt/slides/slide83.xml><?xml version="1.0" encoding="utf-8"?>
+<p:sld xmlns:a="http://schemas.openxmlformats.org/drawingml/2006/main" xmlns:r="http://schemas.openxmlformats.org/officeDocument/2006/relationships" xmlns:p="http://schemas.openxmlformats.org/presentationml/2006/main">
+  <p:cSld>
+    <p:spTree>
+      <p:nvGrpSpPr>
+        <p:cNvPr id="1" name=""/>
+        <p:cNvGrpSpPr/>
+        <p:nvPr/>
+      </p:nvGrpSpPr>
+      <p:grpSpPr>
+        <a:xfrm>
+          <a:off x="0" y="0"/>
+          <a:ext cx="0" cy="0"/>
+          <a:chOff x="0" y="0"/>
+          <a:chExt cx="0" cy="0"/>
+        </a:xfrm>
+      </p:grpSpPr>
+      <p:sp>
+        <p:nvSpPr>
+          <p:cNvPr id="2" name="Content Placeholder 1">
+            <a:extLst>
+              <a:ext uri="{FF2B5EF4-FFF2-40B4-BE49-F238E27FC236}">
+                <a16:creationId xmlns:a16="http://schemas.microsoft.com/office/drawing/2014/main" id="{897AEADB-2D66-4CF6-A21E-9E0E9FF366A1}"/>
+              </a:ext>
+            </a:extLst>
+          </p:cNvPr>
+          <p:cNvSpPr>
+            <a:spLocks noGrp="1"/>
+          </p:cNvSpPr>
+          <p:nvPr>
+            <p:ph idx="1"/>
+          </p:nvPr>
+        </p:nvSpPr>
+        <p:spPr/>
+        <p:txBody>
+          <a:bodyPr/>
+          <a:lstStyle/>
+          <a:p>
+            <a:pPr algn="just"/>
+            <a:r>
+              <a:rPr lang="en-US" b="0" i="0" dirty="0">
+                <a:solidFill>
+                  <a:srgbClr val="333333"/>
+                </a:solidFill>
+                <a:effectLst/>
+                <a:latin typeface="inter-regular"/>
+              </a:rPr>
+              <a:t>It is data that occurs before the test is executed. It is mainly used when we are implementing the test case. Mostly, we will have the test data in the Excel sheet format and entered manually while performing the test case.</a:t>
+            </a:r>
+          </a:p>
+          <a:p>
+            <a:pPr algn="just"/>
+            <a:r>
+              <a:rPr lang="en-US" b="0" i="0" dirty="0">
+                <a:solidFill>
+                  <a:srgbClr val="333333"/>
+                </a:solidFill>
+                <a:effectLst/>
+                <a:latin typeface="inter-regular"/>
+              </a:rPr>
+              <a:t>The test data can be used to check the expected result, which means that when the test data is entered, the expected outcome will meet the actual result and also check the application performance by entering the in-correct input data.</a:t>
+            </a:r>
+          </a:p>
+          <a:p>
+            <a:endParaRPr lang="en-IN" dirty="0"/>
+          </a:p>
+        </p:txBody>
+      </p:sp>
+      <p:sp>
+        <p:nvSpPr>
+          <p:cNvPr id="3" name="Title 2">
+            <a:extLst>
+              <a:ext uri="{FF2B5EF4-FFF2-40B4-BE49-F238E27FC236}">
+                <a16:creationId xmlns:a16="http://schemas.microsoft.com/office/drawing/2014/main" id="{775260B2-CE57-4B4A-8C1F-B9CBD33C74E4}"/>
+              </a:ext>
+            </a:extLst>
+          </p:cNvPr>
+          <p:cNvSpPr>
+            <a:spLocks noGrp="1"/>
+          </p:cNvSpPr>
+          <p:nvPr>
+            <p:ph type="title"/>
+          </p:nvPr>
+        </p:nvSpPr>
+        <p:spPr/>
+        <p:txBody>
+          <a:bodyPr/>
+          <a:lstStyle/>
+          <a:p>
+            <a:r>
+              <a:rPr lang="en-IN" i="0" dirty="0">
+                <a:solidFill>
+                  <a:schemeClr val="accent1">
+                    <a:lumMod val="75000"/>
+                  </a:schemeClr>
+                </a:solidFill>
+                <a:effectLst/>
+                <a:latin typeface="erdana"/>
+              </a:rPr>
+              <a:t>Test Data</a:t>
+            </a:r>
+            <a:endParaRPr lang="en-IN" dirty="0">
+              <a:solidFill>
+                <a:schemeClr val="accent1">
+                  <a:lumMod val="75000"/>
+                </a:schemeClr>
+              </a:solidFill>
+            </a:endParaRPr>
+          </a:p>
+        </p:txBody>
+      </p:sp>
+    </p:spTree>
+    <p:extLst>
+      <p:ext uri="{BB962C8B-B14F-4D97-AF65-F5344CB8AC3E}">
+        <p14:creationId xmlns:p14="http://schemas.microsoft.com/office/powerpoint/2010/main" val="1253507292"/>
+      </p:ext>
+    </p:extLst>
+  </p:cSld>
+  <p:clrMapOvr>
+    <a:masterClrMapping/>
+  </p:clrMapOvr>
+  <p:transition spd="slow">
+    <p:push dir="u"/>
+  </p:transition>
+</p:sld>
+</file>
+
+<file path=ppt/slides/slide84.xml><?xml version="1.0" encoding="utf-8"?>
+<p:sld xmlns:a="http://schemas.openxmlformats.org/drawingml/2006/main" xmlns:r="http://schemas.openxmlformats.org/officeDocument/2006/relationships" xmlns:p="http://schemas.openxmlformats.org/presentationml/2006/main">
+  <p:cSld>
+    <p:spTree>
+      <p:nvGrpSpPr>
+        <p:cNvPr id="1" name=""/>
+        <p:cNvGrpSpPr/>
+        <p:nvPr/>
+      </p:nvGrpSpPr>
+      <p:grpSpPr>
+        <a:xfrm>
+          <a:off x="0" y="0"/>
+          <a:ext cx="0" cy="0"/>
+          <a:chOff x="0" y="0"/>
+          <a:chExt cx="0" cy="0"/>
+        </a:xfrm>
+      </p:grpSpPr>
+      <p:sp>
+        <p:nvSpPr>
+          <p:cNvPr id="2" name="Content Placeholder 1">
+            <a:extLst>
+              <a:ext uri="{FF2B5EF4-FFF2-40B4-BE49-F238E27FC236}">
+                <a16:creationId xmlns:a16="http://schemas.microsoft.com/office/drawing/2014/main" id="{795B4A11-BDD3-41B5-9BCE-29B7BD5546DD}"/>
+              </a:ext>
+            </a:extLst>
+          </p:cNvPr>
+          <p:cNvSpPr>
+            <a:spLocks noGrp="1"/>
+          </p:cNvSpPr>
+          <p:nvPr>
+            <p:ph idx="1"/>
+          </p:nvPr>
+        </p:nvSpPr>
+        <p:spPr/>
+        <p:txBody>
+          <a:bodyPr/>
+          <a:lstStyle/>
+          <a:p>
+            <a:r>
+              <a:rPr lang="en-US" b="0" i="0" dirty="0">
+                <a:solidFill>
+                  <a:srgbClr val="333333"/>
+                </a:solidFill>
+                <a:effectLst/>
+                <a:latin typeface="inter-regular"/>
+              </a:rPr>
+              <a:t>The bug report is a document where we maintain a summary of all the bugs which occurred during the testing process. </a:t>
+            </a:r>
+          </a:p>
+          <a:p>
+            <a:r>
+              <a:rPr lang="en-US" b="0" i="0" dirty="0">
+                <a:solidFill>
+                  <a:srgbClr val="333333"/>
+                </a:solidFill>
+                <a:effectLst/>
+                <a:latin typeface="inter-regular"/>
+              </a:rPr>
+              <a:t>This is a crucial document for both the developers and test engineers because, with the help of bug reports, they can easily track the defects, report the bug, change the status of bugs which are fixed successfully, and also avoid their repetition in further process.</a:t>
+            </a:r>
+            <a:endParaRPr lang="en-IN" dirty="0"/>
+          </a:p>
+        </p:txBody>
+      </p:sp>
+      <p:sp>
+        <p:nvSpPr>
+          <p:cNvPr id="3" name="Title 2">
+            <a:extLst>
+              <a:ext uri="{FF2B5EF4-FFF2-40B4-BE49-F238E27FC236}">
+                <a16:creationId xmlns:a16="http://schemas.microsoft.com/office/drawing/2014/main" id="{488E6A97-F251-4283-BC0C-414F3734DE7C}"/>
+              </a:ext>
+            </a:extLst>
+          </p:cNvPr>
+          <p:cNvSpPr>
+            <a:spLocks noGrp="1"/>
+          </p:cNvSpPr>
+          <p:nvPr>
+            <p:ph type="title"/>
+          </p:nvPr>
+        </p:nvSpPr>
+        <p:spPr/>
+        <p:txBody>
+          <a:bodyPr/>
+          <a:lstStyle/>
+          <a:p>
+            <a:r>
+              <a:rPr lang="en-IN" i="0" dirty="0">
+                <a:solidFill>
+                  <a:schemeClr val="accent1">
+                    <a:lumMod val="75000"/>
+                  </a:schemeClr>
+                </a:solidFill>
+                <a:effectLst/>
+                <a:latin typeface="erdana"/>
+              </a:rPr>
+              <a:t>Bug report</a:t>
+            </a:r>
+            <a:endParaRPr lang="en-IN" dirty="0">
+              <a:solidFill>
+                <a:schemeClr val="accent1">
+                  <a:lumMod val="75000"/>
+                </a:schemeClr>
+              </a:solidFill>
+            </a:endParaRPr>
+          </a:p>
+        </p:txBody>
+      </p:sp>
+    </p:spTree>
+    <p:extLst>
+      <p:ext uri="{BB962C8B-B14F-4D97-AF65-F5344CB8AC3E}">
+        <p14:creationId xmlns:p14="http://schemas.microsoft.com/office/powerpoint/2010/main" val="971211137"/>
+      </p:ext>
+    </p:extLst>
+  </p:cSld>
+  <p:clrMapOvr>
+    <a:masterClrMapping/>
+  </p:clrMapOvr>
+  <p:transition spd="slow">
+    <p:push dir="u"/>
+  </p:transition>
+</p:sld>
+</file>
+
+<file path=ppt/slides/slide85.xml><?xml version="1.0" encoding="utf-8"?>
+<p:sld xmlns:a="http://schemas.openxmlformats.org/drawingml/2006/main" xmlns:r="http://schemas.openxmlformats.org/officeDocument/2006/relationships" xmlns:p="http://schemas.openxmlformats.org/presentationml/2006/main">
+  <p:cSld>
+    <p:spTree>
+      <p:nvGrpSpPr>
+        <p:cNvPr id="1" name=""/>
+        <p:cNvGrpSpPr/>
+        <p:nvPr/>
+      </p:nvGrpSpPr>
+      <p:grpSpPr>
+        <a:xfrm>
+          <a:off x="0" y="0"/>
+          <a:ext cx="0" cy="0"/>
+          <a:chOff x="0" y="0"/>
+          <a:chExt cx="0" cy="0"/>
+        </a:xfrm>
+      </p:grpSpPr>
+      <p:sp>
+        <p:nvSpPr>
+          <p:cNvPr id="2" name="Content Placeholder 1">
+            <a:extLst>
+              <a:ext uri="{FF2B5EF4-FFF2-40B4-BE49-F238E27FC236}">
+                <a16:creationId xmlns:a16="http://schemas.microsoft.com/office/drawing/2014/main" id="{F3F4F0FF-50E1-4193-BAB1-B2D91957CD6D}"/>
+              </a:ext>
+            </a:extLst>
+          </p:cNvPr>
+          <p:cNvSpPr>
+            <a:spLocks noGrp="1"/>
+          </p:cNvSpPr>
+          <p:nvPr>
+            <p:ph idx="1"/>
+          </p:nvPr>
+        </p:nvSpPr>
+        <p:spPr/>
+        <p:txBody>
+          <a:bodyPr/>
+          <a:lstStyle/>
+          <a:p>
+            <a:r>
+              <a:rPr lang="en-US" b="0" i="0" dirty="0">
+                <a:solidFill>
+                  <a:srgbClr val="333333"/>
+                </a:solidFill>
+                <a:effectLst/>
+                <a:latin typeface="inter-regular"/>
+              </a:rPr>
+              <a:t>It is the document prepared by test leads after the entire testing execution process is completed. </a:t>
+            </a:r>
+          </a:p>
+          <a:p>
+            <a:r>
+              <a:rPr lang="en-US" b="0" i="0" dirty="0">
+                <a:solidFill>
+                  <a:srgbClr val="333333"/>
+                </a:solidFill>
+                <a:effectLst/>
+                <a:latin typeface="inter-regular"/>
+              </a:rPr>
+              <a:t>The test summary report defines the constancy of the product, and it contains information like the modules, the number of written test cases, executed, pass, fail, and their percentage.</a:t>
+            </a:r>
+          </a:p>
+          <a:p>
+            <a:r>
+              <a:rPr lang="en-US" b="0" i="0" dirty="0">
+                <a:solidFill>
+                  <a:srgbClr val="333333"/>
+                </a:solidFill>
+                <a:effectLst/>
+                <a:latin typeface="inter-regular"/>
+              </a:rPr>
+              <a:t>Each module has a separate spreadsheet of their respective module.</a:t>
+            </a:r>
+            <a:endParaRPr lang="en-IN" dirty="0"/>
+          </a:p>
+        </p:txBody>
+      </p:sp>
+      <p:sp>
+        <p:nvSpPr>
+          <p:cNvPr id="3" name="Title 2">
+            <a:extLst>
+              <a:ext uri="{FF2B5EF4-FFF2-40B4-BE49-F238E27FC236}">
+                <a16:creationId xmlns:a16="http://schemas.microsoft.com/office/drawing/2014/main" id="{5CE9A00B-9DA9-4505-A246-E09DDD44B877}"/>
+              </a:ext>
+            </a:extLst>
+          </p:cNvPr>
+          <p:cNvSpPr>
+            <a:spLocks noGrp="1"/>
+          </p:cNvSpPr>
+          <p:nvPr>
+            <p:ph type="title"/>
+          </p:nvPr>
+        </p:nvSpPr>
+        <p:spPr/>
+        <p:txBody>
+          <a:bodyPr/>
+          <a:lstStyle/>
+          <a:p>
+            <a:r>
+              <a:rPr lang="en-IN" i="0" dirty="0">
+                <a:solidFill>
+                  <a:schemeClr val="accent1">
+                    <a:lumMod val="75000"/>
+                  </a:schemeClr>
+                </a:solidFill>
+                <a:effectLst/>
+                <a:latin typeface="erdana"/>
+              </a:rPr>
+              <a:t>Test execution report</a:t>
+            </a:r>
+            <a:endParaRPr lang="en-IN" dirty="0">
+              <a:solidFill>
+                <a:schemeClr val="accent1">
+                  <a:lumMod val="75000"/>
+                </a:schemeClr>
+              </a:solidFill>
+            </a:endParaRPr>
+          </a:p>
+        </p:txBody>
+      </p:sp>
+    </p:spTree>
+    <p:extLst>
+      <p:ext uri="{BB962C8B-B14F-4D97-AF65-F5344CB8AC3E}">
+        <p14:creationId xmlns:p14="http://schemas.microsoft.com/office/powerpoint/2010/main" val="876708800"/>
+      </p:ext>
+    </p:extLst>
+  </p:cSld>
+  <p:clrMapOvr>
+    <a:masterClrMapping/>
+  </p:clrMapOvr>
+  <p:transition spd="slow">
+    <p:push dir="u"/>
+  </p:transition>
+</p:sld>
+</file>
+
+<file path=ppt/slides/slide86.xml><?xml version="1.0" encoding="utf-8"?>
+<p:sld xmlns:a="http://schemas.openxmlformats.org/drawingml/2006/main" xmlns:r="http://schemas.openxmlformats.org/officeDocument/2006/relationships" xmlns:p="http://schemas.openxmlformats.org/presentationml/2006/main">
+  <p:cSld>
+    <p:spTree>
+      <p:nvGrpSpPr>
+        <p:cNvPr id="1" name=""/>
+        <p:cNvGrpSpPr/>
+        <p:nvPr/>
+      </p:nvGrpSpPr>
+      <p:grpSpPr>
+        <a:xfrm>
+          <a:off x="0" y="0"/>
+          <a:ext cx="0" cy="0"/>
+          <a:chOff x="0" y="0"/>
+          <a:chExt cx="0" cy="0"/>
+        </a:xfrm>
+      </p:grpSpPr>
+      <p:sp>
+        <p:nvSpPr>
+          <p:cNvPr id="2" name="Content Placeholder 1">
+            <a:extLst>
+              <a:ext uri="{FF2B5EF4-FFF2-40B4-BE49-F238E27FC236}">
+                <a16:creationId xmlns:a16="http://schemas.microsoft.com/office/drawing/2014/main" id="{8DFCF7BC-597B-4149-8CED-FF70DD353009}"/>
+              </a:ext>
+            </a:extLst>
+          </p:cNvPr>
+          <p:cNvSpPr>
+            <a:spLocks noGrp="1"/>
+          </p:cNvSpPr>
+          <p:nvPr>
+            <p:ph idx="1"/>
+          </p:nvPr>
+        </p:nvSpPr>
+        <p:spPr/>
+        <p:txBody>
+          <a:bodyPr/>
+          <a:lstStyle/>
+          <a:p>
+            <a:pPr algn="just">
+              <a:buFont typeface="Arial" panose="020B0604020202020204" pitchFamily="34" charset="0"/>
+              <a:buChar char="•"/>
+            </a:pPr>
+            <a:r>
+              <a:rPr lang="en-US" b="0" i="0" dirty="0">
+                <a:solidFill>
+                  <a:srgbClr val="000000"/>
+                </a:solidFill>
+                <a:effectLst/>
+                <a:latin typeface="inter-regular"/>
+              </a:rPr>
+              <a:t>Documentation clarifies the quality of methods and objectives.</a:t>
+            </a:r>
+          </a:p>
+          <a:p>
+            <a:pPr algn="just">
+              <a:buFont typeface="Arial" panose="020B0604020202020204" pitchFamily="34" charset="0"/>
+              <a:buChar char="•"/>
+            </a:pPr>
+            <a:r>
+              <a:rPr lang="en-US" b="0" i="0" dirty="0">
+                <a:solidFill>
+                  <a:srgbClr val="000000"/>
+                </a:solidFill>
+                <a:effectLst/>
+                <a:latin typeface="inter-regular"/>
+              </a:rPr>
+              <a:t>It ensures internal coordination when a customer uses software application.</a:t>
+            </a:r>
+          </a:p>
+          <a:p>
+            <a:pPr algn="just">
+              <a:buFont typeface="Arial" panose="020B0604020202020204" pitchFamily="34" charset="0"/>
+              <a:buChar char="•"/>
+            </a:pPr>
+            <a:r>
+              <a:rPr lang="en-US" b="0" i="0" dirty="0">
+                <a:solidFill>
+                  <a:srgbClr val="000000"/>
+                </a:solidFill>
+                <a:effectLst/>
+                <a:latin typeface="inter-regular"/>
+              </a:rPr>
+              <a:t>It ensures clarity about the stability of tasks and performance.</a:t>
+            </a:r>
+          </a:p>
+          <a:p>
+            <a:pPr algn="just">
+              <a:buFont typeface="Arial" panose="020B0604020202020204" pitchFamily="34" charset="0"/>
+              <a:buChar char="•"/>
+            </a:pPr>
+            <a:r>
+              <a:rPr lang="en-US" b="0" i="0" dirty="0">
+                <a:solidFill>
+                  <a:srgbClr val="000000"/>
+                </a:solidFill>
+                <a:effectLst/>
+                <a:latin typeface="inter-regular"/>
+              </a:rPr>
+              <a:t>It provides feedback on preventive tasks.</a:t>
+            </a:r>
+          </a:p>
+          <a:p>
+            <a:pPr algn="just">
+              <a:buFont typeface="Arial" panose="020B0604020202020204" pitchFamily="34" charset="0"/>
+              <a:buChar char="•"/>
+            </a:pPr>
+            <a:r>
+              <a:rPr lang="en-US" b="0" i="0" dirty="0">
+                <a:solidFill>
+                  <a:srgbClr val="000000"/>
+                </a:solidFill>
+                <a:effectLst/>
+                <a:latin typeface="inter-regular"/>
+              </a:rPr>
+              <a:t>It provides feedback for your planning cycle.</a:t>
+            </a:r>
+          </a:p>
+          <a:p>
+            <a:pPr algn="just">
+              <a:buFont typeface="Arial" panose="020B0604020202020204" pitchFamily="34" charset="0"/>
+              <a:buChar char="•"/>
+            </a:pPr>
+            <a:r>
+              <a:rPr lang="en-US" b="0" i="0" dirty="0">
+                <a:solidFill>
+                  <a:srgbClr val="000000"/>
+                </a:solidFill>
+                <a:effectLst/>
+                <a:latin typeface="inter-regular"/>
+              </a:rPr>
+              <a:t>It creates objective evidence for the performance of the quality management system.</a:t>
+            </a:r>
+          </a:p>
+          <a:p>
+            <a:pPr algn="just">
+              <a:buFont typeface="Arial" panose="020B0604020202020204" pitchFamily="34" charset="0"/>
+              <a:buChar char="•"/>
+            </a:pPr>
+            <a:r>
+              <a:rPr lang="en-US" b="0" i="0" dirty="0">
+                <a:solidFill>
+                  <a:srgbClr val="000000"/>
+                </a:solidFill>
+                <a:effectLst/>
+                <a:latin typeface="inter-regular"/>
+              </a:rPr>
+              <a:t>If we write the test document, we can't forget the values which we put in the first phase.</a:t>
+            </a:r>
+          </a:p>
+          <a:p>
+            <a:pPr algn="just">
+              <a:buFont typeface="Arial" panose="020B0604020202020204" pitchFamily="34" charset="0"/>
+              <a:buChar char="•"/>
+            </a:pPr>
+            <a:r>
+              <a:rPr lang="en-US" b="0" i="0" dirty="0">
+                <a:solidFill>
+                  <a:srgbClr val="000000"/>
+                </a:solidFill>
+                <a:effectLst/>
+                <a:latin typeface="inter-regular"/>
+              </a:rPr>
+              <a:t>It is also a time-saving process because we can easily refer to the text document.</a:t>
+            </a:r>
+          </a:p>
+          <a:p>
+            <a:pPr algn="just">
+              <a:buFont typeface="Arial" panose="020B0604020202020204" pitchFamily="34" charset="0"/>
+              <a:buChar char="•"/>
+            </a:pPr>
+            <a:r>
+              <a:rPr lang="en-US" b="0" i="0" dirty="0">
+                <a:solidFill>
+                  <a:srgbClr val="000000"/>
+                </a:solidFill>
+                <a:effectLst/>
+                <a:latin typeface="inter-regular"/>
+              </a:rPr>
+              <a:t>It is also consistent because we will test on the same value.</a:t>
+            </a:r>
+          </a:p>
+          <a:p>
+            <a:endParaRPr lang="en-IN" dirty="0"/>
+          </a:p>
+        </p:txBody>
+      </p:sp>
+      <p:sp>
+        <p:nvSpPr>
+          <p:cNvPr id="3" name="Title 2">
+            <a:extLst>
+              <a:ext uri="{FF2B5EF4-FFF2-40B4-BE49-F238E27FC236}">
+                <a16:creationId xmlns:a16="http://schemas.microsoft.com/office/drawing/2014/main" id="{6CB3654E-02B3-4D29-A5FE-A82DB9916ED0}"/>
+              </a:ext>
+            </a:extLst>
+          </p:cNvPr>
+          <p:cNvSpPr>
+            <a:spLocks noGrp="1"/>
+          </p:cNvSpPr>
+          <p:nvPr>
+            <p:ph type="title"/>
+          </p:nvPr>
+        </p:nvSpPr>
+        <p:spPr/>
+        <p:txBody>
+          <a:bodyPr/>
+          <a:lstStyle/>
+          <a:p>
+            <a:r>
+              <a:rPr lang="en-IN" i="0" dirty="0">
+                <a:solidFill>
+                  <a:schemeClr val="accent1">
+                    <a:lumMod val="75000"/>
+                  </a:schemeClr>
+                </a:solidFill>
+                <a:effectLst/>
+                <a:latin typeface="erdana"/>
+              </a:rPr>
+              <a:t>Benefits of using Documentation</a:t>
+            </a:r>
+            <a:endParaRPr lang="en-IN" dirty="0">
+              <a:solidFill>
+                <a:schemeClr val="accent1">
+                  <a:lumMod val="75000"/>
+                </a:schemeClr>
+              </a:solidFill>
+            </a:endParaRPr>
+          </a:p>
+        </p:txBody>
+      </p:sp>
+    </p:spTree>
+    <p:extLst>
+      <p:ext uri="{BB962C8B-B14F-4D97-AF65-F5344CB8AC3E}">
+        <p14:creationId xmlns:p14="http://schemas.microsoft.com/office/powerpoint/2010/main" val="4121619744"/>
+      </p:ext>
+    </p:extLst>
+  </p:cSld>
+  <p:clrMapOvr>
+    <a:masterClrMapping/>
+  </p:clrMapOvr>
+  <p:transition spd="slow">
+    <p:push dir="u"/>
+  </p:transition>
+</p:sld>
+</file>
+
+<file path=ppt/slides/slide87.xml><?xml version="1.0" encoding="utf-8"?>
+<p:sld xmlns:a="http://schemas.openxmlformats.org/drawingml/2006/main" xmlns:r="http://schemas.openxmlformats.org/officeDocument/2006/relationships" xmlns:p="http://schemas.openxmlformats.org/presentationml/2006/main">
+  <p:cSld>
+    <p:spTree>
+      <p:nvGrpSpPr>
+        <p:cNvPr id="1" name=""/>
+        <p:cNvGrpSpPr/>
+        <p:nvPr/>
+      </p:nvGrpSpPr>
+      <p:grpSpPr>
+        <a:xfrm>
+          <a:off x="0" y="0"/>
+          <a:ext cx="0" cy="0"/>
+          <a:chOff x="0" y="0"/>
+          <a:chExt cx="0" cy="0"/>
+        </a:xfrm>
+      </p:grpSpPr>
+      <p:sp>
+        <p:nvSpPr>
+          <p:cNvPr id="2" name="Content Placeholder 1">
+            <a:extLst>
+              <a:ext uri="{FF2B5EF4-FFF2-40B4-BE49-F238E27FC236}">
+                <a16:creationId xmlns:a16="http://schemas.microsoft.com/office/drawing/2014/main" id="{CE8444E2-3436-4818-B633-C70692DB6B6D}"/>
+              </a:ext>
+            </a:extLst>
+          </p:cNvPr>
+          <p:cNvSpPr>
+            <a:spLocks noGrp="1"/>
+          </p:cNvSpPr>
+          <p:nvPr>
+            <p:ph idx="1"/>
+          </p:nvPr>
+        </p:nvSpPr>
+        <p:spPr/>
+        <p:txBody>
+          <a:bodyPr/>
+          <a:lstStyle/>
+          <a:p>
+            <a:pPr algn="just">
+              <a:buFont typeface="Arial" panose="020B0604020202020204" pitchFamily="34" charset="0"/>
+              <a:buChar char="•"/>
+            </a:pPr>
+            <a:r>
+              <a:rPr lang="en-US" b="0" i="0" dirty="0">
+                <a:solidFill>
+                  <a:srgbClr val="000000"/>
+                </a:solidFill>
+                <a:effectLst/>
+                <a:latin typeface="inter-regular"/>
+              </a:rPr>
+              <a:t>It is a bit tedious because we have to maintain the modification provided by the customer and parallel change in the document.</a:t>
+            </a:r>
+          </a:p>
+          <a:p>
+            <a:pPr algn="just">
+              <a:buFont typeface="Arial" panose="020B0604020202020204" pitchFamily="34" charset="0"/>
+              <a:buChar char="•"/>
+            </a:pPr>
+            <a:r>
+              <a:rPr lang="en-US" b="0" i="0" dirty="0">
+                <a:solidFill>
+                  <a:srgbClr val="000000"/>
+                </a:solidFill>
+                <a:effectLst/>
+                <a:latin typeface="inter-regular"/>
+              </a:rPr>
+              <a:t>If the test documentation is not proper, it will replicate the quality of the application.</a:t>
+            </a:r>
+          </a:p>
+          <a:p>
+            <a:pPr algn="just">
+              <a:buFont typeface="Arial" panose="020B0604020202020204" pitchFamily="34" charset="0"/>
+              <a:buChar char="•"/>
+            </a:pPr>
+            <a:r>
+              <a:rPr lang="en-US" b="0" i="0" dirty="0">
+                <a:solidFill>
+                  <a:srgbClr val="000000"/>
+                </a:solidFill>
+                <a:effectLst/>
+                <a:latin typeface="inter-regular"/>
+              </a:rPr>
+              <a:t>Sometimes it is written by that person who does not have the product knowledge.</a:t>
+            </a:r>
+          </a:p>
+          <a:p>
+            <a:pPr algn="just">
+              <a:buFont typeface="Arial" panose="020B0604020202020204" pitchFamily="34" charset="0"/>
+              <a:buChar char="•"/>
+            </a:pPr>
+            <a:r>
+              <a:rPr lang="en-US" b="0" i="0" dirty="0">
+                <a:solidFill>
+                  <a:srgbClr val="000000"/>
+                </a:solidFill>
+                <a:effectLst/>
+                <a:latin typeface="inter-regular"/>
+              </a:rPr>
+              <a:t>Sometimes the cost of the document will be exceeding its value.</a:t>
+            </a:r>
+          </a:p>
+          <a:p>
+            <a:endParaRPr lang="en-IN" dirty="0"/>
+          </a:p>
+        </p:txBody>
+      </p:sp>
+      <p:sp>
+        <p:nvSpPr>
+          <p:cNvPr id="3" name="Title 2">
+            <a:extLst>
+              <a:ext uri="{FF2B5EF4-FFF2-40B4-BE49-F238E27FC236}">
+                <a16:creationId xmlns:a16="http://schemas.microsoft.com/office/drawing/2014/main" id="{2EF65ED5-5931-4841-8633-E8C8E534BE46}"/>
+              </a:ext>
+            </a:extLst>
+          </p:cNvPr>
+          <p:cNvSpPr>
+            <a:spLocks noGrp="1"/>
+          </p:cNvSpPr>
+          <p:nvPr>
+            <p:ph type="title"/>
+          </p:nvPr>
+        </p:nvSpPr>
+        <p:spPr/>
+        <p:txBody>
+          <a:bodyPr/>
+          <a:lstStyle/>
+          <a:p>
+            <a:r>
+              <a:rPr lang="en-US" dirty="0">
+                <a:solidFill>
+                  <a:schemeClr val="accent1">
+                    <a:lumMod val="75000"/>
+                  </a:schemeClr>
+                </a:solidFill>
+                <a:latin typeface="inter-bold"/>
+              </a:rPr>
+              <a:t>D</a:t>
+            </a:r>
+            <a:r>
+              <a:rPr lang="en-US" b="1" i="0" dirty="0">
+                <a:solidFill>
+                  <a:schemeClr val="accent1">
+                    <a:lumMod val="75000"/>
+                  </a:schemeClr>
+                </a:solidFill>
+                <a:effectLst/>
+                <a:latin typeface="inter-bold"/>
+              </a:rPr>
+              <a:t>rawback of the test document</a:t>
+            </a:r>
+            <a:endParaRPr lang="en-IN" dirty="0">
+              <a:solidFill>
+                <a:schemeClr val="accent1">
+                  <a:lumMod val="75000"/>
+                </a:schemeClr>
+              </a:solidFill>
+            </a:endParaRPr>
+          </a:p>
+        </p:txBody>
+      </p:sp>
+    </p:spTree>
+    <p:extLst>
+      <p:ext uri="{BB962C8B-B14F-4D97-AF65-F5344CB8AC3E}">
+        <p14:creationId xmlns:p14="http://schemas.microsoft.com/office/powerpoint/2010/main" val="3214999258"/>
+      </p:ext>
+    </p:extLst>
+  </p:cSld>
+  <p:clrMapOvr>
+    <a:masterClrMapping/>
+  </p:clrMapOvr>
+  <p:transition spd="slow">
+    <p:push dir="u"/>
+  </p:transition>
 </p:sld>
 </file>
 

--- a/QA/QA Study Material.pptx
+++ b/QA/QA Study Material.pptx
@@ -5,7 +5,7 @@
     <p:sldMasterId id="2147483660" r:id="rId1"/>
   </p:sldMasterIdLst>
   <p:notesMasterIdLst>
-    <p:notesMasterId r:id="rId89"/>
+    <p:notesMasterId r:id="rId95"/>
   </p:notesMasterIdLst>
   <p:sldIdLst>
     <p:sldId id="257" r:id="rId2"/>
@@ -95,6 +95,12 @@
     <p:sldId id="1476" r:id="rId86"/>
     <p:sldId id="1477" r:id="rId87"/>
     <p:sldId id="1478" r:id="rId88"/>
+    <p:sldId id="1454" r:id="rId89"/>
+    <p:sldId id="1455" r:id="rId90"/>
+    <p:sldId id="1456" r:id="rId91"/>
+    <p:sldId id="1457" r:id="rId92"/>
+    <p:sldId id="1458" r:id="rId93"/>
+    <p:sldId id="1459" r:id="rId94"/>
   </p:sldIdLst>
   <p:sldSz cx="12192000" cy="6858000"/>
   <p:notesSz cx="6858000" cy="9144000"/>
@@ -774,7 +780,7 @@
                 <a:latin typeface="Times New Roman" pitchFamily="18" charset="0"/>
               </a:rPr>
               <a:pPr/>
-              <a:t>11/17/2021 5:07 PM</a:t>
+              <a:t>11/17/2021 5:30 PM</a:t>
             </a:fld>
             <a:endParaRPr lang="en-US" altLang="en-US" sz="700">
               <a:solidFill>
@@ -1642,7 +1648,7 @@
                 <a:latin typeface="Times New Roman" pitchFamily="18" charset="0"/>
               </a:rPr>
               <a:pPr/>
-              <a:t>11/17/2021 5:07 PM</a:t>
+              <a:t>11/17/2021 5:30 PM</a:t>
             </a:fld>
             <a:endParaRPr lang="en-US" sz="700">
               <a:solidFill>
@@ -1913,7 +1919,7 @@
                 <a:latin typeface="Times New Roman" pitchFamily="18" charset="0"/>
               </a:rPr>
               <a:pPr/>
-              <a:t>11/17/2021 5:07 PM</a:t>
+              <a:t>11/17/2021 5:30 PM</a:t>
             </a:fld>
             <a:endParaRPr lang="en-US" sz="700">
               <a:solidFill>
@@ -2881,7 +2887,7 @@
                 <a:latin typeface="Times New Roman" pitchFamily="18" charset="0"/>
               </a:rPr>
               <a:pPr/>
-              <a:t>11/17/2021 5:07 PM</a:t>
+              <a:t>11/17/2021 5:30 PM</a:t>
             </a:fld>
             <a:endParaRPr lang="en-US" sz="700">
               <a:solidFill>
@@ -4298,7 +4304,7 @@
                 <a:latin typeface="Times New Roman" pitchFamily="18" charset="0"/>
               </a:rPr>
               <a:pPr/>
-              <a:t>11/17/2021 5:07 PM</a:t>
+              <a:t>11/17/2021 5:30 PM</a:t>
             </a:fld>
             <a:endParaRPr lang="en-US" sz="700">
               <a:solidFill>
@@ -5203,7 +5209,7 @@
                 <a:latin typeface="Times New Roman" pitchFamily="18" charset="0"/>
               </a:rPr>
               <a:pPr/>
-              <a:t>11/17/2021 5:07 PM</a:t>
+              <a:t>11/17/2021 5:30 PM</a:t>
             </a:fld>
             <a:endParaRPr lang="en-US" sz="700">
               <a:solidFill>
@@ -5555,7 +5561,7 @@
                 <a:latin typeface="Times New Roman" pitchFamily="18" charset="0"/>
               </a:rPr>
               <a:pPr/>
-              <a:t>11/17/2021 5:07 PM</a:t>
+              <a:t>11/17/2021 5:30 PM</a:t>
             </a:fld>
             <a:endParaRPr lang="en-US" sz="700">
               <a:solidFill>
@@ -47872,6 +47878,387 @@
 </p:sld>
 </file>
 
+<file path=ppt/slides/slide88.xml><?xml version="1.0" encoding="utf-8"?>
+<p:sld xmlns:a="http://schemas.openxmlformats.org/drawingml/2006/main" xmlns:r="http://schemas.openxmlformats.org/officeDocument/2006/relationships" xmlns:p="http://schemas.openxmlformats.org/presentationml/2006/main">
+  <p:cSld>
+    <p:spTree>
+      <p:nvGrpSpPr>
+        <p:cNvPr id="1" name=""/>
+        <p:cNvGrpSpPr/>
+        <p:nvPr/>
+      </p:nvGrpSpPr>
+      <p:grpSpPr>
+        <a:xfrm>
+          <a:off x="0" y="0"/>
+          <a:ext cx="0" cy="0"/>
+          <a:chOff x="0" y="0"/>
+          <a:chExt cx="0" cy="0"/>
+        </a:xfrm>
+      </p:grpSpPr>
+      <p:sp>
+        <p:nvSpPr>
+          <p:cNvPr id="2" name="Content Placeholder 1">
+            <a:extLst>
+              <a:ext uri="{FF2B5EF4-FFF2-40B4-BE49-F238E27FC236}">
+                <a16:creationId xmlns:a16="http://schemas.microsoft.com/office/drawing/2014/main" id="{7E7A5296-875F-472B-8A5A-6E995BC62621}"/>
+              </a:ext>
+            </a:extLst>
+          </p:cNvPr>
+          <p:cNvSpPr>
+            <a:spLocks noGrp="1"/>
+          </p:cNvSpPr>
+          <p:nvPr>
+            <p:ph idx="1"/>
+          </p:nvPr>
+        </p:nvSpPr>
+        <p:spPr/>
+        <p:txBody>
+          <a:bodyPr>
+            <a:normAutofit lnSpcReduction="10000"/>
+          </a:bodyPr>
+          <a:lstStyle/>
+          <a:p>
+            <a:pPr algn="just"/>
+            <a:r>
+              <a:rPr lang="en-US" b="0" i="0" dirty="0">
+                <a:solidFill>
+                  <a:srgbClr val="333333"/>
+                </a:solidFill>
+                <a:effectLst/>
+                <a:latin typeface="inter-regular"/>
+              </a:rPr>
+              <a:t>Is a detailed document of test cases that cover end to end functionality of a software application in liner statements. </a:t>
+            </a:r>
+          </a:p>
+          <a:p>
+            <a:pPr algn="just"/>
+            <a:r>
+              <a:rPr lang="en-US" dirty="0">
+                <a:solidFill>
+                  <a:srgbClr val="333333"/>
+                </a:solidFill>
+                <a:latin typeface="inter-regular"/>
+              </a:rPr>
+              <a:t>H</a:t>
+            </a:r>
+            <a:r>
+              <a:rPr lang="en-US" b="0" i="0" dirty="0">
+                <a:solidFill>
+                  <a:srgbClr val="333333"/>
+                </a:solidFill>
+                <a:effectLst/>
+                <a:latin typeface="inter-regular"/>
+              </a:rPr>
+              <a:t>igh-level classification of testable requirements. </a:t>
+            </a:r>
+          </a:p>
+          <a:p>
+            <a:pPr algn="just"/>
+            <a:r>
+              <a:rPr lang="en-US" b="0" i="0" dirty="0">
+                <a:solidFill>
+                  <a:srgbClr val="333333"/>
+                </a:solidFill>
+                <a:effectLst/>
+                <a:latin typeface="inter-regular"/>
+              </a:rPr>
+              <a:t>Requirements are grouped on the basis of the functionality of a module and obtained from the use cases.</a:t>
+            </a:r>
+          </a:p>
+          <a:p>
+            <a:pPr algn="just"/>
+            <a:r>
+              <a:rPr lang="en-US" b="0" i="0" dirty="0">
+                <a:solidFill>
+                  <a:srgbClr val="333333"/>
+                </a:solidFill>
+                <a:effectLst/>
+                <a:latin typeface="inter-regular"/>
+              </a:rPr>
+              <a:t>In the test scenario, there is a detailed testing process due to many associated test cases.</a:t>
+            </a:r>
+          </a:p>
+          <a:p>
+            <a:pPr algn="just"/>
+            <a:r>
+              <a:rPr lang="en-US" b="0" i="0" dirty="0">
+                <a:solidFill>
+                  <a:srgbClr val="333333"/>
+                </a:solidFill>
+                <a:effectLst/>
+                <a:latin typeface="inter-regular"/>
+              </a:rPr>
+              <a:t> Before performing the test scenario, the tester has to consider the test cases for each scenario.</a:t>
+            </a:r>
+          </a:p>
+          <a:p>
+            <a:pPr algn="just"/>
+            <a:r>
+              <a:rPr lang="en-US" b="0" i="0" dirty="0">
+                <a:solidFill>
+                  <a:srgbClr val="333333"/>
+                </a:solidFill>
+                <a:effectLst/>
+                <a:latin typeface="inter-regular"/>
+              </a:rPr>
+              <a:t>In the test scenario, testers need to put themselves in the place of the user because they test the software application under the user's point of view. </a:t>
+            </a:r>
+          </a:p>
+          <a:p>
+            <a:pPr algn="just"/>
+            <a:r>
+              <a:rPr lang="en-US" b="0" i="0" dirty="0">
+                <a:solidFill>
+                  <a:srgbClr val="333333"/>
+                </a:solidFill>
+                <a:effectLst/>
+                <a:latin typeface="inter-regular"/>
+              </a:rPr>
+              <a:t>Preparation of scenarios is the most critical part, and it is necessary to seek advice or help from customers, stakeholders or developers to prepare the scenario.</a:t>
+            </a:r>
+          </a:p>
+          <a:p>
+            <a:pPr algn="just"/>
+            <a:endParaRPr lang="en-US" dirty="0">
+              <a:solidFill>
+                <a:srgbClr val="333333"/>
+              </a:solidFill>
+              <a:latin typeface="inter-regular"/>
+            </a:endParaRPr>
+          </a:p>
+          <a:p>
+            <a:pPr marL="0" indent="0" algn="just">
+              <a:buNone/>
+            </a:pPr>
+            <a:r>
+              <a:rPr lang="en-US" b="1" i="0" dirty="0">
+                <a:solidFill>
+                  <a:srgbClr val="333333"/>
+                </a:solidFill>
+                <a:effectLst/>
+                <a:latin typeface="inter-bold"/>
+              </a:rPr>
+              <a:t>Note:</a:t>
+            </a:r>
+            <a:endParaRPr lang="en-US" b="0" i="0" dirty="0">
+              <a:solidFill>
+                <a:srgbClr val="333333"/>
+              </a:solidFill>
+              <a:effectLst/>
+              <a:latin typeface="Arial" panose="020B0604020202020204" pitchFamily="34" charset="0"/>
+            </a:endParaRPr>
+          </a:p>
+          <a:p>
+            <a:pPr algn="just"/>
+            <a:r>
+              <a:rPr lang="en-US" sz="1400" b="0" i="0" dirty="0">
+                <a:solidFill>
+                  <a:srgbClr val="333333"/>
+                </a:solidFill>
+                <a:effectLst/>
+                <a:latin typeface="Arial" panose="020B0604020202020204" pitchFamily="34" charset="0"/>
+              </a:rPr>
+              <a:t>The test scenarios can never be used for the test execution process because it does not consist of navigation steps and input.</a:t>
+            </a:r>
+          </a:p>
+          <a:p>
+            <a:pPr algn="just"/>
+            <a:r>
+              <a:rPr lang="en-US" sz="1400" b="0" i="0" dirty="0">
+                <a:solidFill>
+                  <a:srgbClr val="333333"/>
+                </a:solidFill>
+                <a:effectLst/>
+                <a:latin typeface="Arial" panose="020B0604020202020204" pitchFamily="34" charset="0"/>
+              </a:rPr>
+              <a:t>These are the high-level documents that talks about all the possible combination or multiple ways or combinations of using the application and the primary purpose of the test scenarios are to understand the overall flow of the application.</a:t>
+            </a:r>
+          </a:p>
+          <a:p>
+            <a:pPr algn="just"/>
+            <a:endParaRPr lang="en-US" b="0" i="0" dirty="0">
+              <a:solidFill>
+                <a:srgbClr val="333333"/>
+              </a:solidFill>
+              <a:effectLst/>
+              <a:latin typeface="inter-regular"/>
+            </a:endParaRPr>
+          </a:p>
+        </p:txBody>
+      </p:sp>
+      <p:sp>
+        <p:nvSpPr>
+          <p:cNvPr id="3" name="Title 2">
+            <a:extLst>
+              <a:ext uri="{FF2B5EF4-FFF2-40B4-BE49-F238E27FC236}">
+                <a16:creationId xmlns:a16="http://schemas.microsoft.com/office/drawing/2014/main" id="{E779A5FF-16F5-4C1C-8F61-2239F6574157}"/>
+              </a:ext>
+            </a:extLst>
+          </p:cNvPr>
+          <p:cNvSpPr>
+            <a:spLocks noGrp="1"/>
+          </p:cNvSpPr>
+          <p:nvPr>
+            <p:ph type="title"/>
+          </p:nvPr>
+        </p:nvSpPr>
+        <p:spPr/>
+        <p:txBody>
+          <a:bodyPr/>
+          <a:lstStyle/>
+          <a:p>
+            <a:r>
+              <a:rPr lang="en-IN" b="0" i="0" dirty="0">
+                <a:solidFill>
+                  <a:schemeClr val="accent1">
+                    <a:lumMod val="75000"/>
+                  </a:schemeClr>
+                </a:solidFill>
+                <a:effectLst/>
+                <a:latin typeface="erdana"/>
+              </a:rPr>
+              <a:t>Test Scenarios</a:t>
+            </a:r>
+            <a:endParaRPr lang="en-IN" dirty="0">
+              <a:solidFill>
+                <a:schemeClr val="accent1">
+                  <a:lumMod val="75000"/>
+                </a:schemeClr>
+              </a:solidFill>
+            </a:endParaRPr>
+          </a:p>
+        </p:txBody>
+      </p:sp>
+    </p:spTree>
+    <p:extLst>
+      <p:ext uri="{BB962C8B-B14F-4D97-AF65-F5344CB8AC3E}">
+        <p14:creationId xmlns:p14="http://schemas.microsoft.com/office/powerpoint/2010/main" val="2017857874"/>
+      </p:ext>
+    </p:extLst>
+  </p:cSld>
+  <p:clrMapOvr>
+    <a:masterClrMapping/>
+  </p:clrMapOvr>
+  <p:transition spd="slow">
+    <p:push dir="u"/>
+  </p:transition>
+</p:sld>
+</file>
+
+<file path=ppt/slides/slide89.xml><?xml version="1.0" encoding="utf-8"?>
+<p:sld xmlns:a="http://schemas.openxmlformats.org/drawingml/2006/main" xmlns:r="http://schemas.openxmlformats.org/officeDocument/2006/relationships" xmlns:p="http://schemas.openxmlformats.org/presentationml/2006/main">
+  <p:cSld>
+    <p:spTree>
+      <p:nvGrpSpPr>
+        <p:cNvPr id="1" name=""/>
+        <p:cNvGrpSpPr/>
+        <p:nvPr/>
+      </p:nvGrpSpPr>
+      <p:grpSpPr>
+        <a:xfrm>
+          <a:off x="0" y="0"/>
+          <a:ext cx="0" cy="0"/>
+          <a:chOff x="0" y="0"/>
+          <a:chExt cx="0" cy="0"/>
+        </a:xfrm>
+      </p:grpSpPr>
+      <p:sp>
+        <p:nvSpPr>
+          <p:cNvPr id="3" name="Title 2">
+            <a:extLst>
+              <a:ext uri="{FF2B5EF4-FFF2-40B4-BE49-F238E27FC236}">
+                <a16:creationId xmlns:a16="http://schemas.microsoft.com/office/drawing/2014/main" id="{DC8C7843-F2F0-4FFD-8EF0-EE0ECD701DE9}"/>
+              </a:ext>
+            </a:extLst>
+          </p:cNvPr>
+          <p:cNvSpPr>
+            <a:spLocks noGrp="1"/>
+          </p:cNvSpPr>
+          <p:nvPr>
+            <p:ph type="title"/>
+          </p:nvPr>
+        </p:nvSpPr>
+        <p:spPr/>
+        <p:txBody>
+          <a:bodyPr/>
+          <a:lstStyle/>
+          <a:p>
+            <a:r>
+              <a:rPr lang="en-IN" dirty="0">
+                <a:solidFill>
+                  <a:schemeClr val="accent1">
+                    <a:lumMod val="75000"/>
+                  </a:schemeClr>
+                </a:solidFill>
+              </a:rPr>
+              <a:t>Test Scenario</a:t>
+            </a:r>
+          </a:p>
+        </p:txBody>
+      </p:sp>
+      <p:pic>
+        <p:nvPicPr>
+          <p:cNvPr id="1026" name="Picture 2" descr="Test Scenario">
+            <a:extLst>
+              <a:ext uri="{FF2B5EF4-FFF2-40B4-BE49-F238E27FC236}">
+                <a16:creationId xmlns:a16="http://schemas.microsoft.com/office/drawing/2014/main" id="{5E742E72-74FF-4D70-ADE6-88F2898E9731}"/>
+              </a:ext>
+            </a:extLst>
+          </p:cNvPr>
+          <p:cNvPicPr>
+            <a:picLocks noChangeAspect="1" noChangeArrowheads="1"/>
+          </p:cNvPicPr>
+          <p:nvPr/>
+        </p:nvPicPr>
+        <p:blipFill>
+          <a:blip r:embed="rId2">
+            <a:extLst>
+              <a:ext uri="{28A0092B-C50C-407E-A947-70E740481C1C}">
+                <a14:useLocalDpi xmlns:a14="http://schemas.microsoft.com/office/drawing/2010/main" val="0"/>
+              </a:ext>
+            </a:extLst>
+          </a:blip>
+          <a:srcRect/>
+          <a:stretch>
+            <a:fillRect/>
+          </a:stretch>
+        </p:blipFill>
+        <p:spPr bwMode="auto">
+          <a:xfrm>
+            <a:off x="2102572" y="1346960"/>
+            <a:ext cx="7572547" cy="4123014"/>
+          </a:xfrm>
+          <a:prstGeom prst="rect">
+            <a:avLst/>
+          </a:prstGeom>
+          <a:noFill/>
+          <a:extLst>
+            <a:ext uri="{909E8E84-426E-40DD-AFC4-6F175D3DCCD1}">
+              <a14:hiddenFill xmlns:a14="http://schemas.microsoft.com/office/drawing/2010/main">
+                <a:solidFill>
+                  <a:srgbClr val="FFFFFF"/>
+                </a:solidFill>
+              </a14:hiddenFill>
+            </a:ext>
+          </a:extLst>
+        </p:spPr>
+      </p:pic>
+    </p:spTree>
+    <p:extLst>
+      <p:ext uri="{BB962C8B-B14F-4D97-AF65-F5344CB8AC3E}">
+        <p14:creationId xmlns:p14="http://schemas.microsoft.com/office/powerpoint/2010/main" val="1717239787"/>
+      </p:ext>
+    </p:extLst>
+  </p:cSld>
+  <p:clrMapOvr>
+    <a:masterClrMapping/>
+  </p:clrMapOvr>
+  <p:transition spd="slow">
+    <p:push dir="u"/>
+  </p:transition>
+</p:sld>
+</file>
+
 <file path=ppt/slides/slide9.xml><?xml version="1.0" encoding="utf-8"?>
 <p:sld xmlns:a="http://schemas.openxmlformats.org/drawingml/2006/main" xmlns:r="http://schemas.openxmlformats.org/officeDocument/2006/relationships" xmlns:p="http://schemas.openxmlformats.org/presentationml/2006/main">
   <p:cSld>
@@ -48142,6 +48529,936 @@
   <p:clrMapOvr>
     <a:masterClrMapping/>
   </p:clrMapOvr>
+</p:sld>
+</file>
+
+<file path=ppt/slides/slide90.xml><?xml version="1.0" encoding="utf-8"?>
+<p:sld xmlns:a="http://schemas.openxmlformats.org/drawingml/2006/main" xmlns:r="http://schemas.openxmlformats.org/officeDocument/2006/relationships" xmlns:p="http://schemas.openxmlformats.org/presentationml/2006/main">
+  <p:cSld>
+    <p:spTree>
+      <p:nvGrpSpPr>
+        <p:cNvPr id="1" name=""/>
+        <p:cNvGrpSpPr/>
+        <p:nvPr/>
+      </p:nvGrpSpPr>
+      <p:grpSpPr>
+        <a:xfrm>
+          <a:off x="0" y="0"/>
+          <a:ext cx="0" cy="0"/>
+          <a:chOff x="0" y="0"/>
+          <a:chExt cx="0" cy="0"/>
+        </a:xfrm>
+      </p:grpSpPr>
+      <p:sp>
+        <p:nvSpPr>
+          <p:cNvPr id="2" name="Content Placeholder 1">
+            <a:extLst>
+              <a:ext uri="{FF2B5EF4-FFF2-40B4-BE49-F238E27FC236}">
+                <a16:creationId xmlns:a16="http://schemas.microsoft.com/office/drawing/2014/main" id="{C17ECF95-47B5-4818-B292-F581C81A8266}"/>
+              </a:ext>
+            </a:extLst>
+          </p:cNvPr>
+          <p:cNvSpPr>
+            <a:spLocks noGrp="1"/>
+          </p:cNvSpPr>
+          <p:nvPr>
+            <p:ph idx="1"/>
+          </p:nvPr>
+        </p:nvSpPr>
+        <p:spPr/>
+        <p:txBody>
+          <a:bodyPr/>
+          <a:lstStyle/>
+          <a:p>
+            <a:pPr algn="just">
+              <a:buFont typeface="Arial" panose="020B0604020202020204" pitchFamily="34" charset="0"/>
+              <a:buChar char="•"/>
+            </a:pPr>
+            <a:r>
+              <a:rPr lang="en-US" b="0" i="0" dirty="0">
+                <a:solidFill>
+                  <a:srgbClr val="000000"/>
+                </a:solidFill>
+                <a:effectLst/>
+                <a:latin typeface="inter-regular"/>
+              </a:rPr>
+              <a:t>Read the requirement document such as BRS (Business Requirement Specification), SRS (System Requirement Specification) and FRS (Functional Requirement Specification) of the software which is under the test.</a:t>
+            </a:r>
+          </a:p>
+          <a:p>
+            <a:pPr algn="just">
+              <a:buFont typeface="Arial" panose="020B0604020202020204" pitchFamily="34" charset="0"/>
+              <a:buChar char="•"/>
+            </a:pPr>
+            <a:r>
+              <a:rPr lang="en-US" b="0" i="0" dirty="0">
+                <a:solidFill>
+                  <a:srgbClr val="000000"/>
+                </a:solidFill>
+                <a:effectLst/>
+                <a:latin typeface="inter-regular"/>
+              </a:rPr>
+              <a:t>Determine all technical aspects and objectives for each requirement.</a:t>
+            </a:r>
+          </a:p>
+          <a:p>
+            <a:pPr algn="just">
+              <a:buFont typeface="Arial" panose="020B0604020202020204" pitchFamily="34" charset="0"/>
+              <a:buChar char="•"/>
+            </a:pPr>
+            <a:r>
+              <a:rPr lang="en-US" b="0" i="0" dirty="0">
+                <a:solidFill>
+                  <a:srgbClr val="000000"/>
+                </a:solidFill>
+                <a:effectLst/>
+                <a:latin typeface="inter-regular"/>
+              </a:rPr>
+              <a:t>Find all the possible ways by which the user can operate the software.</a:t>
+            </a:r>
+          </a:p>
+          <a:p>
+            <a:pPr algn="just">
+              <a:buFont typeface="Arial" panose="020B0604020202020204" pitchFamily="34" charset="0"/>
+              <a:buChar char="•"/>
+            </a:pPr>
+            <a:r>
+              <a:rPr lang="en-US" b="0" i="0" dirty="0">
+                <a:solidFill>
+                  <a:srgbClr val="000000"/>
+                </a:solidFill>
+                <a:effectLst/>
+                <a:latin typeface="inter-regular"/>
+              </a:rPr>
+              <a:t>Ascertain all the possible scenario due to which system can be misused and also detect the users who can be hackers.</a:t>
+            </a:r>
+          </a:p>
+          <a:p>
+            <a:pPr algn="just">
+              <a:buFont typeface="Arial" panose="020B0604020202020204" pitchFamily="34" charset="0"/>
+              <a:buChar char="•"/>
+            </a:pPr>
+            <a:r>
+              <a:rPr lang="en-US" b="0" i="0" dirty="0">
+                <a:solidFill>
+                  <a:srgbClr val="000000"/>
+                </a:solidFill>
+                <a:effectLst/>
+                <a:latin typeface="inter-regular"/>
+              </a:rPr>
+              <a:t>After reading the requirement document and completion of the scheduled analysis make a list of various test scenarios to verify each function of the software.</a:t>
+            </a:r>
+          </a:p>
+          <a:p>
+            <a:pPr algn="just">
+              <a:buFont typeface="Arial" panose="020B0604020202020204" pitchFamily="34" charset="0"/>
+              <a:buChar char="•"/>
+            </a:pPr>
+            <a:r>
+              <a:rPr lang="en-US" b="0" i="0" dirty="0">
+                <a:solidFill>
+                  <a:srgbClr val="000000"/>
+                </a:solidFill>
+                <a:effectLst/>
+                <a:latin typeface="inter-regular"/>
+              </a:rPr>
+              <a:t>Once you listed all the possible test scenarios, create a traceability matrix to find out whether each and every requirement has a corresponding test scenario or not.</a:t>
+            </a:r>
+          </a:p>
+          <a:p>
+            <a:pPr algn="just">
+              <a:buFont typeface="Arial" panose="020B0604020202020204" pitchFamily="34" charset="0"/>
+              <a:buChar char="•"/>
+            </a:pPr>
+            <a:r>
+              <a:rPr lang="en-US" b="0" i="0" dirty="0">
+                <a:solidFill>
+                  <a:srgbClr val="000000"/>
+                </a:solidFill>
+                <a:effectLst/>
+                <a:latin typeface="inter-regular"/>
+              </a:rPr>
+              <a:t>Supervisor of the project reviews all scenarios. Later, they are evaluated by other stakeholders of the project.</a:t>
+            </a:r>
+          </a:p>
+          <a:p>
+            <a:endParaRPr lang="en-IN" dirty="0"/>
+          </a:p>
+        </p:txBody>
+      </p:sp>
+      <p:sp>
+        <p:nvSpPr>
+          <p:cNvPr id="3" name="Title 2">
+            <a:extLst>
+              <a:ext uri="{FF2B5EF4-FFF2-40B4-BE49-F238E27FC236}">
+                <a16:creationId xmlns:a16="http://schemas.microsoft.com/office/drawing/2014/main" id="{C3B17636-7F4C-40F1-8FE3-B00CE11C0C3B}"/>
+              </a:ext>
+            </a:extLst>
+          </p:cNvPr>
+          <p:cNvSpPr>
+            <a:spLocks noGrp="1"/>
+          </p:cNvSpPr>
+          <p:nvPr>
+            <p:ph type="title"/>
+          </p:nvPr>
+        </p:nvSpPr>
+        <p:spPr/>
+        <p:txBody>
+          <a:bodyPr/>
+          <a:lstStyle/>
+          <a:p>
+            <a:r>
+              <a:rPr lang="en-US" b="0" i="0" dirty="0">
+                <a:solidFill>
+                  <a:schemeClr val="accent1">
+                    <a:lumMod val="75000"/>
+                  </a:schemeClr>
+                </a:solidFill>
+                <a:effectLst/>
+                <a:latin typeface="erdana"/>
+              </a:rPr>
+              <a:t>How to write Test Scenarios</a:t>
+            </a:r>
+            <a:endParaRPr lang="en-IN" dirty="0">
+              <a:solidFill>
+                <a:schemeClr val="accent1">
+                  <a:lumMod val="75000"/>
+                </a:schemeClr>
+              </a:solidFill>
+            </a:endParaRPr>
+          </a:p>
+        </p:txBody>
+      </p:sp>
+    </p:spTree>
+    <p:extLst>
+      <p:ext uri="{BB962C8B-B14F-4D97-AF65-F5344CB8AC3E}">
+        <p14:creationId xmlns:p14="http://schemas.microsoft.com/office/powerpoint/2010/main" val="441814605"/>
+      </p:ext>
+    </p:extLst>
+  </p:cSld>
+  <p:clrMapOvr>
+    <a:masterClrMapping/>
+  </p:clrMapOvr>
+  <p:transition spd="slow">
+    <p:push dir="u"/>
+  </p:transition>
+</p:sld>
+</file>
+
+<file path=ppt/slides/slide91.xml><?xml version="1.0" encoding="utf-8"?>
+<p:sld xmlns:a="http://schemas.openxmlformats.org/drawingml/2006/main" xmlns:r="http://schemas.openxmlformats.org/officeDocument/2006/relationships" xmlns:p="http://schemas.openxmlformats.org/presentationml/2006/main">
+  <p:cSld>
+    <p:spTree>
+      <p:nvGrpSpPr>
+        <p:cNvPr id="1" name=""/>
+        <p:cNvGrpSpPr/>
+        <p:nvPr/>
+      </p:nvGrpSpPr>
+      <p:grpSpPr>
+        <a:xfrm>
+          <a:off x="0" y="0"/>
+          <a:ext cx="0" cy="0"/>
+          <a:chOff x="0" y="0"/>
+          <a:chExt cx="0" cy="0"/>
+        </a:xfrm>
+      </p:grpSpPr>
+      <p:sp>
+        <p:nvSpPr>
+          <p:cNvPr id="2" name="Content Placeholder 1">
+            <a:extLst>
+              <a:ext uri="{FF2B5EF4-FFF2-40B4-BE49-F238E27FC236}">
+                <a16:creationId xmlns:a16="http://schemas.microsoft.com/office/drawing/2014/main" id="{B384DC5F-3911-4314-96F1-75C92445FCB6}"/>
+              </a:ext>
+            </a:extLst>
+          </p:cNvPr>
+          <p:cNvSpPr>
+            <a:spLocks noGrp="1"/>
+          </p:cNvSpPr>
+          <p:nvPr>
+            <p:ph idx="1"/>
+          </p:nvPr>
+        </p:nvSpPr>
+        <p:spPr/>
+        <p:txBody>
+          <a:bodyPr/>
+          <a:lstStyle/>
+          <a:p>
+            <a:pPr algn="just">
+              <a:buFont typeface="Arial" panose="020B0604020202020204" pitchFamily="34" charset="0"/>
+              <a:buChar char="•"/>
+            </a:pPr>
+            <a:r>
+              <a:rPr lang="en-US" b="0" i="0" dirty="0">
+                <a:solidFill>
+                  <a:srgbClr val="000000"/>
+                </a:solidFill>
+                <a:effectLst/>
+                <a:latin typeface="inter-regular"/>
+              </a:rPr>
+              <a:t>The test scenario is a liner statement that guides testers for the testing sequence.</a:t>
+            </a:r>
+          </a:p>
+          <a:p>
+            <a:pPr algn="just">
+              <a:buFont typeface="Arial" panose="020B0604020202020204" pitchFamily="34" charset="0"/>
+              <a:buChar char="•"/>
+            </a:pPr>
+            <a:r>
+              <a:rPr lang="en-US" b="0" i="0" dirty="0">
+                <a:solidFill>
+                  <a:srgbClr val="000000"/>
+                </a:solidFill>
+                <a:effectLst/>
+                <a:latin typeface="inter-regular"/>
+              </a:rPr>
+              <a:t>Test scenario reduces the complexity and repetition of the product.</a:t>
+            </a:r>
+          </a:p>
+          <a:p>
+            <a:pPr algn="just">
+              <a:buFont typeface="Arial" panose="020B0604020202020204" pitchFamily="34" charset="0"/>
+              <a:buChar char="•"/>
+            </a:pPr>
+            <a:r>
+              <a:rPr lang="en-US" b="0" i="0" dirty="0">
+                <a:solidFill>
+                  <a:srgbClr val="000000"/>
+                </a:solidFill>
+                <a:effectLst/>
+                <a:latin typeface="inter-regular"/>
+              </a:rPr>
+              <a:t>Test scenario means talking and thinking about tests in detail but write them in liner statements.</a:t>
+            </a:r>
+          </a:p>
+          <a:p>
+            <a:pPr algn="just">
+              <a:buFont typeface="Arial" panose="020B0604020202020204" pitchFamily="34" charset="0"/>
+              <a:buChar char="•"/>
+            </a:pPr>
+            <a:r>
+              <a:rPr lang="en-US" b="0" i="0" dirty="0">
+                <a:solidFill>
+                  <a:srgbClr val="000000"/>
+                </a:solidFill>
+                <a:effectLst/>
+                <a:latin typeface="inter-regular"/>
+              </a:rPr>
+              <a:t>It is a thread of operations.</a:t>
+            </a:r>
+          </a:p>
+          <a:p>
+            <a:pPr algn="just">
+              <a:buFont typeface="Arial" panose="020B0604020202020204" pitchFamily="34" charset="0"/>
+              <a:buChar char="•"/>
+            </a:pPr>
+            <a:r>
+              <a:rPr lang="en-US" b="0" i="0" dirty="0">
+                <a:solidFill>
+                  <a:srgbClr val="000000"/>
+                </a:solidFill>
+                <a:effectLst/>
+                <a:latin typeface="inter-regular"/>
+              </a:rPr>
+              <a:t>Test scenario becomes more important when the tester does not have enough time to write test cases, and team members agree with a detailed liner scenario.</a:t>
+            </a:r>
+          </a:p>
+          <a:p>
+            <a:pPr algn="just">
+              <a:buFont typeface="Arial" panose="020B0604020202020204" pitchFamily="34" charset="0"/>
+              <a:buChar char="•"/>
+            </a:pPr>
+            <a:r>
+              <a:rPr lang="en-US" b="0" i="0" dirty="0">
+                <a:solidFill>
+                  <a:srgbClr val="000000"/>
+                </a:solidFill>
+                <a:effectLst/>
+                <a:latin typeface="inter-regular"/>
+              </a:rPr>
+              <a:t>The test scenario is a time saver activity.</a:t>
+            </a:r>
+          </a:p>
+          <a:p>
+            <a:pPr algn="just">
+              <a:buFont typeface="Arial" panose="020B0604020202020204" pitchFamily="34" charset="0"/>
+              <a:buChar char="•"/>
+            </a:pPr>
+            <a:r>
+              <a:rPr lang="en-US" b="0" i="0" dirty="0">
+                <a:solidFill>
+                  <a:srgbClr val="000000"/>
+                </a:solidFill>
+                <a:effectLst/>
+                <a:latin typeface="inter-regular"/>
+              </a:rPr>
+              <a:t>It provides easy maintenance because the addition and modification of test scenarios are easy and independent.</a:t>
+            </a:r>
+          </a:p>
+          <a:p>
+            <a:endParaRPr lang="en-IN" dirty="0"/>
+          </a:p>
+        </p:txBody>
+      </p:sp>
+      <p:sp>
+        <p:nvSpPr>
+          <p:cNvPr id="3" name="Title 2">
+            <a:extLst>
+              <a:ext uri="{FF2B5EF4-FFF2-40B4-BE49-F238E27FC236}">
+                <a16:creationId xmlns:a16="http://schemas.microsoft.com/office/drawing/2014/main" id="{A47D1CB1-BE9E-432E-9229-9DADDCA09295}"/>
+              </a:ext>
+            </a:extLst>
+          </p:cNvPr>
+          <p:cNvSpPr>
+            <a:spLocks noGrp="1"/>
+          </p:cNvSpPr>
+          <p:nvPr>
+            <p:ph type="title"/>
+          </p:nvPr>
+        </p:nvSpPr>
+        <p:spPr/>
+        <p:txBody>
+          <a:bodyPr/>
+          <a:lstStyle/>
+          <a:p>
+            <a:r>
+              <a:rPr lang="en-IN" b="0" i="0" dirty="0">
+                <a:solidFill>
+                  <a:schemeClr val="accent1">
+                    <a:lumMod val="75000"/>
+                  </a:schemeClr>
+                </a:solidFill>
+                <a:effectLst/>
+                <a:latin typeface="erdana"/>
+              </a:rPr>
+              <a:t>Features of Test Scenario</a:t>
+            </a:r>
+            <a:endParaRPr lang="en-IN" dirty="0">
+              <a:solidFill>
+                <a:schemeClr val="accent1">
+                  <a:lumMod val="75000"/>
+                </a:schemeClr>
+              </a:solidFill>
+            </a:endParaRPr>
+          </a:p>
+        </p:txBody>
+      </p:sp>
+    </p:spTree>
+    <p:extLst>
+      <p:ext uri="{BB962C8B-B14F-4D97-AF65-F5344CB8AC3E}">
+        <p14:creationId xmlns:p14="http://schemas.microsoft.com/office/powerpoint/2010/main" val="1735829448"/>
+      </p:ext>
+    </p:extLst>
+  </p:cSld>
+  <p:clrMapOvr>
+    <a:masterClrMapping/>
+  </p:clrMapOvr>
+  <p:transition spd="slow">
+    <p:push dir="u"/>
+  </p:transition>
+</p:sld>
+</file>
+
+<file path=ppt/slides/slide92.xml><?xml version="1.0" encoding="utf-8"?>
+<p:sld xmlns:a="http://schemas.openxmlformats.org/drawingml/2006/main" xmlns:r="http://schemas.openxmlformats.org/officeDocument/2006/relationships" xmlns:p="http://schemas.openxmlformats.org/presentationml/2006/main">
+  <p:cSld>
+    <p:spTree>
+      <p:nvGrpSpPr>
+        <p:cNvPr id="1" name=""/>
+        <p:cNvGrpSpPr/>
+        <p:nvPr/>
+      </p:nvGrpSpPr>
+      <p:grpSpPr>
+        <a:xfrm>
+          <a:off x="0" y="0"/>
+          <a:ext cx="0" cy="0"/>
+          <a:chOff x="0" y="0"/>
+          <a:chExt cx="0" cy="0"/>
+        </a:xfrm>
+      </p:grpSpPr>
+      <p:sp>
+        <p:nvSpPr>
+          <p:cNvPr id="2" name="Content Placeholder 1">
+            <a:extLst>
+              <a:ext uri="{FF2B5EF4-FFF2-40B4-BE49-F238E27FC236}">
+                <a16:creationId xmlns:a16="http://schemas.microsoft.com/office/drawing/2014/main" id="{7EEF2AFE-D0E8-4D9B-AAC1-93264007CE55}"/>
+              </a:ext>
+            </a:extLst>
+          </p:cNvPr>
+          <p:cNvSpPr>
+            <a:spLocks noGrp="1"/>
+          </p:cNvSpPr>
+          <p:nvPr>
+            <p:ph idx="1"/>
+          </p:nvPr>
+        </p:nvSpPr>
+        <p:spPr/>
+        <p:txBody>
+          <a:bodyPr/>
+          <a:lstStyle/>
+          <a:p>
+            <a:pPr algn="just">
+              <a:buFont typeface="Arial" panose="020B0604020202020204" pitchFamily="34" charset="0"/>
+              <a:buChar char="•"/>
+            </a:pPr>
+            <a:r>
+              <a:rPr lang="en-US" b="0" i="0" dirty="0">
+                <a:solidFill>
+                  <a:srgbClr val="000000"/>
+                </a:solidFill>
+                <a:effectLst/>
+                <a:latin typeface="inter-regular"/>
+              </a:rPr>
+              <a:t>Always list down the most commonly used feature and module by the users.</a:t>
+            </a:r>
+          </a:p>
+          <a:p>
+            <a:pPr algn="just">
+              <a:buFont typeface="Arial" panose="020B0604020202020204" pitchFamily="34" charset="0"/>
+              <a:buChar char="•"/>
+            </a:pPr>
+            <a:r>
+              <a:rPr lang="en-US" b="0" i="0" dirty="0">
+                <a:solidFill>
+                  <a:srgbClr val="000000"/>
+                </a:solidFill>
+                <a:effectLst/>
+                <a:latin typeface="inter-regular"/>
+              </a:rPr>
+              <a:t>We always start the scenarios by picking module by module so that a proper sequence is followed as well as we don't miss out on any module level.</a:t>
+            </a:r>
+          </a:p>
+          <a:p>
+            <a:pPr algn="just">
+              <a:buFont typeface="Arial" panose="020B0604020202020204" pitchFamily="34" charset="0"/>
+              <a:buChar char="•"/>
+            </a:pPr>
+            <a:r>
+              <a:rPr lang="en-US" b="0" i="0" dirty="0">
+                <a:solidFill>
+                  <a:srgbClr val="000000"/>
+                </a:solidFill>
+                <a:effectLst/>
+                <a:latin typeface="inter-regular"/>
+              </a:rPr>
+              <a:t>Generally, scenarios are module level.</a:t>
+            </a:r>
+          </a:p>
+          <a:p>
+            <a:pPr algn="just">
+              <a:buFont typeface="Arial" panose="020B0604020202020204" pitchFamily="34" charset="0"/>
+              <a:buChar char="•"/>
+            </a:pPr>
+            <a:r>
+              <a:rPr lang="en-US" b="0" i="0" dirty="0">
+                <a:solidFill>
+                  <a:srgbClr val="000000"/>
+                </a:solidFill>
+                <a:effectLst/>
+                <a:latin typeface="inter-regular"/>
+              </a:rPr>
+              <a:t>Delete scenarios should always be the last option else, and we will waste lots of time in creating the data once again.</a:t>
+            </a:r>
+          </a:p>
+          <a:p>
+            <a:pPr algn="just">
+              <a:buFont typeface="Arial" panose="020B0604020202020204" pitchFamily="34" charset="0"/>
+              <a:buChar char="•"/>
+            </a:pPr>
+            <a:r>
+              <a:rPr lang="en-US" b="0" i="0" dirty="0">
+                <a:solidFill>
+                  <a:srgbClr val="000000"/>
+                </a:solidFill>
+                <a:effectLst/>
+                <a:latin typeface="inter-regular"/>
+              </a:rPr>
+              <a:t>It should be written in a simple language.</a:t>
+            </a:r>
+          </a:p>
+          <a:p>
+            <a:pPr algn="just">
+              <a:buFont typeface="Arial" panose="020B0604020202020204" pitchFamily="34" charset="0"/>
+              <a:buChar char="•"/>
+            </a:pPr>
+            <a:r>
+              <a:rPr lang="en-US" b="0" i="0" dirty="0">
+                <a:solidFill>
+                  <a:srgbClr val="000000"/>
+                </a:solidFill>
+                <a:effectLst/>
+                <a:latin typeface="inter-regular"/>
+              </a:rPr>
+              <a:t>Every scenario should be written in one line or a maximum of two lines and not in the paragraphs.</a:t>
+            </a:r>
+          </a:p>
+          <a:p>
+            <a:pPr algn="just">
+              <a:buFont typeface="Arial" panose="020B0604020202020204" pitchFamily="34" charset="0"/>
+              <a:buChar char="•"/>
+            </a:pPr>
+            <a:r>
+              <a:rPr lang="en-US" b="0" i="0" dirty="0">
+                <a:solidFill>
+                  <a:srgbClr val="000000"/>
+                </a:solidFill>
+                <a:effectLst/>
+                <a:latin typeface="inter-regular"/>
+              </a:rPr>
+              <a:t>Every scenario should consist of Dos and checks.</a:t>
+            </a:r>
+          </a:p>
+          <a:p>
+            <a:endParaRPr lang="en-IN" dirty="0"/>
+          </a:p>
+        </p:txBody>
+      </p:sp>
+      <p:sp>
+        <p:nvSpPr>
+          <p:cNvPr id="3" name="Title 2">
+            <a:extLst>
+              <a:ext uri="{FF2B5EF4-FFF2-40B4-BE49-F238E27FC236}">
+                <a16:creationId xmlns:a16="http://schemas.microsoft.com/office/drawing/2014/main" id="{07B752B2-8330-4B25-8E18-81A6F8ADB744}"/>
+              </a:ext>
+            </a:extLst>
+          </p:cNvPr>
+          <p:cNvSpPr>
+            <a:spLocks noGrp="1"/>
+          </p:cNvSpPr>
+          <p:nvPr>
+            <p:ph type="title"/>
+          </p:nvPr>
+        </p:nvSpPr>
+        <p:spPr>
+          <a:xfrm>
+            <a:off x="0" y="101600"/>
+            <a:ext cx="9981744" cy="609600"/>
+          </a:xfrm>
+        </p:spPr>
+        <p:txBody>
+          <a:bodyPr>
+            <a:normAutofit fontScale="90000"/>
+          </a:bodyPr>
+          <a:lstStyle/>
+          <a:p>
+            <a:r>
+              <a:rPr lang="en-US" b="0" i="0" dirty="0">
+                <a:solidFill>
+                  <a:schemeClr val="accent1">
+                    <a:lumMod val="75000"/>
+                  </a:schemeClr>
+                </a:solidFill>
+                <a:effectLst/>
+                <a:latin typeface="Arial" panose="020B0604020202020204" pitchFamily="34" charset="0"/>
+              </a:rPr>
+              <a:t>Some rules have to be followed when we were writing test scenarios:</a:t>
+            </a:r>
+            <a:endParaRPr lang="en-IN" dirty="0">
+              <a:solidFill>
+                <a:schemeClr val="accent1">
+                  <a:lumMod val="75000"/>
+                </a:schemeClr>
+              </a:solidFill>
+            </a:endParaRPr>
+          </a:p>
+        </p:txBody>
+      </p:sp>
+    </p:spTree>
+    <p:extLst>
+      <p:ext uri="{BB962C8B-B14F-4D97-AF65-F5344CB8AC3E}">
+        <p14:creationId xmlns:p14="http://schemas.microsoft.com/office/powerpoint/2010/main" val="753727398"/>
+      </p:ext>
+    </p:extLst>
+  </p:cSld>
+  <p:clrMapOvr>
+    <a:masterClrMapping/>
+  </p:clrMapOvr>
+  <p:transition spd="slow">
+    <p:push dir="u"/>
+  </p:transition>
+</p:sld>
+</file>
+
+<file path=ppt/slides/slide93.xml><?xml version="1.0" encoding="utf-8"?>
+<p:sld xmlns:a="http://schemas.openxmlformats.org/drawingml/2006/main" xmlns:r="http://schemas.openxmlformats.org/officeDocument/2006/relationships" xmlns:p="http://schemas.openxmlformats.org/presentationml/2006/main">
+  <p:cSld>
+    <p:spTree>
+      <p:nvGrpSpPr>
+        <p:cNvPr id="1" name=""/>
+        <p:cNvGrpSpPr/>
+        <p:nvPr/>
+      </p:nvGrpSpPr>
+      <p:grpSpPr>
+        <a:xfrm>
+          <a:off x="0" y="0"/>
+          <a:ext cx="0" cy="0"/>
+          <a:chOff x="0" y="0"/>
+          <a:chExt cx="0" cy="0"/>
+        </a:xfrm>
+      </p:grpSpPr>
+      <p:sp>
+        <p:nvSpPr>
+          <p:cNvPr id="2" name="Content Placeholder 1">
+            <a:extLst>
+              <a:ext uri="{FF2B5EF4-FFF2-40B4-BE49-F238E27FC236}">
+                <a16:creationId xmlns:a16="http://schemas.microsoft.com/office/drawing/2014/main" id="{BACA699E-09D2-4222-B8E2-491701C09789}"/>
+              </a:ext>
+            </a:extLst>
+          </p:cNvPr>
+          <p:cNvSpPr>
+            <a:spLocks noGrp="1"/>
+          </p:cNvSpPr>
+          <p:nvPr>
+            <p:ph idx="1"/>
+          </p:nvPr>
+        </p:nvSpPr>
+        <p:spPr/>
+        <p:txBody>
+          <a:bodyPr/>
+          <a:lstStyle/>
+          <a:p>
+            <a:r>
+              <a:rPr lang="en-US" b="0" i="0" dirty="0">
+                <a:solidFill>
+                  <a:srgbClr val="333333"/>
+                </a:solidFill>
+                <a:effectLst/>
+                <a:latin typeface="inter-regular"/>
+              </a:rPr>
+              <a:t>Lets take the </a:t>
+            </a:r>
+            <a:r>
+              <a:rPr lang="en-US" b="1" i="0" dirty="0">
+                <a:solidFill>
+                  <a:srgbClr val="333333"/>
+                </a:solidFill>
+                <a:effectLst/>
+                <a:latin typeface="inter-bold"/>
+              </a:rPr>
+              <a:t>Gmail application</a:t>
+            </a:r>
+            <a:r>
+              <a:rPr lang="en-US" b="0" i="0" dirty="0">
+                <a:solidFill>
+                  <a:srgbClr val="333333"/>
+                </a:solidFill>
+                <a:effectLst/>
+                <a:latin typeface="inter-regular"/>
+              </a:rPr>
+              <a:t> and writing test scenarios for different modules which are most commonly used such as </a:t>
+            </a:r>
+            <a:r>
+              <a:rPr lang="en-US" b="1" i="0" dirty="0">
+                <a:solidFill>
+                  <a:srgbClr val="333333"/>
+                </a:solidFill>
+                <a:effectLst/>
+                <a:latin typeface="inter-bold"/>
+              </a:rPr>
+              <a:t>Login, Compose, Inbox, and Trash</a:t>
+            </a:r>
+          </a:p>
+          <a:p>
+            <a:endParaRPr lang="en-US" b="1" dirty="0">
+              <a:solidFill>
+                <a:srgbClr val="333333"/>
+              </a:solidFill>
+              <a:latin typeface="inter-bold"/>
+            </a:endParaRPr>
+          </a:p>
+          <a:p>
+            <a:pPr marL="0" indent="0">
+              <a:buNone/>
+            </a:pPr>
+            <a:r>
+              <a:rPr lang="en-US" b="1" i="0" dirty="0">
+                <a:solidFill>
+                  <a:schemeClr val="accent1">
+                    <a:lumMod val="75000"/>
+                  </a:schemeClr>
+                </a:solidFill>
+                <a:effectLst/>
+                <a:latin typeface="erdana"/>
+              </a:rPr>
+              <a:t>Test scenarios on the Login module</a:t>
+            </a:r>
+          </a:p>
+          <a:p>
+            <a:pPr algn="just">
+              <a:buFont typeface="Arial" panose="020B0604020202020204" pitchFamily="34" charset="0"/>
+              <a:buChar char="•"/>
+            </a:pPr>
+            <a:r>
+              <a:rPr lang="en-US" b="0" i="0" dirty="0">
+                <a:solidFill>
+                  <a:srgbClr val="000000"/>
+                </a:solidFill>
+                <a:effectLst/>
+                <a:latin typeface="inter-regular"/>
+              </a:rPr>
+              <a:t>Enter the valid login details (Username, password), and check that the home page is displayed.</a:t>
+            </a:r>
+          </a:p>
+          <a:p>
+            <a:pPr algn="just">
+              <a:buFont typeface="Arial" panose="020B0604020202020204" pitchFamily="34" charset="0"/>
+              <a:buChar char="•"/>
+            </a:pPr>
+            <a:r>
+              <a:rPr lang="en-US" b="0" i="0" dirty="0">
+                <a:solidFill>
+                  <a:srgbClr val="000000"/>
+                </a:solidFill>
+                <a:effectLst/>
+                <a:latin typeface="inter-regular"/>
+              </a:rPr>
+              <a:t>Enter the invalid Username and password and check for the home page.</a:t>
+            </a:r>
+          </a:p>
+          <a:p>
+            <a:pPr algn="just">
+              <a:buFont typeface="Arial" panose="020B0604020202020204" pitchFamily="34" charset="0"/>
+              <a:buChar char="•"/>
+            </a:pPr>
+            <a:r>
+              <a:rPr lang="en-US" b="0" i="0" dirty="0">
+                <a:solidFill>
+                  <a:srgbClr val="000000"/>
+                </a:solidFill>
+                <a:effectLst/>
+                <a:latin typeface="inter-regular"/>
+              </a:rPr>
+              <a:t>Leave Username and password blank, and check for the error message displayed.</a:t>
+            </a:r>
+          </a:p>
+          <a:p>
+            <a:pPr algn="just">
+              <a:buFont typeface="Arial" panose="020B0604020202020204" pitchFamily="34" charset="0"/>
+              <a:buChar char="•"/>
+            </a:pPr>
+            <a:r>
+              <a:rPr lang="en-US" b="0" i="0" dirty="0">
+                <a:solidFill>
+                  <a:srgbClr val="000000"/>
+                </a:solidFill>
+                <a:effectLst/>
+                <a:latin typeface="inter-regular"/>
+              </a:rPr>
+              <a:t>Enter the valid Login, and click on the cancel, and check for the fields reset.</a:t>
+            </a:r>
+          </a:p>
+          <a:p>
+            <a:pPr algn="just">
+              <a:buFont typeface="Arial" panose="020B0604020202020204" pitchFamily="34" charset="0"/>
+              <a:buChar char="•"/>
+            </a:pPr>
+            <a:r>
+              <a:rPr lang="en-US" b="0" i="0" dirty="0">
+                <a:solidFill>
+                  <a:srgbClr val="000000"/>
+                </a:solidFill>
+                <a:effectLst/>
+                <a:latin typeface="inter-regular"/>
+              </a:rPr>
+              <a:t>Enter invalid Login, more than three times, and check that account blocked.</a:t>
+            </a:r>
+          </a:p>
+          <a:p>
+            <a:pPr algn="just">
+              <a:buFont typeface="Arial" panose="020B0604020202020204" pitchFamily="34" charset="0"/>
+              <a:buChar char="•"/>
+            </a:pPr>
+            <a:r>
+              <a:rPr lang="en-US" b="0" i="0" dirty="0">
+                <a:solidFill>
+                  <a:srgbClr val="000000"/>
+                </a:solidFill>
+                <a:effectLst/>
+                <a:latin typeface="inter-regular"/>
+              </a:rPr>
+              <a:t>Enter valid Login, and check that the </a:t>
+            </a:r>
+            <a:r>
+              <a:rPr lang="en-US" b="1" i="0" dirty="0">
+                <a:solidFill>
+                  <a:srgbClr val="000000"/>
+                </a:solidFill>
+                <a:effectLst/>
+                <a:latin typeface="inter-bold"/>
+              </a:rPr>
+              <a:t>Username</a:t>
+            </a:r>
+            <a:r>
+              <a:rPr lang="en-US" b="0" i="0" dirty="0">
+                <a:solidFill>
+                  <a:srgbClr val="000000"/>
+                </a:solidFill>
+                <a:effectLst/>
+                <a:latin typeface="inter-regular"/>
+              </a:rPr>
+              <a:t> is displayed on the home screen.</a:t>
+            </a:r>
+          </a:p>
+          <a:p>
+            <a:endParaRPr lang="en-IN" dirty="0"/>
+          </a:p>
+        </p:txBody>
+      </p:sp>
+      <p:sp>
+        <p:nvSpPr>
+          <p:cNvPr id="3" name="Title 2">
+            <a:extLst>
+              <a:ext uri="{FF2B5EF4-FFF2-40B4-BE49-F238E27FC236}">
+                <a16:creationId xmlns:a16="http://schemas.microsoft.com/office/drawing/2014/main" id="{98F1C7D8-A36B-4ACA-8123-DFD66AF7EB50}"/>
+              </a:ext>
+            </a:extLst>
+          </p:cNvPr>
+          <p:cNvSpPr>
+            <a:spLocks noGrp="1"/>
+          </p:cNvSpPr>
+          <p:nvPr>
+            <p:ph type="title"/>
+          </p:nvPr>
+        </p:nvSpPr>
+        <p:spPr/>
+        <p:txBody>
+          <a:bodyPr/>
+          <a:lstStyle/>
+          <a:p>
+            <a:r>
+              <a:rPr lang="en-IN" b="0" i="0" dirty="0">
+                <a:solidFill>
+                  <a:schemeClr val="accent1">
+                    <a:lumMod val="75000"/>
+                  </a:schemeClr>
+                </a:solidFill>
+                <a:effectLst/>
+                <a:latin typeface="erdana"/>
+              </a:rPr>
+              <a:t>Example of Test scenarios</a:t>
+            </a:r>
+            <a:endParaRPr lang="en-IN" dirty="0">
+              <a:solidFill>
+                <a:schemeClr val="accent1">
+                  <a:lumMod val="75000"/>
+                </a:schemeClr>
+              </a:solidFill>
+            </a:endParaRPr>
+          </a:p>
+        </p:txBody>
+      </p:sp>
+    </p:spTree>
+    <p:extLst>
+      <p:ext uri="{BB962C8B-B14F-4D97-AF65-F5344CB8AC3E}">
+        <p14:creationId xmlns:p14="http://schemas.microsoft.com/office/powerpoint/2010/main" val="3377012668"/>
+      </p:ext>
+    </p:extLst>
+  </p:cSld>
+  <p:clrMapOvr>
+    <a:masterClrMapping/>
+  </p:clrMapOvr>
+  <p:transition spd="slow">
+    <p:push dir="u"/>
+  </p:transition>
 </p:sld>
 </file>
 

--- a/QA/QA Study Material.pptx
+++ b/QA/QA Study Material.pptx
@@ -5,7 +5,7 @@
     <p:sldMasterId id="2147483660" r:id="rId1"/>
   </p:sldMasterIdLst>
   <p:notesMasterIdLst>
-    <p:notesMasterId r:id="rId95"/>
+    <p:notesMasterId r:id="rId107"/>
   </p:notesMasterIdLst>
   <p:sldIdLst>
     <p:sldId id="257" r:id="rId2"/>
@@ -101,6 +101,18 @@
     <p:sldId id="1457" r:id="rId92"/>
     <p:sldId id="1458" r:id="rId93"/>
     <p:sldId id="1459" r:id="rId94"/>
+    <p:sldId id="1460" r:id="rId95"/>
+    <p:sldId id="1461" r:id="rId96"/>
+    <p:sldId id="1462" r:id="rId97"/>
+    <p:sldId id="1463" r:id="rId98"/>
+    <p:sldId id="1464" r:id="rId99"/>
+    <p:sldId id="1465" r:id="rId100"/>
+    <p:sldId id="1466" r:id="rId101"/>
+    <p:sldId id="1467" r:id="rId102"/>
+    <p:sldId id="1516" r:id="rId103"/>
+    <p:sldId id="1468" r:id="rId104"/>
+    <p:sldId id="1469" r:id="rId105"/>
+    <p:sldId id="1470" r:id="rId106"/>
   </p:sldIdLst>
   <p:sldSz cx="12192000" cy="6858000"/>
   <p:notesSz cx="6858000" cy="9144000"/>
@@ -289,7 +301,7 @@
           <a:p>
             <a:fld id="{558321CB-7FEF-469C-A47A-783A095557D0}" type="datetimeFigureOut">
               <a:rPr lang="en-IN" smtClean="0"/>
-              <a:t>17-11-2021</a:t>
+              <a:t>18-11-2021</a:t>
             </a:fld>
             <a:endParaRPr lang="en-IN"/>
           </a:p>
@@ -780,7 +792,7 @@
                 <a:latin typeface="Times New Roman" pitchFamily="18" charset="0"/>
               </a:rPr>
               <a:pPr/>
-              <a:t>11/17/2021 5:30 PM</a:t>
+              <a:t>11/18/2021 9:18 AM</a:t>
             </a:fld>
             <a:endParaRPr lang="en-US" altLang="en-US" sz="700">
               <a:solidFill>
@@ -1648,7 +1660,7 @@
                 <a:latin typeface="Times New Roman" pitchFamily="18" charset="0"/>
               </a:rPr>
               <a:pPr/>
-              <a:t>11/17/2021 5:30 PM</a:t>
+              <a:t>11/18/2021 9:18 AM</a:t>
             </a:fld>
             <a:endParaRPr lang="en-US" sz="700">
               <a:solidFill>
@@ -1919,7 +1931,7 @@
                 <a:latin typeface="Times New Roman" pitchFamily="18" charset="0"/>
               </a:rPr>
               <a:pPr/>
-              <a:t>11/17/2021 5:30 PM</a:t>
+              <a:t>11/18/2021 9:18 AM</a:t>
             </a:fld>
             <a:endParaRPr lang="en-US" sz="700">
               <a:solidFill>
@@ -2887,7 +2899,7 @@
                 <a:latin typeface="Times New Roman" pitchFamily="18" charset="0"/>
               </a:rPr>
               <a:pPr/>
-              <a:t>11/17/2021 5:30 PM</a:t>
+              <a:t>11/18/2021 9:18 AM</a:t>
             </a:fld>
             <a:endParaRPr lang="en-US" sz="700">
               <a:solidFill>
@@ -4304,7 +4316,7 @@
                 <a:latin typeface="Times New Roman" pitchFamily="18" charset="0"/>
               </a:rPr>
               <a:pPr/>
-              <a:t>11/17/2021 5:30 PM</a:t>
+              <a:t>11/18/2021 9:18 AM</a:t>
             </a:fld>
             <a:endParaRPr lang="en-US" sz="700">
               <a:solidFill>
@@ -5209,7 +5221,7 @@
                 <a:latin typeface="Times New Roman" pitchFamily="18" charset="0"/>
               </a:rPr>
               <a:pPr/>
-              <a:t>11/17/2021 5:30 PM</a:t>
+              <a:t>11/18/2021 9:18 AM</a:t>
             </a:fld>
             <a:endParaRPr lang="en-US" sz="700">
               <a:solidFill>
@@ -5561,7 +5573,7 @@
                 <a:latin typeface="Times New Roman" pitchFamily="18" charset="0"/>
               </a:rPr>
               <a:pPr/>
-              <a:t>11/17/2021 5:30 PM</a:t>
+              <a:t>11/18/2021 9:18 AM</a:t>
             </a:fld>
             <a:endParaRPr lang="en-US" sz="700">
               <a:solidFill>
@@ -6022,7 +6034,7 @@
           <a:p>
             <a:fld id="{C5351AD6-26EE-4F5B-AB80-1DB26A221BFC}" type="datetimeFigureOut">
               <a:rPr lang="en-IN" smtClean="0"/>
-              <a:t>17-11-2021</a:t>
+              <a:t>18-11-2021</a:t>
             </a:fld>
             <a:endParaRPr lang="en-IN"/>
           </a:p>
@@ -6270,7 +6282,7 @@
           <a:p>
             <a:fld id="{C5351AD6-26EE-4F5B-AB80-1DB26A221BFC}" type="datetimeFigureOut">
               <a:rPr lang="en-IN" smtClean="0"/>
-              <a:t>17-11-2021</a:t>
+              <a:t>18-11-2021</a:t>
             </a:fld>
             <a:endParaRPr lang="en-IN"/>
           </a:p>
@@ -6480,7 +6492,7 @@
           <a:p>
             <a:fld id="{C5351AD6-26EE-4F5B-AB80-1DB26A221BFC}" type="datetimeFigureOut">
               <a:rPr lang="en-IN" smtClean="0"/>
-              <a:t>17-11-2021</a:t>
+              <a:t>18-11-2021</a:t>
             </a:fld>
             <a:endParaRPr lang="en-IN"/>
           </a:p>
@@ -7054,7 +7066,7 @@
           <a:p>
             <a:fld id="{C5351AD6-26EE-4F5B-AB80-1DB26A221BFC}" type="datetimeFigureOut">
               <a:rPr lang="en-IN" smtClean="0"/>
-              <a:t>17-11-2021</a:t>
+              <a:t>18-11-2021</a:t>
             </a:fld>
             <a:endParaRPr lang="en-IN"/>
           </a:p>
@@ -7330,7 +7342,7 @@
           <a:p>
             <a:fld id="{C5351AD6-26EE-4F5B-AB80-1DB26A221BFC}" type="datetimeFigureOut">
               <a:rPr lang="en-IN" smtClean="0"/>
-              <a:t>17-11-2021</a:t>
+              <a:t>18-11-2021</a:t>
             </a:fld>
             <a:endParaRPr lang="en-IN"/>
           </a:p>
@@ -7598,7 +7610,7 @@
           <a:p>
             <a:fld id="{C5351AD6-26EE-4F5B-AB80-1DB26A221BFC}" type="datetimeFigureOut">
               <a:rPr lang="en-IN" smtClean="0"/>
-              <a:t>17-11-2021</a:t>
+              <a:t>18-11-2021</a:t>
             </a:fld>
             <a:endParaRPr lang="en-IN"/>
           </a:p>
@@ -8013,7 +8025,7 @@
           <a:p>
             <a:fld id="{C5351AD6-26EE-4F5B-AB80-1DB26A221BFC}" type="datetimeFigureOut">
               <a:rPr lang="en-IN" smtClean="0"/>
-              <a:t>17-11-2021</a:t>
+              <a:t>18-11-2021</a:t>
             </a:fld>
             <a:endParaRPr lang="en-IN"/>
           </a:p>
@@ -8155,7 +8167,7 @@
           <a:p>
             <a:fld id="{C5351AD6-26EE-4F5B-AB80-1DB26A221BFC}" type="datetimeFigureOut">
               <a:rPr lang="en-IN" smtClean="0"/>
-              <a:t>17-11-2021</a:t>
+              <a:t>18-11-2021</a:t>
             </a:fld>
             <a:endParaRPr lang="en-IN"/>
           </a:p>
@@ -8268,7 +8280,7 @@
           <a:p>
             <a:fld id="{C5351AD6-26EE-4F5B-AB80-1DB26A221BFC}" type="datetimeFigureOut">
               <a:rPr lang="en-IN" smtClean="0"/>
-              <a:t>17-11-2021</a:t>
+              <a:t>18-11-2021</a:t>
             </a:fld>
             <a:endParaRPr lang="en-IN"/>
           </a:p>
@@ -8581,7 +8593,7 @@
           <a:p>
             <a:fld id="{C5351AD6-26EE-4F5B-AB80-1DB26A221BFC}" type="datetimeFigureOut">
               <a:rPr lang="en-IN" smtClean="0"/>
-              <a:t>17-11-2021</a:t>
+              <a:t>18-11-2021</a:t>
             </a:fld>
             <a:endParaRPr lang="en-IN"/>
           </a:p>
@@ -8870,7 +8882,7 @@
           <a:p>
             <a:fld id="{C5351AD6-26EE-4F5B-AB80-1DB26A221BFC}" type="datetimeFigureOut">
               <a:rPr lang="en-IN" smtClean="0"/>
-              <a:t>17-11-2021</a:t>
+              <a:t>18-11-2021</a:t>
             </a:fld>
             <a:endParaRPr lang="en-IN"/>
           </a:p>
@@ -9143,7 +9155,7 @@
           <a:p>
             <a:fld id="{C5351AD6-26EE-4F5B-AB80-1DB26A221BFC}" type="datetimeFigureOut">
               <a:rPr lang="en-IN" smtClean="0"/>
-              <a:t>17-11-2021</a:t>
+              <a:t>18-11-2021</a:t>
             </a:fld>
             <a:endParaRPr lang="en-IN"/>
           </a:p>
@@ -10034,6 +10046,1220 @@
   <p:clrMapOvr>
     <a:masterClrMapping/>
   </p:clrMapOvr>
+</p:sld>
+</file>
+
+<file path=ppt/slides/slide100.xml><?xml version="1.0" encoding="utf-8"?>
+<p:sld xmlns:a="http://schemas.openxmlformats.org/drawingml/2006/main" xmlns:r="http://schemas.openxmlformats.org/officeDocument/2006/relationships" xmlns:p="http://schemas.openxmlformats.org/presentationml/2006/main">
+  <p:cSld>
+    <p:spTree>
+      <p:nvGrpSpPr>
+        <p:cNvPr id="1" name=""/>
+        <p:cNvGrpSpPr/>
+        <p:nvPr/>
+      </p:nvGrpSpPr>
+      <p:grpSpPr>
+        <a:xfrm>
+          <a:off x="0" y="0"/>
+          <a:ext cx="0" cy="0"/>
+          <a:chOff x="0" y="0"/>
+          <a:chExt cx="0" cy="0"/>
+        </a:xfrm>
+      </p:grpSpPr>
+      <p:sp>
+        <p:nvSpPr>
+          <p:cNvPr id="2" name="Content Placeholder 1">
+            <a:extLst>
+              <a:ext uri="{FF2B5EF4-FFF2-40B4-BE49-F238E27FC236}">
+                <a16:creationId xmlns:a16="http://schemas.microsoft.com/office/drawing/2014/main" id="{ED9522E9-E060-4A21-8D5F-8B4098D1A8B6}"/>
+              </a:ext>
+            </a:extLst>
+          </p:cNvPr>
+          <p:cNvSpPr>
+            <a:spLocks noGrp="1"/>
+          </p:cNvSpPr>
+          <p:nvPr>
+            <p:ph idx="1"/>
+          </p:nvPr>
+        </p:nvSpPr>
+        <p:spPr/>
+        <p:txBody>
+          <a:bodyPr>
+            <a:normAutofit lnSpcReduction="10000"/>
+          </a:bodyPr>
+          <a:lstStyle/>
+          <a:p>
+            <a:pPr algn="just"/>
+            <a:r>
+              <a:rPr lang="en-US" b="1" i="0" dirty="0">
+                <a:solidFill>
+                  <a:srgbClr val="333333"/>
+                </a:solidFill>
+                <a:effectLst/>
+                <a:latin typeface="inter-bold"/>
+              </a:rPr>
+              <a:t>To require consistency in the test case execution:</a:t>
+            </a:r>
+            <a:r>
+              <a:rPr lang="en-US" b="0" i="0" dirty="0">
+                <a:solidFill>
+                  <a:srgbClr val="333333"/>
+                </a:solidFill>
+                <a:effectLst/>
+                <a:latin typeface="inter-regular"/>
+              </a:rPr>
+              <a:t> we will see the test case and start testing the application.</a:t>
+            </a:r>
+          </a:p>
+          <a:p>
+            <a:pPr algn="just"/>
+            <a:r>
+              <a:rPr lang="en-US" b="1" i="0" dirty="0">
+                <a:solidFill>
+                  <a:srgbClr val="333333"/>
+                </a:solidFill>
+                <a:effectLst/>
+                <a:latin typeface="inter-bold"/>
+              </a:rPr>
+              <a:t>To make sure a better test coverage:</a:t>
+            </a:r>
+            <a:r>
+              <a:rPr lang="en-US" b="0" i="0" dirty="0">
+                <a:solidFill>
+                  <a:srgbClr val="333333"/>
+                </a:solidFill>
+                <a:effectLst/>
+                <a:latin typeface="inter-regular"/>
+              </a:rPr>
+              <a:t> for this, we should cover all possible scenarios and document it, so that we need not remember all the scenarios again and again.</a:t>
+            </a:r>
+          </a:p>
+          <a:p>
+            <a:pPr algn="just"/>
+            <a:r>
+              <a:rPr lang="en-US" b="1" i="0" dirty="0">
+                <a:solidFill>
+                  <a:srgbClr val="333333"/>
+                </a:solidFill>
+                <a:effectLst/>
+                <a:latin typeface="inter-bold"/>
+              </a:rPr>
+              <a:t>It depends on the process rather than on a person:</a:t>
+            </a:r>
+            <a:r>
+              <a:rPr lang="en-US" b="0" i="0" dirty="0">
+                <a:solidFill>
+                  <a:srgbClr val="333333"/>
+                </a:solidFill>
+                <a:effectLst/>
+                <a:latin typeface="inter-regular"/>
+              </a:rPr>
+              <a:t> A test engineer has tested an application during the first release, second release, and left the company at the time of third release. As the test engineer understood a module and tested the application thoroughly by deriving many values. If the person is not there for the third release, it becomes difficult for the new person. Hence all the derived values are documented so that it can be used in the future.</a:t>
+            </a:r>
+          </a:p>
+          <a:p>
+            <a:pPr algn="just"/>
+            <a:r>
+              <a:rPr lang="en-US" b="1" i="0" dirty="0">
+                <a:solidFill>
+                  <a:srgbClr val="333333"/>
+                </a:solidFill>
+                <a:effectLst/>
+                <a:latin typeface="inter-bold"/>
+              </a:rPr>
+              <a:t>To avoid giving training for every new test engineer on the product:</a:t>
+            </a:r>
+            <a:r>
+              <a:rPr lang="en-US" b="0" i="0" dirty="0">
+                <a:solidFill>
+                  <a:srgbClr val="333333"/>
+                </a:solidFill>
+                <a:effectLst/>
+                <a:latin typeface="inter-regular"/>
+              </a:rPr>
+              <a:t> When the test engineer leaves, he/she leaves with a lot of knowledge and scenarios. Those scenarios should be documented so that the new test engineer can test with the given scenarios and also can write the new scenarios.</a:t>
+            </a:r>
+          </a:p>
+          <a:p>
+            <a:r>
+              <a:rPr lang="en-US" b="1" i="0" dirty="0">
+                <a:solidFill>
+                  <a:srgbClr val="333333"/>
+                </a:solidFill>
+                <a:effectLst/>
+                <a:latin typeface="Arial" panose="020B0604020202020204" pitchFamily="34" charset="0"/>
+              </a:rPr>
+              <a:t>Note:</a:t>
+            </a:r>
+            <a:r>
+              <a:rPr lang="en-US" b="0" i="0" dirty="0">
+                <a:solidFill>
+                  <a:srgbClr val="333333"/>
+                </a:solidFill>
+                <a:effectLst/>
+                <a:latin typeface="Arial" panose="020B0604020202020204" pitchFamily="34" charset="0"/>
+              </a:rPr>
+              <a:t> when the developers are developing the first product for the First release, the test engineer writes the test cases. And in the second release, when the new features are added, the test engineer writes the test cases for that also, and in the next release, when the elements are modified, the test engineer will change the test cases or writes the new test cases as well.</a:t>
+            </a:r>
+          </a:p>
+          <a:p>
+            <a:endParaRPr lang="en-IN" dirty="0"/>
+          </a:p>
+        </p:txBody>
+      </p:sp>
+      <p:sp>
+        <p:nvSpPr>
+          <p:cNvPr id="3" name="Title 2">
+            <a:extLst>
+              <a:ext uri="{FF2B5EF4-FFF2-40B4-BE49-F238E27FC236}">
+                <a16:creationId xmlns:a16="http://schemas.microsoft.com/office/drawing/2014/main" id="{5ED24997-0A67-4C0C-8771-7D812361463E}"/>
+              </a:ext>
+            </a:extLst>
+          </p:cNvPr>
+          <p:cNvSpPr>
+            <a:spLocks noGrp="1"/>
+          </p:cNvSpPr>
+          <p:nvPr>
+            <p:ph type="title"/>
+          </p:nvPr>
+        </p:nvSpPr>
+        <p:spPr/>
+        <p:txBody>
+          <a:bodyPr/>
+          <a:lstStyle/>
+          <a:p>
+            <a:r>
+              <a:rPr lang="en-US" i="0" dirty="0">
+                <a:solidFill>
+                  <a:schemeClr val="accent1">
+                    <a:lumMod val="75000"/>
+                  </a:schemeClr>
+                </a:solidFill>
+                <a:effectLst/>
+                <a:latin typeface="erdana"/>
+              </a:rPr>
+              <a:t>Why we write the test cases?</a:t>
+            </a:r>
+            <a:endParaRPr lang="en-IN" dirty="0">
+              <a:solidFill>
+                <a:schemeClr val="accent1">
+                  <a:lumMod val="75000"/>
+                </a:schemeClr>
+              </a:solidFill>
+            </a:endParaRPr>
+          </a:p>
+        </p:txBody>
+      </p:sp>
+    </p:spTree>
+    <p:extLst>
+      <p:ext uri="{BB962C8B-B14F-4D97-AF65-F5344CB8AC3E}">
+        <p14:creationId xmlns:p14="http://schemas.microsoft.com/office/powerpoint/2010/main" val="3145216670"/>
+      </p:ext>
+    </p:extLst>
+  </p:cSld>
+  <p:clrMapOvr>
+    <a:masterClrMapping/>
+  </p:clrMapOvr>
+  <p:transition spd="slow">
+    <p:push dir="u"/>
+  </p:transition>
+</p:sld>
+</file>
+
+<file path=ppt/slides/slide101.xml><?xml version="1.0" encoding="utf-8"?>
+<p:sld xmlns:a="http://schemas.openxmlformats.org/drawingml/2006/main" xmlns:r="http://schemas.openxmlformats.org/officeDocument/2006/relationships" xmlns:p="http://schemas.openxmlformats.org/presentationml/2006/main">
+  <p:cSld>
+    <p:spTree>
+      <p:nvGrpSpPr>
+        <p:cNvPr id="1" name=""/>
+        <p:cNvGrpSpPr/>
+        <p:nvPr/>
+      </p:nvGrpSpPr>
+      <p:grpSpPr>
+        <a:xfrm>
+          <a:off x="0" y="0"/>
+          <a:ext cx="0" cy="0"/>
+          <a:chOff x="0" y="0"/>
+          <a:chExt cx="0" cy="0"/>
+        </a:xfrm>
+      </p:grpSpPr>
+      <p:sp>
+        <p:nvSpPr>
+          <p:cNvPr id="2" name="Content Placeholder 1">
+            <a:extLst>
+              <a:ext uri="{FF2B5EF4-FFF2-40B4-BE49-F238E27FC236}">
+                <a16:creationId xmlns:a16="http://schemas.microsoft.com/office/drawing/2014/main" id="{BC441297-CCE7-489B-BAD7-68CE40A9AEAA}"/>
+              </a:ext>
+            </a:extLst>
+          </p:cNvPr>
+          <p:cNvSpPr>
+            <a:spLocks noGrp="1"/>
+          </p:cNvSpPr>
+          <p:nvPr>
+            <p:ph idx="1"/>
+          </p:nvPr>
+        </p:nvSpPr>
+        <p:spPr/>
+        <p:txBody>
+          <a:bodyPr/>
+          <a:lstStyle/>
+          <a:p>
+            <a:pPr algn="just">
+              <a:buFont typeface="Arial" panose="020B0604020202020204" pitchFamily="34" charset="0"/>
+              <a:buChar char="•"/>
+            </a:pPr>
+            <a:r>
+              <a:rPr lang="en-US" b="0" i="0" dirty="0">
+                <a:solidFill>
+                  <a:srgbClr val="000000"/>
+                </a:solidFill>
+                <a:effectLst/>
+                <a:latin typeface="Arial" panose="020B0604020202020204" pitchFamily="34" charset="0"/>
+              </a:rPr>
+              <a:t>Test Case ID</a:t>
+            </a:r>
+          </a:p>
+          <a:p>
+            <a:pPr algn="just">
+              <a:buFont typeface="Arial" panose="020B0604020202020204" pitchFamily="34" charset="0"/>
+              <a:buChar char="•"/>
+            </a:pPr>
+            <a:r>
+              <a:rPr lang="en-US" b="0" i="0" dirty="0">
+                <a:solidFill>
+                  <a:srgbClr val="000000"/>
+                </a:solidFill>
+                <a:effectLst/>
+                <a:latin typeface="Arial" panose="020B0604020202020204" pitchFamily="34" charset="0"/>
+              </a:rPr>
+              <a:t>Test Scenario</a:t>
+            </a:r>
+          </a:p>
+          <a:p>
+            <a:pPr algn="just">
+              <a:buFont typeface="Arial" panose="020B0604020202020204" pitchFamily="34" charset="0"/>
+              <a:buChar char="•"/>
+            </a:pPr>
+            <a:r>
+              <a:rPr lang="en-US" b="0" i="0" dirty="0">
+                <a:solidFill>
+                  <a:srgbClr val="000000"/>
+                </a:solidFill>
+                <a:effectLst/>
+                <a:latin typeface="Arial" panose="020B0604020202020204" pitchFamily="34" charset="0"/>
+              </a:rPr>
+              <a:t>Test Case Description</a:t>
+            </a:r>
+          </a:p>
+          <a:p>
+            <a:pPr algn="just">
+              <a:buFont typeface="Arial" panose="020B0604020202020204" pitchFamily="34" charset="0"/>
+              <a:buChar char="•"/>
+            </a:pPr>
+            <a:r>
+              <a:rPr lang="en-US" b="0" i="0" dirty="0">
+                <a:solidFill>
+                  <a:srgbClr val="000000"/>
+                </a:solidFill>
+                <a:effectLst/>
+                <a:latin typeface="Arial" panose="020B0604020202020204" pitchFamily="34" charset="0"/>
+              </a:rPr>
+              <a:t>Test Steps</a:t>
+            </a:r>
+          </a:p>
+          <a:p>
+            <a:pPr algn="just">
+              <a:buFont typeface="Arial" panose="020B0604020202020204" pitchFamily="34" charset="0"/>
+              <a:buChar char="•"/>
+            </a:pPr>
+            <a:r>
+              <a:rPr lang="en-US" b="0" i="0" dirty="0">
+                <a:solidFill>
+                  <a:srgbClr val="000000"/>
+                </a:solidFill>
+                <a:effectLst/>
+                <a:latin typeface="Arial" panose="020B0604020202020204" pitchFamily="34" charset="0"/>
+              </a:rPr>
+              <a:t>Prerequisite</a:t>
+            </a:r>
+          </a:p>
+          <a:p>
+            <a:pPr algn="just">
+              <a:buFont typeface="Arial" panose="020B0604020202020204" pitchFamily="34" charset="0"/>
+              <a:buChar char="•"/>
+            </a:pPr>
+            <a:r>
+              <a:rPr lang="en-US" b="0" i="0" dirty="0">
+                <a:solidFill>
+                  <a:srgbClr val="000000"/>
+                </a:solidFill>
+                <a:effectLst/>
+                <a:latin typeface="Arial" panose="020B0604020202020204" pitchFamily="34" charset="0"/>
+              </a:rPr>
+              <a:t>Test Data</a:t>
+            </a:r>
+          </a:p>
+          <a:p>
+            <a:pPr algn="just">
+              <a:buFont typeface="Arial" panose="020B0604020202020204" pitchFamily="34" charset="0"/>
+              <a:buChar char="•"/>
+            </a:pPr>
+            <a:r>
+              <a:rPr lang="en-US" b="0" i="0" dirty="0">
+                <a:solidFill>
+                  <a:srgbClr val="000000"/>
+                </a:solidFill>
+                <a:effectLst/>
+                <a:latin typeface="Arial" panose="020B0604020202020204" pitchFamily="34" charset="0"/>
+              </a:rPr>
+              <a:t>Expected Result</a:t>
+            </a:r>
+          </a:p>
+          <a:p>
+            <a:pPr algn="just">
+              <a:buFont typeface="Arial" panose="020B0604020202020204" pitchFamily="34" charset="0"/>
+              <a:buChar char="•"/>
+            </a:pPr>
+            <a:r>
+              <a:rPr lang="en-US" b="0" i="0" dirty="0">
+                <a:solidFill>
+                  <a:srgbClr val="000000"/>
+                </a:solidFill>
+                <a:effectLst/>
+                <a:latin typeface="Arial" panose="020B0604020202020204" pitchFamily="34" charset="0"/>
+              </a:rPr>
+              <a:t>Test Parameters</a:t>
+            </a:r>
+          </a:p>
+          <a:p>
+            <a:pPr algn="just">
+              <a:buFont typeface="Arial" panose="020B0604020202020204" pitchFamily="34" charset="0"/>
+              <a:buChar char="•"/>
+            </a:pPr>
+            <a:r>
+              <a:rPr lang="en-US" b="0" i="0" dirty="0">
+                <a:solidFill>
+                  <a:srgbClr val="000000"/>
+                </a:solidFill>
+                <a:effectLst/>
+                <a:latin typeface="Arial" panose="020B0604020202020204" pitchFamily="34" charset="0"/>
+              </a:rPr>
+              <a:t>Actual Result</a:t>
+            </a:r>
+          </a:p>
+          <a:p>
+            <a:pPr algn="just">
+              <a:buFont typeface="Arial" panose="020B0604020202020204" pitchFamily="34" charset="0"/>
+              <a:buChar char="•"/>
+            </a:pPr>
+            <a:r>
+              <a:rPr lang="en-US" b="0" i="0" dirty="0">
+                <a:solidFill>
+                  <a:srgbClr val="000000"/>
+                </a:solidFill>
+                <a:effectLst/>
+                <a:latin typeface="Arial" panose="020B0604020202020204" pitchFamily="34" charset="0"/>
+              </a:rPr>
+              <a:t>Environment Information</a:t>
+            </a:r>
+          </a:p>
+          <a:p>
+            <a:pPr algn="just">
+              <a:buFont typeface="Arial" panose="020B0604020202020204" pitchFamily="34" charset="0"/>
+              <a:buChar char="•"/>
+            </a:pPr>
+            <a:r>
+              <a:rPr lang="en-US" b="0" i="0" dirty="0">
+                <a:solidFill>
+                  <a:srgbClr val="000000"/>
+                </a:solidFill>
+                <a:effectLst/>
+                <a:latin typeface="Arial" panose="020B0604020202020204" pitchFamily="34" charset="0"/>
+              </a:rPr>
+              <a:t>Comments</a:t>
+            </a:r>
+          </a:p>
+          <a:p>
+            <a:endParaRPr lang="en-IN" dirty="0"/>
+          </a:p>
+        </p:txBody>
+      </p:sp>
+      <p:sp>
+        <p:nvSpPr>
+          <p:cNvPr id="3" name="Title 2">
+            <a:extLst>
+              <a:ext uri="{FF2B5EF4-FFF2-40B4-BE49-F238E27FC236}">
+                <a16:creationId xmlns:a16="http://schemas.microsoft.com/office/drawing/2014/main" id="{97B61BF6-F330-4D3F-89A0-C93C6DBC1463}"/>
+              </a:ext>
+            </a:extLst>
+          </p:cNvPr>
+          <p:cNvSpPr>
+            <a:spLocks noGrp="1"/>
+          </p:cNvSpPr>
+          <p:nvPr>
+            <p:ph type="title"/>
+          </p:nvPr>
+        </p:nvSpPr>
+        <p:spPr/>
+        <p:txBody>
+          <a:bodyPr/>
+          <a:lstStyle/>
+          <a:p>
+            <a:r>
+              <a:rPr lang="en-IN" i="0" dirty="0">
+                <a:solidFill>
+                  <a:schemeClr val="accent1">
+                    <a:lumMod val="75000"/>
+                  </a:schemeClr>
+                </a:solidFill>
+                <a:effectLst/>
+                <a:latin typeface="Arial" panose="020B0604020202020204" pitchFamily="34" charset="0"/>
+              </a:rPr>
+              <a:t>Typical Test Case Parameters:</a:t>
+            </a:r>
+            <a:endParaRPr lang="en-IN" dirty="0">
+              <a:solidFill>
+                <a:schemeClr val="accent1">
+                  <a:lumMod val="75000"/>
+                </a:schemeClr>
+              </a:solidFill>
+            </a:endParaRPr>
+          </a:p>
+        </p:txBody>
+      </p:sp>
+    </p:spTree>
+    <p:extLst>
+      <p:ext uri="{BB962C8B-B14F-4D97-AF65-F5344CB8AC3E}">
+        <p14:creationId xmlns:p14="http://schemas.microsoft.com/office/powerpoint/2010/main" val="402211353"/>
+      </p:ext>
+    </p:extLst>
+  </p:cSld>
+  <p:clrMapOvr>
+    <a:masterClrMapping/>
+  </p:clrMapOvr>
+  <p:transition spd="slow">
+    <p:push dir="u"/>
+  </p:transition>
+</p:sld>
+</file>
+
+<file path=ppt/slides/slide102.xml><?xml version="1.0" encoding="utf-8"?>
+<p:sld xmlns:a="http://schemas.openxmlformats.org/drawingml/2006/main" xmlns:r="http://schemas.openxmlformats.org/officeDocument/2006/relationships" xmlns:p="http://schemas.openxmlformats.org/presentationml/2006/main">
+  <p:cSld>
+    <p:spTree>
+      <p:nvGrpSpPr>
+        <p:cNvPr id="1" name=""/>
+        <p:cNvGrpSpPr/>
+        <p:nvPr/>
+      </p:nvGrpSpPr>
+      <p:grpSpPr>
+        <a:xfrm>
+          <a:off x="0" y="0"/>
+          <a:ext cx="0" cy="0"/>
+          <a:chOff x="0" y="0"/>
+          <a:chExt cx="0" cy="0"/>
+        </a:xfrm>
+      </p:grpSpPr>
+      <p:sp>
+        <p:nvSpPr>
+          <p:cNvPr id="3" name="Title 2">
+            <a:extLst>
+              <a:ext uri="{FF2B5EF4-FFF2-40B4-BE49-F238E27FC236}">
+                <a16:creationId xmlns:a16="http://schemas.microsoft.com/office/drawing/2014/main" id="{46151FAB-5DBE-460F-B503-AB1193592D26}"/>
+              </a:ext>
+            </a:extLst>
+          </p:cNvPr>
+          <p:cNvSpPr>
+            <a:spLocks noGrp="1"/>
+          </p:cNvSpPr>
+          <p:nvPr>
+            <p:ph type="title"/>
+          </p:nvPr>
+        </p:nvSpPr>
+        <p:spPr/>
+        <p:txBody>
+          <a:bodyPr/>
+          <a:lstStyle/>
+          <a:p>
+            <a:r>
+              <a:rPr lang="en-IN" dirty="0">
+                <a:solidFill>
+                  <a:schemeClr val="accent1">
+                    <a:lumMod val="75000"/>
+                  </a:schemeClr>
+                </a:solidFill>
+              </a:rPr>
+              <a:t>Test Case Template</a:t>
+            </a:r>
+          </a:p>
+        </p:txBody>
+      </p:sp>
+      <p:pic>
+        <p:nvPicPr>
+          <p:cNvPr id="4098" name="Picture 2" descr="Test Case">
+            <a:extLst>
+              <a:ext uri="{FF2B5EF4-FFF2-40B4-BE49-F238E27FC236}">
+                <a16:creationId xmlns:a16="http://schemas.microsoft.com/office/drawing/2014/main" id="{CFAFE5A2-9869-49DC-8A57-2AE25047FE51}"/>
+              </a:ext>
+            </a:extLst>
+          </p:cNvPr>
+          <p:cNvPicPr>
+            <a:picLocks noChangeAspect="1" noChangeArrowheads="1"/>
+          </p:cNvPicPr>
+          <p:nvPr/>
+        </p:nvPicPr>
+        <p:blipFill>
+          <a:blip r:embed="rId2">
+            <a:extLst>
+              <a:ext uri="{28A0092B-C50C-407E-A947-70E740481C1C}">
+                <a14:useLocalDpi xmlns:a14="http://schemas.microsoft.com/office/drawing/2010/main" val="0"/>
+              </a:ext>
+            </a:extLst>
+          </a:blip>
+          <a:srcRect/>
+          <a:stretch>
+            <a:fillRect/>
+          </a:stretch>
+        </p:blipFill>
+        <p:spPr bwMode="auto">
+          <a:xfrm>
+            <a:off x="1381126" y="904875"/>
+            <a:ext cx="8246532" cy="5048250"/>
+          </a:xfrm>
+          <a:prstGeom prst="rect">
+            <a:avLst/>
+          </a:prstGeom>
+          <a:noFill/>
+          <a:extLst>
+            <a:ext uri="{909E8E84-426E-40DD-AFC4-6F175D3DCCD1}">
+              <a14:hiddenFill xmlns:a14="http://schemas.microsoft.com/office/drawing/2010/main">
+                <a:solidFill>
+                  <a:srgbClr val="FFFFFF"/>
+                </a:solidFill>
+              </a14:hiddenFill>
+            </a:ext>
+          </a:extLst>
+        </p:spPr>
+      </p:pic>
+    </p:spTree>
+    <p:extLst>
+      <p:ext uri="{BB962C8B-B14F-4D97-AF65-F5344CB8AC3E}">
+        <p14:creationId xmlns:p14="http://schemas.microsoft.com/office/powerpoint/2010/main" val="2672917057"/>
+      </p:ext>
+    </p:extLst>
+  </p:cSld>
+  <p:clrMapOvr>
+    <a:masterClrMapping/>
+  </p:clrMapOvr>
+  <p:transition spd="slow">
+    <p:push dir="u"/>
+  </p:transition>
+</p:sld>
+</file>
+
+<file path=ppt/slides/slide103.xml><?xml version="1.0" encoding="utf-8"?>
+<p:sld xmlns:a="http://schemas.openxmlformats.org/drawingml/2006/main" xmlns:r="http://schemas.openxmlformats.org/officeDocument/2006/relationships" xmlns:p="http://schemas.openxmlformats.org/presentationml/2006/main">
+  <p:cSld>
+    <p:spTree>
+      <p:nvGrpSpPr>
+        <p:cNvPr id="1" name=""/>
+        <p:cNvGrpSpPr/>
+        <p:nvPr/>
+      </p:nvGrpSpPr>
+      <p:grpSpPr>
+        <a:xfrm>
+          <a:off x="0" y="0"/>
+          <a:ext cx="0" cy="0"/>
+          <a:chOff x="0" y="0"/>
+          <a:chExt cx="0" cy="0"/>
+        </a:xfrm>
+      </p:grpSpPr>
+      <p:sp>
+        <p:nvSpPr>
+          <p:cNvPr id="3" name="Title 2">
+            <a:extLst>
+              <a:ext uri="{FF2B5EF4-FFF2-40B4-BE49-F238E27FC236}">
+                <a16:creationId xmlns:a16="http://schemas.microsoft.com/office/drawing/2014/main" id="{CDFE31E4-D26B-4AEB-B3D5-D698EE669A06}"/>
+              </a:ext>
+            </a:extLst>
+          </p:cNvPr>
+          <p:cNvSpPr>
+            <a:spLocks noGrp="1"/>
+          </p:cNvSpPr>
+          <p:nvPr>
+            <p:ph type="title"/>
+          </p:nvPr>
+        </p:nvSpPr>
+        <p:spPr>
+          <a:xfrm>
+            <a:off x="49279" y="101600"/>
+            <a:ext cx="8197254" cy="599257"/>
+          </a:xfrm>
+        </p:spPr>
+        <p:txBody>
+          <a:bodyPr>
+            <a:normAutofit fontScale="90000"/>
+          </a:bodyPr>
+          <a:lstStyle/>
+          <a:p>
+            <a:r>
+              <a:rPr lang="en-US" dirty="0">
+                <a:solidFill>
+                  <a:schemeClr val="accent1">
+                    <a:lumMod val="75000"/>
+                  </a:schemeClr>
+                </a:solidFill>
+                <a:latin typeface="erdana"/>
+              </a:rPr>
+              <a:t>P</a:t>
+            </a:r>
+            <a:r>
+              <a:rPr lang="en-US" i="0" dirty="0">
+                <a:solidFill>
+                  <a:schemeClr val="accent1">
+                    <a:lumMod val="75000"/>
+                  </a:schemeClr>
+                </a:solidFill>
+                <a:effectLst/>
+                <a:latin typeface="erdana"/>
+              </a:rPr>
+              <a:t>rocess to write test cases</a:t>
+            </a:r>
+            <a:endParaRPr lang="en-IN" dirty="0">
+              <a:solidFill>
+                <a:schemeClr val="accent1">
+                  <a:lumMod val="75000"/>
+                </a:schemeClr>
+              </a:solidFill>
+            </a:endParaRPr>
+          </a:p>
+        </p:txBody>
+      </p:sp>
+      <p:pic>
+        <p:nvPicPr>
+          <p:cNvPr id="3074" name="Picture 2" descr="Test Case">
+            <a:extLst>
+              <a:ext uri="{FF2B5EF4-FFF2-40B4-BE49-F238E27FC236}">
+                <a16:creationId xmlns:a16="http://schemas.microsoft.com/office/drawing/2014/main" id="{63F2B259-4AD6-4858-B62C-909AA29A40F8}"/>
+              </a:ext>
+            </a:extLst>
+          </p:cNvPr>
+          <p:cNvPicPr>
+            <a:picLocks noChangeAspect="1" noChangeArrowheads="1"/>
+          </p:cNvPicPr>
+          <p:nvPr/>
+        </p:nvPicPr>
+        <p:blipFill>
+          <a:blip r:embed="rId2">
+            <a:extLst>
+              <a:ext uri="{28A0092B-C50C-407E-A947-70E740481C1C}">
+                <a14:useLocalDpi xmlns:a14="http://schemas.microsoft.com/office/drawing/2010/main" val="0"/>
+              </a:ext>
+            </a:extLst>
+          </a:blip>
+          <a:srcRect/>
+          <a:stretch>
+            <a:fillRect/>
+          </a:stretch>
+        </p:blipFill>
+        <p:spPr bwMode="auto">
+          <a:xfrm>
+            <a:off x="4422775" y="1237450"/>
+            <a:ext cx="3344863" cy="5294761"/>
+          </a:xfrm>
+          <a:prstGeom prst="rect">
+            <a:avLst/>
+          </a:prstGeom>
+          <a:noFill/>
+          <a:extLst>
+            <a:ext uri="{909E8E84-426E-40DD-AFC4-6F175D3DCCD1}">
+              <a14:hiddenFill xmlns:a14="http://schemas.microsoft.com/office/drawing/2010/main">
+                <a:solidFill>
+                  <a:srgbClr val="FFFFFF"/>
+                </a:solidFill>
+              </a14:hiddenFill>
+            </a:ext>
+          </a:extLst>
+        </p:spPr>
+      </p:pic>
+    </p:spTree>
+    <p:extLst>
+      <p:ext uri="{BB962C8B-B14F-4D97-AF65-F5344CB8AC3E}">
+        <p14:creationId xmlns:p14="http://schemas.microsoft.com/office/powerpoint/2010/main" val="2392091537"/>
+      </p:ext>
+    </p:extLst>
+  </p:cSld>
+  <p:clrMapOvr>
+    <a:masterClrMapping/>
+  </p:clrMapOvr>
+  <p:transition spd="slow">
+    <p:push dir="u"/>
+  </p:transition>
+</p:sld>
+</file>
+
+<file path=ppt/slides/slide104.xml><?xml version="1.0" encoding="utf-8"?>
+<p:sld xmlns:a="http://schemas.openxmlformats.org/drawingml/2006/main" xmlns:r="http://schemas.openxmlformats.org/officeDocument/2006/relationships" xmlns:p="http://schemas.openxmlformats.org/presentationml/2006/main">
+  <p:cSld>
+    <p:spTree>
+      <p:nvGrpSpPr>
+        <p:cNvPr id="1" name=""/>
+        <p:cNvGrpSpPr/>
+        <p:nvPr/>
+      </p:nvGrpSpPr>
+      <p:grpSpPr>
+        <a:xfrm>
+          <a:off x="0" y="0"/>
+          <a:ext cx="0" cy="0"/>
+          <a:chOff x="0" y="0"/>
+          <a:chExt cx="0" cy="0"/>
+        </a:xfrm>
+      </p:grpSpPr>
+      <p:sp>
+        <p:nvSpPr>
+          <p:cNvPr id="2" name="Content Placeholder 1">
+            <a:extLst>
+              <a:ext uri="{FF2B5EF4-FFF2-40B4-BE49-F238E27FC236}">
+                <a16:creationId xmlns:a16="http://schemas.microsoft.com/office/drawing/2014/main" id="{C439AD47-CE73-4F7D-8CEF-872A58DC88AA}"/>
+              </a:ext>
+            </a:extLst>
+          </p:cNvPr>
+          <p:cNvSpPr>
+            <a:spLocks noGrp="1"/>
+          </p:cNvSpPr>
+          <p:nvPr>
+            <p:ph idx="1"/>
+          </p:nvPr>
+        </p:nvSpPr>
+        <p:spPr/>
+        <p:txBody>
+          <a:bodyPr/>
+          <a:lstStyle/>
+          <a:p>
+            <a:r>
+              <a:rPr lang="en-IN" b="1" i="0" dirty="0">
+                <a:solidFill>
+                  <a:srgbClr val="333333"/>
+                </a:solidFill>
+                <a:effectLst/>
+                <a:latin typeface="inter-bold"/>
+              </a:rPr>
+              <a:t>System study</a:t>
+            </a:r>
+          </a:p>
+          <a:p>
+            <a:pPr lvl="1">
+              <a:buFont typeface="Arial" panose="020B0604020202020204" pitchFamily="34" charset="0"/>
+              <a:buChar char="•"/>
+            </a:pPr>
+            <a:r>
+              <a:rPr lang="en-US" dirty="0">
+                <a:solidFill>
+                  <a:srgbClr val="333333"/>
+                </a:solidFill>
+                <a:latin typeface="inter-regular"/>
+              </a:rPr>
+              <a:t>U</a:t>
+            </a:r>
+            <a:r>
+              <a:rPr lang="en-US" b="0" i="0" dirty="0">
+                <a:solidFill>
+                  <a:srgbClr val="333333"/>
+                </a:solidFill>
+                <a:effectLst/>
+                <a:latin typeface="inter-regular"/>
+              </a:rPr>
+              <a:t>nderstand the application by looking at the requirements or the SRS, which is given by the customer.</a:t>
+            </a:r>
+          </a:p>
+          <a:p>
+            <a:r>
+              <a:rPr lang="en-IN" b="1" i="0" dirty="0">
+                <a:solidFill>
+                  <a:srgbClr val="333333"/>
+                </a:solidFill>
+                <a:effectLst/>
+                <a:latin typeface="inter-bold"/>
+              </a:rPr>
+              <a:t>Identify all scenarios</a:t>
+            </a:r>
+          </a:p>
+          <a:p>
+            <a:pPr lvl="1" algn="just">
+              <a:buFont typeface="Arial" panose="020B0604020202020204" pitchFamily="34" charset="0"/>
+              <a:buChar char="•"/>
+            </a:pPr>
+            <a:r>
+              <a:rPr lang="en-US" b="0" i="0" dirty="0">
+                <a:solidFill>
+                  <a:srgbClr val="000000"/>
+                </a:solidFill>
+                <a:effectLst/>
+                <a:latin typeface="inter-regular"/>
+              </a:rPr>
+              <a:t>When the product is launched, what are the possible ways the end-user may use the software to identify all the possible ways.</a:t>
+            </a:r>
+          </a:p>
+          <a:p>
+            <a:pPr lvl="1" algn="just">
+              <a:buFont typeface="Arial" panose="020B0604020202020204" pitchFamily="34" charset="0"/>
+              <a:buChar char="•"/>
+            </a:pPr>
+            <a:r>
+              <a:rPr lang="en-US" b="0" i="0" dirty="0">
+                <a:solidFill>
+                  <a:srgbClr val="000000"/>
+                </a:solidFill>
+                <a:effectLst/>
+                <a:latin typeface="inter-regular"/>
+              </a:rPr>
+              <a:t>I have documented all possible scenarios in a document, which is called test design/high-level design.</a:t>
+            </a:r>
+          </a:p>
+          <a:p>
+            <a:pPr lvl="1" algn="just">
+              <a:buFont typeface="Arial" panose="020B0604020202020204" pitchFamily="34" charset="0"/>
+              <a:buChar char="•"/>
+            </a:pPr>
+            <a:r>
+              <a:rPr lang="en-US" b="0" i="0" dirty="0">
+                <a:solidFill>
+                  <a:srgbClr val="000000"/>
+                </a:solidFill>
+                <a:effectLst/>
+                <a:latin typeface="inter-regular"/>
+              </a:rPr>
+              <a:t>The test design is a record having all the possible scenarios.</a:t>
+            </a:r>
+          </a:p>
+          <a:p>
+            <a:pPr algn="just"/>
+            <a:r>
+              <a:rPr lang="en-IN" b="1" i="0" dirty="0">
+                <a:solidFill>
+                  <a:srgbClr val="333333"/>
+                </a:solidFill>
+                <a:effectLst/>
+                <a:latin typeface="inter-bold"/>
+              </a:rPr>
+              <a:t>Write test cases</a:t>
+            </a:r>
+            <a:endParaRPr lang="en-US" dirty="0">
+              <a:solidFill>
+                <a:srgbClr val="000000"/>
+              </a:solidFill>
+              <a:latin typeface="inter-regular"/>
+            </a:endParaRPr>
+          </a:p>
+          <a:p>
+            <a:pPr lvl="1" algn="just">
+              <a:buFont typeface="Arial" panose="020B0604020202020204" pitchFamily="34" charset="0"/>
+              <a:buChar char="•"/>
+            </a:pPr>
+            <a:r>
+              <a:rPr lang="en-US" b="0" i="0" dirty="0">
+                <a:solidFill>
+                  <a:srgbClr val="333333"/>
+                </a:solidFill>
+                <a:effectLst/>
+                <a:latin typeface="inter-regular"/>
+              </a:rPr>
+              <a:t>Convert all the identified scenarios to test claims and group the scenarios related to their features, prioritize the module, and write test cases by applying test case design techniques and use the standard test case template, which means that the one which is decided for the project.</a:t>
+            </a:r>
+          </a:p>
+          <a:p>
+            <a:pPr algn="just"/>
+            <a:r>
+              <a:rPr lang="en-IN" b="1" i="0" dirty="0">
+                <a:solidFill>
+                  <a:srgbClr val="333333"/>
+                </a:solidFill>
+                <a:effectLst/>
+                <a:latin typeface="inter-bold"/>
+              </a:rPr>
+              <a:t>Review the test cases</a:t>
+            </a:r>
+            <a:endParaRPr lang="en-US" dirty="0">
+              <a:solidFill>
+                <a:srgbClr val="333333"/>
+              </a:solidFill>
+              <a:latin typeface="inter-regular"/>
+            </a:endParaRPr>
+          </a:p>
+          <a:p>
+            <a:pPr lvl="1" algn="just">
+              <a:buFont typeface="Arial" panose="020B0604020202020204" pitchFamily="34" charset="0"/>
+              <a:buChar char="•"/>
+            </a:pPr>
+            <a:r>
+              <a:rPr lang="en-US" b="0" i="0" dirty="0">
+                <a:solidFill>
+                  <a:srgbClr val="333333"/>
+                </a:solidFill>
+                <a:effectLst/>
+                <a:latin typeface="inter-regular"/>
+              </a:rPr>
+              <a:t>Review the test case by giving it to the head of the team and, after that, fix the review feedback given by the reviewer.</a:t>
+            </a:r>
+            <a:endParaRPr lang="en-US" b="0" i="0" dirty="0">
+              <a:solidFill>
+                <a:srgbClr val="000000"/>
+              </a:solidFill>
+              <a:effectLst/>
+              <a:latin typeface="inter-regular"/>
+            </a:endParaRPr>
+          </a:p>
+          <a:p>
+            <a:endParaRPr lang="en-IN" dirty="0"/>
+          </a:p>
+        </p:txBody>
+      </p:sp>
+      <p:sp>
+        <p:nvSpPr>
+          <p:cNvPr id="3" name="Title 2">
+            <a:extLst>
+              <a:ext uri="{FF2B5EF4-FFF2-40B4-BE49-F238E27FC236}">
+                <a16:creationId xmlns:a16="http://schemas.microsoft.com/office/drawing/2014/main" id="{696D8DA5-3AC9-48EE-8659-2B0F4DA02244}"/>
+              </a:ext>
+            </a:extLst>
+          </p:cNvPr>
+          <p:cNvSpPr>
+            <a:spLocks noGrp="1"/>
+          </p:cNvSpPr>
+          <p:nvPr>
+            <p:ph type="title"/>
+          </p:nvPr>
+        </p:nvSpPr>
+        <p:spPr/>
+        <p:txBody>
+          <a:bodyPr/>
+          <a:lstStyle/>
+          <a:p>
+            <a:r>
+              <a:rPr lang="en-US" dirty="0">
+                <a:solidFill>
+                  <a:schemeClr val="accent1">
+                    <a:lumMod val="75000"/>
+                  </a:schemeClr>
+                </a:solidFill>
+                <a:latin typeface="erdana"/>
+              </a:rPr>
+              <a:t>P</a:t>
+            </a:r>
+            <a:r>
+              <a:rPr lang="en-US" i="0" dirty="0">
+                <a:solidFill>
+                  <a:schemeClr val="accent1">
+                    <a:lumMod val="75000"/>
+                  </a:schemeClr>
+                </a:solidFill>
+                <a:effectLst/>
+                <a:latin typeface="erdana"/>
+              </a:rPr>
+              <a:t>rocess to write test cases</a:t>
+            </a:r>
+            <a:endParaRPr lang="en-IN" dirty="0"/>
+          </a:p>
+        </p:txBody>
+      </p:sp>
+    </p:spTree>
+    <p:extLst>
+      <p:ext uri="{BB962C8B-B14F-4D97-AF65-F5344CB8AC3E}">
+        <p14:creationId xmlns:p14="http://schemas.microsoft.com/office/powerpoint/2010/main" val="3786143449"/>
+      </p:ext>
+    </p:extLst>
+  </p:cSld>
+  <p:clrMapOvr>
+    <a:masterClrMapping/>
+  </p:clrMapOvr>
+  <p:transition spd="slow">
+    <p:push dir="u"/>
+  </p:transition>
+</p:sld>
+</file>
+
+<file path=ppt/slides/slide105.xml><?xml version="1.0" encoding="utf-8"?>
+<p:sld xmlns:a="http://schemas.openxmlformats.org/drawingml/2006/main" xmlns:r="http://schemas.openxmlformats.org/officeDocument/2006/relationships" xmlns:p="http://schemas.openxmlformats.org/presentationml/2006/main">
+  <p:cSld>
+    <p:spTree>
+      <p:nvGrpSpPr>
+        <p:cNvPr id="1" name=""/>
+        <p:cNvGrpSpPr/>
+        <p:nvPr/>
+      </p:nvGrpSpPr>
+      <p:grpSpPr>
+        <a:xfrm>
+          <a:off x="0" y="0"/>
+          <a:ext cx="0" cy="0"/>
+          <a:chOff x="0" y="0"/>
+          <a:chExt cx="0" cy="0"/>
+        </a:xfrm>
+      </p:grpSpPr>
+      <p:sp>
+        <p:nvSpPr>
+          <p:cNvPr id="2" name="Content Placeholder 1">
+            <a:extLst>
+              <a:ext uri="{FF2B5EF4-FFF2-40B4-BE49-F238E27FC236}">
+                <a16:creationId xmlns:a16="http://schemas.microsoft.com/office/drawing/2014/main" id="{CB506CEE-D242-450F-AB5A-32E981AA1AA2}"/>
+              </a:ext>
+            </a:extLst>
+          </p:cNvPr>
+          <p:cNvSpPr>
+            <a:spLocks noGrp="1"/>
+          </p:cNvSpPr>
+          <p:nvPr>
+            <p:ph idx="1"/>
+          </p:nvPr>
+        </p:nvSpPr>
+        <p:spPr/>
+        <p:txBody>
+          <a:bodyPr/>
+          <a:lstStyle/>
+          <a:p>
+            <a:r>
+              <a:rPr lang="en-IN" b="1" i="0" dirty="0">
+                <a:solidFill>
+                  <a:srgbClr val="333333"/>
+                </a:solidFill>
+                <a:effectLst/>
+                <a:latin typeface="inter-bold"/>
+              </a:rPr>
+              <a:t>Test case approval</a:t>
+            </a:r>
+          </a:p>
+          <a:p>
+            <a:pPr lvl="1">
+              <a:buFont typeface="Arial" panose="020B0604020202020204" pitchFamily="34" charset="0"/>
+              <a:buChar char="•"/>
+            </a:pPr>
+            <a:r>
+              <a:rPr lang="en-US" b="0" i="0" dirty="0">
+                <a:solidFill>
+                  <a:srgbClr val="333333"/>
+                </a:solidFill>
+                <a:effectLst/>
+                <a:latin typeface="inter-regular"/>
+              </a:rPr>
+              <a:t>After fixing the test case based on the feedback, send it again for the approval.</a:t>
+            </a:r>
+            <a:endParaRPr lang="en-IN" b="1" dirty="0">
+              <a:solidFill>
+                <a:srgbClr val="333333"/>
+              </a:solidFill>
+              <a:latin typeface="inter-bold"/>
+            </a:endParaRPr>
+          </a:p>
+          <a:p>
+            <a:r>
+              <a:rPr lang="en-US" b="1" i="0" dirty="0">
+                <a:solidFill>
+                  <a:srgbClr val="333333"/>
+                </a:solidFill>
+                <a:effectLst/>
+                <a:latin typeface="inter-bold"/>
+              </a:rPr>
+              <a:t>Store in the test case repository</a:t>
+            </a:r>
+            <a:endParaRPr lang="en-IN" b="1" i="0" dirty="0">
+              <a:solidFill>
+                <a:srgbClr val="333333"/>
+              </a:solidFill>
+              <a:effectLst/>
+              <a:latin typeface="inter-bold"/>
+            </a:endParaRPr>
+          </a:p>
+          <a:p>
+            <a:pPr lvl="1">
+              <a:buFont typeface="Arial" panose="020B0604020202020204" pitchFamily="34" charset="0"/>
+              <a:buChar char="•"/>
+            </a:pPr>
+            <a:r>
+              <a:rPr lang="en-US" b="0" i="0" dirty="0">
+                <a:solidFill>
+                  <a:srgbClr val="333333"/>
+                </a:solidFill>
+                <a:effectLst/>
+                <a:latin typeface="inter-regular"/>
+              </a:rPr>
+              <a:t>After the approval of the particular test case, store in the familiar place that is known as the test case repository.</a:t>
+            </a:r>
+            <a:endParaRPr lang="en-IN" b="1" dirty="0">
+              <a:solidFill>
+                <a:srgbClr val="333333"/>
+              </a:solidFill>
+              <a:latin typeface="inter-bold"/>
+            </a:endParaRPr>
+          </a:p>
+          <a:p>
+            <a:pPr lvl="1">
+              <a:buFont typeface="Arial" panose="020B0604020202020204" pitchFamily="34" charset="0"/>
+              <a:buChar char="•"/>
+            </a:pPr>
+            <a:endParaRPr lang="en-IN" dirty="0"/>
+          </a:p>
+        </p:txBody>
+      </p:sp>
+      <p:sp>
+        <p:nvSpPr>
+          <p:cNvPr id="3" name="Title 2">
+            <a:extLst>
+              <a:ext uri="{FF2B5EF4-FFF2-40B4-BE49-F238E27FC236}">
+                <a16:creationId xmlns:a16="http://schemas.microsoft.com/office/drawing/2014/main" id="{6BD2693E-A72F-44F0-992E-8D3AACB5A844}"/>
+              </a:ext>
+            </a:extLst>
+          </p:cNvPr>
+          <p:cNvSpPr>
+            <a:spLocks noGrp="1"/>
+          </p:cNvSpPr>
+          <p:nvPr>
+            <p:ph type="title"/>
+          </p:nvPr>
+        </p:nvSpPr>
+        <p:spPr/>
+        <p:txBody>
+          <a:bodyPr/>
+          <a:lstStyle/>
+          <a:p>
+            <a:r>
+              <a:rPr lang="en-US" dirty="0">
+                <a:solidFill>
+                  <a:schemeClr val="accent1">
+                    <a:lumMod val="75000"/>
+                  </a:schemeClr>
+                </a:solidFill>
+                <a:latin typeface="erdana"/>
+              </a:rPr>
+              <a:t>P</a:t>
+            </a:r>
+            <a:r>
+              <a:rPr lang="en-US" i="0" dirty="0">
+                <a:solidFill>
+                  <a:schemeClr val="accent1">
+                    <a:lumMod val="75000"/>
+                  </a:schemeClr>
+                </a:solidFill>
+                <a:effectLst/>
+                <a:latin typeface="erdana"/>
+              </a:rPr>
+              <a:t>rocess to write test cases</a:t>
+            </a:r>
+            <a:endParaRPr lang="en-IN" dirty="0"/>
+          </a:p>
+        </p:txBody>
+      </p:sp>
+    </p:spTree>
+    <p:extLst>
+      <p:ext uri="{BB962C8B-B14F-4D97-AF65-F5344CB8AC3E}">
+        <p14:creationId xmlns:p14="http://schemas.microsoft.com/office/powerpoint/2010/main" val="1660794286"/>
+      </p:ext>
+    </p:extLst>
+  </p:cSld>
+  <p:clrMapOvr>
+    <a:masterClrMapping/>
+  </p:clrMapOvr>
+  <p:transition spd="slow">
+    <p:push dir="u"/>
+  </p:transition>
 </p:sld>
 </file>
 
@@ -49462,6 +50688,1322 @@
 </p:sld>
 </file>
 
+<file path=ppt/slides/slide94.xml><?xml version="1.0" encoding="utf-8"?>
+<p:sld xmlns:a="http://schemas.openxmlformats.org/drawingml/2006/main" xmlns:r="http://schemas.openxmlformats.org/officeDocument/2006/relationships" xmlns:p="http://schemas.openxmlformats.org/presentationml/2006/main">
+  <p:cSld>
+    <p:spTree>
+      <p:nvGrpSpPr>
+        <p:cNvPr id="1" name=""/>
+        <p:cNvGrpSpPr/>
+        <p:nvPr/>
+      </p:nvGrpSpPr>
+      <p:grpSpPr>
+        <a:xfrm>
+          <a:off x="0" y="0"/>
+          <a:ext cx="0" cy="0"/>
+          <a:chOff x="0" y="0"/>
+          <a:chExt cx="0" cy="0"/>
+        </a:xfrm>
+      </p:grpSpPr>
+      <p:sp>
+        <p:nvSpPr>
+          <p:cNvPr id="2" name="Content Placeholder 1">
+            <a:extLst>
+              <a:ext uri="{FF2B5EF4-FFF2-40B4-BE49-F238E27FC236}">
+                <a16:creationId xmlns:a16="http://schemas.microsoft.com/office/drawing/2014/main" id="{73ED3256-A66A-440C-A0CF-A61503382DC2}"/>
+              </a:ext>
+            </a:extLst>
+          </p:cNvPr>
+          <p:cNvSpPr>
+            <a:spLocks noGrp="1"/>
+          </p:cNvSpPr>
+          <p:nvPr>
+            <p:ph idx="1"/>
+          </p:nvPr>
+        </p:nvSpPr>
+        <p:spPr/>
+        <p:txBody>
+          <a:bodyPr/>
+          <a:lstStyle/>
+          <a:p>
+            <a:pPr algn="just">
+              <a:buFont typeface="Arial" panose="020B0604020202020204" pitchFamily="34" charset="0"/>
+              <a:buChar char="•"/>
+            </a:pPr>
+            <a:r>
+              <a:rPr lang="en-US" b="0" i="0" dirty="0">
+                <a:solidFill>
+                  <a:srgbClr val="000000"/>
+                </a:solidFill>
+                <a:effectLst/>
+                <a:latin typeface="inter-regular"/>
+              </a:rPr>
+              <a:t>Checks that all users can enter email ides in the </a:t>
+            </a:r>
+            <a:r>
+              <a:rPr lang="en-US" b="1" i="0" dirty="0">
+                <a:solidFill>
+                  <a:srgbClr val="000000"/>
+                </a:solidFill>
+                <a:effectLst/>
+                <a:latin typeface="inter-bold"/>
+              </a:rPr>
+              <a:t>To, Cc, and Bcc</a:t>
+            </a:r>
+            <a:r>
+              <a:rPr lang="en-US" b="0" i="0" dirty="0">
+                <a:solidFill>
+                  <a:srgbClr val="000000"/>
+                </a:solidFill>
+                <a:effectLst/>
+                <a:latin typeface="inter-regular"/>
+              </a:rPr>
+              <a:t>.</a:t>
+            </a:r>
+          </a:p>
+          <a:p>
+            <a:pPr algn="just">
+              <a:buFont typeface="Arial" panose="020B0604020202020204" pitchFamily="34" charset="0"/>
+              <a:buChar char="•"/>
+            </a:pPr>
+            <a:r>
+              <a:rPr lang="en-US" b="0" i="0" dirty="0">
+                <a:solidFill>
+                  <a:srgbClr val="000000"/>
+                </a:solidFill>
+                <a:effectLst/>
+                <a:latin typeface="inter-regular"/>
+              </a:rPr>
+              <a:t>Check that the entire user can enter various email ids in To, Cc, and Bcc.</a:t>
+            </a:r>
+          </a:p>
+          <a:p>
+            <a:pPr algn="just">
+              <a:buFont typeface="Arial" panose="020B0604020202020204" pitchFamily="34" charset="0"/>
+              <a:buChar char="•"/>
+            </a:pPr>
+            <a:r>
+              <a:rPr lang="en-US" b="0" i="0" dirty="0">
+                <a:solidFill>
+                  <a:srgbClr val="000000"/>
+                </a:solidFill>
+                <a:effectLst/>
+                <a:latin typeface="inter-regular"/>
+              </a:rPr>
+              <a:t>Compose a mail, send it, and check for the confirmation message.</a:t>
+            </a:r>
+          </a:p>
+          <a:p>
+            <a:pPr algn="just">
+              <a:buFont typeface="Arial" panose="020B0604020202020204" pitchFamily="34" charset="0"/>
+              <a:buChar char="•"/>
+            </a:pPr>
+            <a:r>
+              <a:rPr lang="en-US" b="0" i="0" dirty="0">
+                <a:solidFill>
+                  <a:srgbClr val="000000"/>
+                </a:solidFill>
+                <a:effectLst/>
+                <a:latin typeface="inter-regular"/>
+              </a:rPr>
+              <a:t>Compose a mail, send it, and check in the sent item of the sender and the inbox.</a:t>
+            </a:r>
+          </a:p>
+          <a:p>
+            <a:pPr algn="just">
+              <a:buFont typeface="Arial" panose="020B0604020202020204" pitchFamily="34" charset="0"/>
+              <a:buChar char="•"/>
+            </a:pPr>
+            <a:r>
+              <a:rPr lang="en-US" b="0" i="0" dirty="0">
+                <a:solidFill>
+                  <a:srgbClr val="000000"/>
+                </a:solidFill>
+                <a:effectLst/>
+                <a:latin typeface="inter-regular"/>
+              </a:rPr>
+              <a:t>Compose a mail, send it, and check for invalid and valid email id (valid format), check the mail in sender inbox.</a:t>
+            </a:r>
+          </a:p>
+          <a:p>
+            <a:pPr algn="just">
+              <a:buFont typeface="Arial" panose="020B0604020202020204" pitchFamily="34" charset="0"/>
+              <a:buChar char="•"/>
+            </a:pPr>
+            <a:r>
+              <a:rPr lang="en-US" b="0" i="0" dirty="0">
+                <a:solidFill>
+                  <a:srgbClr val="000000"/>
+                </a:solidFill>
+                <a:effectLst/>
+                <a:latin typeface="inter-regular"/>
+              </a:rPr>
+              <a:t>Compose main, discard, and then check for conformation message and check-in draft.</a:t>
+            </a:r>
+          </a:p>
+          <a:p>
+            <a:pPr algn="just">
+              <a:buFont typeface="Arial" panose="020B0604020202020204" pitchFamily="34" charset="0"/>
+              <a:buChar char="•"/>
+            </a:pPr>
+            <a:r>
+              <a:rPr lang="en-US" b="0" i="0" dirty="0">
+                <a:solidFill>
+                  <a:srgbClr val="000000"/>
+                </a:solidFill>
+                <a:effectLst/>
+                <a:latin typeface="inter-regular"/>
+              </a:rPr>
+              <a:t>Compose mail click on save as draft and check for the confirmation message</a:t>
+            </a:r>
+          </a:p>
+          <a:p>
+            <a:pPr algn="just">
+              <a:buFont typeface="Arial" panose="020B0604020202020204" pitchFamily="34" charset="0"/>
+              <a:buChar char="•"/>
+            </a:pPr>
+            <a:r>
+              <a:rPr lang="en-US" b="0" i="0" dirty="0">
+                <a:solidFill>
+                  <a:srgbClr val="000000"/>
+                </a:solidFill>
+                <a:effectLst/>
+                <a:latin typeface="inter-regular"/>
+              </a:rPr>
+              <a:t>Compose mail click on close and check for conformation save as drafts.</a:t>
+            </a:r>
+          </a:p>
+          <a:p>
+            <a:endParaRPr lang="en-IN" dirty="0"/>
+          </a:p>
+        </p:txBody>
+      </p:sp>
+      <p:sp>
+        <p:nvSpPr>
+          <p:cNvPr id="3" name="Title 2">
+            <a:extLst>
+              <a:ext uri="{FF2B5EF4-FFF2-40B4-BE49-F238E27FC236}">
+                <a16:creationId xmlns:a16="http://schemas.microsoft.com/office/drawing/2014/main" id="{03C47542-977D-4E62-88E6-DFD750E129AE}"/>
+              </a:ext>
+            </a:extLst>
+          </p:cNvPr>
+          <p:cNvSpPr>
+            <a:spLocks noGrp="1"/>
+          </p:cNvSpPr>
+          <p:nvPr>
+            <p:ph type="title"/>
+          </p:nvPr>
+        </p:nvSpPr>
+        <p:spPr/>
+        <p:txBody>
+          <a:bodyPr/>
+          <a:lstStyle/>
+          <a:p>
+            <a:r>
+              <a:rPr lang="en-US" i="0" dirty="0">
+                <a:solidFill>
+                  <a:schemeClr val="accent1">
+                    <a:lumMod val="75000"/>
+                  </a:schemeClr>
+                </a:solidFill>
+                <a:effectLst/>
+                <a:latin typeface="erdana"/>
+              </a:rPr>
+              <a:t>Test scenarios on Compose module</a:t>
+            </a:r>
+            <a:endParaRPr lang="en-IN" dirty="0">
+              <a:solidFill>
+                <a:schemeClr val="accent1">
+                  <a:lumMod val="75000"/>
+                </a:schemeClr>
+              </a:solidFill>
+            </a:endParaRPr>
+          </a:p>
+        </p:txBody>
+      </p:sp>
+    </p:spTree>
+    <p:extLst>
+      <p:ext uri="{BB962C8B-B14F-4D97-AF65-F5344CB8AC3E}">
+        <p14:creationId xmlns:p14="http://schemas.microsoft.com/office/powerpoint/2010/main" val="2197562886"/>
+      </p:ext>
+    </p:extLst>
+  </p:cSld>
+  <p:clrMapOvr>
+    <a:masterClrMapping/>
+  </p:clrMapOvr>
+  <p:transition spd="slow">
+    <p:push dir="u"/>
+  </p:transition>
+</p:sld>
+</file>
+
+<file path=ppt/slides/slide95.xml><?xml version="1.0" encoding="utf-8"?>
+<p:sld xmlns:a="http://schemas.openxmlformats.org/drawingml/2006/main" xmlns:r="http://schemas.openxmlformats.org/officeDocument/2006/relationships" xmlns:p="http://schemas.openxmlformats.org/presentationml/2006/main">
+  <p:cSld>
+    <p:spTree>
+      <p:nvGrpSpPr>
+        <p:cNvPr id="1" name=""/>
+        <p:cNvGrpSpPr/>
+        <p:nvPr/>
+      </p:nvGrpSpPr>
+      <p:grpSpPr>
+        <a:xfrm>
+          <a:off x="0" y="0"/>
+          <a:ext cx="0" cy="0"/>
+          <a:chOff x="0" y="0"/>
+          <a:chExt cx="0" cy="0"/>
+        </a:xfrm>
+      </p:grpSpPr>
+      <p:sp>
+        <p:nvSpPr>
+          <p:cNvPr id="2" name="Content Placeholder 1">
+            <a:extLst>
+              <a:ext uri="{FF2B5EF4-FFF2-40B4-BE49-F238E27FC236}">
+                <a16:creationId xmlns:a16="http://schemas.microsoft.com/office/drawing/2014/main" id="{F47A845C-A5A1-4AE0-992A-A7633C9AEAB8}"/>
+              </a:ext>
+            </a:extLst>
+          </p:cNvPr>
+          <p:cNvSpPr>
+            <a:spLocks noGrp="1"/>
+          </p:cNvSpPr>
+          <p:nvPr>
+            <p:ph idx="1"/>
+          </p:nvPr>
+        </p:nvSpPr>
+        <p:spPr/>
+        <p:txBody>
+          <a:bodyPr/>
+          <a:lstStyle/>
+          <a:p>
+            <a:pPr algn="just">
+              <a:buFont typeface="Arial" panose="020B0604020202020204" pitchFamily="34" charset="0"/>
+              <a:buChar char="•"/>
+            </a:pPr>
+            <a:r>
+              <a:rPr lang="en-US" b="0" i="0" dirty="0">
+                <a:solidFill>
+                  <a:srgbClr val="000000"/>
+                </a:solidFill>
+                <a:effectLst/>
+                <a:latin typeface="inter-regular"/>
+              </a:rPr>
+              <a:t>Click on the inbox, and verify all received mail are displayed and highlighted in the inbox.</a:t>
+            </a:r>
+          </a:p>
+          <a:p>
+            <a:pPr algn="just">
+              <a:buFont typeface="Arial" panose="020B0604020202020204" pitchFamily="34" charset="0"/>
+              <a:buChar char="•"/>
+            </a:pPr>
+            <a:r>
+              <a:rPr lang="en-US" b="0" i="0" dirty="0">
+                <a:solidFill>
+                  <a:srgbClr val="000000"/>
+                </a:solidFill>
+                <a:effectLst/>
+                <a:latin typeface="inter-regular"/>
+              </a:rPr>
+              <a:t>Check that a latest received mail has been displayed to the sender email id correctly.</a:t>
+            </a:r>
+          </a:p>
+          <a:p>
+            <a:pPr algn="just">
+              <a:buFont typeface="Arial" panose="020B0604020202020204" pitchFamily="34" charset="0"/>
+              <a:buChar char="•"/>
+            </a:pPr>
+            <a:r>
+              <a:rPr lang="en-US" b="0" i="0" dirty="0">
+                <a:solidFill>
+                  <a:srgbClr val="000000"/>
+                </a:solidFill>
+                <a:effectLst/>
+                <a:latin typeface="inter-regular"/>
+              </a:rPr>
+              <a:t>Select the mail, reply and forward send it; check in the sent item of sender and inbox of the receiver.</a:t>
+            </a:r>
+          </a:p>
+          <a:p>
+            <a:pPr algn="just">
+              <a:buFont typeface="Arial" panose="020B0604020202020204" pitchFamily="34" charset="0"/>
+              <a:buChar char="•"/>
+            </a:pPr>
+            <a:r>
+              <a:rPr lang="en-US" b="0" i="0" dirty="0">
+                <a:solidFill>
+                  <a:srgbClr val="000000"/>
+                </a:solidFill>
+                <a:effectLst/>
+                <a:latin typeface="inter-regular"/>
+              </a:rPr>
+              <a:t>Check for any attached attachments to the mail that are downloaded or not.</a:t>
+            </a:r>
+          </a:p>
+          <a:p>
+            <a:pPr algn="just">
+              <a:buFont typeface="Arial" panose="020B0604020202020204" pitchFamily="34" charset="0"/>
+              <a:buChar char="•"/>
+            </a:pPr>
+            <a:r>
+              <a:rPr lang="en-US" b="0" i="0" dirty="0">
+                <a:solidFill>
+                  <a:srgbClr val="000000"/>
+                </a:solidFill>
+                <a:effectLst/>
+                <a:latin typeface="inter-regular"/>
+              </a:rPr>
+              <a:t>Check that attachment is scanned correctly for any viruses before download.</a:t>
+            </a:r>
+          </a:p>
+          <a:p>
+            <a:pPr algn="just">
+              <a:buFont typeface="Arial" panose="020B0604020202020204" pitchFamily="34" charset="0"/>
+              <a:buChar char="•"/>
+            </a:pPr>
+            <a:r>
+              <a:rPr lang="en-US" b="0" i="0" dirty="0">
+                <a:solidFill>
+                  <a:srgbClr val="000000"/>
+                </a:solidFill>
+                <a:effectLst/>
+                <a:latin typeface="inter-regular"/>
+              </a:rPr>
+              <a:t>Select the mail, reply and forward save as draft, and check for the confirmation message and checks in the Draft section.</a:t>
+            </a:r>
+          </a:p>
+          <a:p>
+            <a:pPr algn="just">
+              <a:buFont typeface="Arial" panose="020B0604020202020204" pitchFamily="34" charset="0"/>
+              <a:buChar char="•"/>
+            </a:pPr>
+            <a:r>
+              <a:rPr lang="en-US" b="0" i="0" dirty="0">
+                <a:solidFill>
+                  <a:srgbClr val="000000"/>
+                </a:solidFill>
+                <a:effectLst/>
+                <a:latin typeface="inter-regular"/>
+              </a:rPr>
+              <a:t>Check all the emails are marked as read are not highlighted.</a:t>
+            </a:r>
+          </a:p>
+          <a:p>
+            <a:pPr algn="just">
+              <a:buFont typeface="Arial" panose="020B0604020202020204" pitchFamily="34" charset="0"/>
+              <a:buChar char="•"/>
+            </a:pPr>
+            <a:r>
+              <a:rPr lang="en-US" b="0" i="0" dirty="0">
+                <a:solidFill>
+                  <a:srgbClr val="000000"/>
+                </a:solidFill>
+                <a:effectLst/>
+                <a:latin typeface="inter-regular"/>
+              </a:rPr>
+              <a:t>Check all mail recipients in </a:t>
+            </a:r>
+            <a:r>
+              <a:rPr lang="en-US" b="1" i="0" dirty="0">
+                <a:solidFill>
+                  <a:srgbClr val="000000"/>
+                </a:solidFill>
+                <a:effectLst/>
+                <a:latin typeface="inter-bold"/>
+              </a:rPr>
+              <a:t>Cc</a:t>
+            </a:r>
+            <a:r>
+              <a:rPr lang="en-US" b="0" i="0" dirty="0">
+                <a:solidFill>
+                  <a:srgbClr val="000000"/>
+                </a:solidFill>
+                <a:effectLst/>
+                <a:latin typeface="inter-regular"/>
+              </a:rPr>
+              <a:t> are visible to all users.</a:t>
+            </a:r>
+          </a:p>
+          <a:p>
+            <a:pPr algn="just">
+              <a:buFont typeface="Arial" panose="020B0604020202020204" pitchFamily="34" charset="0"/>
+              <a:buChar char="•"/>
+            </a:pPr>
+            <a:r>
+              <a:rPr lang="en-US" b="0" i="0" dirty="0">
+                <a:solidFill>
+                  <a:srgbClr val="000000"/>
+                </a:solidFill>
+                <a:effectLst/>
+                <a:latin typeface="inter-regular"/>
+              </a:rPr>
+              <a:t>Checks all email recipients in </a:t>
+            </a:r>
+            <a:r>
+              <a:rPr lang="en-US" b="1" i="0" dirty="0">
+                <a:solidFill>
+                  <a:srgbClr val="000000"/>
+                </a:solidFill>
+                <a:effectLst/>
+                <a:latin typeface="inter-bold"/>
+              </a:rPr>
+              <a:t>Bcc</a:t>
+            </a:r>
+            <a:r>
+              <a:rPr lang="en-US" b="0" i="0" dirty="0">
+                <a:solidFill>
+                  <a:srgbClr val="000000"/>
+                </a:solidFill>
+                <a:effectLst/>
+                <a:latin typeface="inter-regular"/>
+              </a:rPr>
+              <a:t> are not visible to the users.</a:t>
+            </a:r>
+          </a:p>
+          <a:p>
+            <a:pPr algn="just">
+              <a:buFont typeface="Arial" panose="020B0604020202020204" pitchFamily="34" charset="0"/>
+              <a:buChar char="•"/>
+            </a:pPr>
+            <a:r>
+              <a:rPr lang="en-US" b="0" i="0" dirty="0">
+                <a:solidFill>
+                  <a:srgbClr val="000000"/>
+                </a:solidFill>
+                <a:effectLst/>
+                <a:latin typeface="inter-regular"/>
+              </a:rPr>
+              <a:t>Select mail, delete it, and then check in the </a:t>
+            </a:r>
+            <a:r>
+              <a:rPr lang="en-US" b="1" i="0" dirty="0">
+                <a:solidFill>
+                  <a:srgbClr val="000000"/>
+                </a:solidFill>
+                <a:effectLst/>
+                <a:latin typeface="inter-bold"/>
+              </a:rPr>
+              <a:t>Trash</a:t>
+            </a:r>
+            <a:r>
+              <a:rPr lang="en-US" b="0" i="0" dirty="0">
+                <a:solidFill>
+                  <a:srgbClr val="000000"/>
+                </a:solidFill>
+                <a:effectLst/>
+                <a:latin typeface="inter-regular"/>
+              </a:rPr>
+              <a:t> section.</a:t>
+            </a:r>
+          </a:p>
+          <a:p>
+            <a:endParaRPr lang="en-IN" dirty="0"/>
+          </a:p>
+        </p:txBody>
+      </p:sp>
+      <p:sp>
+        <p:nvSpPr>
+          <p:cNvPr id="3" name="Title 2">
+            <a:extLst>
+              <a:ext uri="{FF2B5EF4-FFF2-40B4-BE49-F238E27FC236}">
+                <a16:creationId xmlns:a16="http://schemas.microsoft.com/office/drawing/2014/main" id="{C43D8F0C-E7CE-4043-A1DD-A90DD620BE19}"/>
+              </a:ext>
+            </a:extLst>
+          </p:cNvPr>
+          <p:cNvSpPr>
+            <a:spLocks noGrp="1"/>
+          </p:cNvSpPr>
+          <p:nvPr>
+            <p:ph type="title"/>
+          </p:nvPr>
+        </p:nvSpPr>
+        <p:spPr/>
+        <p:txBody>
+          <a:bodyPr/>
+          <a:lstStyle/>
+          <a:p>
+            <a:r>
+              <a:rPr lang="en-US" i="0" dirty="0">
+                <a:solidFill>
+                  <a:schemeClr val="accent1">
+                    <a:lumMod val="75000"/>
+                  </a:schemeClr>
+                </a:solidFill>
+                <a:effectLst/>
+                <a:latin typeface="erdana"/>
+              </a:rPr>
+              <a:t>Test scenarios on Inbox module</a:t>
+            </a:r>
+            <a:endParaRPr lang="en-IN" dirty="0">
+              <a:solidFill>
+                <a:schemeClr val="accent1">
+                  <a:lumMod val="75000"/>
+                </a:schemeClr>
+              </a:solidFill>
+            </a:endParaRPr>
+          </a:p>
+        </p:txBody>
+      </p:sp>
+    </p:spTree>
+    <p:extLst>
+      <p:ext uri="{BB962C8B-B14F-4D97-AF65-F5344CB8AC3E}">
+        <p14:creationId xmlns:p14="http://schemas.microsoft.com/office/powerpoint/2010/main" val="3196728183"/>
+      </p:ext>
+    </p:extLst>
+  </p:cSld>
+  <p:clrMapOvr>
+    <a:masterClrMapping/>
+  </p:clrMapOvr>
+  <p:transition spd="slow">
+    <p:push dir="u"/>
+  </p:transition>
+</p:sld>
+</file>
+
+<file path=ppt/slides/slide96.xml><?xml version="1.0" encoding="utf-8"?>
+<p:sld xmlns:a="http://schemas.openxmlformats.org/drawingml/2006/main" xmlns:r="http://schemas.openxmlformats.org/officeDocument/2006/relationships" xmlns:p="http://schemas.openxmlformats.org/presentationml/2006/main">
+  <p:cSld>
+    <p:spTree>
+      <p:nvGrpSpPr>
+        <p:cNvPr id="1" name=""/>
+        <p:cNvGrpSpPr/>
+        <p:nvPr/>
+      </p:nvGrpSpPr>
+      <p:grpSpPr>
+        <a:xfrm>
+          <a:off x="0" y="0"/>
+          <a:ext cx="0" cy="0"/>
+          <a:chOff x="0" y="0"/>
+          <a:chExt cx="0" cy="0"/>
+        </a:xfrm>
+      </p:grpSpPr>
+      <p:sp>
+        <p:nvSpPr>
+          <p:cNvPr id="2" name="Content Placeholder 1">
+            <a:extLst>
+              <a:ext uri="{FF2B5EF4-FFF2-40B4-BE49-F238E27FC236}">
+                <a16:creationId xmlns:a16="http://schemas.microsoft.com/office/drawing/2014/main" id="{BD9FFCE1-06BC-430E-9BBD-F04862FE5CD2}"/>
+              </a:ext>
+            </a:extLst>
+          </p:cNvPr>
+          <p:cNvSpPr>
+            <a:spLocks noGrp="1"/>
+          </p:cNvSpPr>
+          <p:nvPr>
+            <p:ph idx="1"/>
+          </p:nvPr>
+        </p:nvSpPr>
+        <p:spPr/>
+        <p:txBody>
+          <a:bodyPr/>
+          <a:lstStyle/>
+          <a:p>
+            <a:pPr algn="just">
+              <a:buFont typeface="Arial" panose="020B0604020202020204" pitchFamily="34" charset="0"/>
+              <a:buChar char="•"/>
+            </a:pPr>
+            <a:r>
+              <a:rPr lang="en-US" b="0" i="0" dirty="0">
+                <a:solidFill>
+                  <a:srgbClr val="000000"/>
+                </a:solidFill>
+                <a:effectLst/>
+                <a:latin typeface="inter-regular"/>
+              </a:rPr>
+              <a:t>Open trash, check all deleted mail present.</a:t>
+            </a:r>
+          </a:p>
+          <a:p>
+            <a:pPr algn="just">
+              <a:buFont typeface="Arial" panose="020B0604020202020204" pitchFamily="34" charset="0"/>
+              <a:buChar char="•"/>
+            </a:pPr>
+            <a:r>
+              <a:rPr lang="en-US" b="0" i="0" dirty="0">
+                <a:solidFill>
+                  <a:srgbClr val="000000"/>
+                </a:solidFill>
+                <a:effectLst/>
+                <a:latin typeface="inter-regular"/>
+              </a:rPr>
+              <a:t>Restore mail from Trash; check-in the corresponding module.</a:t>
+            </a:r>
+          </a:p>
+          <a:p>
+            <a:pPr algn="just">
+              <a:buFont typeface="Arial" panose="020B0604020202020204" pitchFamily="34" charset="0"/>
+              <a:buChar char="•"/>
+            </a:pPr>
+            <a:r>
+              <a:rPr lang="en-US" b="0" i="0" dirty="0">
+                <a:solidFill>
+                  <a:srgbClr val="000000"/>
+                </a:solidFill>
+                <a:effectLst/>
+                <a:latin typeface="inter-regular"/>
+              </a:rPr>
+              <a:t>Select mail from trash, delete it, and check mail is permanently deleted.</a:t>
+            </a:r>
+          </a:p>
+          <a:p>
+            <a:endParaRPr lang="en-IN" dirty="0"/>
+          </a:p>
+        </p:txBody>
+      </p:sp>
+      <p:sp>
+        <p:nvSpPr>
+          <p:cNvPr id="3" name="Title 2">
+            <a:extLst>
+              <a:ext uri="{FF2B5EF4-FFF2-40B4-BE49-F238E27FC236}">
+                <a16:creationId xmlns:a16="http://schemas.microsoft.com/office/drawing/2014/main" id="{5F28B2A2-F9A6-4DBC-A93F-9727007DE2CA}"/>
+              </a:ext>
+            </a:extLst>
+          </p:cNvPr>
+          <p:cNvSpPr>
+            <a:spLocks noGrp="1"/>
+          </p:cNvSpPr>
+          <p:nvPr>
+            <p:ph type="title"/>
+          </p:nvPr>
+        </p:nvSpPr>
+        <p:spPr/>
+        <p:txBody>
+          <a:bodyPr/>
+          <a:lstStyle/>
+          <a:p>
+            <a:r>
+              <a:rPr lang="en-US" i="0" dirty="0">
+                <a:solidFill>
+                  <a:schemeClr val="accent1">
+                    <a:lumMod val="75000"/>
+                  </a:schemeClr>
+                </a:solidFill>
+                <a:effectLst/>
+                <a:latin typeface="erdana"/>
+              </a:rPr>
+              <a:t>Test scenario on Trash module</a:t>
+            </a:r>
+            <a:endParaRPr lang="en-IN" dirty="0">
+              <a:solidFill>
+                <a:schemeClr val="accent1">
+                  <a:lumMod val="75000"/>
+                </a:schemeClr>
+              </a:solidFill>
+            </a:endParaRPr>
+          </a:p>
+        </p:txBody>
+      </p:sp>
+    </p:spTree>
+    <p:extLst>
+      <p:ext uri="{BB962C8B-B14F-4D97-AF65-F5344CB8AC3E}">
+        <p14:creationId xmlns:p14="http://schemas.microsoft.com/office/powerpoint/2010/main" val="1334118324"/>
+      </p:ext>
+    </p:extLst>
+  </p:cSld>
+  <p:clrMapOvr>
+    <a:masterClrMapping/>
+  </p:clrMapOvr>
+  <p:transition spd="slow">
+    <p:push dir="u"/>
+  </p:transition>
+</p:sld>
+</file>
+
+<file path=ppt/slides/slide97.xml><?xml version="1.0" encoding="utf-8"?>
+<p:sld xmlns:a="http://schemas.openxmlformats.org/drawingml/2006/main" xmlns:r="http://schemas.openxmlformats.org/officeDocument/2006/relationships" xmlns:p="http://schemas.openxmlformats.org/presentationml/2006/main">
+  <p:cSld>
+    <p:spTree>
+      <p:nvGrpSpPr>
+        <p:cNvPr id="1" name=""/>
+        <p:cNvGrpSpPr/>
+        <p:nvPr/>
+      </p:nvGrpSpPr>
+      <p:grpSpPr>
+        <a:xfrm>
+          <a:off x="0" y="0"/>
+          <a:ext cx="0" cy="0"/>
+          <a:chOff x="0" y="0"/>
+          <a:chExt cx="0" cy="0"/>
+        </a:xfrm>
+      </p:grpSpPr>
+      <p:sp>
+        <p:nvSpPr>
+          <p:cNvPr id="2" name="Content Placeholder 1">
+            <a:extLst>
+              <a:ext uri="{FF2B5EF4-FFF2-40B4-BE49-F238E27FC236}">
+                <a16:creationId xmlns:a16="http://schemas.microsoft.com/office/drawing/2014/main" id="{BD60A5B8-FA6E-4128-93E2-7CB91D24B17D}"/>
+              </a:ext>
+            </a:extLst>
+          </p:cNvPr>
+          <p:cNvSpPr>
+            <a:spLocks noGrp="1"/>
+          </p:cNvSpPr>
+          <p:nvPr>
+            <p:ph idx="1"/>
+          </p:nvPr>
+        </p:nvSpPr>
+        <p:spPr/>
+        <p:txBody>
+          <a:bodyPr/>
+          <a:lstStyle/>
+          <a:p>
+            <a:r>
+              <a:rPr lang="en-US" b="0" i="0" dirty="0">
+                <a:solidFill>
+                  <a:srgbClr val="333333"/>
+                </a:solidFill>
+                <a:effectLst/>
+                <a:latin typeface="inter-regular"/>
+              </a:rPr>
+              <a:t>The test case is defined as a group of conditions under which a tester determines whether a software application is working as per the customer's requirements or not.</a:t>
+            </a:r>
+          </a:p>
+          <a:p>
+            <a:r>
+              <a:rPr lang="en-US" b="0" i="0" dirty="0">
+                <a:solidFill>
+                  <a:srgbClr val="333333"/>
+                </a:solidFill>
+                <a:effectLst/>
+                <a:latin typeface="inter-regular"/>
+              </a:rPr>
+              <a:t> Test case designing includes preconditions, case name, input conditions, and expected result.</a:t>
+            </a:r>
+          </a:p>
+          <a:p>
+            <a:r>
+              <a:rPr lang="en-US" b="0" i="0" dirty="0">
+                <a:solidFill>
+                  <a:srgbClr val="333333"/>
+                </a:solidFill>
+                <a:effectLst/>
+                <a:latin typeface="inter-regular"/>
+              </a:rPr>
+              <a:t> A test case is a first level action and derived from test scenarios.</a:t>
+            </a:r>
+          </a:p>
+          <a:p>
+            <a:endParaRPr lang="en-IN" dirty="0"/>
+          </a:p>
+          <a:p>
+            <a:endParaRPr lang="en-IN" dirty="0"/>
+          </a:p>
+        </p:txBody>
+      </p:sp>
+      <p:sp>
+        <p:nvSpPr>
+          <p:cNvPr id="3" name="Title 2">
+            <a:extLst>
+              <a:ext uri="{FF2B5EF4-FFF2-40B4-BE49-F238E27FC236}">
+                <a16:creationId xmlns:a16="http://schemas.microsoft.com/office/drawing/2014/main" id="{05FED137-FCB6-47F1-B4E3-FE73EF5F6950}"/>
+              </a:ext>
+            </a:extLst>
+          </p:cNvPr>
+          <p:cNvSpPr>
+            <a:spLocks noGrp="1"/>
+          </p:cNvSpPr>
+          <p:nvPr>
+            <p:ph type="title"/>
+          </p:nvPr>
+        </p:nvSpPr>
+        <p:spPr/>
+        <p:txBody>
+          <a:bodyPr/>
+          <a:lstStyle/>
+          <a:p>
+            <a:r>
+              <a:rPr lang="en-IN" i="0" dirty="0">
+                <a:solidFill>
+                  <a:schemeClr val="accent1">
+                    <a:lumMod val="75000"/>
+                  </a:schemeClr>
+                </a:solidFill>
+                <a:effectLst/>
+                <a:latin typeface="erdana"/>
+              </a:rPr>
+              <a:t>Test Case</a:t>
+            </a:r>
+            <a:endParaRPr lang="en-IN" dirty="0">
+              <a:solidFill>
+                <a:schemeClr val="accent1">
+                  <a:lumMod val="75000"/>
+                </a:schemeClr>
+              </a:solidFill>
+            </a:endParaRPr>
+          </a:p>
+        </p:txBody>
+      </p:sp>
+      <p:pic>
+        <p:nvPicPr>
+          <p:cNvPr id="2050" name="Picture 2" descr="Test Case">
+            <a:extLst>
+              <a:ext uri="{FF2B5EF4-FFF2-40B4-BE49-F238E27FC236}">
+                <a16:creationId xmlns:a16="http://schemas.microsoft.com/office/drawing/2014/main" id="{B40F3347-9CF0-4DF7-A625-768F0CB0F3BB}"/>
+              </a:ext>
+            </a:extLst>
+          </p:cNvPr>
+          <p:cNvPicPr>
+            <a:picLocks noChangeAspect="1" noChangeArrowheads="1"/>
+          </p:cNvPicPr>
+          <p:nvPr/>
+        </p:nvPicPr>
+        <p:blipFill>
+          <a:blip r:embed="rId2">
+            <a:extLst>
+              <a:ext uri="{28A0092B-C50C-407E-A947-70E740481C1C}">
+                <a14:useLocalDpi xmlns:a14="http://schemas.microsoft.com/office/drawing/2010/main" val="0"/>
+              </a:ext>
+            </a:extLst>
+          </a:blip>
+          <a:srcRect/>
+          <a:stretch>
+            <a:fillRect/>
+          </a:stretch>
+        </p:blipFill>
+        <p:spPr bwMode="auto">
+          <a:xfrm>
+            <a:off x="3286524" y="2833232"/>
+            <a:ext cx="4381500" cy="2867025"/>
+          </a:xfrm>
+          <a:prstGeom prst="rect">
+            <a:avLst/>
+          </a:prstGeom>
+          <a:noFill/>
+          <a:extLst>
+            <a:ext uri="{909E8E84-426E-40DD-AFC4-6F175D3DCCD1}">
+              <a14:hiddenFill xmlns:a14="http://schemas.microsoft.com/office/drawing/2010/main">
+                <a:solidFill>
+                  <a:srgbClr val="FFFFFF"/>
+                </a:solidFill>
+              </a14:hiddenFill>
+            </a:ext>
+          </a:extLst>
+        </p:spPr>
+      </p:pic>
+    </p:spTree>
+    <p:extLst>
+      <p:ext uri="{BB962C8B-B14F-4D97-AF65-F5344CB8AC3E}">
+        <p14:creationId xmlns:p14="http://schemas.microsoft.com/office/powerpoint/2010/main" val="4225194264"/>
+      </p:ext>
+    </p:extLst>
+  </p:cSld>
+  <p:clrMapOvr>
+    <a:masterClrMapping/>
+  </p:clrMapOvr>
+  <p:transition spd="slow">
+    <p:push dir="u"/>
+  </p:transition>
+</p:sld>
+</file>
+
+<file path=ppt/slides/slide98.xml><?xml version="1.0" encoding="utf-8"?>
+<p:sld xmlns:a="http://schemas.openxmlformats.org/drawingml/2006/main" xmlns:r="http://schemas.openxmlformats.org/officeDocument/2006/relationships" xmlns:p="http://schemas.openxmlformats.org/presentationml/2006/main">
+  <p:cSld>
+    <p:spTree>
+      <p:nvGrpSpPr>
+        <p:cNvPr id="1" name=""/>
+        <p:cNvGrpSpPr/>
+        <p:nvPr/>
+      </p:nvGrpSpPr>
+      <p:grpSpPr>
+        <a:xfrm>
+          <a:off x="0" y="0"/>
+          <a:ext cx="0" cy="0"/>
+          <a:chOff x="0" y="0"/>
+          <a:chExt cx="0" cy="0"/>
+        </a:xfrm>
+      </p:grpSpPr>
+      <p:sp>
+        <p:nvSpPr>
+          <p:cNvPr id="2" name="Content Placeholder 1">
+            <a:extLst>
+              <a:ext uri="{FF2B5EF4-FFF2-40B4-BE49-F238E27FC236}">
+                <a16:creationId xmlns:a16="http://schemas.microsoft.com/office/drawing/2014/main" id="{36301A00-E42C-4AE5-B0A3-CFADD74E3ACA}"/>
+              </a:ext>
+            </a:extLst>
+          </p:cNvPr>
+          <p:cNvSpPr>
+            <a:spLocks noGrp="1"/>
+          </p:cNvSpPr>
+          <p:nvPr>
+            <p:ph idx="1"/>
+          </p:nvPr>
+        </p:nvSpPr>
+        <p:spPr/>
+        <p:txBody>
+          <a:bodyPr/>
+          <a:lstStyle/>
+          <a:p>
+            <a:r>
+              <a:rPr lang="en-US" b="0" i="0" dirty="0">
+                <a:solidFill>
+                  <a:srgbClr val="333333"/>
+                </a:solidFill>
+                <a:effectLst/>
+                <a:latin typeface="inter-regular"/>
+              </a:rPr>
+              <a:t>It is an in-details document that contains all possible inputs (positive as well as negative) and the navigation steps, which are used for the test execution process. </a:t>
+            </a:r>
+          </a:p>
+          <a:p>
+            <a:r>
+              <a:rPr lang="en-US" b="0" i="0" dirty="0">
+                <a:solidFill>
+                  <a:srgbClr val="333333"/>
+                </a:solidFill>
+                <a:effectLst/>
+                <a:latin typeface="inter-regular"/>
+              </a:rPr>
+              <a:t>Writing of test cases is a one-time attempt that can be used in the future at the time of regression testing.</a:t>
+            </a:r>
+          </a:p>
+          <a:p>
+            <a:pPr algn="just"/>
+            <a:r>
+              <a:rPr lang="en-US" b="0" i="0" dirty="0">
+                <a:solidFill>
+                  <a:srgbClr val="333333"/>
+                </a:solidFill>
+                <a:effectLst/>
+                <a:latin typeface="inter-regular"/>
+              </a:rPr>
+              <a:t>Test case gives detailed information about testing strategy, testing process, preconditions, and expected output. </a:t>
+            </a:r>
+          </a:p>
+          <a:p>
+            <a:pPr algn="just"/>
+            <a:r>
+              <a:rPr lang="en-US" b="0" i="0" dirty="0">
+                <a:solidFill>
+                  <a:srgbClr val="333333"/>
+                </a:solidFill>
+                <a:effectLst/>
+                <a:latin typeface="inter-regular"/>
+              </a:rPr>
+              <a:t>These are executed during the testing process to check whether the software application is performing the task for that it was developed or not.</a:t>
+            </a:r>
+          </a:p>
+          <a:p>
+            <a:pPr algn="just"/>
+            <a:r>
+              <a:rPr lang="en-US" b="0" i="0" dirty="0">
+                <a:solidFill>
+                  <a:srgbClr val="333333"/>
+                </a:solidFill>
+                <a:effectLst/>
+                <a:latin typeface="inter-regular"/>
+              </a:rPr>
+              <a:t>Test case helps the tester in defect reporting by linking defect with test case ID.</a:t>
+            </a:r>
+          </a:p>
+          <a:p>
+            <a:pPr algn="just"/>
+            <a:r>
+              <a:rPr lang="en-US" b="0" i="0" dirty="0">
+                <a:solidFill>
+                  <a:srgbClr val="333333"/>
+                </a:solidFill>
+                <a:effectLst/>
+                <a:latin typeface="inter-regular"/>
+              </a:rPr>
+              <a:t> Detailed test case documentation works as a full proof guard for the testing team because if developer missed something, then it can be caught during execution of these full-proof test cases.</a:t>
+            </a:r>
+          </a:p>
+          <a:p>
+            <a:pPr algn="just"/>
+            <a:r>
+              <a:rPr lang="en-US" b="0" i="0" dirty="0">
+                <a:solidFill>
+                  <a:srgbClr val="333333"/>
+                </a:solidFill>
+                <a:effectLst/>
+                <a:latin typeface="inter-regular"/>
+              </a:rPr>
+              <a:t>To write the test case, we must have the requirements to derive the inputs, and the test scenarios must be written so that we do not miss out on any features for testing. </a:t>
+            </a:r>
+          </a:p>
+          <a:p>
+            <a:pPr algn="just"/>
+            <a:r>
+              <a:rPr lang="en-US" b="0" i="0" dirty="0">
+                <a:solidFill>
+                  <a:srgbClr val="333333"/>
+                </a:solidFill>
+                <a:effectLst/>
+                <a:latin typeface="inter-regular"/>
+              </a:rPr>
+              <a:t>Then we should have the test case template to maintain the uniformity, or every test engineer follows the same approach to prepare the test document.</a:t>
+            </a:r>
+          </a:p>
+          <a:p>
+            <a:endParaRPr lang="en-IN" dirty="0"/>
+          </a:p>
+        </p:txBody>
+      </p:sp>
+      <p:sp>
+        <p:nvSpPr>
+          <p:cNvPr id="3" name="Title 2">
+            <a:extLst>
+              <a:ext uri="{FF2B5EF4-FFF2-40B4-BE49-F238E27FC236}">
+                <a16:creationId xmlns:a16="http://schemas.microsoft.com/office/drawing/2014/main" id="{4F84280B-2A35-4EC7-80BA-C096ED05D3B7}"/>
+              </a:ext>
+            </a:extLst>
+          </p:cNvPr>
+          <p:cNvSpPr>
+            <a:spLocks noGrp="1"/>
+          </p:cNvSpPr>
+          <p:nvPr>
+            <p:ph type="title"/>
+          </p:nvPr>
+        </p:nvSpPr>
+        <p:spPr/>
+        <p:txBody>
+          <a:bodyPr/>
+          <a:lstStyle/>
+          <a:p>
+            <a:r>
+              <a:rPr lang="en-IN" i="0" dirty="0">
+                <a:solidFill>
+                  <a:schemeClr val="accent1">
+                    <a:lumMod val="75000"/>
+                  </a:schemeClr>
+                </a:solidFill>
+                <a:effectLst/>
+                <a:latin typeface="erdana"/>
+              </a:rPr>
+              <a:t>Test Case</a:t>
+            </a:r>
+            <a:endParaRPr lang="en-IN" dirty="0"/>
+          </a:p>
+        </p:txBody>
+      </p:sp>
+    </p:spTree>
+    <p:extLst>
+      <p:ext uri="{BB962C8B-B14F-4D97-AF65-F5344CB8AC3E}">
+        <p14:creationId xmlns:p14="http://schemas.microsoft.com/office/powerpoint/2010/main" val="490898271"/>
+      </p:ext>
+    </p:extLst>
+  </p:cSld>
+  <p:clrMapOvr>
+    <a:masterClrMapping/>
+  </p:clrMapOvr>
+  <p:transition spd="slow">
+    <p:push dir="u"/>
+  </p:transition>
+</p:sld>
+</file>
+
+<file path=ppt/slides/slide99.xml><?xml version="1.0" encoding="utf-8"?>
+<p:sld xmlns:a="http://schemas.openxmlformats.org/drawingml/2006/main" xmlns:r="http://schemas.openxmlformats.org/officeDocument/2006/relationships" xmlns:p="http://schemas.openxmlformats.org/presentationml/2006/main">
+  <p:cSld>
+    <p:spTree>
+      <p:nvGrpSpPr>
+        <p:cNvPr id="1" name=""/>
+        <p:cNvGrpSpPr/>
+        <p:nvPr/>
+      </p:nvGrpSpPr>
+      <p:grpSpPr>
+        <a:xfrm>
+          <a:off x="0" y="0"/>
+          <a:ext cx="0" cy="0"/>
+          <a:chOff x="0" y="0"/>
+          <a:chExt cx="0" cy="0"/>
+        </a:xfrm>
+      </p:grpSpPr>
+      <p:sp>
+        <p:nvSpPr>
+          <p:cNvPr id="2" name="Content Placeholder 1">
+            <a:extLst>
+              <a:ext uri="{FF2B5EF4-FFF2-40B4-BE49-F238E27FC236}">
+                <a16:creationId xmlns:a16="http://schemas.microsoft.com/office/drawing/2014/main" id="{BCD25894-37EC-4AAC-9625-120E0CB06D86}"/>
+              </a:ext>
+            </a:extLst>
+          </p:cNvPr>
+          <p:cNvSpPr>
+            <a:spLocks noGrp="1"/>
+          </p:cNvSpPr>
+          <p:nvPr>
+            <p:ph idx="1"/>
+          </p:nvPr>
+        </p:nvSpPr>
+        <p:spPr/>
+        <p:txBody>
+          <a:bodyPr/>
+          <a:lstStyle/>
+          <a:p>
+            <a:pPr algn="just">
+              <a:buFont typeface="Arial" panose="020B0604020202020204" pitchFamily="34" charset="0"/>
+              <a:buChar char="•"/>
+            </a:pPr>
+            <a:r>
+              <a:rPr lang="en-US" b="0" i="0" dirty="0">
+                <a:solidFill>
+                  <a:srgbClr val="000000"/>
+                </a:solidFill>
+                <a:effectLst/>
+                <a:latin typeface="inter-regular"/>
+              </a:rPr>
+              <a:t>When the customer gives the business needs then, the developer starts developing and says that they need 3.5 months to build this product.</a:t>
+            </a:r>
+          </a:p>
+          <a:p>
+            <a:pPr algn="just">
+              <a:buFont typeface="Arial" panose="020B0604020202020204" pitchFamily="34" charset="0"/>
+              <a:buChar char="•"/>
+            </a:pPr>
+            <a:r>
+              <a:rPr lang="en-US" b="0" i="0" dirty="0">
+                <a:solidFill>
+                  <a:srgbClr val="000000"/>
+                </a:solidFill>
+                <a:effectLst/>
+                <a:latin typeface="inter-regular"/>
+              </a:rPr>
+              <a:t>And In the meantime, the testing team will </a:t>
+            </a:r>
+            <a:r>
+              <a:rPr lang="en-US" b="1" i="0" dirty="0">
+                <a:solidFill>
+                  <a:srgbClr val="000000"/>
+                </a:solidFill>
+                <a:effectLst/>
+                <a:latin typeface="inter-bold"/>
+              </a:rPr>
+              <a:t>start writing the test cases</a:t>
+            </a:r>
+            <a:r>
+              <a:rPr lang="en-US" b="0" i="0" dirty="0">
+                <a:solidFill>
+                  <a:srgbClr val="000000"/>
+                </a:solidFill>
+                <a:effectLst/>
+                <a:latin typeface="inter-regular"/>
+              </a:rPr>
+              <a:t>.</a:t>
+            </a:r>
+          </a:p>
+          <a:p>
+            <a:pPr algn="just">
+              <a:buFont typeface="Arial" panose="020B0604020202020204" pitchFamily="34" charset="0"/>
+              <a:buChar char="•"/>
+            </a:pPr>
+            <a:r>
+              <a:rPr lang="en-US" b="0" i="0" dirty="0">
+                <a:solidFill>
+                  <a:srgbClr val="000000"/>
+                </a:solidFill>
+                <a:effectLst/>
+                <a:latin typeface="inter-regular"/>
+              </a:rPr>
+              <a:t>Once it is done, it will send it to the Test Lead for the review process.</a:t>
+            </a:r>
+          </a:p>
+          <a:p>
+            <a:pPr algn="just">
+              <a:buFont typeface="Arial" panose="020B0604020202020204" pitchFamily="34" charset="0"/>
+              <a:buChar char="•"/>
+            </a:pPr>
+            <a:r>
+              <a:rPr lang="en-US" b="0" i="0" dirty="0">
+                <a:solidFill>
+                  <a:srgbClr val="000000"/>
+                </a:solidFill>
+                <a:effectLst/>
+                <a:latin typeface="inter-regular"/>
+              </a:rPr>
+              <a:t>And when the developers finish developing the product, it is handed over to the testing team.</a:t>
+            </a:r>
+          </a:p>
+          <a:p>
+            <a:endParaRPr lang="en-IN" dirty="0"/>
+          </a:p>
+          <a:p>
+            <a:pPr marL="0" indent="0">
+              <a:buNone/>
+            </a:pPr>
+            <a:r>
+              <a:rPr lang="en-US" b="1" i="0" dirty="0">
+                <a:solidFill>
+                  <a:srgbClr val="333333"/>
+                </a:solidFill>
+                <a:effectLst/>
+                <a:latin typeface="Arial" panose="020B0604020202020204" pitchFamily="34" charset="0"/>
+              </a:rPr>
+              <a:t>Note:</a:t>
+            </a:r>
+            <a:r>
+              <a:rPr lang="en-US" b="0" i="0" dirty="0">
+                <a:solidFill>
+                  <a:srgbClr val="333333"/>
+                </a:solidFill>
+                <a:effectLst/>
+                <a:latin typeface="Arial" panose="020B0604020202020204" pitchFamily="34" charset="0"/>
+              </a:rPr>
+              <a:t> When writing the test case, the actual result should never be written as the product is still being in the development process. That is why the actual result should be written only after the execution of the test cases.</a:t>
+            </a:r>
+          </a:p>
+          <a:p>
+            <a:endParaRPr lang="en-IN" dirty="0"/>
+          </a:p>
+        </p:txBody>
+      </p:sp>
+      <p:sp>
+        <p:nvSpPr>
+          <p:cNvPr id="3" name="Title 2">
+            <a:extLst>
+              <a:ext uri="{FF2B5EF4-FFF2-40B4-BE49-F238E27FC236}">
+                <a16:creationId xmlns:a16="http://schemas.microsoft.com/office/drawing/2014/main" id="{39DBE1BE-0008-4842-9947-93CFC9C6CB13}"/>
+              </a:ext>
+            </a:extLst>
+          </p:cNvPr>
+          <p:cNvSpPr>
+            <a:spLocks noGrp="1"/>
+          </p:cNvSpPr>
+          <p:nvPr>
+            <p:ph type="title"/>
+          </p:nvPr>
+        </p:nvSpPr>
+        <p:spPr/>
+        <p:txBody>
+          <a:bodyPr/>
+          <a:lstStyle/>
+          <a:p>
+            <a:r>
+              <a:rPr lang="en-US" i="0" dirty="0">
+                <a:solidFill>
+                  <a:schemeClr val="accent1">
+                    <a:lumMod val="75000"/>
+                  </a:schemeClr>
+                </a:solidFill>
+                <a:effectLst/>
+                <a:latin typeface="erdana"/>
+              </a:rPr>
+              <a:t>When do we write a test case?</a:t>
+            </a:r>
+            <a:endParaRPr lang="en-IN" dirty="0">
+              <a:solidFill>
+                <a:schemeClr val="accent1">
+                  <a:lumMod val="75000"/>
+                </a:schemeClr>
+              </a:solidFill>
+            </a:endParaRPr>
+          </a:p>
+        </p:txBody>
+      </p:sp>
+    </p:spTree>
+    <p:extLst>
+      <p:ext uri="{BB962C8B-B14F-4D97-AF65-F5344CB8AC3E}">
+        <p14:creationId xmlns:p14="http://schemas.microsoft.com/office/powerpoint/2010/main" val="2961841235"/>
+      </p:ext>
+    </p:extLst>
+  </p:cSld>
+  <p:clrMapOvr>
+    <a:masterClrMapping/>
+  </p:clrMapOvr>
+  <p:transition spd="slow">
+    <p:push dir="u"/>
+  </p:transition>
+</p:sld>
+</file>
+
 <file path=ppt/tags/tag1.xml><?xml version="1.0" encoding="utf-8"?>
 <p:tagLst xmlns:a="http://schemas.openxmlformats.org/drawingml/2006/main" xmlns:r="http://schemas.openxmlformats.org/officeDocument/2006/relationships" xmlns:p="http://schemas.openxmlformats.org/presentationml/2006/main">
   <p:tag name="ARTICULATE_SLIDE_PAUSE" val="1"/>

--- a/QA/QA Study Material.pptx
+++ b/QA/QA Study Material.pptx
@@ -5,7 +5,7 @@
     <p:sldMasterId id="2147483660" r:id="rId1"/>
   </p:sldMasterIdLst>
   <p:notesMasterIdLst>
-    <p:notesMasterId r:id="rId107"/>
+    <p:notesMasterId r:id="rId126"/>
   </p:notesMasterIdLst>
   <p:sldIdLst>
     <p:sldId id="257" r:id="rId2"/>
@@ -113,6 +113,25 @@
     <p:sldId id="1468" r:id="rId104"/>
     <p:sldId id="1469" r:id="rId105"/>
     <p:sldId id="1470" r:id="rId106"/>
+    <p:sldId id="1482" r:id="rId107"/>
+    <p:sldId id="1496" r:id="rId108"/>
+    <p:sldId id="1497" r:id="rId109"/>
+    <p:sldId id="443" r:id="rId110"/>
+    <p:sldId id="444" r:id="rId111"/>
+    <p:sldId id="445" r:id="rId112"/>
+    <p:sldId id="1483" r:id="rId113"/>
+    <p:sldId id="1484" r:id="rId114"/>
+    <p:sldId id="1485" r:id="rId115"/>
+    <p:sldId id="1486" r:id="rId116"/>
+    <p:sldId id="1487" r:id="rId117"/>
+    <p:sldId id="1488" r:id="rId118"/>
+    <p:sldId id="1489" r:id="rId119"/>
+    <p:sldId id="1490" r:id="rId120"/>
+    <p:sldId id="1491" r:id="rId121"/>
+    <p:sldId id="1492" r:id="rId122"/>
+    <p:sldId id="1493" r:id="rId123"/>
+    <p:sldId id="1494" r:id="rId124"/>
+    <p:sldId id="1495" r:id="rId125"/>
   </p:sldIdLst>
   <p:sldSz cx="12192000" cy="6858000"/>
   <p:notesSz cx="6858000" cy="9144000"/>
@@ -792,7 +811,7 @@
                 <a:latin typeface="Times New Roman" pitchFamily="18" charset="0"/>
               </a:rPr>
               <a:pPr/>
-              <a:t>11/18/2021 9:18 AM</a:t>
+              <a:t>11/18/2021 11:18 AM</a:t>
             </a:fld>
             <a:endParaRPr lang="en-US" altLang="en-US" sz="700">
               <a:solidFill>
@@ -1660,7 +1679,7 @@
                 <a:latin typeface="Times New Roman" pitchFamily="18" charset="0"/>
               </a:rPr>
               <a:pPr/>
-              <a:t>11/18/2021 9:18 AM</a:t>
+              <a:t>11/18/2021 11:18 AM</a:t>
             </a:fld>
             <a:endParaRPr lang="en-US" sz="700">
               <a:solidFill>
@@ -1931,7 +1950,7 @@
                 <a:latin typeface="Times New Roman" pitchFamily="18" charset="0"/>
               </a:rPr>
               <a:pPr/>
-              <a:t>11/18/2021 9:18 AM</a:t>
+              <a:t>11/18/2021 11:18 AM</a:t>
             </a:fld>
             <a:endParaRPr lang="en-US" sz="700">
               <a:solidFill>
@@ -2899,7 +2918,7 @@
                 <a:latin typeface="Times New Roman" pitchFamily="18" charset="0"/>
               </a:rPr>
               <a:pPr/>
-              <a:t>11/18/2021 9:18 AM</a:t>
+              <a:t>11/18/2021 11:18 AM</a:t>
             </a:fld>
             <a:endParaRPr lang="en-US" sz="700">
               <a:solidFill>
@@ -4316,7 +4335,7 @@
                 <a:latin typeface="Times New Roman" pitchFamily="18" charset="0"/>
               </a:rPr>
               <a:pPr/>
-              <a:t>11/18/2021 9:18 AM</a:t>
+              <a:t>11/18/2021 11:18 AM</a:t>
             </a:fld>
             <a:endParaRPr lang="en-US" sz="700">
               <a:solidFill>
@@ -5221,7 +5240,7 @@
                 <a:latin typeface="Times New Roman" pitchFamily="18" charset="0"/>
               </a:rPr>
               <a:pPr/>
-              <a:t>11/18/2021 9:18 AM</a:t>
+              <a:t>11/18/2021 11:18 AM</a:t>
             </a:fld>
             <a:endParaRPr lang="en-US" sz="700">
               <a:solidFill>
@@ -5573,7 +5592,7 @@
                 <a:latin typeface="Times New Roman" pitchFamily="18" charset="0"/>
               </a:rPr>
               <a:pPr/>
-              <a:t>11/18/2021 9:18 AM</a:t>
+              <a:t>11/18/2021 11:18 AM</a:t>
             </a:fld>
             <a:endParaRPr lang="en-US" sz="700">
               <a:solidFill>
@@ -11263,6 +11282,4193 @@
 </p:sld>
 </file>
 
+<file path=ppt/slides/slide106.xml><?xml version="1.0" encoding="utf-8"?>
+<p:sld xmlns:a="http://schemas.openxmlformats.org/drawingml/2006/main" xmlns:r="http://schemas.openxmlformats.org/officeDocument/2006/relationships" xmlns:p="http://schemas.openxmlformats.org/presentationml/2006/main">
+  <p:cSld>
+    <p:spTree>
+      <p:nvGrpSpPr>
+        <p:cNvPr id="1" name=""/>
+        <p:cNvGrpSpPr/>
+        <p:nvPr/>
+      </p:nvGrpSpPr>
+      <p:grpSpPr>
+        <a:xfrm>
+          <a:off x="0" y="0"/>
+          <a:ext cx="0" cy="0"/>
+          <a:chOff x="0" y="0"/>
+          <a:chExt cx="0" cy="0"/>
+        </a:xfrm>
+      </p:grpSpPr>
+      <p:sp>
+        <p:nvSpPr>
+          <p:cNvPr id="2" name="Content Placeholder 1">
+            <a:extLst>
+              <a:ext uri="{FF2B5EF4-FFF2-40B4-BE49-F238E27FC236}">
+                <a16:creationId xmlns:a16="http://schemas.microsoft.com/office/drawing/2014/main" id="{5913C18D-6E18-419B-A5D0-0A72A9F82AB2}"/>
+              </a:ext>
+            </a:extLst>
+          </p:cNvPr>
+          <p:cNvSpPr>
+            <a:spLocks noGrp="1"/>
+          </p:cNvSpPr>
+          <p:nvPr>
+            <p:ph idx="1"/>
+          </p:nvPr>
+        </p:nvSpPr>
+        <p:spPr/>
+        <p:txBody>
+          <a:bodyPr/>
+          <a:lstStyle/>
+          <a:p>
+            <a:r>
+              <a:rPr lang="en-US" b="0" i="0" dirty="0">
+                <a:solidFill>
+                  <a:srgbClr val="000000"/>
+                </a:solidFill>
+                <a:effectLst/>
+                <a:latin typeface="inter-regular"/>
+              </a:rPr>
+              <a:t>When a test engineer tests a piece of code, he/she comes across differences in expected output to the existing output, which is known as a </a:t>
+            </a:r>
+            <a:r>
+              <a:rPr lang="en-US" b="1" i="0" dirty="0">
+                <a:solidFill>
+                  <a:srgbClr val="000000"/>
+                </a:solidFill>
+                <a:effectLst/>
+                <a:latin typeface="inter-bold"/>
+              </a:rPr>
+              <a:t>defect</a:t>
+            </a:r>
+            <a:r>
+              <a:rPr lang="en-US" b="0" i="0" dirty="0">
+                <a:solidFill>
+                  <a:srgbClr val="000000"/>
+                </a:solidFill>
+                <a:effectLst/>
+                <a:latin typeface="inter-regular"/>
+              </a:rPr>
+              <a:t>. </a:t>
+            </a:r>
+          </a:p>
+          <a:p>
+            <a:r>
+              <a:rPr lang="en-US" b="0" i="0" dirty="0">
+                <a:solidFill>
+                  <a:srgbClr val="000000"/>
+                </a:solidFill>
+                <a:effectLst/>
+                <a:latin typeface="inter-regular"/>
+              </a:rPr>
+              <a:t>Substitute of defect can be further known as </a:t>
+            </a:r>
+            <a:r>
+              <a:rPr lang="en-US" b="1" i="0" dirty="0">
+                <a:solidFill>
+                  <a:srgbClr val="000000"/>
+                </a:solidFill>
+                <a:effectLst/>
+                <a:latin typeface="inter-bold"/>
+              </a:rPr>
+              <a:t>issues, bugs, and incidents </a:t>
+            </a:r>
+            <a:r>
+              <a:rPr lang="en-US" b="0" i="0" dirty="0">
+                <a:solidFill>
+                  <a:srgbClr val="000000"/>
+                </a:solidFill>
+                <a:effectLst/>
+                <a:latin typeface="inter-regular"/>
+              </a:rPr>
+              <a:t>in software testing.</a:t>
+            </a:r>
+          </a:p>
+          <a:p>
+            <a:r>
+              <a:rPr lang="en-US" b="1" i="0" dirty="0">
+                <a:solidFill>
+                  <a:srgbClr val="000000"/>
+                </a:solidFill>
+                <a:effectLst/>
+                <a:latin typeface="inter-bold"/>
+              </a:rPr>
+              <a:t>Test </a:t>
+            </a:r>
+            <a:r>
+              <a:rPr lang="en-US" b="1" i="0" dirty="0" err="1">
+                <a:solidFill>
+                  <a:srgbClr val="000000"/>
+                </a:solidFill>
+                <a:effectLst/>
+                <a:latin typeface="inter-bold"/>
+              </a:rPr>
+              <a:t>engineer</a:t>
+            </a:r>
+            <a:r>
+              <a:rPr lang="en-US" b="0" i="0" dirty="0" err="1">
+                <a:solidFill>
+                  <a:srgbClr val="000000"/>
+                </a:solidFill>
+                <a:effectLst/>
+                <a:latin typeface="inter-regular"/>
+              </a:rPr>
+              <a:t>can</a:t>
+            </a:r>
+            <a:r>
+              <a:rPr lang="en-US" b="0" i="0" dirty="0">
+                <a:solidFill>
+                  <a:srgbClr val="000000"/>
+                </a:solidFill>
+                <a:effectLst/>
+                <a:latin typeface="inter-regular"/>
+              </a:rPr>
+              <a:t> identify the defect, and it was fixed by the developer in the development phase of the </a:t>
+            </a:r>
+            <a:r>
+              <a:rPr lang="en-US" b="1" i="0" dirty="0">
+                <a:solidFill>
+                  <a:srgbClr val="000000"/>
+                </a:solidFill>
+                <a:effectLst/>
+                <a:latin typeface="inter-bold"/>
+              </a:rPr>
+              <a:t>software development life cycle</a:t>
+            </a:r>
+            <a:r>
+              <a:rPr lang="en-US" b="0" i="0" dirty="0">
+                <a:solidFill>
+                  <a:srgbClr val="000000"/>
+                </a:solidFill>
+                <a:effectLst/>
+                <a:latin typeface="inter-regular"/>
+              </a:rPr>
+              <a:t>.</a:t>
+            </a:r>
+          </a:p>
+          <a:p>
+            <a:endParaRPr lang="en-IN" dirty="0"/>
+          </a:p>
+        </p:txBody>
+      </p:sp>
+      <p:sp>
+        <p:nvSpPr>
+          <p:cNvPr id="3" name="Title 2">
+            <a:extLst>
+              <a:ext uri="{FF2B5EF4-FFF2-40B4-BE49-F238E27FC236}">
+                <a16:creationId xmlns:a16="http://schemas.microsoft.com/office/drawing/2014/main" id="{C6A896CC-D159-4F5D-94E1-79C63A1514F3}"/>
+              </a:ext>
+            </a:extLst>
+          </p:cNvPr>
+          <p:cNvSpPr>
+            <a:spLocks noGrp="1"/>
+          </p:cNvSpPr>
+          <p:nvPr>
+            <p:ph type="title"/>
+          </p:nvPr>
+        </p:nvSpPr>
+        <p:spPr>
+          <a:xfrm>
+            <a:off x="695325" y="106363"/>
+            <a:ext cx="7551208" cy="850900"/>
+          </a:xfrm>
+        </p:spPr>
+        <p:txBody>
+          <a:bodyPr/>
+          <a:lstStyle/>
+          <a:p>
+            <a:r>
+              <a:rPr lang="en-IN" i="0" dirty="0">
+                <a:solidFill>
+                  <a:schemeClr val="accent1">
+                    <a:lumMod val="75000"/>
+                  </a:schemeClr>
+                </a:solidFill>
+                <a:effectLst/>
+                <a:latin typeface="erdana"/>
+              </a:rPr>
+              <a:t>Defect in Software Testing</a:t>
+            </a:r>
+            <a:endParaRPr lang="en-IN" dirty="0">
+              <a:solidFill>
+                <a:schemeClr val="accent1">
+                  <a:lumMod val="75000"/>
+                </a:schemeClr>
+              </a:solidFill>
+            </a:endParaRPr>
+          </a:p>
+        </p:txBody>
+      </p:sp>
+    </p:spTree>
+    <p:extLst>
+      <p:ext uri="{BB962C8B-B14F-4D97-AF65-F5344CB8AC3E}">
+        <p14:creationId xmlns:p14="http://schemas.microsoft.com/office/powerpoint/2010/main" val="356497428"/>
+      </p:ext>
+    </p:extLst>
+  </p:cSld>
+  <p:clrMapOvr>
+    <a:masterClrMapping/>
+  </p:clrMapOvr>
+  <p:transition spd="slow">
+    <p:push dir="u"/>
+  </p:transition>
+</p:sld>
+</file>
+
+<file path=ppt/slides/slide107.xml><?xml version="1.0" encoding="utf-8"?>
+<p:sld xmlns:a="http://schemas.openxmlformats.org/drawingml/2006/main" xmlns:r="http://schemas.openxmlformats.org/officeDocument/2006/relationships" xmlns:p="http://schemas.openxmlformats.org/presentationml/2006/main">
+  <p:cSld>
+    <p:spTree>
+      <p:nvGrpSpPr>
+        <p:cNvPr id="1" name=""/>
+        <p:cNvGrpSpPr/>
+        <p:nvPr/>
+      </p:nvGrpSpPr>
+      <p:grpSpPr>
+        <a:xfrm>
+          <a:off x="0" y="0"/>
+          <a:ext cx="0" cy="0"/>
+          <a:chOff x="0" y="0"/>
+          <a:chExt cx="0" cy="0"/>
+        </a:xfrm>
+      </p:grpSpPr>
+      <p:sp>
+        <p:nvSpPr>
+          <p:cNvPr id="3" name="Title 2">
+            <a:extLst>
+              <a:ext uri="{FF2B5EF4-FFF2-40B4-BE49-F238E27FC236}">
+                <a16:creationId xmlns:a16="http://schemas.microsoft.com/office/drawing/2014/main" id="{F36D1AEE-6A5B-4322-AFC5-C97C357C0934}"/>
+              </a:ext>
+            </a:extLst>
+          </p:cNvPr>
+          <p:cNvSpPr>
+            <a:spLocks noGrp="1"/>
+          </p:cNvSpPr>
+          <p:nvPr>
+            <p:ph type="title"/>
+          </p:nvPr>
+        </p:nvSpPr>
+        <p:spPr/>
+        <p:txBody>
+          <a:bodyPr/>
+          <a:lstStyle/>
+          <a:p>
+            <a:r>
+              <a:rPr lang="en-IN" b="0" dirty="0">
+                <a:solidFill>
+                  <a:schemeClr val="accent1">
+                    <a:lumMod val="75000"/>
+                  </a:schemeClr>
+                </a:solidFill>
+              </a:rPr>
+              <a:t>Examples of Defects</a:t>
+            </a:r>
+          </a:p>
+        </p:txBody>
+      </p:sp>
+      <p:sp>
+        <p:nvSpPr>
+          <p:cNvPr id="4" name="object 2">
+            <a:extLst>
+              <a:ext uri="{FF2B5EF4-FFF2-40B4-BE49-F238E27FC236}">
+                <a16:creationId xmlns:a16="http://schemas.microsoft.com/office/drawing/2014/main" id="{F91649BD-CFC1-4ACF-9B34-63AEF091F1FE}"/>
+              </a:ext>
+            </a:extLst>
+          </p:cNvPr>
+          <p:cNvSpPr txBox="1">
+            <a:spLocks noGrp="1"/>
+          </p:cNvSpPr>
+          <p:nvPr>
+            <p:ph idx="1"/>
+          </p:nvPr>
+        </p:nvSpPr>
+        <p:spPr>
+          <a:xfrm>
+            <a:off x="655638" y="914400"/>
+            <a:ext cx="10520362" cy="3629391"/>
+          </a:xfrm>
+          <a:prstGeom prst="rect">
+            <a:avLst/>
+          </a:prstGeom>
+        </p:spPr>
+        <p:txBody>
+          <a:bodyPr vert="horz" wrap="square" lIns="0" tIns="16510" rIns="0" bIns="0" rtlCol="0">
+            <a:spAutoFit/>
+          </a:bodyPr>
+          <a:lstStyle/>
+          <a:p>
+            <a:pPr marL="355600" marR="0" lvl="0" indent="-343535" algn="l" defTabSz="914400" rtl="0" eaLnBrk="1" fontAlgn="auto" latinLnBrk="0" hangingPunct="1">
+              <a:lnSpc>
+                <a:spcPct val="100000"/>
+              </a:lnSpc>
+              <a:spcBef>
+                <a:spcPts val="665"/>
+              </a:spcBef>
+              <a:spcAft>
+                <a:spcPts val="0"/>
+              </a:spcAft>
+              <a:buClrTx/>
+              <a:buSzTx/>
+              <a:buFontTx/>
+              <a:buChar char="•"/>
+              <a:tabLst>
+                <a:tab pos="355600" algn="l"/>
+                <a:tab pos="356235" algn="l"/>
+              </a:tabLst>
+              <a:defRPr/>
+            </a:pPr>
+            <a:r>
+              <a:rPr kumimoji="0" lang="en-US" sz="2150" b="0" i="0" u="none" strike="noStrike" kern="1200" cap="none" spc="0" normalizeH="0" baseline="0" noProof="0" dirty="0">
+                <a:ln>
+                  <a:noFill/>
+                </a:ln>
+                <a:solidFill>
+                  <a:prstClr val="black"/>
+                </a:solidFill>
+                <a:effectLst/>
+                <a:uLnTx/>
+                <a:uFillTx/>
+                <a:latin typeface="Verdana"/>
+                <a:ea typeface="+mn-ea"/>
+                <a:cs typeface="Verdana"/>
+              </a:rPr>
+              <a:t>User</a:t>
+            </a:r>
+            <a:r>
+              <a:rPr kumimoji="0" lang="en-US" sz="2150" b="0" i="0" u="none" strike="noStrike" kern="1200" cap="none" spc="105" normalizeH="0" baseline="0" noProof="0" dirty="0">
+                <a:ln>
+                  <a:noFill/>
+                </a:ln>
+                <a:solidFill>
+                  <a:prstClr val="black"/>
+                </a:solidFill>
+                <a:effectLst/>
+                <a:uLnTx/>
+                <a:uFillTx/>
+                <a:latin typeface="Verdana"/>
+                <a:ea typeface="+mn-ea"/>
+                <a:cs typeface="Verdana"/>
+              </a:rPr>
+              <a:t> </a:t>
+            </a:r>
+            <a:r>
+              <a:rPr kumimoji="0" lang="en-US" sz="2150" b="0" i="0" u="none" strike="noStrike" kern="1200" cap="none" spc="15" normalizeH="0" baseline="0" noProof="0" dirty="0">
+                <a:ln>
+                  <a:noFill/>
+                </a:ln>
+                <a:solidFill>
+                  <a:prstClr val="black"/>
+                </a:solidFill>
+                <a:effectLst/>
+                <a:uLnTx/>
+                <a:uFillTx/>
+                <a:latin typeface="Verdana"/>
+                <a:ea typeface="+mn-ea"/>
+                <a:cs typeface="Verdana"/>
+              </a:rPr>
+              <a:t>gives</a:t>
+            </a:r>
+            <a:r>
+              <a:rPr kumimoji="0" lang="en-US" sz="2150" b="0" i="0" u="none" strike="noStrike" kern="1200" cap="none" spc="55" normalizeH="0" baseline="0" noProof="0" dirty="0">
+                <a:ln>
+                  <a:noFill/>
+                </a:ln>
+                <a:solidFill>
+                  <a:prstClr val="black"/>
+                </a:solidFill>
+                <a:effectLst/>
+                <a:uLnTx/>
+                <a:uFillTx/>
+                <a:latin typeface="Verdana"/>
+                <a:ea typeface="+mn-ea"/>
+                <a:cs typeface="Verdana"/>
+              </a:rPr>
+              <a:t> </a:t>
+            </a:r>
+            <a:r>
+              <a:rPr kumimoji="0" lang="en-US" sz="2150" b="0" i="0" u="none" strike="noStrike" kern="1200" cap="none" spc="10" normalizeH="0" baseline="0" noProof="0" dirty="0">
+                <a:ln>
+                  <a:noFill/>
+                </a:ln>
+                <a:solidFill>
+                  <a:prstClr val="black"/>
+                </a:solidFill>
+                <a:effectLst/>
+                <a:uLnTx/>
+                <a:uFillTx/>
+                <a:latin typeface="Verdana"/>
+                <a:ea typeface="+mn-ea"/>
+                <a:cs typeface="Verdana"/>
+              </a:rPr>
+              <a:t>wrong</a:t>
+            </a:r>
+            <a:r>
+              <a:rPr kumimoji="0" lang="en-US" sz="2150" b="0" i="0" u="none" strike="noStrike" kern="1200" cap="none" spc="65" normalizeH="0" baseline="0" noProof="0" dirty="0">
+                <a:ln>
+                  <a:noFill/>
+                </a:ln>
+                <a:solidFill>
+                  <a:prstClr val="black"/>
+                </a:solidFill>
+                <a:effectLst/>
+                <a:uLnTx/>
+                <a:uFillTx/>
+                <a:latin typeface="Verdana"/>
+                <a:ea typeface="+mn-ea"/>
+                <a:cs typeface="Verdana"/>
+              </a:rPr>
+              <a:t> </a:t>
+            </a:r>
+            <a:r>
+              <a:rPr kumimoji="0" lang="en-US" sz="2150" b="0" i="0" u="none" strike="noStrike" kern="1200" cap="none" spc="10" normalizeH="0" baseline="0" noProof="0" dirty="0">
+                <a:ln>
+                  <a:noFill/>
+                </a:ln>
+                <a:solidFill>
+                  <a:prstClr val="black"/>
+                </a:solidFill>
+                <a:effectLst/>
+                <a:uLnTx/>
+                <a:uFillTx/>
+                <a:latin typeface="Verdana"/>
+                <a:ea typeface="+mn-ea"/>
+                <a:cs typeface="Verdana"/>
+              </a:rPr>
+              <a:t>/</a:t>
+            </a:r>
+            <a:r>
+              <a:rPr kumimoji="0" lang="en-US" sz="2150" b="0" i="0" u="none" strike="noStrike" kern="1200" cap="none" spc="45" normalizeH="0" baseline="0" noProof="0" dirty="0">
+                <a:ln>
+                  <a:noFill/>
+                </a:ln>
+                <a:solidFill>
+                  <a:prstClr val="black"/>
+                </a:solidFill>
+                <a:effectLst/>
+                <a:uLnTx/>
+                <a:uFillTx/>
+                <a:latin typeface="Verdana"/>
+                <a:ea typeface="+mn-ea"/>
+                <a:cs typeface="Verdana"/>
+              </a:rPr>
+              <a:t> </a:t>
+            </a:r>
+            <a:r>
+              <a:rPr kumimoji="0" lang="en-US" sz="2150" b="0" i="0" u="none" strike="noStrike" kern="1200" cap="none" spc="20" normalizeH="0" baseline="0" noProof="0" dirty="0">
+                <a:ln>
+                  <a:noFill/>
+                </a:ln>
+                <a:solidFill>
+                  <a:prstClr val="black"/>
+                </a:solidFill>
+                <a:effectLst/>
+                <a:uLnTx/>
+                <a:uFillTx/>
+                <a:latin typeface="Verdana"/>
+                <a:ea typeface="+mn-ea"/>
+                <a:cs typeface="Verdana"/>
+              </a:rPr>
+              <a:t>incomplete</a:t>
+            </a:r>
+            <a:r>
+              <a:rPr kumimoji="0" lang="en-US" sz="2150" b="0" i="0" u="none" strike="noStrike" kern="1200" cap="none" spc="50" normalizeH="0" baseline="0" noProof="0" dirty="0">
+                <a:ln>
+                  <a:noFill/>
+                </a:ln>
+                <a:solidFill>
+                  <a:prstClr val="black"/>
+                </a:solidFill>
+                <a:effectLst/>
+                <a:uLnTx/>
+                <a:uFillTx/>
+                <a:latin typeface="Verdana"/>
+                <a:ea typeface="+mn-ea"/>
+                <a:cs typeface="Verdana"/>
+              </a:rPr>
+              <a:t> </a:t>
+            </a:r>
+            <a:r>
+              <a:rPr kumimoji="0" lang="en-US" sz="2150" b="0" i="0" u="none" strike="noStrike" kern="1200" cap="none" spc="0" normalizeH="0" baseline="0" noProof="0" dirty="0">
+                <a:ln>
+                  <a:noFill/>
+                </a:ln>
+                <a:solidFill>
+                  <a:prstClr val="black"/>
+                </a:solidFill>
+                <a:effectLst/>
+                <a:uLnTx/>
+                <a:uFillTx/>
+                <a:latin typeface="Verdana"/>
+                <a:ea typeface="+mn-ea"/>
+                <a:cs typeface="Verdana"/>
+              </a:rPr>
+              <a:t>requirements</a:t>
+            </a:r>
+          </a:p>
+          <a:p>
+            <a:pPr marL="355600" marR="0" lvl="0" indent="-343535" algn="l" defTabSz="914400" rtl="0" eaLnBrk="1" fontAlgn="auto" latinLnBrk="0" hangingPunct="1">
+              <a:lnSpc>
+                <a:spcPct val="100000"/>
+              </a:lnSpc>
+              <a:spcBef>
+                <a:spcPts val="575"/>
+              </a:spcBef>
+              <a:spcAft>
+                <a:spcPts val="0"/>
+              </a:spcAft>
+              <a:buClrTx/>
+              <a:buSzTx/>
+              <a:buFontTx/>
+              <a:buChar char="•"/>
+              <a:tabLst>
+                <a:tab pos="355600" algn="l"/>
+                <a:tab pos="356235" algn="l"/>
+              </a:tabLst>
+              <a:defRPr/>
+            </a:pPr>
+            <a:r>
+              <a:rPr kumimoji="0" lang="en-US" sz="2150" b="0" i="0" u="none" strike="noStrike" kern="1200" cap="none" spc="10" normalizeH="0" baseline="0" noProof="0" dirty="0">
+                <a:ln>
+                  <a:noFill/>
+                </a:ln>
+                <a:solidFill>
+                  <a:prstClr val="black"/>
+                </a:solidFill>
+                <a:effectLst/>
+                <a:uLnTx/>
+                <a:uFillTx/>
+                <a:latin typeface="Verdana"/>
+                <a:ea typeface="+mn-ea"/>
+                <a:cs typeface="Verdana"/>
+              </a:rPr>
+              <a:t>Analyst</a:t>
+            </a:r>
+            <a:r>
+              <a:rPr kumimoji="0" lang="en-US" sz="2150" b="0" i="0" u="none" strike="noStrike" kern="1200" cap="none" spc="125" normalizeH="0" baseline="0" noProof="0" dirty="0">
+                <a:ln>
+                  <a:noFill/>
+                </a:ln>
+                <a:solidFill>
+                  <a:prstClr val="black"/>
+                </a:solidFill>
+                <a:effectLst/>
+                <a:uLnTx/>
+                <a:uFillTx/>
+                <a:latin typeface="Verdana"/>
+                <a:ea typeface="+mn-ea"/>
+                <a:cs typeface="Verdana"/>
+              </a:rPr>
+              <a:t> </a:t>
+            </a:r>
+            <a:r>
+              <a:rPr kumimoji="0" lang="en-US" sz="2150" b="0" i="0" u="none" strike="noStrike" kern="1200" cap="none" spc="-5" normalizeH="0" baseline="0" noProof="0" dirty="0">
+                <a:ln>
+                  <a:noFill/>
+                </a:ln>
+                <a:solidFill>
+                  <a:prstClr val="black"/>
+                </a:solidFill>
+                <a:effectLst/>
+                <a:uLnTx/>
+                <a:uFillTx/>
+                <a:latin typeface="Verdana"/>
+                <a:ea typeface="+mn-ea"/>
+                <a:cs typeface="Verdana"/>
+              </a:rPr>
+              <a:t>interprets</a:t>
+            </a:r>
+            <a:r>
+              <a:rPr kumimoji="0" lang="en-US" sz="2150" b="0" i="0" u="none" strike="noStrike" kern="1200" cap="none" spc="225" normalizeH="0" baseline="0" noProof="0" dirty="0">
+                <a:ln>
+                  <a:noFill/>
+                </a:ln>
+                <a:solidFill>
+                  <a:prstClr val="black"/>
+                </a:solidFill>
+                <a:effectLst/>
+                <a:uLnTx/>
+                <a:uFillTx/>
+                <a:latin typeface="Verdana"/>
+                <a:ea typeface="+mn-ea"/>
+                <a:cs typeface="Verdana"/>
+              </a:rPr>
+              <a:t> </a:t>
+            </a:r>
+            <a:r>
+              <a:rPr kumimoji="0" lang="en-US" sz="2150" b="0" i="0" u="none" strike="noStrike" kern="1200" cap="none" spc="0" normalizeH="0" baseline="0" noProof="0" dirty="0">
+                <a:ln>
+                  <a:noFill/>
+                </a:ln>
+                <a:solidFill>
+                  <a:prstClr val="black"/>
+                </a:solidFill>
+                <a:effectLst/>
+                <a:uLnTx/>
+                <a:uFillTx/>
+                <a:latin typeface="Verdana"/>
+                <a:ea typeface="+mn-ea"/>
+                <a:cs typeface="Verdana"/>
+              </a:rPr>
+              <a:t>requirement</a:t>
+            </a:r>
+            <a:r>
+              <a:rPr kumimoji="0" lang="en-US" sz="2150" b="0" i="0" u="none" strike="noStrike" kern="1200" cap="none" spc="285" normalizeH="0" baseline="0" noProof="0" dirty="0">
+                <a:ln>
+                  <a:noFill/>
+                </a:ln>
+                <a:solidFill>
+                  <a:prstClr val="black"/>
+                </a:solidFill>
+                <a:effectLst/>
+                <a:uLnTx/>
+                <a:uFillTx/>
+                <a:latin typeface="Verdana"/>
+                <a:ea typeface="+mn-ea"/>
+                <a:cs typeface="Verdana"/>
+              </a:rPr>
+              <a:t> </a:t>
+            </a:r>
+            <a:r>
+              <a:rPr kumimoji="0" lang="en-US" sz="2150" b="0" i="0" u="none" strike="noStrike" kern="1200" cap="none" spc="10" normalizeH="0" baseline="0" noProof="0" dirty="0">
+                <a:ln>
+                  <a:noFill/>
+                </a:ln>
+                <a:solidFill>
+                  <a:prstClr val="black"/>
+                </a:solidFill>
+                <a:effectLst/>
+                <a:uLnTx/>
+                <a:uFillTx/>
+                <a:latin typeface="Verdana"/>
+                <a:ea typeface="+mn-ea"/>
+                <a:cs typeface="Verdana"/>
+              </a:rPr>
+              <a:t>incorrectly</a:t>
+            </a:r>
+            <a:endParaRPr kumimoji="0" lang="en-US" sz="2150" b="0" i="0" u="none" strike="noStrike" kern="1200" cap="none" spc="0" normalizeH="0" baseline="0" noProof="0" dirty="0">
+              <a:ln>
+                <a:noFill/>
+              </a:ln>
+              <a:solidFill>
+                <a:prstClr val="black"/>
+              </a:solidFill>
+              <a:effectLst/>
+              <a:uLnTx/>
+              <a:uFillTx/>
+              <a:latin typeface="Verdana"/>
+              <a:ea typeface="+mn-ea"/>
+              <a:cs typeface="Verdana"/>
+            </a:endParaRPr>
+          </a:p>
+          <a:p>
+            <a:pPr marL="355600" marR="0" lvl="0" indent="-343535" algn="l" defTabSz="914400" rtl="0" eaLnBrk="1" fontAlgn="auto" latinLnBrk="0" hangingPunct="1">
+              <a:lnSpc>
+                <a:spcPct val="100000"/>
+              </a:lnSpc>
+              <a:spcBef>
+                <a:spcPts val="650"/>
+              </a:spcBef>
+              <a:spcAft>
+                <a:spcPts val="0"/>
+              </a:spcAft>
+              <a:buClrTx/>
+              <a:buSzTx/>
+              <a:buFontTx/>
+              <a:buChar char="•"/>
+              <a:tabLst>
+                <a:tab pos="355600" algn="l"/>
+                <a:tab pos="356235" algn="l"/>
+              </a:tabLst>
+              <a:defRPr/>
+            </a:pPr>
+            <a:r>
+              <a:rPr kumimoji="0" lang="en-US" sz="2150" b="0" i="0" u="none" strike="noStrike" kern="1200" cap="none" spc="0" normalizeH="0" baseline="0" noProof="0" dirty="0">
+                <a:ln>
+                  <a:noFill/>
+                </a:ln>
+                <a:solidFill>
+                  <a:prstClr val="black"/>
+                </a:solidFill>
+                <a:effectLst/>
+                <a:uLnTx/>
+                <a:uFillTx/>
+                <a:latin typeface="Verdana"/>
+                <a:ea typeface="+mn-ea"/>
+                <a:cs typeface="Verdana"/>
+              </a:rPr>
+              <a:t>Requirements</a:t>
+            </a:r>
+            <a:r>
+              <a:rPr kumimoji="0" lang="en-US" sz="2150" b="0" i="0" u="none" strike="noStrike" kern="1200" cap="none" spc="290" normalizeH="0" baseline="0" noProof="0" dirty="0">
+                <a:ln>
+                  <a:noFill/>
+                </a:ln>
+                <a:solidFill>
+                  <a:prstClr val="black"/>
+                </a:solidFill>
+                <a:effectLst/>
+                <a:uLnTx/>
+                <a:uFillTx/>
+                <a:latin typeface="Verdana"/>
+                <a:ea typeface="+mn-ea"/>
+                <a:cs typeface="Verdana"/>
+              </a:rPr>
+              <a:t> </a:t>
+            </a:r>
+            <a:r>
+              <a:rPr kumimoji="0" lang="en-US" sz="2150" b="0" i="0" u="none" strike="noStrike" kern="1200" cap="none" spc="-10" normalizeH="0" baseline="0" noProof="0" dirty="0">
+                <a:ln>
+                  <a:noFill/>
+                </a:ln>
+                <a:solidFill>
+                  <a:prstClr val="black"/>
+                </a:solidFill>
+                <a:effectLst/>
+                <a:uLnTx/>
+                <a:uFillTx/>
+                <a:latin typeface="Verdana"/>
+                <a:ea typeface="+mn-ea"/>
+                <a:cs typeface="Verdana"/>
+              </a:rPr>
+              <a:t>are</a:t>
+            </a:r>
+            <a:r>
+              <a:rPr kumimoji="0" lang="en-US" sz="2150" b="0" i="0" u="none" strike="noStrike" kern="1200" cap="none" spc="120" normalizeH="0" baseline="0" noProof="0" dirty="0">
+                <a:ln>
+                  <a:noFill/>
+                </a:ln>
+                <a:solidFill>
+                  <a:prstClr val="black"/>
+                </a:solidFill>
+                <a:effectLst/>
+                <a:uLnTx/>
+                <a:uFillTx/>
+                <a:latin typeface="Verdana"/>
+                <a:ea typeface="+mn-ea"/>
+                <a:cs typeface="Verdana"/>
+              </a:rPr>
+              <a:t> </a:t>
+            </a:r>
+            <a:r>
+              <a:rPr kumimoji="0" lang="en-US" sz="2150" b="0" i="0" u="none" strike="noStrike" kern="1200" cap="none" spc="10" normalizeH="0" baseline="0" noProof="0" dirty="0">
+                <a:ln>
+                  <a:noFill/>
+                </a:ln>
+                <a:solidFill>
+                  <a:prstClr val="black"/>
+                </a:solidFill>
+                <a:effectLst/>
+                <a:uLnTx/>
+                <a:uFillTx/>
+                <a:latin typeface="Verdana"/>
+                <a:ea typeface="+mn-ea"/>
+                <a:cs typeface="Verdana"/>
+              </a:rPr>
+              <a:t>not</a:t>
+            </a:r>
+            <a:r>
+              <a:rPr kumimoji="0" lang="en-US" sz="2150" b="0" i="0" u="none" strike="noStrike" kern="1200" cap="none" spc="40" normalizeH="0" baseline="0" noProof="0" dirty="0">
+                <a:ln>
+                  <a:noFill/>
+                </a:ln>
+                <a:solidFill>
+                  <a:prstClr val="black"/>
+                </a:solidFill>
+                <a:effectLst/>
+                <a:uLnTx/>
+                <a:uFillTx/>
+                <a:latin typeface="Verdana"/>
+                <a:ea typeface="+mn-ea"/>
+                <a:cs typeface="Verdana"/>
+              </a:rPr>
+              <a:t> </a:t>
+            </a:r>
+            <a:r>
+              <a:rPr kumimoji="0" lang="en-US" sz="2150" b="0" i="0" u="none" strike="noStrike" kern="1200" cap="none" spc="0" normalizeH="0" baseline="0" noProof="0" dirty="0">
+                <a:ln>
+                  <a:noFill/>
+                </a:ln>
+                <a:solidFill>
+                  <a:prstClr val="black"/>
+                </a:solidFill>
+                <a:effectLst/>
+                <a:uLnTx/>
+                <a:uFillTx/>
+                <a:latin typeface="Verdana"/>
+                <a:ea typeface="+mn-ea"/>
+                <a:cs typeface="Verdana"/>
+              </a:rPr>
+              <a:t>recorded</a:t>
+            </a:r>
+            <a:r>
+              <a:rPr kumimoji="0" lang="en-US" sz="2150" b="0" i="0" u="none" strike="noStrike" kern="1200" cap="none" spc="300" normalizeH="0" baseline="0" noProof="0" dirty="0">
+                <a:ln>
+                  <a:noFill/>
+                </a:ln>
+                <a:solidFill>
+                  <a:prstClr val="black"/>
+                </a:solidFill>
+                <a:effectLst/>
+                <a:uLnTx/>
+                <a:uFillTx/>
+                <a:latin typeface="Verdana"/>
+                <a:ea typeface="+mn-ea"/>
+                <a:cs typeface="Verdana"/>
+              </a:rPr>
+              <a:t> </a:t>
+            </a:r>
+            <a:r>
+              <a:rPr kumimoji="0" lang="en-US" sz="2150" b="0" i="0" u="none" strike="noStrike" kern="1200" cap="none" spc="5" normalizeH="0" baseline="0" noProof="0" dirty="0">
+                <a:ln>
+                  <a:noFill/>
+                </a:ln>
+                <a:solidFill>
+                  <a:prstClr val="black"/>
+                </a:solidFill>
+                <a:effectLst/>
+                <a:uLnTx/>
+                <a:uFillTx/>
+                <a:latin typeface="Verdana"/>
+                <a:ea typeface="+mn-ea"/>
+                <a:cs typeface="Verdana"/>
+              </a:rPr>
+              <a:t>correctly</a:t>
+            </a:r>
+            <a:endParaRPr kumimoji="0" lang="en-US" sz="2150" b="0" i="0" u="none" strike="noStrike" kern="1200" cap="none" spc="0" normalizeH="0" baseline="0" noProof="0" dirty="0">
+              <a:ln>
+                <a:noFill/>
+              </a:ln>
+              <a:solidFill>
+                <a:prstClr val="black"/>
+              </a:solidFill>
+              <a:effectLst/>
+              <a:uLnTx/>
+              <a:uFillTx/>
+              <a:latin typeface="Verdana"/>
+              <a:ea typeface="+mn-ea"/>
+              <a:cs typeface="Verdana"/>
+            </a:endParaRPr>
+          </a:p>
+          <a:p>
+            <a:pPr marL="355600" marR="0" lvl="0" indent="-343535" algn="l" defTabSz="914400" rtl="0" eaLnBrk="1" fontAlgn="auto" latinLnBrk="0" hangingPunct="1">
+              <a:lnSpc>
+                <a:spcPct val="100000"/>
+              </a:lnSpc>
+              <a:spcBef>
+                <a:spcPts val="570"/>
+              </a:spcBef>
+              <a:spcAft>
+                <a:spcPts val="0"/>
+              </a:spcAft>
+              <a:buClrTx/>
+              <a:buSzTx/>
+              <a:buFontTx/>
+              <a:buChar char="•"/>
+              <a:tabLst>
+                <a:tab pos="355600" algn="l"/>
+                <a:tab pos="356235" algn="l"/>
+              </a:tabLst>
+              <a:defRPr/>
+            </a:pPr>
+            <a:r>
+              <a:rPr kumimoji="0" lang="en-US" sz="2150" b="0" i="0" u="none" strike="noStrike" kern="1200" cap="none" spc="5" normalizeH="0" baseline="0" noProof="0" dirty="0">
+                <a:ln>
+                  <a:noFill/>
+                </a:ln>
+                <a:solidFill>
+                  <a:prstClr val="black"/>
+                </a:solidFill>
+                <a:effectLst/>
+                <a:uLnTx/>
+                <a:uFillTx/>
+                <a:latin typeface="Verdana"/>
+                <a:ea typeface="+mn-ea"/>
+                <a:cs typeface="Verdana"/>
+              </a:rPr>
+              <a:t>Incorrect</a:t>
+            </a:r>
+            <a:r>
+              <a:rPr kumimoji="0" lang="en-US" sz="2150" b="0" i="0" u="none" strike="noStrike" kern="1200" cap="none" spc="180" normalizeH="0" baseline="0" noProof="0" dirty="0">
+                <a:ln>
+                  <a:noFill/>
+                </a:ln>
+                <a:solidFill>
+                  <a:prstClr val="black"/>
+                </a:solidFill>
+                <a:effectLst/>
+                <a:uLnTx/>
+                <a:uFillTx/>
+                <a:latin typeface="Verdana"/>
+                <a:ea typeface="+mn-ea"/>
+                <a:cs typeface="Verdana"/>
+              </a:rPr>
+              <a:t> </a:t>
+            </a:r>
+            <a:r>
+              <a:rPr kumimoji="0" lang="en-US" sz="2150" b="0" i="0" u="none" strike="noStrike" kern="1200" cap="none" spc="15" normalizeH="0" baseline="0" noProof="0" dirty="0">
+                <a:ln>
+                  <a:noFill/>
+                </a:ln>
+                <a:solidFill>
+                  <a:prstClr val="black"/>
+                </a:solidFill>
+                <a:effectLst/>
+                <a:uLnTx/>
+                <a:uFillTx/>
+                <a:latin typeface="Verdana"/>
+                <a:ea typeface="+mn-ea"/>
+                <a:cs typeface="Verdana"/>
+              </a:rPr>
+              <a:t>design</a:t>
+            </a:r>
+            <a:r>
+              <a:rPr kumimoji="0" lang="en-US" sz="2150" b="0" i="0" u="none" strike="noStrike" kern="1200" cap="none" spc="40" normalizeH="0" baseline="0" noProof="0" dirty="0">
+                <a:ln>
+                  <a:noFill/>
+                </a:ln>
+                <a:solidFill>
+                  <a:prstClr val="black"/>
+                </a:solidFill>
+                <a:effectLst/>
+                <a:uLnTx/>
+                <a:uFillTx/>
+                <a:latin typeface="Verdana"/>
+                <a:ea typeface="+mn-ea"/>
+                <a:cs typeface="Verdana"/>
+              </a:rPr>
+              <a:t> </a:t>
+            </a:r>
+            <a:r>
+              <a:rPr kumimoji="0" lang="en-US" sz="2150" b="0" i="0" u="none" strike="noStrike" kern="1200" cap="none" spc="0" normalizeH="0" baseline="0" noProof="0" dirty="0">
+                <a:ln>
+                  <a:noFill/>
+                </a:ln>
+                <a:solidFill>
+                  <a:prstClr val="black"/>
+                </a:solidFill>
+                <a:effectLst/>
+                <a:uLnTx/>
+                <a:uFillTx/>
+                <a:latin typeface="Verdana"/>
+                <a:ea typeface="+mn-ea"/>
+                <a:cs typeface="Verdana"/>
+              </a:rPr>
+              <a:t>specs</a:t>
+            </a:r>
+          </a:p>
+          <a:p>
+            <a:pPr marL="355600" marR="0" lvl="0" indent="-343535" algn="l" defTabSz="914400" rtl="0" eaLnBrk="1" fontAlgn="auto" latinLnBrk="0" hangingPunct="1">
+              <a:lnSpc>
+                <a:spcPct val="100000"/>
+              </a:lnSpc>
+              <a:spcBef>
+                <a:spcPts val="580"/>
+              </a:spcBef>
+              <a:spcAft>
+                <a:spcPts val="0"/>
+              </a:spcAft>
+              <a:buClrTx/>
+              <a:buSzTx/>
+              <a:buFontTx/>
+              <a:buChar char="•"/>
+              <a:tabLst>
+                <a:tab pos="355600" algn="l"/>
+                <a:tab pos="356235" algn="l"/>
+              </a:tabLst>
+              <a:defRPr/>
+            </a:pPr>
+            <a:r>
+              <a:rPr kumimoji="0" lang="en-US" sz="2150" b="0" i="0" u="none" strike="noStrike" kern="1200" cap="none" spc="5" normalizeH="0" baseline="0" noProof="0" dirty="0">
+                <a:ln>
+                  <a:noFill/>
+                </a:ln>
+                <a:solidFill>
+                  <a:prstClr val="black"/>
+                </a:solidFill>
+                <a:effectLst/>
+                <a:uLnTx/>
+                <a:uFillTx/>
+                <a:latin typeface="Verdana"/>
+                <a:ea typeface="+mn-ea"/>
+                <a:cs typeface="Verdana"/>
+              </a:rPr>
+              <a:t>Incorrect</a:t>
+            </a:r>
+            <a:r>
+              <a:rPr kumimoji="0" lang="en-US" sz="2150" b="0" i="0" u="none" strike="noStrike" kern="1200" cap="none" spc="185" normalizeH="0" baseline="0" noProof="0" dirty="0">
+                <a:ln>
+                  <a:noFill/>
+                </a:ln>
+                <a:solidFill>
+                  <a:prstClr val="black"/>
+                </a:solidFill>
+                <a:effectLst/>
+                <a:uLnTx/>
+                <a:uFillTx/>
+                <a:latin typeface="Verdana"/>
+                <a:ea typeface="+mn-ea"/>
+                <a:cs typeface="Verdana"/>
+              </a:rPr>
+              <a:t> </a:t>
+            </a:r>
+            <a:r>
+              <a:rPr kumimoji="0" lang="en-US" sz="2150" b="0" i="0" u="none" strike="noStrike" kern="1200" cap="none" spc="0" normalizeH="0" baseline="0" noProof="0" dirty="0">
+                <a:ln>
+                  <a:noFill/>
+                </a:ln>
+                <a:solidFill>
+                  <a:prstClr val="black"/>
+                </a:solidFill>
+                <a:effectLst/>
+                <a:uLnTx/>
+                <a:uFillTx/>
+                <a:latin typeface="Verdana"/>
+                <a:ea typeface="+mn-ea"/>
+                <a:cs typeface="Verdana"/>
+              </a:rPr>
+              <a:t>program</a:t>
+            </a:r>
+            <a:r>
+              <a:rPr kumimoji="0" lang="en-US" sz="2150" b="0" i="0" u="none" strike="noStrike" kern="1200" cap="none" spc="204" normalizeH="0" baseline="0" noProof="0" dirty="0">
+                <a:ln>
+                  <a:noFill/>
+                </a:ln>
+                <a:solidFill>
+                  <a:prstClr val="black"/>
+                </a:solidFill>
+                <a:effectLst/>
+                <a:uLnTx/>
+                <a:uFillTx/>
+                <a:latin typeface="Verdana"/>
+                <a:ea typeface="+mn-ea"/>
+                <a:cs typeface="Verdana"/>
+              </a:rPr>
+              <a:t> </a:t>
+            </a:r>
+            <a:r>
+              <a:rPr kumimoji="0" lang="en-US" sz="2150" b="0" i="0" u="none" strike="noStrike" kern="1200" cap="none" spc="0" normalizeH="0" baseline="0" noProof="0" dirty="0">
+                <a:ln>
+                  <a:noFill/>
+                </a:ln>
+                <a:solidFill>
+                  <a:prstClr val="black"/>
+                </a:solidFill>
+                <a:effectLst/>
+                <a:uLnTx/>
+                <a:uFillTx/>
+                <a:latin typeface="Verdana"/>
+                <a:ea typeface="+mn-ea"/>
+                <a:cs typeface="Verdana"/>
+              </a:rPr>
+              <a:t>specs</a:t>
+            </a:r>
+          </a:p>
+          <a:p>
+            <a:pPr marL="355600" marR="0" lvl="0" indent="-343535" algn="l" defTabSz="914400" rtl="0" eaLnBrk="1" fontAlgn="auto" latinLnBrk="0" hangingPunct="1">
+              <a:lnSpc>
+                <a:spcPct val="100000"/>
+              </a:lnSpc>
+              <a:spcBef>
+                <a:spcPts val="570"/>
+              </a:spcBef>
+              <a:spcAft>
+                <a:spcPts val="0"/>
+              </a:spcAft>
+              <a:buClrTx/>
+              <a:buSzTx/>
+              <a:buFontTx/>
+              <a:buChar char="•"/>
+              <a:tabLst>
+                <a:tab pos="355600" algn="l"/>
+                <a:tab pos="356235" algn="l"/>
+              </a:tabLst>
+              <a:defRPr/>
+            </a:pPr>
+            <a:r>
+              <a:rPr kumimoji="0" lang="en-US" sz="2150" b="0" i="0" u="none" strike="noStrike" kern="1200" cap="none" spc="-5" normalizeH="0" baseline="0" noProof="0" dirty="0">
+                <a:ln>
+                  <a:noFill/>
+                </a:ln>
+                <a:solidFill>
+                  <a:prstClr val="black"/>
+                </a:solidFill>
+                <a:effectLst/>
+                <a:uLnTx/>
+                <a:uFillTx/>
+                <a:latin typeface="Verdana"/>
+                <a:ea typeface="+mn-ea"/>
+                <a:cs typeface="Verdana"/>
+              </a:rPr>
+              <a:t>Errors</a:t>
+            </a:r>
+            <a:r>
+              <a:rPr kumimoji="0" lang="en-US" sz="2150" b="0" i="0" u="none" strike="noStrike" kern="1200" cap="none" spc="114" normalizeH="0" baseline="0" noProof="0" dirty="0">
+                <a:ln>
+                  <a:noFill/>
+                </a:ln>
+                <a:solidFill>
+                  <a:prstClr val="black"/>
+                </a:solidFill>
+                <a:effectLst/>
+                <a:uLnTx/>
+                <a:uFillTx/>
+                <a:latin typeface="Verdana"/>
+                <a:ea typeface="+mn-ea"/>
+                <a:cs typeface="Verdana"/>
+              </a:rPr>
+              <a:t> </a:t>
+            </a:r>
+            <a:r>
+              <a:rPr kumimoji="0" lang="en-US" sz="2150" b="0" i="0" u="none" strike="noStrike" kern="1200" cap="none" spc="50" normalizeH="0" baseline="0" noProof="0" dirty="0">
+                <a:ln>
+                  <a:noFill/>
+                </a:ln>
+                <a:solidFill>
+                  <a:prstClr val="black"/>
+                </a:solidFill>
+                <a:effectLst/>
+                <a:uLnTx/>
+                <a:uFillTx/>
+                <a:latin typeface="Verdana"/>
+                <a:ea typeface="+mn-ea"/>
+                <a:cs typeface="Verdana"/>
+              </a:rPr>
+              <a:t>in</a:t>
+            </a:r>
+            <a:r>
+              <a:rPr kumimoji="0" lang="en-US" sz="2150" b="0" i="0" u="none" strike="noStrike" kern="1200" cap="none" spc="-55" normalizeH="0" baseline="0" noProof="0" dirty="0">
+                <a:ln>
+                  <a:noFill/>
+                </a:ln>
+                <a:solidFill>
+                  <a:prstClr val="black"/>
+                </a:solidFill>
+                <a:effectLst/>
+                <a:uLnTx/>
+                <a:uFillTx/>
+                <a:latin typeface="Verdana"/>
+                <a:ea typeface="+mn-ea"/>
+                <a:cs typeface="Verdana"/>
+              </a:rPr>
+              <a:t> </a:t>
+            </a:r>
+            <a:r>
+              <a:rPr kumimoji="0" lang="en-US" sz="2150" b="0" i="0" u="none" strike="noStrike" kern="1200" cap="none" spc="20" normalizeH="0" baseline="0" noProof="0" dirty="0">
+                <a:ln>
+                  <a:noFill/>
+                </a:ln>
+                <a:solidFill>
+                  <a:prstClr val="black"/>
+                </a:solidFill>
+                <a:effectLst/>
+                <a:uLnTx/>
+                <a:uFillTx/>
+                <a:latin typeface="Verdana"/>
+                <a:ea typeface="+mn-ea"/>
+                <a:cs typeface="Verdana"/>
+              </a:rPr>
+              <a:t>coding</a:t>
+            </a:r>
+            <a:endParaRPr kumimoji="0" lang="en-US" sz="2150" b="0" i="0" u="none" strike="noStrike" kern="1200" cap="none" spc="0" normalizeH="0" baseline="0" noProof="0" dirty="0">
+              <a:ln>
+                <a:noFill/>
+              </a:ln>
+              <a:solidFill>
+                <a:prstClr val="black"/>
+              </a:solidFill>
+              <a:effectLst/>
+              <a:uLnTx/>
+              <a:uFillTx/>
+              <a:latin typeface="Verdana"/>
+              <a:ea typeface="+mn-ea"/>
+              <a:cs typeface="Verdana"/>
+            </a:endParaRPr>
+          </a:p>
+          <a:p>
+            <a:pPr marL="355600" marR="0" lvl="0" indent="-343535" algn="l" defTabSz="914400" rtl="0" eaLnBrk="1" fontAlgn="auto" latinLnBrk="0" hangingPunct="1">
+              <a:lnSpc>
+                <a:spcPct val="100000"/>
+              </a:lnSpc>
+              <a:spcBef>
+                <a:spcPts val="655"/>
+              </a:spcBef>
+              <a:spcAft>
+                <a:spcPts val="0"/>
+              </a:spcAft>
+              <a:buClrTx/>
+              <a:buSzTx/>
+              <a:buFontTx/>
+              <a:buChar char="•"/>
+              <a:tabLst>
+                <a:tab pos="355600" algn="l"/>
+                <a:tab pos="356235" algn="l"/>
+              </a:tabLst>
+              <a:defRPr/>
+            </a:pPr>
+            <a:r>
+              <a:rPr kumimoji="0" lang="en-US" sz="2150" b="0" i="0" u="none" strike="noStrike" kern="1200" cap="none" spc="-10" normalizeH="0" baseline="0" noProof="0" dirty="0">
+                <a:ln>
+                  <a:noFill/>
+                </a:ln>
+                <a:solidFill>
+                  <a:prstClr val="black"/>
+                </a:solidFill>
+                <a:effectLst/>
+                <a:uLnTx/>
+                <a:uFillTx/>
+                <a:latin typeface="Verdana"/>
+                <a:ea typeface="+mn-ea"/>
+                <a:cs typeface="Verdana"/>
+              </a:rPr>
+              <a:t>Data</a:t>
+            </a:r>
+            <a:r>
+              <a:rPr kumimoji="0" lang="en-US" sz="2150" b="0" i="0" u="none" strike="noStrike" kern="1200" cap="none" spc="155" normalizeH="0" baseline="0" noProof="0" dirty="0">
+                <a:ln>
+                  <a:noFill/>
+                </a:ln>
+                <a:solidFill>
+                  <a:prstClr val="black"/>
+                </a:solidFill>
+                <a:effectLst/>
+                <a:uLnTx/>
+                <a:uFillTx/>
+                <a:latin typeface="Verdana"/>
+                <a:ea typeface="+mn-ea"/>
+                <a:cs typeface="Verdana"/>
+              </a:rPr>
+              <a:t> </a:t>
+            </a:r>
+            <a:r>
+              <a:rPr kumimoji="0" lang="en-US" sz="2150" b="0" i="0" u="none" strike="noStrike" kern="1200" cap="none" spc="-10" normalizeH="0" baseline="0" noProof="0" dirty="0">
+                <a:ln>
+                  <a:noFill/>
+                </a:ln>
+                <a:solidFill>
+                  <a:prstClr val="black"/>
+                </a:solidFill>
+                <a:effectLst/>
+                <a:uLnTx/>
+                <a:uFillTx/>
+                <a:latin typeface="Verdana"/>
+                <a:ea typeface="+mn-ea"/>
+                <a:cs typeface="Verdana"/>
+              </a:rPr>
+              <a:t>entry</a:t>
+            </a:r>
+            <a:r>
+              <a:rPr kumimoji="0" lang="en-US" sz="2150" b="0" i="0" u="none" strike="noStrike" kern="1200" cap="none" spc="110" normalizeH="0" baseline="0" noProof="0" dirty="0">
+                <a:ln>
+                  <a:noFill/>
+                </a:ln>
+                <a:solidFill>
+                  <a:prstClr val="black"/>
+                </a:solidFill>
+                <a:effectLst/>
+                <a:uLnTx/>
+                <a:uFillTx/>
+                <a:latin typeface="Verdana"/>
+                <a:ea typeface="+mn-ea"/>
+                <a:cs typeface="Verdana"/>
+              </a:rPr>
+              <a:t> </a:t>
+            </a:r>
+            <a:r>
+              <a:rPr kumimoji="0" lang="en-US" sz="2150" b="0" i="0" u="none" strike="noStrike" kern="1200" cap="none" spc="-5" normalizeH="0" baseline="0" noProof="0" dirty="0">
+                <a:ln>
+                  <a:noFill/>
+                </a:ln>
+                <a:solidFill>
+                  <a:prstClr val="black"/>
+                </a:solidFill>
+                <a:effectLst/>
+                <a:uLnTx/>
+                <a:uFillTx/>
+                <a:latin typeface="Verdana"/>
+                <a:ea typeface="+mn-ea"/>
+                <a:cs typeface="Verdana"/>
+              </a:rPr>
+              <a:t>errors</a:t>
+            </a:r>
+            <a:endParaRPr kumimoji="0" lang="en-US" sz="2150" b="0" i="0" u="none" strike="noStrike" kern="1200" cap="none" spc="0" normalizeH="0" baseline="0" noProof="0" dirty="0">
+              <a:ln>
+                <a:noFill/>
+              </a:ln>
+              <a:solidFill>
+                <a:prstClr val="black"/>
+              </a:solidFill>
+              <a:effectLst/>
+              <a:uLnTx/>
+              <a:uFillTx/>
+              <a:latin typeface="Verdana"/>
+              <a:ea typeface="+mn-ea"/>
+              <a:cs typeface="Verdana"/>
+            </a:endParaRPr>
+          </a:p>
+          <a:p>
+            <a:pPr marL="355600" marR="5080" lvl="0" indent="-343535" algn="l" defTabSz="914400" rtl="0" eaLnBrk="1" fontAlgn="auto" latinLnBrk="0" hangingPunct="1">
+              <a:lnSpc>
+                <a:spcPct val="101899"/>
+              </a:lnSpc>
+              <a:spcBef>
+                <a:spcPts val="520"/>
+              </a:spcBef>
+              <a:spcAft>
+                <a:spcPts val="0"/>
+              </a:spcAft>
+              <a:buClrTx/>
+              <a:buSzTx/>
+              <a:buFontTx/>
+              <a:buChar char="•"/>
+              <a:tabLst>
+                <a:tab pos="355600" algn="l"/>
+                <a:tab pos="356235" algn="l"/>
+              </a:tabLst>
+              <a:defRPr/>
+            </a:pPr>
+            <a:r>
+              <a:rPr kumimoji="0" lang="en-US" sz="2150" b="0" i="0" u="none" strike="noStrike" kern="1200" cap="none" spc="10" normalizeH="0" baseline="0" noProof="0" dirty="0">
+                <a:ln>
+                  <a:noFill/>
+                </a:ln>
+                <a:solidFill>
+                  <a:prstClr val="black"/>
+                </a:solidFill>
+                <a:effectLst/>
+                <a:uLnTx/>
+                <a:uFillTx/>
+                <a:latin typeface="Verdana"/>
+                <a:ea typeface="+mn-ea"/>
+                <a:cs typeface="Verdana"/>
+              </a:rPr>
+              <a:t>Errors</a:t>
+            </a:r>
+            <a:r>
+              <a:rPr kumimoji="0" lang="en-US" sz="2150" b="0" i="0" u="none" strike="noStrike" kern="1200" cap="none" spc="65" normalizeH="0" baseline="0" noProof="0" dirty="0">
+                <a:ln>
+                  <a:noFill/>
+                </a:ln>
+                <a:solidFill>
+                  <a:prstClr val="black"/>
+                </a:solidFill>
+                <a:effectLst/>
+                <a:uLnTx/>
+                <a:uFillTx/>
+                <a:latin typeface="Verdana"/>
+                <a:ea typeface="+mn-ea"/>
+                <a:cs typeface="Verdana"/>
+              </a:rPr>
+              <a:t> </a:t>
+            </a:r>
+            <a:r>
+              <a:rPr kumimoji="0" lang="en-US" sz="2150" b="0" i="0" u="none" strike="noStrike" kern="1200" cap="none" spc="50" normalizeH="0" baseline="0" noProof="0" dirty="0">
+                <a:ln>
+                  <a:noFill/>
+                </a:ln>
+                <a:solidFill>
+                  <a:prstClr val="black"/>
+                </a:solidFill>
+                <a:effectLst/>
+                <a:uLnTx/>
+                <a:uFillTx/>
+                <a:latin typeface="Verdana"/>
+                <a:ea typeface="+mn-ea"/>
+                <a:cs typeface="Verdana"/>
+              </a:rPr>
+              <a:t>in</a:t>
+            </a:r>
+            <a:r>
+              <a:rPr kumimoji="0" lang="en-US" sz="2150" b="0" i="0" u="none" strike="noStrike" kern="1200" cap="none" spc="110" normalizeH="0" baseline="0" noProof="0" dirty="0">
+                <a:ln>
+                  <a:noFill/>
+                </a:ln>
+                <a:solidFill>
+                  <a:prstClr val="black"/>
+                </a:solidFill>
+                <a:effectLst/>
+                <a:uLnTx/>
+                <a:uFillTx/>
+                <a:latin typeface="Verdana"/>
+                <a:ea typeface="+mn-ea"/>
+                <a:cs typeface="Verdana"/>
+              </a:rPr>
+              <a:t> </a:t>
+            </a:r>
+            <a:r>
+              <a:rPr kumimoji="0" lang="en-US" sz="2150" b="0" i="0" u="none" strike="noStrike" kern="1200" cap="none" spc="15" normalizeH="0" baseline="0" noProof="0" dirty="0">
+                <a:ln>
+                  <a:noFill/>
+                </a:ln>
+                <a:solidFill>
+                  <a:prstClr val="black"/>
+                </a:solidFill>
+                <a:effectLst/>
+                <a:uLnTx/>
+                <a:uFillTx/>
+                <a:latin typeface="Verdana"/>
+                <a:ea typeface="+mn-ea"/>
+                <a:cs typeface="Verdana"/>
+              </a:rPr>
+              <a:t>testing:</a:t>
+            </a:r>
+            <a:r>
+              <a:rPr kumimoji="0" lang="en-US" sz="2150" b="0" i="0" u="none" strike="noStrike" kern="1200" cap="none" spc="125" normalizeH="0" baseline="0" noProof="0" dirty="0">
+                <a:ln>
+                  <a:noFill/>
+                </a:ln>
+                <a:solidFill>
+                  <a:prstClr val="black"/>
+                </a:solidFill>
+                <a:effectLst/>
+                <a:uLnTx/>
+                <a:uFillTx/>
+                <a:latin typeface="Verdana"/>
+                <a:ea typeface="+mn-ea"/>
+                <a:cs typeface="Verdana"/>
+              </a:rPr>
+              <a:t> </a:t>
+            </a:r>
+            <a:r>
+              <a:rPr kumimoji="0" lang="en-US" sz="2150" b="0" i="0" u="none" strike="noStrike" kern="1200" cap="none" spc="20" normalizeH="0" baseline="0" noProof="0" dirty="0">
+                <a:ln>
+                  <a:noFill/>
+                </a:ln>
+                <a:solidFill>
+                  <a:prstClr val="black"/>
+                </a:solidFill>
+                <a:effectLst/>
+                <a:uLnTx/>
+                <a:uFillTx/>
+                <a:latin typeface="Verdana"/>
+                <a:ea typeface="+mn-ea"/>
+                <a:cs typeface="Verdana"/>
+              </a:rPr>
+              <a:t>falsely</a:t>
+            </a:r>
+            <a:r>
+              <a:rPr kumimoji="0" lang="en-US" sz="2150" b="0" i="0" u="none" strike="noStrike" kern="1200" cap="none" spc="60" normalizeH="0" baseline="0" noProof="0" dirty="0">
+                <a:ln>
+                  <a:noFill/>
+                </a:ln>
+                <a:solidFill>
+                  <a:prstClr val="black"/>
+                </a:solidFill>
+                <a:effectLst/>
+                <a:uLnTx/>
+                <a:uFillTx/>
+                <a:latin typeface="Verdana"/>
+                <a:ea typeface="+mn-ea"/>
+                <a:cs typeface="Verdana"/>
+              </a:rPr>
+              <a:t> </a:t>
+            </a:r>
+            <a:r>
+              <a:rPr kumimoji="0" lang="en-US" sz="2150" b="0" i="0" u="none" strike="noStrike" kern="1200" cap="none" spc="30" normalizeH="0" baseline="0" noProof="0" dirty="0">
+                <a:ln>
+                  <a:noFill/>
+                </a:ln>
+                <a:solidFill>
+                  <a:prstClr val="black"/>
+                </a:solidFill>
+                <a:effectLst/>
+                <a:uLnTx/>
+                <a:uFillTx/>
+                <a:latin typeface="Verdana"/>
+                <a:ea typeface="+mn-ea"/>
+                <a:cs typeface="Verdana"/>
+              </a:rPr>
+              <a:t>detect</a:t>
+            </a:r>
+            <a:r>
+              <a:rPr kumimoji="0" lang="en-US" sz="2150" b="0" i="0" u="none" strike="noStrike" kern="1200" cap="none" spc="50" normalizeH="0" baseline="0" noProof="0" dirty="0">
+                <a:ln>
+                  <a:noFill/>
+                </a:ln>
+                <a:solidFill>
+                  <a:prstClr val="black"/>
+                </a:solidFill>
+                <a:effectLst/>
+                <a:uLnTx/>
+                <a:uFillTx/>
+                <a:latin typeface="Verdana"/>
+                <a:ea typeface="+mn-ea"/>
+                <a:cs typeface="Verdana"/>
+              </a:rPr>
+              <a:t> </a:t>
+            </a:r>
+            <a:r>
+              <a:rPr kumimoji="0" lang="en-US" sz="2150" b="0" i="0" u="none" strike="noStrike" kern="1200" cap="none" spc="35" normalizeH="0" baseline="0" noProof="0" dirty="0">
+                <a:ln>
+                  <a:noFill/>
+                </a:ln>
+                <a:solidFill>
+                  <a:prstClr val="black"/>
+                </a:solidFill>
+                <a:effectLst/>
+                <a:uLnTx/>
+                <a:uFillTx/>
+                <a:latin typeface="Verdana"/>
+                <a:ea typeface="+mn-ea"/>
+                <a:cs typeface="Verdana"/>
+              </a:rPr>
+              <a:t>an</a:t>
+            </a:r>
+            <a:r>
+              <a:rPr kumimoji="0" lang="en-US" sz="2150" b="0" i="0" u="none" strike="noStrike" kern="1200" cap="none" spc="110" normalizeH="0" baseline="0" noProof="0" dirty="0">
+                <a:ln>
+                  <a:noFill/>
+                </a:ln>
+                <a:solidFill>
+                  <a:prstClr val="black"/>
+                </a:solidFill>
+                <a:effectLst/>
+                <a:uLnTx/>
+                <a:uFillTx/>
+                <a:latin typeface="Verdana"/>
+                <a:ea typeface="+mn-ea"/>
+                <a:cs typeface="Verdana"/>
+              </a:rPr>
+              <a:t> </a:t>
+            </a:r>
+            <a:r>
+              <a:rPr kumimoji="0" lang="en-US" sz="2150" b="0" i="0" u="none" strike="noStrike" kern="1200" cap="none" spc="15" normalizeH="0" baseline="0" noProof="0" dirty="0">
+                <a:ln>
+                  <a:noFill/>
+                </a:ln>
+                <a:solidFill>
+                  <a:prstClr val="black"/>
+                </a:solidFill>
+                <a:effectLst/>
+                <a:uLnTx/>
+                <a:uFillTx/>
+                <a:latin typeface="Verdana"/>
+                <a:ea typeface="+mn-ea"/>
+                <a:cs typeface="Verdana"/>
+              </a:rPr>
+              <a:t>error</a:t>
+            </a:r>
+            <a:r>
+              <a:rPr kumimoji="0" lang="en-US" sz="2150" b="0" i="0" u="none" strike="noStrike" kern="1200" cap="none" spc="120" normalizeH="0" baseline="0" noProof="0" dirty="0">
+                <a:ln>
+                  <a:noFill/>
+                </a:ln>
+                <a:solidFill>
+                  <a:prstClr val="black"/>
+                </a:solidFill>
+                <a:effectLst/>
+                <a:uLnTx/>
+                <a:uFillTx/>
+                <a:latin typeface="Verdana"/>
+                <a:ea typeface="+mn-ea"/>
+                <a:cs typeface="Verdana"/>
+              </a:rPr>
+              <a:t> </a:t>
+            </a:r>
+            <a:r>
+              <a:rPr kumimoji="0" lang="en-US" sz="2150" b="0" i="0" u="none" strike="noStrike" kern="1200" cap="none" spc="10" normalizeH="0" baseline="0" noProof="0" dirty="0">
+                <a:ln>
+                  <a:noFill/>
+                </a:ln>
+                <a:solidFill>
+                  <a:prstClr val="black"/>
+                </a:solidFill>
+                <a:effectLst/>
+                <a:uLnTx/>
+                <a:uFillTx/>
+                <a:latin typeface="Verdana"/>
+                <a:ea typeface="+mn-ea"/>
+                <a:cs typeface="Verdana"/>
+              </a:rPr>
+              <a:t>/</a:t>
+            </a:r>
+            <a:r>
+              <a:rPr kumimoji="0" lang="en-US" sz="2150" b="0" i="0" u="none" strike="noStrike" kern="1200" cap="none" spc="50" normalizeH="0" baseline="0" noProof="0" dirty="0">
+                <a:ln>
+                  <a:noFill/>
+                </a:ln>
+                <a:solidFill>
+                  <a:prstClr val="black"/>
+                </a:solidFill>
+                <a:effectLst/>
+                <a:uLnTx/>
+                <a:uFillTx/>
+                <a:latin typeface="Verdana"/>
+                <a:ea typeface="+mn-ea"/>
+                <a:cs typeface="Verdana"/>
+              </a:rPr>
+              <a:t> </a:t>
+            </a:r>
+            <a:r>
+              <a:rPr kumimoji="0" lang="en-US" sz="2150" b="0" i="0" u="none" strike="noStrike" kern="1200" cap="none" spc="30" normalizeH="0" baseline="0" noProof="0" dirty="0">
+                <a:ln>
+                  <a:noFill/>
+                </a:ln>
+                <a:solidFill>
+                  <a:prstClr val="black"/>
+                </a:solidFill>
+                <a:effectLst/>
+                <a:uLnTx/>
+                <a:uFillTx/>
+                <a:latin typeface="Verdana"/>
+                <a:ea typeface="+mn-ea"/>
+                <a:cs typeface="Verdana"/>
+              </a:rPr>
+              <a:t>fail</a:t>
+            </a:r>
+            <a:r>
+              <a:rPr kumimoji="0" lang="en-US" sz="2150" b="0" i="0" u="none" strike="noStrike" kern="1200" cap="none" spc="145" normalizeH="0" baseline="0" noProof="0" dirty="0">
+                <a:ln>
+                  <a:noFill/>
+                </a:ln>
+                <a:solidFill>
+                  <a:prstClr val="black"/>
+                </a:solidFill>
+                <a:effectLst/>
+                <a:uLnTx/>
+                <a:uFillTx/>
+                <a:latin typeface="Verdana"/>
+                <a:ea typeface="+mn-ea"/>
+                <a:cs typeface="Verdana"/>
+              </a:rPr>
+              <a:t> </a:t>
+            </a:r>
+            <a:r>
+              <a:rPr kumimoji="0" lang="en-US" sz="2150" b="0" i="0" u="none" strike="noStrike" kern="1200" cap="none" spc="-25" normalizeH="0" baseline="0" noProof="0" dirty="0">
+                <a:ln>
+                  <a:noFill/>
+                </a:ln>
+                <a:solidFill>
+                  <a:prstClr val="black"/>
+                </a:solidFill>
+                <a:effectLst/>
+                <a:uLnTx/>
+                <a:uFillTx/>
+                <a:latin typeface="Verdana"/>
+                <a:ea typeface="+mn-ea"/>
+                <a:cs typeface="Verdana"/>
+              </a:rPr>
+              <a:t>to </a:t>
+            </a:r>
+            <a:r>
+              <a:rPr kumimoji="0" lang="en-US" sz="2150" b="0" i="0" u="none" strike="noStrike" kern="1200" cap="none" spc="-740" normalizeH="0" baseline="0" noProof="0" dirty="0">
+                <a:ln>
+                  <a:noFill/>
+                </a:ln>
+                <a:solidFill>
+                  <a:prstClr val="black"/>
+                </a:solidFill>
+                <a:effectLst/>
+                <a:uLnTx/>
+                <a:uFillTx/>
+                <a:latin typeface="Verdana"/>
+                <a:ea typeface="+mn-ea"/>
+                <a:cs typeface="Verdana"/>
+              </a:rPr>
+              <a:t> </a:t>
+            </a:r>
+            <a:r>
+              <a:rPr kumimoji="0" lang="en-US" sz="2150" b="0" i="0" u="none" strike="noStrike" kern="1200" cap="none" spc="-5" normalizeH="0" baseline="0" noProof="0" dirty="0">
+                <a:ln>
+                  <a:noFill/>
+                </a:ln>
+                <a:solidFill>
+                  <a:prstClr val="black"/>
+                </a:solidFill>
+                <a:effectLst/>
+                <a:uLnTx/>
+                <a:uFillTx/>
+                <a:latin typeface="Verdana"/>
+                <a:ea typeface="+mn-ea"/>
+                <a:cs typeface="Verdana"/>
+              </a:rPr>
+              <a:t>detect</a:t>
+            </a:r>
+            <a:r>
+              <a:rPr kumimoji="0" lang="en-US" sz="2150" b="0" i="0" u="none" strike="noStrike" kern="1200" cap="none" spc="185" normalizeH="0" baseline="0" noProof="0" dirty="0">
+                <a:ln>
+                  <a:noFill/>
+                </a:ln>
+                <a:solidFill>
+                  <a:prstClr val="black"/>
+                </a:solidFill>
+                <a:effectLst/>
+                <a:uLnTx/>
+                <a:uFillTx/>
+                <a:latin typeface="Verdana"/>
+                <a:ea typeface="+mn-ea"/>
+                <a:cs typeface="Verdana"/>
+              </a:rPr>
+              <a:t> </a:t>
+            </a:r>
+            <a:r>
+              <a:rPr kumimoji="0" lang="en-US" sz="2150" b="0" i="0" u="none" strike="noStrike" kern="1200" cap="none" spc="15" normalizeH="0" baseline="0" noProof="0" dirty="0">
+                <a:ln>
+                  <a:noFill/>
+                </a:ln>
+                <a:solidFill>
+                  <a:prstClr val="black"/>
+                </a:solidFill>
+                <a:effectLst/>
+                <a:uLnTx/>
+                <a:uFillTx/>
+                <a:latin typeface="Verdana"/>
+                <a:ea typeface="+mn-ea"/>
+                <a:cs typeface="Verdana"/>
+              </a:rPr>
+              <a:t>existing</a:t>
+            </a:r>
+            <a:r>
+              <a:rPr kumimoji="0" lang="en-US" sz="2150" b="0" i="0" u="none" strike="noStrike" kern="1200" cap="none" spc="70" normalizeH="0" baseline="0" noProof="0" dirty="0">
+                <a:ln>
+                  <a:noFill/>
+                </a:ln>
+                <a:solidFill>
+                  <a:prstClr val="black"/>
+                </a:solidFill>
+                <a:effectLst/>
+                <a:uLnTx/>
+                <a:uFillTx/>
+                <a:latin typeface="Verdana"/>
+                <a:ea typeface="+mn-ea"/>
+                <a:cs typeface="Verdana"/>
+              </a:rPr>
+              <a:t> </a:t>
+            </a:r>
+            <a:r>
+              <a:rPr kumimoji="0" lang="en-US" sz="2150" b="0" i="0" u="none" strike="noStrike" kern="1200" cap="none" spc="-5" normalizeH="0" baseline="0" noProof="0" dirty="0">
+                <a:ln>
+                  <a:noFill/>
+                </a:ln>
+                <a:solidFill>
+                  <a:prstClr val="black"/>
+                </a:solidFill>
+                <a:effectLst/>
+                <a:uLnTx/>
+                <a:uFillTx/>
+                <a:latin typeface="Verdana"/>
+                <a:ea typeface="+mn-ea"/>
+                <a:cs typeface="Verdana"/>
+              </a:rPr>
+              <a:t>errors</a:t>
+            </a:r>
+            <a:endParaRPr kumimoji="0" lang="en-US" sz="2150" b="0" i="0" u="none" strike="noStrike" kern="1200" cap="none" spc="0" normalizeH="0" baseline="0" noProof="0" dirty="0">
+              <a:ln>
+                <a:noFill/>
+              </a:ln>
+              <a:solidFill>
+                <a:prstClr val="black"/>
+              </a:solidFill>
+              <a:effectLst/>
+              <a:uLnTx/>
+              <a:uFillTx/>
+              <a:latin typeface="Verdana"/>
+              <a:ea typeface="+mn-ea"/>
+              <a:cs typeface="Verdana"/>
+            </a:endParaRPr>
+          </a:p>
+          <a:p>
+            <a:pPr marL="355600" marR="0" lvl="0" indent="-343535" algn="l" defTabSz="914400" rtl="0" eaLnBrk="1" fontAlgn="auto" latinLnBrk="0" hangingPunct="1">
+              <a:lnSpc>
+                <a:spcPct val="100000"/>
+              </a:lnSpc>
+              <a:spcBef>
+                <a:spcPts val="575"/>
+              </a:spcBef>
+              <a:spcAft>
+                <a:spcPts val="0"/>
+              </a:spcAft>
+              <a:buClrTx/>
+              <a:buSzTx/>
+              <a:buFontTx/>
+              <a:buChar char="•"/>
+              <a:tabLst>
+                <a:tab pos="355600" algn="l"/>
+                <a:tab pos="356235" algn="l"/>
+              </a:tabLst>
+              <a:defRPr/>
+            </a:pPr>
+            <a:r>
+              <a:rPr kumimoji="0" lang="en-US" sz="2150" b="0" i="0" u="none" strike="noStrike" kern="1200" cap="none" spc="0" normalizeH="0" baseline="0" noProof="0" dirty="0">
+                <a:ln>
+                  <a:noFill/>
+                </a:ln>
+                <a:solidFill>
+                  <a:prstClr val="black"/>
+                </a:solidFill>
+                <a:effectLst/>
+                <a:uLnTx/>
+                <a:uFillTx/>
+                <a:latin typeface="Verdana"/>
+                <a:ea typeface="+mn-ea"/>
+                <a:cs typeface="Verdana"/>
+              </a:rPr>
+              <a:t>Mistakes</a:t>
+            </a:r>
+            <a:r>
+              <a:rPr kumimoji="0" lang="en-US" sz="2150" b="0" i="0" u="none" strike="noStrike" kern="1200" cap="none" spc="200" normalizeH="0" baseline="0" noProof="0" dirty="0">
+                <a:ln>
+                  <a:noFill/>
+                </a:ln>
+                <a:solidFill>
+                  <a:prstClr val="black"/>
+                </a:solidFill>
+                <a:effectLst/>
+                <a:uLnTx/>
+                <a:uFillTx/>
+                <a:latin typeface="Verdana"/>
+                <a:ea typeface="+mn-ea"/>
+                <a:cs typeface="Verdana"/>
+              </a:rPr>
+              <a:t> </a:t>
+            </a:r>
+            <a:r>
+              <a:rPr kumimoji="0" lang="en-US" sz="2150" b="0" i="0" u="none" strike="noStrike" kern="1200" cap="none" spc="50" normalizeH="0" baseline="0" noProof="0" dirty="0">
+                <a:ln>
+                  <a:noFill/>
+                </a:ln>
+                <a:solidFill>
+                  <a:prstClr val="black"/>
+                </a:solidFill>
+                <a:effectLst/>
+                <a:uLnTx/>
+                <a:uFillTx/>
+                <a:latin typeface="Verdana"/>
+                <a:ea typeface="+mn-ea"/>
+                <a:cs typeface="Verdana"/>
+              </a:rPr>
+              <a:t>in</a:t>
+            </a:r>
+            <a:r>
+              <a:rPr kumimoji="0" lang="en-US" sz="2150" b="0" i="0" u="none" strike="noStrike" kern="1200" cap="none" spc="-114" normalizeH="0" baseline="0" noProof="0" dirty="0">
+                <a:ln>
+                  <a:noFill/>
+                </a:ln>
+                <a:solidFill>
+                  <a:prstClr val="black"/>
+                </a:solidFill>
+                <a:effectLst/>
+                <a:uLnTx/>
+                <a:uFillTx/>
+                <a:latin typeface="Verdana"/>
+                <a:ea typeface="+mn-ea"/>
+                <a:cs typeface="Verdana"/>
+              </a:rPr>
+              <a:t> </a:t>
+            </a:r>
+            <a:r>
+              <a:rPr kumimoji="0" lang="en-US" sz="2150" b="0" i="0" u="none" strike="noStrike" kern="1200" cap="none" spc="0" normalizeH="0" baseline="0" noProof="0" dirty="0">
+                <a:ln>
+                  <a:noFill/>
+                </a:ln>
+                <a:solidFill>
+                  <a:prstClr val="black"/>
+                </a:solidFill>
+                <a:effectLst/>
+                <a:uLnTx/>
+                <a:uFillTx/>
+                <a:latin typeface="Verdana"/>
+                <a:ea typeface="+mn-ea"/>
+                <a:cs typeface="Verdana"/>
+              </a:rPr>
+              <a:t>error</a:t>
+            </a:r>
+            <a:r>
+              <a:rPr kumimoji="0" lang="en-US" sz="2150" b="0" i="0" u="none" strike="noStrike" kern="1200" cap="none" spc="185" normalizeH="0" baseline="0" noProof="0" dirty="0">
+                <a:ln>
+                  <a:noFill/>
+                </a:ln>
+                <a:solidFill>
+                  <a:prstClr val="black"/>
+                </a:solidFill>
+                <a:effectLst/>
+                <a:uLnTx/>
+                <a:uFillTx/>
+                <a:latin typeface="Verdana"/>
+                <a:ea typeface="+mn-ea"/>
+                <a:cs typeface="Verdana"/>
+              </a:rPr>
+              <a:t> </a:t>
+            </a:r>
+            <a:r>
+              <a:rPr kumimoji="0" lang="en-US" sz="2150" b="0" i="0" u="none" strike="noStrike" kern="1200" cap="none" spc="10" normalizeH="0" baseline="0" noProof="0" dirty="0">
+                <a:ln>
+                  <a:noFill/>
+                </a:ln>
+                <a:solidFill>
+                  <a:prstClr val="black"/>
+                </a:solidFill>
+                <a:effectLst/>
+                <a:uLnTx/>
+                <a:uFillTx/>
+                <a:latin typeface="Verdana"/>
+                <a:ea typeface="+mn-ea"/>
+                <a:cs typeface="Verdana"/>
+              </a:rPr>
+              <a:t>correction</a:t>
+            </a:r>
+            <a:endParaRPr sz="3200" dirty="0">
+              <a:latin typeface="Arial"/>
+              <a:cs typeface="Arial"/>
+            </a:endParaRPr>
+          </a:p>
+        </p:txBody>
+      </p:sp>
+    </p:spTree>
+    <p:extLst>
+      <p:ext uri="{BB962C8B-B14F-4D97-AF65-F5344CB8AC3E}">
+        <p14:creationId xmlns:p14="http://schemas.microsoft.com/office/powerpoint/2010/main" val="1691202746"/>
+      </p:ext>
+    </p:extLst>
+  </p:cSld>
+  <p:clrMapOvr>
+    <a:masterClrMapping/>
+  </p:clrMapOvr>
+  <p:transition spd="slow">
+    <p:push dir="u"/>
+  </p:transition>
+</p:sld>
+</file>
+
+<file path=ppt/slides/slide108.xml><?xml version="1.0" encoding="utf-8"?>
+<p:sld xmlns:a="http://schemas.openxmlformats.org/drawingml/2006/main" xmlns:r="http://schemas.openxmlformats.org/officeDocument/2006/relationships" xmlns:p="http://schemas.openxmlformats.org/presentationml/2006/main">
+  <p:cSld>
+    <p:spTree>
+      <p:nvGrpSpPr>
+        <p:cNvPr id="1" name=""/>
+        <p:cNvGrpSpPr/>
+        <p:nvPr/>
+      </p:nvGrpSpPr>
+      <p:grpSpPr>
+        <a:xfrm>
+          <a:off x="0" y="0"/>
+          <a:ext cx="0" cy="0"/>
+          <a:chOff x="0" y="0"/>
+          <a:chExt cx="0" cy="0"/>
+        </a:xfrm>
+      </p:grpSpPr>
+      <p:sp>
+        <p:nvSpPr>
+          <p:cNvPr id="3" name="Title 2">
+            <a:extLst>
+              <a:ext uri="{FF2B5EF4-FFF2-40B4-BE49-F238E27FC236}">
+                <a16:creationId xmlns:a16="http://schemas.microsoft.com/office/drawing/2014/main" id="{207F9AA1-A88E-43B0-A662-08066854CAEA}"/>
+              </a:ext>
+            </a:extLst>
+          </p:cNvPr>
+          <p:cNvSpPr>
+            <a:spLocks noGrp="1"/>
+          </p:cNvSpPr>
+          <p:nvPr>
+            <p:ph type="title"/>
+          </p:nvPr>
+        </p:nvSpPr>
+        <p:spPr/>
+        <p:txBody>
+          <a:bodyPr/>
+          <a:lstStyle/>
+          <a:p>
+            <a:r>
+              <a:rPr lang="en-IN" sz="2400" b="1" spc="10" dirty="0">
+                <a:solidFill>
+                  <a:schemeClr val="accent1">
+                    <a:lumMod val="75000"/>
+                  </a:schemeClr>
+                </a:solidFill>
+                <a:latin typeface="Arial"/>
+                <a:cs typeface="Arial"/>
+              </a:rPr>
+              <a:t>Defect</a:t>
+            </a:r>
+            <a:r>
+              <a:rPr lang="en-IN" sz="2400" b="1" spc="-135" dirty="0">
+                <a:solidFill>
+                  <a:schemeClr val="accent1">
+                    <a:lumMod val="75000"/>
+                  </a:schemeClr>
+                </a:solidFill>
+                <a:latin typeface="Arial"/>
+                <a:cs typeface="Arial"/>
+              </a:rPr>
+              <a:t> </a:t>
+            </a:r>
+            <a:r>
+              <a:rPr lang="en-IN" sz="2400" b="1" dirty="0">
+                <a:solidFill>
+                  <a:schemeClr val="accent1">
+                    <a:lumMod val="75000"/>
+                  </a:schemeClr>
+                </a:solidFill>
+                <a:latin typeface="Arial"/>
+                <a:cs typeface="Arial"/>
+              </a:rPr>
+              <a:t>Life</a:t>
+            </a:r>
+            <a:r>
+              <a:rPr lang="en-IN" sz="2400" b="1" spc="-95" dirty="0">
+                <a:solidFill>
+                  <a:schemeClr val="accent1">
+                    <a:lumMod val="75000"/>
+                  </a:schemeClr>
+                </a:solidFill>
+                <a:latin typeface="Arial"/>
+                <a:cs typeface="Arial"/>
+              </a:rPr>
+              <a:t> </a:t>
+            </a:r>
+            <a:r>
+              <a:rPr lang="en-IN" sz="2400" b="1" spc="15" dirty="0">
+                <a:solidFill>
+                  <a:schemeClr val="accent1">
+                    <a:lumMod val="75000"/>
+                  </a:schemeClr>
+                </a:solidFill>
+                <a:latin typeface="Arial"/>
+                <a:cs typeface="Arial"/>
+              </a:rPr>
+              <a:t>Cycle</a:t>
+            </a:r>
+            <a:endParaRPr lang="en-IN" dirty="0">
+              <a:solidFill>
+                <a:schemeClr val="accent1">
+                  <a:lumMod val="75000"/>
+                </a:schemeClr>
+              </a:solidFill>
+            </a:endParaRPr>
+          </a:p>
+        </p:txBody>
+      </p:sp>
+      <p:pic>
+        <p:nvPicPr>
+          <p:cNvPr id="34" name="object 3">
+            <a:extLst>
+              <a:ext uri="{FF2B5EF4-FFF2-40B4-BE49-F238E27FC236}">
+                <a16:creationId xmlns:a16="http://schemas.microsoft.com/office/drawing/2014/main" id="{380EADBF-E1A2-4EE2-B4B6-15DC5011B4DF}"/>
+              </a:ext>
+            </a:extLst>
+          </p:cNvPr>
+          <p:cNvPicPr/>
+          <p:nvPr/>
+        </p:nvPicPr>
+        <p:blipFill>
+          <a:blip r:embed="rId2" cstate="print"/>
+          <a:stretch>
+            <a:fillRect/>
+          </a:stretch>
+        </p:blipFill>
+        <p:spPr>
+          <a:xfrm>
+            <a:off x="4324416" y="1532700"/>
+            <a:ext cx="688975" cy="376237"/>
+          </a:xfrm>
+          <a:prstGeom prst="rect">
+            <a:avLst/>
+          </a:prstGeom>
+        </p:spPr>
+      </p:pic>
+      <p:sp>
+        <p:nvSpPr>
+          <p:cNvPr id="35" name="object 4">
+            <a:extLst>
+              <a:ext uri="{FF2B5EF4-FFF2-40B4-BE49-F238E27FC236}">
+                <a16:creationId xmlns:a16="http://schemas.microsoft.com/office/drawing/2014/main" id="{24D63DFC-BA86-4089-A357-D2383F754CB6}"/>
+              </a:ext>
+            </a:extLst>
+          </p:cNvPr>
+          <p:cNvSpPr txBox="1"/>
+          <p:nvPr/>
+        </p:nvSpPr>
+        <p:spPr>
+          <a:xfrm>
+            <a:off x="4324416" y="1532700"/>
+            <a:ext cx="688975" cy="376555"/>
+          </a:xfrm>
+          <a:prstGeom prst="rect">
+            <a:avLst/>
+          </a:prstGeom>
+          <a:ln w="9534">
+            <a:solidFill>
+              <a:srgbClr val="000000"/>
+            </a:solidFill>
+          </a:ln>
+        </p:spPr>
+        <p:txBody>
+          <a:bodyPr vert="horz" wrap="square" lIns="0" tIns="53340" rIns="0" bIns="0" rtlCol="0">
+            <a:spAutoFit/>
+          </a:bodyPr>
+          <a:lstStyle/>
+          <a:p>
+            <a:pPr marL="95250">
+              <a:lnSpc>
+                <a:spcPct val="100000"/>
+              </a:lnSpc>
+              <a:spcBef>
+                <a:spcPts val="420"/>
+              </a:spcBef>
+            </a:pPr>
+            <a:r>
+              <a:rPr sz="1800" spc="-10" dirty="0">
+                <a:latin typeface="Verdana"/>
+                <a:cs typeface="Verdana"/>
+              </a:rPr>
+              <a:t>New</a:t>
+            </a:r>
+            <a:endParaRPr sz="1800">
+              <a:latin typeface="Verdana"/>
+              <a:cs typeface="Verdana"/>
+            </a:endParaRPr>
+          </a:p>
+        </p:txBody>
+      </p:sp>
+      <p:pic>
+        <p:nvPicPr>
+          <p:cNvPr id="36" name="object 5">
+            <a:extLst>
+              <a:ext uri="{FF2B5EF4-FFF2-40B4-BE49-F238E27FC236}">
+                <a16:creationId xmlns:a16="http://schemas.microsoft.com/office/drawing/2014/main" id="{D9BCB866-D8AF-4856-B4FA-44D01FE2F97F}"/>
+              </a:ext>
+            </a:extLst>
+          </p:cNvPr>
+          <p:cNvPicPr/>
+          <p:nvPr/>
+        </p:nvPicPr>
+        <p:blipFill>
+          <a:blip r:embed="rId3" cstate="print"/>
+          <a:stretch>
+            <a:fillRect/>
+          </a:stretch>
+        </p:blipFill>
+        <p:spPr>
+          <a:xfrm>
+            <a:off x="4075242" y="2375599"/>
+            <a:ext cx="1076325" cy="376237"/>
+          </a:xfrm>
+          <a:prstGeom prst="rect">
+            <a:avLst/>
+          </a:prstGeom>
+        </p:spPr>
+      </p:pic>
+      <p:sp>
+        <p:nvSpPr>
+          <p:cNvPr id="37" name="object 6">
+            <a:extLst>
+              <a:ext uri="{FF2B5EF4-FFF2-40B4-BE49-F238E27FC236}">
+                <a16:creationId xmlns:a16="http://schemas.microsoft.com/office/drawing/2014/main" id="{D684C18A-AF12-4899-B29E-BAC4BCEE25EB}"/>
+              </a:ext>
+            </a:extLst>
+          </p:cNvPr>
+          <p:cNvSpPr txBox="1"/>
+          <p:nvPr/>
+        </p:nvSpPr>
+        <p:spPr>
+          <a:xfrm>
+            <a:off x="4075242" y="2375599"/>
+            <a:ext cx="1076325" cy="376555"/>
+          </a:xfrm>
+          <a:prstGeom prst="rect">
+            <a:avLst/>
+          </a:prstGeom>
+          <a:ln w="9534">
+            <a:solidFill>
+              <a:srgbClr val="000000"/>
+            </a:solidFill>
+          </a:ln>
+        </p:spPr>
+        <p:txBody>
+          <a:bodyPr vert="horz" wrap="square" lIns="0" tIns="54610" rIns="0" bIns="0" rtlCol="0">
+            <a:spAutoFit/>
+          </a:bodyPr>
+          <a:lstStyle/>
+          <a:p>
+            <a:pPr marL="104775">
+              <a:lnSpc>
+                <a:spcPct val="100000"/>
+              </a:lnSpc>
+              <a:spcBef>
+                <a:spcPts val="430"/>
+              </a:spcBef>
+            </a:pPr>
+            <a:r>
+              <a:rPr sz="1800" spc="-10" dirty="0">
+                <a:latin typeface="Verdana"/>
+                <a:cs typeface="Verdana"/>
+              </a:rPr>
+              <a:t>Opened</a:t>
+            </a:r>
+            <a:endParaRPr sz="1800">
+              <a:latin typeface="Verdana"/>
+              <a:cs typeface="Verdana"/>
+            </a:endParaRPr>
+          </a:p>
+        </p:txBody>
+      </p:sp>
+      <p:sp>
+        <p:nvSpPr>
+          <p:cNvPr id="38" name="object 7">
+            <a:extLst>
+              <a:ext uri="{FF2B5EF4-FFF2-40B4-BE49-F238E27FC236}">
+                <a16:creationId xmlns:a16="http://schemas.microsoft.com/office/drawing/2014/main" id="{03CECB10-E2E8-4B7F-BDC6-23F61D1E01B5}"/>
+              </a:ext>
+            </a:extLst>
+          </p:cNvPr>
+          <p:cNvSpPr/>
+          <p:nvPr/>
+        </p:nvSpPr>
+        <p:spPr>
+          <a:xfrm>
+            <a:off x="4575241" y="1989837"/>
+            <a:ext cx="76200" cy="304800"/>
+          </a:xfrm>
+          <a:custGeom>
+            <a:avLst/>
+            <a:gdLst/>
+            <a:ahLst/>
+            <a:cxnLst/>
+            <a:rect l="l" t="t" r="r" b="b"/>
+            <a:pathLst>
+              <a:path w="76200" h="304800">
+                <a:moveTo>
+                  <a:pt x="28575" y="228600"/>
+                </a:moveTo>
+                <a:lnTo>
+                  <a:pt x="0" y="228600"/>
+                </a:lnTo>
+                <a:lnTo>
+                  <a:pt x="38100" y="304800"/>
+                </a:lnTo>
+                <a:lnTo>
+                  <a:pt x="69850" y="241300"/>
+                </a:lnTo>
+                <a:lnTo>
+                  <a:pt x="28575" y="241300"/>
+                </a:lnTo>
+                <a:lnTo>
+                  <a:pt x="28575" y="228600"/>
+                </a:lnTo>
+                <a:close/>
+              </a:path>
+              <a:path w="76200" h="304800">
+                <a:moveTo>
+                  <a:pt x="47625" y="0"/>
+                </a:moveTo>
+                <a:lnTo>
+                  <a:pt x="28575" y="0"/>
+                </a:lnTo>
+                <a:lnTo>
+                  <a:pt x="28575" y="241300"/>
+                </a:lnTo>
+                <a:lnTo>
+                  <a:pt x="47625" y="241300"/>
+                </a:lnTo>
+                <a:lnTo>
+                  <a:pt x="47625" y="0"/>
+                </a:lnTo>
+                <a:close/>
+              </a:path>
+              <a:path w="76200" h="304800">
+                <a:moveTo>
+                  <a:pt x="76200" y="228600"/>
+                </a:moveTo>
+                <a:lnTo>
+                  <a:pt x="47625" y="228600"/>
+                </a:lnTo>
+                <a:lnTo>
+                  <a:pt x="47625" y="241300"/>
+                </a:lnTo>
+                <a:lnTo>
+                  <a:pt x="69850" y="241300"/>
+                </a:lnTo>
+                <a:lnTo>
+                  <a:pt x="76200" y="228600"/>
+                </a:lnTo>
+                <a:close/>
+              </a:path>
+            </a:pathLst>
+          </a:custGeom>
+          <a:solidFill>
+            <a:srgbClr val="000000"/>
+          </a:solidFill>
+        </p:spPr>
+        <p:txBody>
+          <a:bodyPr wrap="square" lIns="0" tIns="0" rIns="0" bIns="0" rtlCol="0"/>
+          <a:lstStyle/>
+          <a:p>
+            <a:endParaRPr/>
+          </a:p>
+        </p:txBody>
+      </p:sp>
+      <p:sp>
+        <p:nvSpPr>
+          <p:cNvPr id="39" name="object 8">
+            <a:extLst>
+              <a:ext uri="{FF2B5EF4-FFF2-40B4-BE49-F238E27FC236}">
+                <a16:creationId xmlns:a16="http://schemas.microsoft.com/office/drawing/2014/main" id="{3355868F-2BB4-4B46-8F5C-756895A4DD90}"/>
+              </a:ext>
+            </a:extLst>
+          </p:cNvPr>
+          <p:cNvSpPr/>
+          <p:nvPr/>
+        </p:nvSpPr>
+        <p:spPr>
+          <a:xfrm>
+            <a:off x="4575241" y="2828037"/>
+            <a:ext cx="76200" cy="304800"/>
+          </a:xfrm>
+          <a:custGeom>
+            <a:avLst/>
+            <a:gdLst/>
+            <a:ahLst/>
+            <a:cxnLst/>
+            <a:rect l="l" t="t" r="r" b="b"/>
+            <a:pathLst>
+              <a:path w="76200" h="304800">
+                <a:moveTo>
+                  <a:pt x="28575" y="228600"/>
+                </a:moveTo>
+                <a:lnTo>
+                  <a:pt x="0" y="228600"/>
+                </a:lnTo>
+                <a:lnTo>
+                  <a:pt x="38100" y="304800"/>
+                </a:lnTo>
+                <a:lnTo>
+                  <a:pt x="69850" y="241300"/>
+                </a:lnTo>
+                <a:lnTo>
+                  <a:pt x="28575" y="241300"/>
+                </a:lnTo>
+                <a:lnTo>
+                  <a:pt x="28575" y="228600"/>
+                </a:lnTo>
+                <a:close/>
+              </a:path>
+              <a:path w="76200" h="304800">
+                <a:moveTo>
+                  <a:pt x="47625" y="0"/>
+                </a:moveTo>
+                <a:lnTo>
+                  <a:pt x="28575" y="0"/>
+                </a:lnTo>
+                <a:lnTo>
+                  <a:pt x="28575" y="241300"/>
+                </a:lnTo>
+                <a:lnTo>
+                  <a:pt x="47625" y="241300"/>
+                </a:lnTo>
+                <a:lnTo>
+                  <a:pt x="47625" y="0"/>
+                </a:lnTo>
+                <a:close/>
+              </a:path>
+              <a:path w="76200" h="304800">
+                <a:moveTo>
+                  <a:pt x="76200" y="228600"/>
+                </a:moveTo>
+                <a:lnTo>
+                  <a:pt x="47625" y="228600"/>
+                </a:lnTo>
+                <a:lnTo>
+                  <a:pt x="47625" y="241300"/>
+                </a:lnTo>
+                <a:lnTo>
+                  <a:pt x="69850" y="241300"/>
+                </a:lnTo>
+                <a:lnTo>
+                  <a:pt x="76200" y="228600"/>
+                </a:lnTo>
+                <a:close/>
+              </a:path>
+            </a:pathLst>
+          </a:custGeom>
+          <a:solidFill>
+            <a:srgbClr val="000000"/>
+          </a:solidFill>
+        </p:spPr>
+        <p:txBody>
+          <a:bodyPr wrap="square" lIns="0" tIns="0" rIns="0" bIns="0" rtlCol="0"/>
+          <a:lstStyle/>
+          <a:p>
+            <a:endParaRPr/>
+          </a:p>
+        </p:txBody>
+      </p:sp>
+      <p:pic>
+        <p:nvPicPr>
+          <p:cNvPr id="40" name="object 9">
+            <a:extLst>
+              <a:ext uri="{FF2B5EF4-FFF2-40B4-BE49-F238E27FC236}">
+                <a16:creationId xmlns:a16="http://schemas.microsoft.com/office/drawing/2014/main" id="{D8B941F1-5CFA-428F-8C9C-2F0AB8A3CE07}"/>
+              </a:ext>
+            </a:extLst>
+          </p:cNvPr>
+          <p:cNvPicPr/>
+          <p:nvPr/>
+        </p:nvPicPr>
+        <p:blipFill>
+          <a:blip r:embed="rId4" cstate="print"/>
+          <a:stretch>
+            <a:fillRect/>
+          </a:stretch>
+        </p:blipFill>
+        <p:spPr>
+          <a:xfrm>
+            <a:off x="3519617" y="3213799"/>
+            <a:ext cx="2341499" cy="376237"/>
+          </a:xfrm>
+          <a:prstGeom prst="rect">
+            <a:avLst/>
+          </a:prstGeom>
+        </p:spPr>
+      </p:pic>
+      <p:sp>
+        <p:nvSpPr>
+          <p:cNvPr id="41" name="object 10">
+            <a:extLst>
+              <a:ext uri="{FF2B5EF4-FFF2-40B4-BE49-F238E27FC236}">
+                <a16:creationId xmlns:a16="http://schemas.microsoft.com/office/drawing/2014/main" id="{A44AB167-BD10-4AFA-936E-933F2189D164}"/>
+              </a:ext>
+            </a:extLst>
+          </p:cNvPr>
+          <p:cNvSpPr txBox="1"/>
+          <p:nvPr/>
+        </p:nvSpPr>
+        <p:spPr>
+          <a:xfrm>
+            <a:off x="3519617" y="3213799"/>
+            <a:ext cx="2341880" cy="376555"/>
+          </a:xfrm>
+          <a:prstGeom prst="rect">
+            <a:avLst/>
+          </a:prstGeom>
+          <a:ln w="9534">
+            <a:solidFill>
+              <a:srgbClr val="000000"/>
+            </a:solidFill>
+          </a:ln>
+        </p:spPr>
+        <p:txBody>
+          <a:bodyPr vert="horz" wrap="square" lIns="0" tIns="55879" rIns="0" bIns="0" rtlCol="0">
+            <a:spAutoFit/>
+          </a:bodyPr>
+          <a:lstStyle/>
+          <a:p>
+            <a:pPr marL="104139">
+              <a:lnSpc>
+                <a:spcPct val="100000"/>
+              </a:lnSpc>
+              <a:spcBef>
+                <a:spcPts val="439"/>
+              </a:spcBef>
+            </a:pPr>
+            <a:r>
+              <a:rPr sz="1800" spc="-10" dirty="0">
+                <a:latin typeface="Verdana"/>
+                <a:cs typeface="Verdana"/>
+              </a:rPr>
+              <a:t>Assign/Reassigned</a:t>
+            </a:r>
+            <a:endParaRPr sz="1800" dirty="0">
+              <a:latin typeface="Verdana"/>
+              <a:cs typeface="Verdana"/>
+            </a:endParaRPr>
+          </a:p>
+        </p:txBody>
+      </p:sp>
+      <p:pic>
+        <p:nvPicPr>
+          <p:cNvPr id="42" name="object 11">
+            <a:extLst>
+              <a:ext uri="{FF2B5EF4-FFF2-40B4-BE49-F238E27FC236}">
+                <a16:creationId xmlns:a16="http://schemas.microsoft.com/office/drawing/2014/main" id="{D8F259AE-6C11-440A-9592-8490E1BA01D4}"/>
+              </a:ext>
+            </a:extLst>
+          </p:cNvPr>
+          <p:cNvPicPr/>
+          <p:nvPr/>
+        </p:nvPicPr>
+        <p:blipFill>
+          <a:blip r:embed="rId5" cstate="print"/>
+          <a:stretch>
+            <a:fillRect/>
+          </a:stretch>
+        </p:blipFill>
+        <p:spPr>
+          <a:xfrm>
+            <a:off x="4211767" y="4163124"/>
+            <a:ext cx="803275" cy="376237"/>
+          </a:xfrm>
+          <a:prstGeom prst="rect">
+            <a:avLst/>
+          </a:prstGeom>
+        </p:spPr>
+      </p:pic>
+      <p:sp>
+        <p:nvSpPr>
+          <p:cNvPr id="43" name="object 12">
+            <a:extLst>
+              <a:ext uri="{FF2B5EF4-FFF2-40B4-BE49-F238E27FC236}">
+                <a16:creationId xmlns:a16="http://schemas.microsoft.com/office/drawing/2014/main" id="{D012ADAA-3CEE-4186-B743-27E6654026B2}"/>
+              </a:ext>
+            </a:extLst>
+          </p:cNvPr>
+          <p:cNvSpPr txBox="1"/>
+          <p:nvPr/>
+        </p:nvSpPr>
+        <p:spPr>
+          <a:xfrm>
+            <a:off x="4211767" y="4163124"/>
+            <a:ext cx="803275" cy="376555"/>
+          </a:xfrm>
+          <a:prstGeom prst="rect">
+            <a:avLst/>
+          </a:prstGeom>
+          <a:ln w="9534">
+            <a:solidFill>
+              <a:srgbClr val="000000"/>
+            </a:solidFill>
+          </a:ln>
+        </p:spPr>
+        <p:txBody>
+          <a:bodyPr vert="horz" wrap="square" lIns="0" tIns="57150" rIns="0" bIns="0" rtlCol="0">
+            <a:spAutoFit/>
+          </a:bodyPr>
+          <a:lstStyle/>
+          <a:p>
+            <a:pPr marL="104775">
+              <a:lnSpc>
+                <a:spcPct val="100000"/>
+              </a:lnSpc>
+              <a:spcBef>
+                <a:spcPts val="450"/>
+              </a:spcBef>
+            </a:pPr>
+            <a:r>
+              <a:rPr sz="1800" spc="-15" dirty="0">
+                <a:latin typeface="Verdana"/>
+                <a:cs typeface="Verdana"/>
+              </a:rPr>
+              <a:t>Fixed</a:t>
+            </a:r>
+            <a:endParaRPr sz="1800">
+              <a:latin typeface="Verdana"/>
+              <a:cs typeface="Verdana"/>
+            </a:endParaRPr>
+          </a:p>
+        </p:txBody>
+      </p:sp>
+      <p:sp>
+        <p:nvSpPr>
+          <p:cNvPr id="44" name="object 13">
+            <a:extLst>
+              <a:ext uri="{FF2B5EF4-FFF2-40B4-BE49-F238E27FC236}">
+                <a16:creationId xmlns:a16="http://schemas.microsoft.com/office/drawing/2014/main" id="{38D4F0AC-0D69-4CC7-A753-1705805DAD4A}"/>
+              </a:ext>
+            </a:extLst>
+          </p:cNvPr>
+          <p:cNvSpPr/>
+          <p:nvPr/>
+        </p:nvSpPr>
+        <p:spPr>
+          <a:xfrm>
+            <a:off x="4575241" y="3742437"/>
+            <a:ext cx="76200" cy="304800"/>
+          </a:xfrm>
+          <a:custGeom>
+            <a:avLst/>
+            <a:gdLst/>
+            <a:ahLst/>
+            <a:cxnLst/>
+            <a:rect l="l" t="t" r="r" b="b"/>
+            <a:pathLst>
+              <a:path w="76200" h="304800">
+                <a:moveTo>
+                  <a:pt x="28575" y="228600"/>
+                </a:moveTo>
+                <a:lnTo>
+                  <a:pt x="0" y="228600"/>
+                </a:lnTo>
+                <a:lnTo>
+                  <a:pt x="38100" y="304800"/>
+                </a:lnTo>
+                <a:lnTo>
+                  <a:pt x="69850" y="241300"/>
+                </a:lnTo>
+                <a:lnTo>
+                  <a:pt x="28575" y="241300"/>
+                </a:lnTo>
+                <a:lnTo>
+                  <a:pt x="28575" y="228600"/>
+                </a:lnTo>
+                <a:close/>
+              </a:path>
+              <a:path w="76200" h="304800">
+                <a:moveTo>
+                  <a:pt x="47625" y="0"/>
+                </a:moveTo>
+                <a:lnTo>
+                  <a:pt x="28575" y="0"/>
+                </a:lnTo>
+                <a:lnTo>
+                  <a:pt x="28575" y="241300"/>
+                </a:lnTo>
+                <a:lnTo>
+                  <a:pt x="47625" y="241300"/>
+                </a:lnTo>
+                <a:lnTo>
+                  <a:pt x="47625" y="0"/>
+                </a:lnTo>
+                <a:close/>
+              </a:path>
+              <a:path w="76200" h="304800">
+                <a:moveTo>
+                  <a:pt x="76200" y="228600"/>
+                </a:moveTo>
+                <a:lnTo>
+                  <a:pt x="47625" y="228600"/>
+                </a:lnTo>
+                <a:lnTo>
+                  <a:pt x="47625" y="241300"/>
+                </a:lnTo>
+                <a:lnTo>
+                  <a:pt x="69850" y="241300"/>
+                </a:lnTo>
+                <a:lnTo>
+                  <a:pt x="76200" y="228600"/>
+                </a:lnTo>
+                <a:close/>
+              </a:path>
+            </a:pathLst>
+          </a:custGeom>
+          <a:solidFill>
+            <a:srgbClr val="000000"/>
+          </a:solidFill>
+        </p:spPr>
+        <p:txBody>
+          <a:bodyPr wrap="square" lIns="0" tIns="0" rIns="0" bIns="0" rtlCol="0"/>
+          <a:lstStyle/>
+          <a:p>
+            <a:endParaRPr/>
+          </a:p>
+        </p:txBody>
+      </p:sp>
+      <p:sp>
+        <p:nvSpPr>
+          <p:cNvPr id="45" name="object 14">
+            <a:extLst>
+              <a:ext uri="{FF2B5EF4-FFF2-40B4-BE49-F238E27FC236}">
+                <a16:creationId xmlns:a16="http://schemas.microsoft.com/office/drawing/2014/main" id="{4AD3ED10-C09C-4A20-8140-E53688F96E35}"/>
+              </a:ext>
+            </a:extLst>
+          </p:cNvPr>
+          <p:cNvSpPr/>
+          <p:nvPr/>
+        </p:nvSpPr>
+        <p:spPr>
+          <a:xfrm>
+            <a:off x="4575241" y="4656837"/>
+            <a:ext cx="76200" cy="381000"/>
+          </a:xfrm>
+          <a:custGeom>
+            <a:avLst/>
+            <a:gdLst/>
+            <a:ahLst/>
+            <a:cxnLst/>
+            <a:rect l="l" t="t" r="r" b="b"/>
+            <a:pathLst>
+              <a:path w="76200" h="381000">
+                <a:moveTo>
+                  <a:pt x="28575" y="304800"/>
+                </a:moveTo>
+                <a:lnTo>
+                  <a:pt x="0" y="304800"/>
+                </a:lnTo>
+                <a:lnTo>
+                  <a:pt x="38100" y="381000"/>
+                </a:lnTo>
+                <a:lnTo>
+                  <a:pt x="69850" y="317500"/>
+                </a:lnTo>
+                <a:lnTo>
+                  <a:pt x="28575" y="317500"/>
+                </a:lnTo>
+                <a:lnTo>
+                  <a:pt x="28575" y="304800"/>
+                </a:lnTo>
+                <a:close/>
+              </a:path>
+              <a:path w="76200" h="381000">
+                <a:moveTo>
+                  <a:pt x="47625" y="0"/>
+                </a:moveTo>
+                <a:lnTo>
+                  <a:pt x="28575" y="0"/>
+                </a:lnTo>
+                <a:lnTo>
+                  <a:pt x="28575" y="317500"/>
+                </a:lnTo>
+                <a:lnTo>
+                  <a:pt x="47625" y="317500"/>
+                </a:lnTo>
+                <a:lnTo>
+                  <a:pt x="47625" y="0"/>
+                </a:lnTo>
+                <a:close/>
+              </a:path>
+              <a:path w="76200" h="381000">
+                <a:moveTo>
+                  <a:pt x="76200" y="304800"/>
+                </a:moveTo>
+                <a:lnTo>
+                  <a:pt x="47625" y="304800"/>
+                </a:lnTo>
+                <a:lnTo>
+                  <a:pt x="47625" y="317500"/>
+                </a:lnTo>
+                <a:lnTo>
+                  <a:pt x="69850" y="317500"/>
+                </a:lnTo>
+                <a:lnTo>
+                  <a:pt x="76200" y="304800"/>
+                </a:lnTo>
+                <a:close/>
+              </a:path>
+            </a:pathLst>
+          </a:custGeom>
+          <a:solidFill>
+            <a:srgbClr val="000000"/>
+          </a:solidFill>
+        </p:spPr>
+        <p:txBody>
+          <a:bodyPr wrap="square" lIns="0" tIns="0" rIns="0" bIns="0" rtlCol="0"/>
+          <a:lstStyle/>
+          <a:p>
+            <a:endParaRPr/>
+          </a:p>
+        </p:txBody>
+      </p:sp>
+      <p:grpSp>
+        <p:nvGrpSpPr>
+          <p:cNvPr id="46" name="object 15">
+            <a:extLst>
+              <a:ext uri="{FF2B5EF4-FFF2-40B4-BE49-F238E27FC236}">
+                <a16:creationId xmlns:a16="http://schemas.microsoft.com/office/drawing/2014/main" id="{B192ED76-0212-43B0-AE8E-977433782DB9}"/>
+              </a:ext>
+            </a:extLst>
+          </p:cNvPr>
+          <p:cNvGrpSpPr/>
+          <p:nvPr/>
+        </p:nvGrpSpPr>
+        <p:grpSpPr>
+          <a:xfrm>
+            <a:off x="4006661" y="5148644"/>
+            <a:ext cx="1215390" cy="386715"/>
+            <a:chOff x="2990595" y="5140007"/>
+            <a:chExt cx="1215390" cy="386715"/>
+          </a:xfrm>
+        </p:grpSpPr>
+        <p:pic>
+          <p:nvPicPr>
+            <p:cNvPr id="47" name="object 16">
+              <a:extLst>
+                <a:ext uri="{FF2B5EF4-FFF2-40B4-BE49-F238E27FC236}">
+                  <a16:creationId xmlns:a16="http://schemas.microsoft.com/office/drawing/2014/main" id="{62BB7F61-AB5F-4C70-9A9A-5F0A0847B45B}"/>
+                </a:ext>
+              </a:extLst>
+            </p:cNvPr>
+            <p:cNvPicPr/>
+            <p:nvPr/>
+          </p:nvPicPr>
+          <p:blipFill>
+            <a:blip r:embed="rId6" cstate="print"/>
+            <a:stretch>
+              <a:fillRect/>
+            </a:stretch>
+          </p:blipFill>
+          <p:spPr>
+            <a:xfrm>
+              <a:off x="2995675" y="5145087"/>
+              <a:ext cx="1204912" cy="376237"/>
+            </a:xfrm>
+            <a:prstGeom prst="rect">
+              <a:avLst/>
+            </a:prstGeom>
+          </p:spPr>
+        </p:pic>
+        <p:sp>
+          <p:nvSpPr>
+            <p:cNvPr id="48" name="object 17">
+              <a:extLst>
+                <a:ext uri="{FF2B5EF4-FFF2-40B4-BE49-F238E27FC236}">
+                  <a16:creationId xmlns:a16="http://schemas.microsoft.com/office/drawing/2014/main" id="{CE791CFB-FB7B-4357-884D-88482DE76A50}"/>
+                </a:ext>
+              </a:extLst>
+            </p:cNvPr>
+            <p:cNvSpPr/>
+            <p:nvPr/>
+          </p:nvSpPr>
+          <p:spPr>
+            <a:xfrm>
+              <a:off x="2995675" y="5145087"/>
+              <a:ext cx="1205230" cy="376555"/>
+            </a:xfrm>
+            <a:custGeom>
+              <a:avLst/>
+              <a:gdLst/>
+              <a:ahLst/>
+              <a:cxnLst/>
+              <a:rect l="l" t="t" r="r" b="b"/>
+              <a:pathLst>
+                <a:path w="1205229" h="376554">
+                  <a:moveTo>
+                    <a:pt x="0" y="376237"/>
+                  </a:moveTo>
+                  <a:lnTo>
+                    <a:pt x="1204912" y="376237"/>
+                  </a:lnTo>
+                  <a:lnTo>
+                    <a:pt x="1204912" y="0"/>
+                  </a:lnTo>
+                  <a:lnTo>
+                    <a:pt x="0" y="0"/>
+                  </a:lnTo>
+                  <a:lnTo>
+                    <a:pt x="0" y="376237"/>
+                  </a:lnTo>
+                  <a:close/>
+                </a:path>
+              </a:pathLst>
+            </a:custGeom>
+            <a:ln w="9534">
+              <a:solidFill>
+                <a:srgbClr val="000000"/>
+              </a:solidFill>
+            </a:ln>
+          </p:spPr>
+          <p:txBody>
+            <a:bodyPr wrap="square" lIns="0" tIns="0" rIns="0" bIns="0" rtlCol="0"/>
+            <a:lstStyle/>
+            <a:p>
+              <a:endParaRPr/>
+            </a:p>
+          </p:txBody>
+        </p:sp>
+      </p:grpSp>
+      <p:sp>
+        <p:nvSpPr>
+          <p:cNvPr id="49" name="object 18">
+            <a:extLst>
+              <a:ext uri="{FF2B5EF4-FFF2-40B4-BE49-F238E27FC236}">
+                <a16:creationId xmlns:a16="http://schemas.microsoft.com/office/drawing/2014/main" id="{50DB37FF-B2BC-4C7D-A211-95B99AFE89DB}"/>
+              </a:ext>
+            </a:extLst>
+          </p:cNvPr>
+          <p:cNvSpPr txBox="1"/>
+          <p:nvPr/>
+        </p:nvSpPr>
+        <p:spPr>
+          <a:xfrm>
+            <a:off x="4103817" y="5199190"/>
+            <a:ext cx="1016000" cy="300355"/>
+          </a:xfrm>
+          <a:prstGeom prst="rect">
+            <a:avLst/>
+          </a:prstGeom>
+        </p:spPr>
+        <p:txBody>
+          <a:bodyPr vert="horz" wrap="square" lIns="0" tIns="12700" rIns="0" bIns="0" rtlCol="0">
+            <a:spAutoFit/>
+          </a:bodyPr>
+          <a:lstStyle/>
+          <a:p>
+            <a:pPr marL="12700">
+              <a:lnSpc>
+                <a:spcPct val="100000"/>
+              </a:lnSpc>
+              <a:spcBef>
+                <a:spcPts val="100"/>
+              </a:spcBef>
+            </a:pPr>
+            <a:r>
+              <a:rPr sz="1800" spc="-25" dirty="0">
+                <a:latin typeface="Verdana"/>
+                <a:cs typeface="Verdana"/>
+              </a:rPr>
+              <a:t>Retested</a:t>
+            </a:r>
+            <a:endParaRPr sz="1800">
+              <a:latin typeface="Verdana"/>
+              <a:cs typeface="Verdana"/>
+            </a:endParaRPr>
+          </a:p>
+        </p:txBody>
+      </p:sp>
+      <p:grpSp>
+        <p:nvGrpSpPr>
+          <p:cNvPr id="50" name="object 19">
+            <a:extLst>
+              <a:ext uri="{FF2B5EF4-FFF2-40B4-BE49-F238E27FC236}">
+                <a16:creationId xmlns:a16="http://schemas.microsoft.com/office/drawing/2014/main" id="{5FCDDDCC-8167-4185-8052-5E3FEF226E3E}"/>
+              </a:ext>
+            </a:extLst>
+          </p:cNvPr>
+          <p:cNvGrpSpPr/>
+          <p:nvPr/>
+        </p:nvGrpSpPr>
+        <p:grpSpPr>
+          <a:xfrm>
+            <a:off x="4137091" y="5571237"/>
+            <a:ext cx="954405" cy="644525"/>
+            <a:chOff x="3121025" y="5562600"/>
+            <a:chExt cx="954405" cy="644525"/>
+          </a:xfrm>
+        </p:grpSpPr>
+        <p:sp>
+          <p:nvSpPr>
+            <p:cNvPr id="51" name="object 20">
+              <a:extLst>
+                <a:ext uri="{FF2B5EF4-FFF2-40B4-BE49-F238E27FC236}">
+                  <a16:creationId xmlns:a16="http://schemas.microsoft.com/office/drawing/2014/main" id="{514BFE6A-E35D-45A1-8F93-674ACA271FAF}"/>
+                </a:ext>
+              </a:extLst>
+            </p:cNvPr>
+            <p:cNvSpPr/>
+            <p:nvPr/>
+          </p:nvSpPr>
+          <p:spPr>
+            <a:xfrm>
+              <a:off x="3516503" y="5562599"/>
+              <a:ext cx="119380" cy="457200"/>
+            </a:xfrm>
+            <a:custGeom>
+              <a:avLst/>
+              <a:gdLst/>
+              <a:ahLst/>
+              <a:cxnLst/>
+              <a:rect l="l" t="t" r="r" b="b"/>
+              <a:pathLst>
+                <a:path w="119379" h="457200">
+                  <a:moveTo>
+                    <a:pt x="80772" y="457200"/>
+                  </a:moveTo>
+                  <a:lnTo>
+                    <a:pt x="53848" y="376377"/>
+                  </a:lnTo>
+                  <a:lnTo>
+                    <a:pt x="0" y="430263"/>
+                  </a:lnTo>
+                  <a:lnTo>
+                    <a:pt x="80772" y="457200"/>
+                  </a:lnTo>
+                  <a:close/>
+                </a:path>
+                <a:path w="119379" h="457200">
+                  <a:moveTo>
+                    <a:pt x="118872" y="228600"/>
+                  </a:moveTo>
+                  <a:lnTo>
+                    <a:pt x="90297" y="228600"/>
+                  </a:lnTo>
+                  <a:lnTo>
+                    <a:pt x="90297" y="0"/>
+                  </a:lnTo>
+                  <a:lnTo>
+                    <a:pt x="71247" y="0"/>
+                  </a:lnTo>
+                  <a:lnTo>
+                    <a:pt x="71247" y="228600"/>
+                  </a:lnTo>
+                  <a:lnTo>
+                    <a:pt x="42672" y="228600"/>
+                  </a:lnTo>
+                  <a:lnTo>
+                    <a:pt x="80772" y="304800"/>
+                  </a:lnTo>
+                  <a:lnTo>
+                    <a:pt x="112522" y="241300"/>
+                  </a:lnTo>
+                  <a:lnTo>
+                    <a:pt x="118872" y="228600"/>
+                  </a:lnTo>
+                  <a:close/>
+                </a:path>
+              </a:pathLst>
+            </a:custGeom>
+            <a:solidFill>
+              <a:srgbClr val="000000"/>
+            </a:solidFill>
+          </p:spPr>
+          <p:txBody>
+            <a:bodyPr wrap="square" lIns="0" tIns="0" rIns="0" bIns="0" rtlCol="0"/>
+            <a:lstStyle/>
+            <a:p>
+              <a:endParaRPr/>
+            </a:p>
+          </p:txBody>
+        </p:sp>
+        <p:pic>
+          <p:nvPicPr>
+            <p:cNvPr id="52" name="object 21">
+              <a:extLst>
+                <a:ext uri="{FF2B5EF4-FFF2-40B4-BE49-F238E27FC236}">
+                  <a16:creationId xmlns:a16="http://schemas.microsoft.com/office/drawing/2014/main" id="{652B190E-C715-4719-994B-65127DECF70F}"/>
+                </a:ext>
+              </a:extLst>
+            </p:cNvPr>
+            <p:cNvPicPr/>
+            <p:nvPr/>
+          </p:nvPicPr>
+          <p:blipFill>
+            <a:blip r:embed="rId7" cstate="print"/>
+            <a:stretch>
+              <a:fillRect/>
+            </a:stretch>
+          </p:blipFill>
+          <p:spPr>
+            <a:xfrm>
+              <a:off x="3121025" y="5830887"/>
+              <a:ext cx="954087" cy="376237"/>
+            </a:xfrm>
+            <a:prstGeom prst="rect">
+              <a:avLst/>
+            </a:prstGeom>
+          </p:spPr>
+        </p:pic>
+      </p:grpSp>
+      <p:sp>
+        <p:nvSpPr>
+          <p:cNvPr id="53" name="object 22">
+            <a:extLst>
+              <a:ext uri="{FF2B5EF4-FFF2-40B4-BE49-F238E27FC236}">
+                <a16:creationId xmlns:a16="http://schemas.microsoft.com/office/drawing/2014/main" id="{E6CD5460-E10A-4FA9-AAD3-0CA6CBE8B4B5}"/>
+              </a:ext>
+            </a:extLst>
+          </p:cNvPr>
+          <p:cNvSpPr txBox="1"/>
+          <p:nvPr/>
+        </p:nvSpPr>
+        <p:spPr>
+          <a:xfrm>
+            <a:off x="4137091" y="5839524"/>
+            <a:ext cx="954405" cy="376555"/>
+          </a:xfrm>
+          <a:prstGeom prst="rect">
+            <a:avLst/>
+          </a:prstGeom>
+          <a:ln w="9534">
+            <a:solidFill>
+              <a:srgbClr val="000000"/>
+            </a:solidFill>
+          </a:ln>
+        </p:spPr>
+        <p:txBody>
+          <a:bodyPr vert="horz" wrap="square" lIns="0" tIns="59055" rIns="0" bIns="0" rtlCol="0">
+            <a:spAutoFit/>
+          </a:bodyPr>
+          <a:lstStyle/>
+          <a:p>
+            <a:pPr marL="95250">
+              <a:lnSpc>
+                <a:spcPct val="100000"/>
+              </a:lnSpc>
+              <a:spcBef>
+                <a:spcPts val="465"/>
+              </a:spcBef>
+            </a:pPr>
+            <a:r>
+              <a:rPr sz="1800" dirty="0">
+                <a:latin typeface="Verdana"/>
+                <a:cs typeface="Verdana"/>
+              </a:rPr>
+              <a:t>Closed</a:t>
+            </a:r>
+            <a:endParaRPr sz="1800">
+              <a:latin typeface="Verdana"/>
+              <a:cs typeface="Verdana"/>
+            </a:endParaRPr>
+          </a:p>
+        </p:txBody>
+      </p:sp>
+      <p:grpSp>
+        <p:nvGrpSpPr>
+          <p:cNvPr id="54" name="object 23">
+            <a:extLst>
+              <a:ext uri="{FF2B5EF4-FFF2-40B4-BE49-F238E27FC236}">
+                <a16:creationId xmlns:a16="http://schemas.microsoft.com/office/drawing/2014/main" id="{9A416A6D-42F8-46DE-B578-E3E50F776347}"/>
+              </a:ext>
+            </a:extLst>
+          </p:cNvPr>
+          <p:cNvGrpSpPr/>
+          <p:nvPr/>
+        </p:nvGrpSpPr>
+        <p:grpSpPr>
+          <a:xfrm>
+            <a:off x="2997266" y="1604069"/>
+            <a:ext cx="4135754" cy="4538980"/>
+            <a:chOff x="1981200" y="1595432"/>
+            <a:chExt cx="4135754" cy="4538980"/>
+          </a:xfrm>
+        </p:grpSpPr>
+        <p:sp>
+          <p:nvSpPr>
+            <p:cNvPr id="55" name="object 24">
+              <a:extLst>
+                <a:ext uri="{FF2B5EF4-FFF2-40B4-BE49-F238E27FC236}">
+                  <a16:creationId xmlns:a16="http://schemas.microsoft.com/office/drawing/2014/main" id="{168FD8B5-C6DE-4EAC-814A-D04ACB2EFD35}"/>
+                </a:ext>
+              </a:extLst>
+            </p:cNvPr>
+            <p:cNvSpPr/>
+            <p:nvPr/>
+          </p:nvSpPr>
+          <p:spPr>
+            <a:xfrm>
+              <a:off x="1997075" y="1600200"/>
+              <a:ext cx="4114800" cy="4495800"/>
+            </a:xfrm>
+            <a:custGeom>
+              <a:avLst/>
+              <a:gdLst/>
+              <a:ahLst/>
+              <a:cxnLst/>
+              <a:rect l="l" t="t" r="r" b="b"/>
+              <a:pathLst>
+                <a:path w="4114800" h="4495800">
+                  <a:moveTo>
+                    <a:pt x="2016125" y="0"/>
+                  </a:moveTo>
+                  <a:lnTo>
+                    <a:pt x="4073525" y="0"/>
+                  </a:lnTo>
+                </a:path>
+                <a:path w="4114800" h="4495800">
+                  <a:moveTo>
+                    <a:pt x="4114800" y="0"/>
+                  </a:moveTo>
+                  <a:lnTo>
+                    <a:pt x="4114800" y="4495800"/>
+                  </a:lnTo>
+                </a:path>
+                <a:path w="4114800" h="4495800">
+                  <a:moveTo>
+                    <a:pt x="0" y="1828800"/>
+                  </a:moveTo>
+                  <a:lnTo>
+                    <a:pt x="0" y="3733800"/>
+                  </a:lnTo>
+                </a:path>
+                <a:path w="4114800" h="4495800">
+                  <a:moveTo>
+                    <a:pt x="0" y="3733800"/>
+                  </a:moveTo>
+                  <a:lnTo>
+                    <a:pt x="1066800" y="3733800"/>
+                  </a:lnTo>
+                </a:path>
+              </a:pathLst>
+            </a:custGeom>
+            <a:ln w="9534">
+              <a:solidFill>
+                <a:srgbClr val="000000"/>
+              </a:solidFill>
+            </a:ln>
+          </p:spPr>
+          <p:txBody>
+            <a:bodyPr wrap="square" lIns="0" tIns="0" rIns="0" bIns="0" rtlCol="0"/>
+            <a:lstStyle/>
+            <a:p>
+              <a:endParaRPr/>
+            </a:p>
+          </p:txBody>
+        </p:sp>
+        <p:sp>
+          <p:nvSpPr>
+            <p:cNvPr id="56" name="object 25">
+              <a:extLst>
+                <a:ext uri="{FF2B5EF4-FFF2-40B4-BE49-F238E27FC236}">
+                  <a16:creationId xmlns:a16="http://schemas.microsoft.com/office/drawing/2014/main" id="{149E3631-8E57-411C-87D4-302F2A6D5D7A}"/>
+                </a:ext>
+              </a:extLst>
+            </p:cNvPr>
+            <p:cNvSpPr/>
+            <p:nvPr/>
+          </p:nvSpPr>
+          <p:spPr>
+            <a:xfrm>
+              <a:off x="1981200" y="3390899"/>
+              <a:ext cx="4130675" cy="2743200"/>
+            </a:xfrm>
+            <a:custGeom>
+              <a:avLst/>
+              <a:gdLst/>
+              <a:ahLst/>
+              <a:cxnLst/>
+              <a:rect l="l" t="t" r="r" b="b"/>
+              <a:pathLst>
+                <a:path w="4130675" h="2743200">
+                  <a:moveTo>
+                    <a:pt x="549275" y="38100"/>
+                  </a:moveTo>
+                  <a:lnTo>
+                    <a:pt x="530225" y="28575"/>
+                  </a:lnTo>
+                  <a:lnTo>
+                    <a:pt x="473075" y="0"/>
+                  </a:lnTo>
+                  <a:lnTo>
+                    <a:pt x="473075" y="28575"/>
+                  </a:lnTo>
+                  <a:lnTo>
+                    <a:pt x="0" y="28575"/>
+                  </a:lnTo>
+                  <a:lnTo>
+                    <a:pt x="0" y="47625"/>
+                  </a:lnTo>
+                  <a:lnTo>
+                    <a:pt x="473075" y="47625"/>
+                  </a:lnTo>
+                  <a:lnTo>
+                    <a:pt x="473075" y="76200"/>
+                  </a:lnTo>
+                  <a:lnTo>
+                    <a:pt x="530225" y="47625"/>
+                  </a:lnTo>
+                  <a:lnTo>
+                    <a:pt x="549275" y="38100"/>
+                  </a:lnTo>
+                  <a:close/>
+                </a:path>
+                <a:path w="4130675" h="2743200">
+                  <a:moveTo>
+                    <a:pt x="4130675" y="2695575"/>
+                  </a:moveTo>
+                  <a:lnTo>
+                    <a:pt x="2149475" y="2695575"/>
+                  </a:lnTo>
+                  <a:lnTo>
+                    <a:pt x="2149475" y="2667000"/>
+                  </a:lnTo>
+                  <a:lnTo>
+                    <a:pt x="2073275" y="2705100"/>
+                  </a:lnTo>
+                  <a:lnTo>
+                    <a:pt x="2149475" y="2743200"/>
+                  </a:lnTo>
+                  <a:lnTo>
+                    <a:pt x="2149475" y="2714625"/>
+                  </a:lnTo>
+                  <a:lnTo>
+                    <a:pt x="4130675" y="2714625"/>
+                  </a:lnTo>
+                  <a:lnTo>
+                    <a:pt x="4130675" y="2695575"/>
+                  </a:lnTo>
+                  <a:close/>
+                </a:path>
+              </a:pathLst>
+            </a:custGeom>
+            <a:solidFill>
+              <a:srgbClr val="000000"/>
+            </a:solidFill>
+          </p:spPr>
+          <p:txBody>
+            <a:bodyPr wrap="square" lIns="0" tIns="0" rIns="0" bIns="0" rtlCol="0"/>
+            <a:lstStyle/>
+            <a:p>
+              <a:endParaRPr/>
+            </a:p>
+          </p:txBody>
+        </p:sp>
+      </p:grpSp>
+      <p:sp>
+        <p:nvSpPr>
+          <p:cNvPr id="57" name="object 26">
+            <a:extLst>
+              <a:ext uri="{FF2B5EF4-FFF2-40B4-BE49-F238E27FC236}">
+                <a16:creationId xmlns:a16="http://schemas.microsoft.com/office/drawing/2014/main" id="{A1069AD2-5803-49A5-A816-636DE3B01B8D}"/>
+              </a:ext>
+            </a:extLst>
+          </p:cNvPr>
+          <p:cNvSpPr txBox="1"/>
+          <p:nvPr/>
+        </p:nvSpPr>
+        <p:spPr>
+          <a:xfrm>
+            <a:off x="2620329" y="4086035"/>
+            <a:ext cx="337185" cy="300355"/>
+          </a:xfrm>
+          <a:prstGeom prst="rect">
+            <a:avLst/>
+          </a:prstGeom>
+        </p:spPr>
+        <p:txBody>
+          <a:bodyPr vert="horz" wrap="square" lIns="0" tIns="12700" rIns="0" bIns="0" rtlCol="0">
+            <a:spAutoFit/>
+          </a:bodyPr>
+          <a:lstStyle/>
+          <a:p>
+            <a:pPr marL="12700">
+              <a:lnSpc>
+                <a:spcPct val="100000"/>
+              </a:lnSpc>
+              <a:spcBef>
+                <a:spcPts val="100"/>
+              </a:spcBef>
+            </a:pPr>
+            <a:r>
+              <a:rPr sz="1800" dirty="0">
+                <a:latin typeface="Verdana"/>
+                <a:cs typeface="Verdana"/>
+              </a:rPr>
+              <a:t>No</a:t>
+            </a:r>
+            <a:endParaRPr sz="1800">
+              <a:latin typeface="Verdana"/>
+              <a:cs typeface="Verdana"/>
+            </a:endParaRPr>
+          </a:p>
+        </p:txBody>
+      </p:sp>
+      <p:sp>
+        <p:nvSpPr>
+          <p:cNvPr id="60" name="object 27">
+            <a:extLst>
+              <a:ext uri="{FF2B5EF4-FFF2-40B4-BE49-F238E27FC236}">
+                <a16:creationId xmlns:a16="http://schemas.microsoft.com/office/drawing/2014/main" id="{1D422FBD-F64C-47EF-89E8-1165A005825D}"/>
+              </a:ext>
+            </a:extLst>
+          </p:cNvPr>
+          <p:cNvSpPr txBox="1"/>
+          <p:nvPr/>
+        </p:nvSpPr>
+        <p:spPr>
+          <a:xfrm>
+            <a:off x="7502337" y="3507169"/>
+            <a:ext cx="337185" cy="300355"/>
+          </a:xfrm>
+          <a:prstGeom prst="rect">
+            <a:avLst/>
+          </a:prstGeom>
+        </p:spPr>
+        <p:txBody>
+          <a:bodyPr vert="horz" wrap="square" lIns="0" tIns="12700" rIns="0" bIns="0" rtlCol="0">
+            <a:spAutoFit/>
+          </a:bodyPr>
+          <a:lstStyle/>
+          <a:p>
+            <a:pPr marL="12700">
+              <a:lnSpc>
+                <a:spcPct val="100000"/>
+              </a:lnSpc>
+              <a:spcBef>
+                <a:spcPts val="100"/>
+              </a:spcBef>
+            </a:pPr>
+            <a:r>
+              <a:rPr sz="1800" dirty="0">
+                <a:latin typeface="Verdana"/>
+                <a:cs typeface="Verdana"/>
+              </a:rPr>
+              <a:t>No</a:t>
+            </a:r>
+            <a:endParaRPr sz="1800">
+              <a:latin typeface="Verdana"/>
+              <a:cs typeface="Verdana"/>
+            </a:endParaRPr>
+          </a:p>
+        </p:txBody>
+      </p:sp>
+      <p:sp>
+        <p:nvSpPr>
+          <p:cNvPr id="61" name="object 28">
+            <a:extLst>
+              <a:ext uri="{FF2B5EF4-FFF2-40B4-BE49-F238E27FC236}">
+                <a16:creationId xmlns:a16="http://schemas.microsoft.com/office/drawing/2014/main" id="{775BA7CC-5BB9-4B8B-B074-31856E1A3C12}"/>
+              </a:ext>
+            </a:extLst>
+          </p:cNvPr>
+          <p:cNvSpPr txBox="1"/>
+          <p:nvPr/>
+        </p:nvSpPr>
+        <p:spPr>
+          <a:xfrm>
+            <a:off x="4756216" y="1981264"/>
+            <a:ext cx="402590" cy="300355"/>
+          </a:xfrm>
+          <a:prstGeom prst="rect">
+            <a:avLst/>
+          </a:prstGeom>
+        </p:spPr>
+        <p:txBody>
+          <a:bodyPr vert="horz" wrap="square" lIns="0" tIns="12700" rIns="0" bIns="0" rtlCol="0">
+            <a:spAutoFit/>
+          </a:bodyPr>
+          <a:lstStyle/>
+          <a:p>
+            <a:pPr marL="12700">
+              <a:lnSpc>
+                <a:spcPct val="100000"/>
+              </a:lnSpc>
+              <a:spcBef>
+                <a:spcPts val="100"/>
+              </a:spcBef>
+            </a:pPr>
+            <a:r>
+              <a:rPr sz="1800" spc="-135" dirty="0">
+                <a:latin typeface="Verdana"/>
+                <a:cs typeface="Verdana"/>
+              </a:rPr>
+              <a:t>Y</a:t>
+            </a:r>
+            <a:r>
+              <a:rPr sz="1800" spc="-25" dirty="0">
+                <a:latin typeface="Verdana"/>
+                <a:cs typeface="Verdana"/>
+              </a:rPr>
+              <a:t>e</a:t>
+            </a:r>
+            <a:r>
+              <a:rPr sz="1800" dirty="0">
+                <a:latin typeface="Verdana"/>
+                <a:cs typeface="Verdana"/>
+              </a:rPr>
+              <a:t>s</a:t>
+            </a:r>
+            <a:endParaRPr sz="1800">
+              <a:latin typeface="Verdana"/>
+              <a:cs typeface="Verdana"/>
+            </a:endParaRPr>
+          </a:p>
+        </p:txBody>
+      </p:sp>
+    </p:spTree>
+    <p:extLst>
+      <p:ext uri="{BB962C8B-B14F-4D97-AF65-F5344CB8AC3E}">
+        <p14:creationId xmlns:p14="http://schemas.microsoft.com/office/powerpoint/2010/main" val="1762578777"/>
+      </p:ext>
+    </p:extLst>
+  </p:cSld>
+  <p:clrMapOvr>
+    <a:masterClrMapping/>
+  </p:clrMapOvr>
+  <p:transition spd="slow">
+    <p:push dir="u"/>
+  </p:transition>
+</p:sld>
+</file>
+
+<file path=ppt/slides/slide109.xml><?xml version="1.0" encoding="utf-8"?>
+<p:sld xmlns:a="http://schemas.openxmlformats.org/drawingml/2006/main" xmlns:r="http://schemas.openxmlformats.org/officeDocument/2006/relationships" xmlns:p="http://schemas.openxmlformats.org/presentationml/2006/main">
+  <p:cSld>
+    <p:spTree>
+      <p:nvGrpSpPr>
+        <p:cNvPr id="1" name=""/>
+        <p:cNvGrpSpPr/>
+        <p:nvPr/>
+      </p:nvGrpSpPr>
+      <p:grpSpPr>
+        <a:xfrm>
+          <a:off x="0" y="0"/>
+          <a:ext cx="0" cy="0"/>
+          <a:chOff x="0" y="0"/>
+          <a:chExt cx="0" cy="0"/>
+        </a:xfrm>
+      </p:grpSpPr>
+      <p:sp>
+        <p:nvSpPr>
+          <p:cNvPr id="2" name="object 2"/>
+          <p:cNvSpPr txBox="1">
+            <a:spLocks noGrp="1"/>
+          </p:cNvSpPr>
+          <p:nvPr>
+            <p:ph type="title"/>
+          </p:nvPr>
+        </p:nvSpPr>
+        <p:spPr>
+          <a:prstGeom prst="rect">
+            <a:avLst/>
+          </a:prstGeom>
+        </p:spPr>
+        <p:txBody>
+          <a:bodyPr vert="horz" wrap="square" lIns="0" tIns="16510" rIns="0" bIns="0" numCol="1" rtlCol="0" anchor="ctr" anchorCtr="0" compatLnSpc="1">
+            <a:prstTxWarp prst="textNoShape">
+              <a:avLst/>
+            </a:prstTxWarp>
+            <a:spAutoFit/>
+          </a:bodyPr>
+          <a:lstStyle/>
+          <a:p>
+            <a:pPr marL="12700">
+              <a:spcBef>
+                <a:spcPts val="130"/>
+              </a:spcBef>
+            </a:pPr>
+            <a:r>
+              <a:rPr sz="3200" b="1" spc="10" dirty="0">
+                <a:solidFill>
+                  <a:srgbClr val="000000"/>
+                </a:solidFill>
+                <a:latin typeface="Arial"/>
+                <a:cs typeface="Arial"/>
+              </a:rPr>
+              <a:t>Defect</a:t>
+            </a:r>
+            <a:r>
+              <a:rPr sz="3200" b="1" spc="-160" dirty="0">
+                <a:solidFill>
+                  <a:srgbClr val="000000"/>
+                </a:solidFill>
+                <a:latin typeface="Arial"/>
+                <a:cs typeface="Arial"/>
+              </a:rPr>
+              <a:t> </a:t>
+            </a:r>
+            <a:r>
+              <a:rPr sz="3200" b="1" dirty="0">
+                <a:solidFill>
+                  <a:srgbClr val="000000"/>
+                </a:solidFill>
+                <a:latin typeface="Arial"/>
+                <a:cs typeface="Arial"/>
+              </a:rPr>
+              <a:t>Attributes</a:t>
+            </a:r>
+            <a:endParaRPr sz="3200">
+              <a:latin typeface="Arial"/>
+              <a:cs typeface="Arial"/>
+            </a:endParaRPr>
+          </a:p>
+        </p:txBody>
+      </p:sp>
+      <p:sp>
+        <p:nvSpPr>
+          <p:cNvPr id="7" name="Content Placeholder 6">
+            <a:extLst>
+              <a:ext uri="{FF2B5EF4-FFF2-40B4-BE49-F238E27FC236}">
+                <a16:creationId xmlns:a16="http://schemas.microsoft.com/office/drawing/2014/main" id="{8B0B6584-B437-4929-9EF4-DF791911B833}"/>
+              </a:ext>
+            </a:extLst>
+          </p:cNvPr>
+          <p:cNvSpPr>
+            <a:spLocks noGrp="1"/>
+          </p:cNvSpPr>
+          <p:nvPr>
+            <p:ph idx="1"/>
+          </p:nvPr>
+        </p:nvSpPr>
+        <p:spPr>
+          <a:xfrm>
+            <a:off x="609600" y="833439"/>
+            <a:ext cx="10972800" cy="5922962"/>
+          </a:xfrm>
+        </p:spPr>
+        <p:txBody>
+          <a:bodyPr>
+            <a:normAutofit fontScale="47500" lnSpcReduction="20000"/>
+          </a:bodyPr>
+          <a:lstStyle/>
+          <a:p>
+            <a:pPr algn="l">
+              <a:buFont typeface="Arial" panose="020B0604020202020204" pitchFamily="34" charset="0"/>
+              <a:buChar char="•"/>
+            </a:pPr>
+            <a:r>
+              <a:rPr lang="en-US" b="1" i="0" dirty="0" err="1">
+                <a:solidFill>
+                  <a:srgbClr val="282829"/>
+                </a:solidFill>
+                <a:effectLst/>
+                <a:latin typeface="Segoe UI" panose="020B0502040204020203" pitchFamily="34" charset="0"/>
+              </a:rPr>
+              <a:t>DefectId</a:t>
+            </a:r>
+            <a:r>
+              <a:rPr lang="en-US" b="0" i="0" dirty="0">
+                <a:solidFill>
+                  <a:srgbClr val="282829"/>
+                </a:solidFill>
+                <a:effectLst/>
+                <a:latin typeface="Segoe UI" panose="020B0502040204020203" pitchFamily="34" charset="0"/>
+              </a:rPr>
+              <a:t> – A unique identifier of the defect.</a:t>
+            </a:r>
+            <a:br>
+              <a:rPr lang="en-US" b="0" i="0" dirty="0">
+                <a:solidFill>
+                  <a:srgbClr val="282829"/>
+                </a:solidFill>
+                <a:effectLst/>
+                <a:latin typeface="Segoe UI" panose="020B0502040204020203" pitchFamily="34" charset="0"/>
+              </a:rPr>
+            </a:br>
+            <a:endParaRPr lang="en-US" b="0" i="0" dirty="0">
+              <a:solidFill>
+                <a:srgbClr val="282829"/>
+              </a:solidFill>
+              <a:effectLst/>
+              <a:latin typeface="Segoe UI" panose="020B0502040204020203" pitchFamily="34" charset="0"/>
+            </a:endParaRPr>
+          </a:p>
+          <a:p>
+            <a:pPr algn="l">
+              <a:buFont typeface="Arial" panose="020B0604020202020204" pitchFamily="34" charset="0"/>
+              <a:buChar char="•"/>
+            </a:pPr>
+            <a:r>
+              <a:rPr lang="en-US" b="1" i="0" dirty="0">
+                <a:solidFill>
+                  <a:srgbClr val="282829"/>
+                </a:solidFill>
+                <a:effectLst/>
+                <a:latin typeface="Segoe UI" panose="020B0502040204020203" pitchFamily="34" charset="0"/>
+              </a:rPr>
+              <a:t>Summary</a:t>
+            </a:r>
+            <a:r>
+              <a:rPr lang="en-US" b="0" i="0" dirty="0">
+                <a:solidFill>
+                  <a:srgbClr val="282829"/>
+                </a:solidFill>
+                <a:effectLst/>
+                <a:latin typeface="Segoe UI" panose="020B0502040204020203" pitchFamily="34" charset="0"/>
+              </a:rPr>
+              <a:t> – A one-line summary of the defect, more like a defect title.</a:t>
+            </a:r>
+            <a:br>
+              <a:rPr lang="en-US" b="0" i="0" dirty="0">
+                <a:solidFill>
+                  <a:srgbClr val="282829"/>
+                </a:solidFill>
+                <a:effectLst/>
+                <a:latin typeface="Segoe UI" panose="020B0502040204020203" pitchFamily="34" charset="0"/>
+              </a:rPr>
+            </a:br>
+            <a:endParaRPr lang="en-US" b="0" i="0" dirty="0">
+              <a:solidFill>
+                <a:srgbClr val="282829"/>
+              </a:solidFill>
+              <a:effectLst/>
+              <a:latin typeface="Segoe UI" panose="020B0502040204020203" pitchFamily="34" charset="0"/>
+            </a:endParaRPr>
+          </a:p>
+          <a:p>
+            <a:pPr algn="l">
+              <a:buFont typeface="Arial" panose="020B0604020202020204" pitchFamily="34" charset="0"/>
+              <a:buChar char="•"/>
+            </a:pPr>
+            <a:r>
+              <a:rPr lang="en-US" b="1" i="0" dirty="0">
+                <a:solidFill>
+                  <a:srgbClr val="282829"/>
+                </a:solidFill>
+                <a:effectLst/>
+                <a:latin typeface="Segoe UI" panose="020B0502040204020203" pitchFamily="34" charset="0"/>
+              </a:rPr>
+              <a:t>Description</a:t>
+            </a:r>
+            <a:r>
+              <a:rPr lang="en-US" b="0" i="0" dirty="0">
+                <a:solidFill>
+                  <a:srgbClr val="282829"/>
+                </a:solidFill>
+                <a:effectLst/>
+                <a:latin typeface="Segoe UI" panose="020B0502040204020203" pitchFamily="34" charset="0"/>
+              </a:rPr>
+              <a:t> – A detailed description of the defect.</a:t>
+            </a:r>
+            <a:br>
+              <a:rPr lang="en-US" b="0" i="0" dirty="0">
+                <a:solidFill>
+                  <a:srgbClr val="282829"/>
+                </a:solidFill>
+                <a:effectLst/>
+                <a:latin typeface="Segoe UI" panose="020B0502040204020203" pitchFamily="34" charset="0"/>
+              </a:rPr>
+            </a:br>
+            <a:endParaRPr lang="en-US" b="0" i="0" dirty="0">
+              <a:solidFill>
+                <a:srgbClr val="282829"/>
+              </a:solidFill>
+              <a:effectLst/>
+              <a:latin typeface="Segoe UI" panose="020B0502040204020203" pitchFamily="34" charset="0"/>
+            </a:endParaRPr>
+          </a:p>
+          <a:p>
+            <a:pPr algn="l">
+              <a:buFont typeface="Arial" panose="020B0604020202020204" pitchFamily="34" charset="0"/>
+              <a:buChar char="•"/>
+            </a:pPr>
+            <a:r>
+              <a:rPr lang="en-US" b="1" i="0" dirty="0">
+                <a:solidFill>
+                  <a:srgbClr val="282829"/>
+                </a:solidFill>
+                <a:effectLst/>
+                <a:latin typeface="Segoe UI" panose="020B0502040204020203" pitchFamily="34" charset="0"/>
+              </a:rPr>
+              <a:t>Build Version</a:t>
+            </a:r>
+            <a:r>
+              <a:rPr lang="en-US" b="0" i="0" dirty="0">
+                <a:solidFill>
+                  <a:srgbClr val="282829"/>
+                </a:solidFill>
+                <a:effectLst/>
+                <a:latin typeface="Segoe UI" panose="020B0502040204020203" pitchFamily="34" charset="0"/>
+              </a:rPr>
+              <a:t> – Version of the build or release in which defect is found.</a:t>
+            </a:r>
+            <a:br>
+              <a:rPr lang="en-US" b="0" i="0" dirty="0">
+                <a:solidFill>
+                  <a:srgbClr val="282829"/>
+                </a:solidFill>
+                <a:effectLst/>
+                <a:latin typeface="Segoe UI" panose="020B0502040204020203" pitchFamily="34" charset="0"/>
+              </a:rPr>
+            </a:br>
+            <a:endParaRPr lang="en-US" b="0" i="0" dirty="0">
+              <a:solidFill>
+                <a:srgbClr val="282829"/>
+              </a:solidFill>
+              <a:effectLst/>
+              <a:latin typeface="Segoe UI" panose="020B0502040204020203" pitchFamily="34" charset="0"/>
+            </a:endParaRPr>
+          </a:p>
+          <a:p>
+            <a:pPr algn="l">
+              <a:buFont typeface="Arial" panose="020B0604020202020204" pitchFamily="34" charset="0"/>
+              <a:buChar char="•"/>
+            </a:pPr>
+            <a:r>
+              <a:rPr lang="en-US" b="1" i="0" dirty="0">
+                <a:solidFill>
+                  <a:srgbClr val="282829"/>
+                </a:solidFill>
+                <a:effectLst/>
+                <a:latin typeface="Segoe UI" panose="020B0502040204020203" pitchFamily="34" charset="0"/>
+              </a:rPr>
+              <a:t>Steps to reproduce</a:t>
+            </a:r>
+            <a:r>
+              <a:rPr lang="en-US" b="0" i="0" dirty="0">
+                <a:solidFill>
+                  <a:srgbClr val="282829"/>
+                </a:solidFill>
+                <a:effectLst/>
+                <a:latin typeface="Segoe UI" panose="020B0502040204020203" pitchFamily="34" charset="0"/>
+              </a:rPr>
+              <a:t> – The steps to reproduce the defect.</a:t>
+            </a:r>
+            <a:br>
+              <a:rPr lang="en-US" b="0" i="0" dirty="0">
+                <a:solidFill>
+                  <a:srgbClr val="282829"/>
+                </a:solidFill>
+                <a:effectLst/>
+                <a:latin typeface="Segoe UI" panose="020B0502040204020203" pitchFamily="34" charset="0"/>
+              </a:rPr>
+            </a:br>
+            <a:endParaRPr lang="en-US" b="0" i="0" dirty="0">
+              <a:solidFill>
+                <a:srgbClr val="282829"/>
+              </a:solidFill>
+              <a:effectLst/>
+              <a:latin typeface="Segoe UI" panose="020B0502040204020203" pitchFamily="34" charset="0"/>
+            </a:endParaRPr>
+          </a:p>
+          <a:p>
+            <a:pPr algn="l">
+              <a:buFont typeface="Arial" panose="020B0604020202020204" pitchFamily="34" charset="0"/>
+              <a:buChar char="•"/>
+            </a:pPr>
+            <a:r>
+              <a:rPr lang="en-US" b="1" i="0" dirty="0">
+                <a:solidFill>
+                  <a:srgbClr val="282829"/>
+                </a:solidFill>
+                <a:effectLst/>
+                <a:latin typeface="Segoe UI" panose="020B0502040204020203" pitchFamily="34" charset="0"/>
+              </a:rPr>
+              <a:t>Expected Behavior</a:t>
+            </a:r>
+            <a:r>
+              <a:rPr lang="en-US" b="0" i="0" dirty="0">
+                <a:solidFill>
+                  <a:srgbClr val="282829"/>
+                </a:solidFill>
+                <a:effectLst/>
+                <a:latin typeface="Segoe UI" panose="020B0502040204020203" pitchFamily="34" charset="0"/>
+              </a:rPr>
+              <a:t> – The expected behavior from which the application is deviating because of the defect.</a:t>
+            </a:r>
+            <a:br>
+              <a:rPr lang="en-US" b="0" i="0" dirty="0">
+                <a:solidFill>
+                  <a:srgbClr val="282829"/>
+                </a:solidFill>
+                <a:effectLst/>
+                <a:latin typeface="Segoe UI" panose="020B0502040204020203" pitchFamily="34" charset="0"/>
+              </a:rPr>
+            </a:br>
+            <a:endParaRPr lang="en-US" b="0" i="0" dirty="0">
+              <a:solidFill>
+                <a:srgbClr val="282829"/>
+              </a:solidFill>
+              <a:effectLst/>
+              <a:latin typeface="Segoe UI" panose="020B0502040204020203" pitchFamily="34" charset="0"/>
+            </a:endParaRPr>
+          </a:p>
+          <a:p>
+            <a:pPr algn="l">
+              <a:buFont typeface="Arial" panose="020B0604020202020204" pitchFamily="34" charset="0"/>
+              <a:buChar char="•"/>
+            </a:pPr>
+            <a:r>
+              <a:rPr lang="en-US" b="1" i="0" dirty="0">
+                <a:solidFill>
+                  <a:srgbClr val="282829"/>
+                </a:solidFill>
+                <a:effectLst/>
+                <a:latin typeface="Segoe UI" panose="020B0502040204020203" pitchFamily="34" charset="0"/>
+              </a:rPr>
+              <a:t>Actual Behavior</a:t>
+            </a:r>
+            <a:r>
+              <a:rPr lang="en-US" b="0" i="0" dirty="0">
+                <a:solidFill>
+                  <a:srgbClr val="282829"/>
+                </a:solidFill>
+                <a:effectLst/>
+                <a:latin typeface="Segoe UI" panose="020B0502040204020203" pitchFamily="34" charset="0"/>
+              </a:rPr>
+              <a:t> – The current erroneous state of the application </a:t>
+            </a:r>
+            <a:r>
+              <a:rPr lang="en-US" b="0" i="0" dirty="0" err="1">
+                <a:solidFill>
+                  <a:srgbClr val="282829"/>
+                </a:solidFill>
+                <a:effectLst/>
+                <a:latin typeface="Segoe UI" panose="020B0502040204020203" pitchFamily="34" charset="0"/>
+              </a:rPr>
+              <a:t>w.r.t.</a:t>
+            </a:r>
+            <a:r>
+              <a:rPr lang="en-US" b="0" i="0" dirty="0">
+                <a:solidFill>
+                  <a:srgbClr val="282829"/>
+                </a:solidFill>
+                <a:effectLst/>
+                <a:latin typeface="Segoe UI" panose="020B0502040204020203" pitchFamily="34" charset="0"/>
+              </a:rPr>
+              <a:t> the defect.</a:t>
+            </a:r>
+            <a:br>
+              <a:rPr lang="en-US" b="0" i="0" dirty="0">
+                <a:solidFill>
+                  <a:srgbClr val="282829"/>
+                </a:solidFill>
+                <a:effectLst/>
+                <a:latin typeface="Segoe UI" panose="020B0502040204020203" pitchFamily="34" charset="0"/>
+              </a:rPr>
+            </a:br>
+            <a:endParaRPr lang="en-US" b="0" i="0" dirty="0">
+              <a:solidFill>
+                <a:srgbClr val="282829"/>
+              </a:solidFill>
+              <a:effectLst/>
+              <a:latin typeface="Segoe UI" panose="020B0502040204020203" pitchFamily="34" charset="0"/>
+            </a:endParaRPr>
+          </a:p>
+          <a:p>
+            <a:pPr algn="l">
+              <a:buFont typeface="Arial" panose="020B0604020202020204" pitchFamily="34" charset="0"/>
+              <a:buChar char="•"/>
+            </a:pPr>
+            <a:r>
+              <a:rPr lang="en-US" b="1" i="0" dirty="0">
+                <a:solidFill>
+                  <a:srgbClr val="282829"/>
+                </a:solidFill>
+                <a:effectLst/>
+                <a:latin typeface="Segoe UI" panose="020B0502040204020203" pitchFamily="34" charset="0"/>
+              </a:rPr>
+              <a:t>Priority</a:t>
+            </a:r>
+            <a:r>
+              <a:rPr lang="en-US" b="0" i="0" dirty="0">
+                <a:solidFill>
+                  <a:srgbClr val="282829"/>
+                </a:solidFill>
+                <a:effectLst/>
+                <a:latin typeface="Segoe UI" panose="020B0502040204020203" pitchFamily="34" charset="0"/>
+              </a:rPr>
+              <a:t> – Based on the urgency of the defect, this field can be set on a scale of P0 to P3.</a:t>
+            </a:r>
+            <a:br>
+              <a:rPr lang="en-US" b="0" i="0" dirty="0">
+                <a:solidFill>
+                  <a:srgbClr val="282829"/>
+                </a:solidFill>
+                <a:effectLst/>
+                <a:latin typeface="Segoe UI" panose="020B0502040204020203" pitchFamily="34" charset="0"/>
+              </a:rPr>
+            </a:br>
+            <a:endParaRPr lang="en-US" b="0" i="0" dirty="0">
+              <a:solidFill>
+                <a:srgbClr val="282829"/>
+              </a:solidFill>
+              <a:effectLst/>
+              <a:latin typeface="Segoe UI" panose="020B0502040204020203" pitchFamily="34" charset="0"/>
+            </a:endParaRPr>
+          </a:p>
+          <a:p>
+            <a:pPr algn="l">
+              <a:buFont typeface="Arial" panose="020B0604020202020204" pitchFamily="34" charset="0"/>
+              <a:buChar char="•"/>
+            </a:pPr>
+            <a:r>
+              <a:rPr lang="en-US" b="1" i="0" dirty="0">
+                <a:solidFill>
+                  <a:srgbClr val="282829"/>
+                </a:solidFill>
+                <a:effectLst/>
+                <a:latin typeface="Segoe UI" panose="020B0502040204020203" pitchFamily="34" charset="0"/>
+              </a:rPr>
+              <a:t>Severity</a:t>
+            </a:r>
+            <a:r>
+              <a:rPr lang="en-US" b="0" i="0" dirty="0">
+                <a:solidFill>
+                  <a:srgbClr val="282829"/>
+                </a:solidFill>
+                <a:effectLst/>
+                <a:latin typeface="Segoe UI" panose="020B0502040204020203" pitchFamily="34" charset="0"/>
+              </a:rPr>
+              <a:t> – Based on the criticality of the defect, this field can be set to minor, medium, major or show stopper.</a:t>
+            </a:r>
+            <a:br>
+              <a:rPr lang="en-US" b="0" i="0" dirty="0">
+                <a:solidFill>
+                  <a:srgbClr val="282829"/>
+                </a:solidFill>
+                <a:effectLst/>
+                <a:latin typeface="Segoe UI" panose="020B0502040204020203" pitchFamily="34" charset="0"/>
+              </a:rPr>
+            </a:br>
+            <a:endParaRPr lang="en-US" b="0" i="0" dirty="0">
+              <a:solidFill>
+                <a:srgbClr val="282829"/>
+              </a:solidFill>
+              <a:effectLst/>
+              <a:latin typeface="Segoe UI" panose="020B0502040204020203" pitchFamily="34" charset="0"/>
+            </a:endParaRPr>
+          </a:p>
+          <a:p>
+            <a:pPr algn="l">
+              <a:buFont typeface="Arial" panose="020B0604020202020204" pitchFamily="34" charset="0"/>
+              <a:buChar char="•"/>
+            </a:pPr>
+            <a:r>
+              <a:rPr lang="en-US" b="1" i="0" dirty="0">
+                <a:solidFill>
+                  <a:srgbClr val="282829"/>
+                </a:solidFill>
+                <a:effectLst/>
+                <a:latin typeface="Segoe UI" panose="020B0502040204020203" pitchFamily="34" charset="0"/>
+              </a:rPr>
+              <a:t>Reported By</a:t>
+            </a:r>
+            <a:r>
+              <a:rPr lang="en-US" b="0" i="0" dirty="0">
+                <a:solidFill>
+                  <a:srgbClr val="282829"/>
+                </a:solidFill>
+                <a:effectLst/>
+                <a:latin typeface="Segoe UI" panose="020B0502040204020203" pitchFamily="34" charset="0"/>
+              </a:rPr>
+              <a:t> – Name of the QA, reporting the defect.</a:t>
+            </a:r>
+            <a:br>
+              <a:rPr lang="en-US" b="0" i="0" dirty="0">
+                <a:solidFill>
+                  <a:srgbClr val="282829"/>
+                </a:solidFill>
+                <a:effectLst/>
+                <a:latin typeface="Segoe UI" panose="020B0502040204020203" pitchFamily="34" charset="0"/>
+              </a:rPr>
+            </a:br>
+            <a:endParaRPr lang="en-US" b="0" i="0" dirty="0">
+              <a:solidFill>
+                <a:srgbClr val="282829"/>
+              </a:solidFill>
+              <a:effectLst/>
+              <a:latin typeface="Segoe UI" panose="020B0502040204020203" pitchFamily="34" charset="0"/>
+            </a:endParaRPr>
+          </a:p>
+          <a:p>
+            <a:pPr algn="l">
+              <a:buFont typeface="Arial" panose="020B0604020202020204" pitchFamily="34" charset="0"/>
+              <a:buChar char="•"/>
+            </a:pPr>
+            <a:r>
+              <a:rPr lang="en-US" b="1" i="0" dirty="0">
+                <a:solidFill>
+                  <a:srgbClr val="282829"/>
+                </a:solidFill>
+                <a:effectLst/>
+                <a:latin typeface="Segoe UI" panose="020B0502040204020203" pitchFamily="34" charset="0"/>
+              </a:rPr>
+              <a:t>Reported On</a:t>
+            </a:r>
+            <a:r>
+              <a:rPr lang="en-US" b="0" i="0" dirty="0">
+                <a:solidFill>
+                  <a:srgbClr val="282829"/>
+                </a:solidFill>
+                <a:effectLst/>
+                <a:latin typeface="Segoe UI" panose="020B0502040204020203" pitchFamily="34" charset="0"/>
+              </a:rPr>
+              <a:t> – The date on which the defect was raised.</a:t>
+            </a:r>
+            <a:br>
+              <a:rPr lang="en-US" b="0" i="0" dirty="0">
+                <a:solidFill>
+                  <a:srgbClr val="282829"/>
+                </a:solidFill>
+                <a:effectLst/>
+                <a:latin typeface="Segoe UI" panose="020B0502040204020203" pitchFamily="34" charset="0"/>
+              </a:rPr>
+            </a:br>
+            <a:endParaRPr lang="en-US" b="0" i="0" dirty="0">
+              <a:solidFill>
+                <a:srgbClr val="282829"/>
+              </a:solidFill>
+              <a:effectLst/>
+              <a:latin typeface="Segoe UI" panose="020B0502040204020203" pitchFamily="34" charset="0"/>
+            </a:endParaRPr>
+          </a:p>
+          <a:p>
+            <a:pPr algn="l">
+              <a:buFont typeface="Arial" panose="020B0604020202020204" pitchFamily="34" charset="0"/>
+              <a:buChar char="•"/>
+            </a:pPr>
+            <a:r>
+              <a:rPr lang="en-US" b="1" i="0" dirty="0">
+                <a:solidFill>
+                  <a:srgbClr val="282829"/>
+                </a:solidFill>
+                <a:effectLst/>
+                <a:latin typeface="Segoe UI" panose="020B0502040204020203" pitchFamily="34" charset="0"/>
+              </a:rPr>
+              <a:t>Assigned To</a:t>
+            </a:r>
+            <a:r>
+              <a:rPr lang="en-US" b="0" i="0" dirty="0">
+                <a:solidFill>
+                  <a:srgbClr val="282829"/>
+                </a:solidFill>
+                <a:effectLst/>
+                <a:latin typeface="Segoe UI" panose="020B0502040204020203" pitchFamily="34" charset="0"/>
+              </a:rPr>
+              <a:t> – The person to whom the defect is assigned in its current state. It can be the developer fixing the defect, the QA for verification of the fixed defect or the manager approving the defect.</a:t>
+            </a:r>
+            <a:br>
+              <a:rPr lang="en-US" b="0" i="0" dirty="0">
+                <a:solidFill>
+                  <a:srgbClr val="282829"/>
+                </a:solidFill>
+                <a:effectLst/>
+                <a:latin typeface="Segoe UI" panose="020B0502040204020203" pitchFamily="34" charset="0"/>
+              </a:rPr>
+            </a:br>
+            <a:endParaRPr lang="en-US" b="0" i="0" dirty="0">
+              <a:solidFill>
+                <a:srgbClr val="282829"/>
+              </a:solidFill>
+              <a:effectLst/>
+              <a:latin typeface="Segoe UI" panose="020B0502040204020203" pitchFamily="34" charset="0"/>
+            </a:endParaRPr>
+          </a:p>
+          <a:p>
+            <a:pPr algn="l">
+              <a:buFont typeface="Arial" panose="020B0604020202020204" pitchFamily="34" charset="0"/>
+              <a:buChar char="•"/>
+            </a:pPr>
+            <a:r>
+              <a:rPr lang="en-US" b="1" i="0" dirty="0">
+                <a:solidFill>
+                  <a:srgbClr val="282829"/>
+                </a:solidFill>
+                <a:effectLst/>
+                <a:latin typeface="Segoe UI" panose="020B0502040204020203" pitchFamily="34" charset="0"/>
+              </a:rPr>
+              <a:t>Current Status</a:t>
+            </a:r>
+            <a:r>
+              <a:rPr lang="en-US" b="0" i="0" dirty="0">
+                <a:solidFill>
+                  <a:srgbClr val="282829"/>
+                </a:solidFill>
+                <a:effectLst/>
+                <a:latin typeface="Segoe UI" panose="020B0502040204020203" pitchFamily="34" charset="0"/>
+              </a:rPr>
+              <a:t> – The current status of the defect (one of the states of the defect life cycle).</a:t>
+            </a:r>
+            <a:br>
+              <a:rPr lang="en-US" b="0" i="0" dirty="0">
+                <a:solidFill>
+                  <a:srgbClr val="282829"/>
+                </a:solidFill>
+                <a:effectLst/>
+                <a:latin typeface="Segoe UI" panose="020B0502040204020203" pitchFamily="34" charset="0"/>
+              </a:rPr>
+            </a:br>
+            <a:endParaRPr lang="en-US" b="0" i="0" dirty="0">
+              <a:solidFill>
+                <a:srgbClr val="282829"/>
+              </a:solidFill>
+              <a:effectLst/>
+              <a:latin typeface="Segoe UI" panose="020B0502040204020203" pitchFamily="34" charset="0"/>
+            </a:endParaRPr>
+          </a:p>
+          <a:p>
+            <a:pPr algn="l">
+              <a:buFont typeface="Arial" panose="020B0604020202020204" pitchFamily="34" charset="0"/>
+              <a:buChar char="•"/>
+            </a:pPr>
+            <a:r>
+              <a:rPr lang="en-US" b="1" i="0" dirty="0">
+                <a:solidFill>
+                  <a:srgbClr val="282829"/>
+                </a:solidFill>
+                <a:effectLst/>
+                <a:latin typeface="Segoe UI" panose="020B0502040204020203" pitchFamily="34" charset="0"/>
+              </a:rPr>
+              <a:t>Environment</a:t>
+            </a:r>
+            <a:r>
+              <a:rPr lang="en-US" b="0" i="0" dirty="0">
+                <a:solidFill>
+                  <a:srgbClr val="282829"/>
+                </a:solidFill>
+                <a:effectLst/>
+                <a:latin typeface="Segoe UI" panose="020B0502040204020203" pitchFamily="34" charset="0"/>
+              </a:rPr>
+              <a:t> – The environment in which the defect is found – release, staging, production, etc.</a:t>
+            </a:r>
+          </a:p>
+          <a:p>
+            <a:endParaRPr lang="en-IN" dirty="0"/>
+          </a:p>
+        </p:txBody>
+      </p:sp>
+    </p:spTree>
+  </p:cSld>
+  <p:clrMapOvr>
+    <a:masterClrMapping/>
+  </p:clrMapOvr>
+</p:sld>
+</file>
+
 <file path=ppt/slides/slide11.xml><?xml version="1.0" encoding="utf-8"?>
 <p:sld xmlns:a="http://schemas.openxmlformats.org/drawingml/2006/main" xmlns:r="http://schemas.openxmlformats.org/officeDocument/2006/relationships" xmlns:p="http://schemas.openxmlformats.org/presentationml/2006/main">
   <p:cSld>
@@ -11496,6 +15702,3314 @@
   <p:clrMapOvr>
     <a:masterClrMapping/>
   </p:clrMapOvr>
+</p:sld>
+</file>
+
+<file path=ppt/slides/slide110.xml><?xml version="1.0" encoding="utf-8"?>
+<p:sld xmlns:a="http://schemas.openxmlformats.org/drawingml/2006/main" xmlns:r="http://schemas.openxmlformats.org/officeDocument/2006/relationships" xmlns:p="http://schemas.openxmlformats.org/presentationml/2006/main">
+  <p:cSld>
+    <p:spTree>
+      <p:nvGrpSpPr>
+        <p:cNvPr id="1" name=""/>
+        <p:cNvGrpSpPr/>
+        <p:nvPr/>
+      </p:nvGrpSpPr>
+      <p:grpSpPr>
+        <a:xfrm>
+          <a:off x="0" y="0"/>
+          <a:ext cx="0" cy="0"/>
+          <a:chOff x="0" y="0"/>
+          <a:chExt cx="0" cy="0"/>
+        </a:xfrm>
+      </p:grpSpPr>
+      <p:sp>
+        <p:nvSpPr>
+          <p:cNvPr id="2" name="object 2"/>
+          <p:cNvSpPr txBox="1">
+            <a:spLocks noGrp="1"/>
+          </p:cNvSpPr>
+          <p:nvPr>
+            <p:ph type="title"/>
+          </p:nvPr>
+        </p:nvSpPr>
+        <p:spPr>
+          <a:xfrm>
+            <a:off x="2685098" y="286639"/>
+            <a:ext cx="3234055" cy="518159"/>
+          </a:xfrm>
+          <a:prstGeom prst="rect">
+            <a:avLst/>
+          </a:prstGeom>
+        </p:spPr>
+        <p:txBody>
+          <a:bodyPr vert="horz" wrap="square" lIns="0" tIns="16510" rIns="0" bIns="0" numCol="1" rtlCol="0" anchor="ctr" anchorCtr="0" compatLnSpc="1">
+            <a:prstTxWarp prst="textNoShape">
+              <a:avLst/>
+            </a:prstTxWarp>
+            <a:spAutoFit/>
+          </a:bodyPr>
+          <a:lstStyle/>
+          <a:p>
+            <a:pPr marL="12700">
+              <a:spcBef>
+                <a:spcPts val="130"/>
+              </a:spcBef>
+            </a:pPr>
+            <a:r>
+              <a:rPr sz="3200" spc="35" dirty="0">
+                <a:solidFill>
+                  <a:srgbClr val="000000"/>
+                </a:solidFill>
+                <a:latin typeface="Palatino Linotype"/>
+                <a:cs typeface="Palatino Linotype"/>
+              </a:rPr>
+              <a:t>D</a:t>
+            </a:r>
+            <a:r>
+              <a:rPr sz="3200" spc="45" dirty="0">
+                <a:solidFill>
+                  <a:srgbClr val="000000"/>
+                </a:solidFill>
+                <a:latin typeface="Palatino Linotype"/>
+                <a:cs typeface="Palatino Linotype"/>
+              </a:rPr>
+              <a:t>e</a:t>
+            </a:r>
+            <a:r>
+              <a:rPr sz="3200" spc="25" dirty="0">
+                <a:solidFill>
+                  <a:srgbClr val="000000"/>
+                </a:solidFill>
+                <a:latin typeface="Palatino Linotype"/>
+                <a:cs typeface="Palatino Linotype"/>
+              </a:rPr>
+              <a:t>f</a:t>
+            </a:r>
+            <a:r>
+              <a:rPr sz="3200" spc="45" dirty="0">
+                <a:solidFill>
+                  <a:srgbClr val="000000"/>
+                </a:solidFill>
+                <a:latin typeface="Palatino Linotype"/>
+                <a:cs typeface="Palatino Linotype"/>
+              </a:rPr>
+              <a:t>e</a:t>
+            </a:r>
+            <a:r>
+              <a:rPr sz="3200" spc="10" dirty="0">
+                <a:solidFill>
+                  <a:srgbClr val="000000"/>
+                </a:solidFill>
+                <a:latin typeface="Palatino Linotype"/>
+                <a:cs typeface="Palatino Linotype"/>
+              </a:rPr>
+              <a:t>ct</a:t>
+            </a:r>
+            <a:r>
+              <a:rPr sz="3200" spc="-160" dirty="0">
+                <a:solidFill>
+                  <a:srgbClr val="000000"/>
+                </a:solidFill>
+                <a:latin typeface="Palatino Linotype"/>
+                <a:cs typeface="Palatino Linotype"/>
+              </a:rPr>
+              <a:t> </a:t>
+            </a:r>
+            <a:r>
+              <a:rPr sz="3200" spc="35" dirty="0">
+                <a:solidFill>
+                  <a:srgbClr val="000000"/>
+                </a:solidFill>
+                <a:latin typeface="Palatino Linotype"/>
+                <a:cs typeface="Palatino Linotype"/>
+              </a:rPr>
+              <a:t>R</a:t>
+            </a:r>
+            <a:r>
+              <a:rPr sz="3200" spc="45" dirty="0">
+                <a:solidFill>
+                  <a:srgbClr val="000000"/>
+                </a:solidFill>
+                <a:latin typeface="Palatino Linotype"/>
+                <a:cs typeface="Palatino Linotype"/>
+              </a:rPr>
+              <a:t>e</a:t>
+            </a:r>
+            <a:r>
+              <a:rPr sz="3200" spc="-10" dirty="0">
+                <a:solidFill>
+                  <a:srgbClr val="000000"/>
+                </a:solidFill>
+                <a:latin typeface="Palatino Linotype"/>
+                <a:cs typeface="Palatino Linotype"/>
+              </a:rPr>
+              <a:t>p</a:t>
+            </a:r>
+            <a:r>
+              <a:rPr sz="3200" spc="10" dirty="0">
+                <a:solidFill>
+                  <a:srgbClr val="000000"/>
+                </a:solidFill>
+                <a:latin typeface="Palatino Linotype"/>
+                <a:cs typeface="Palatino Linotype"/>
+              </a:rPr>
+              <a:t>o</a:t>
+            </a:r>
+            <a:r>
+              <a:rPr sz="3200" spc="30" dirty="0">
+                <a:solidFill>
+                  <a:srgbClr val="000000"/>
+                </a:solidFill>
+                <a:latin typeface="Palatino Linotype"/>
+                <a:cs typeface="Palatino Linotype"/>
+              </a:rPr>
+              <a:t>r</a:t>
+            </a:r>
+            <a:r>
+              <a:rPr sz="3200" spc="-20" dirty="0">
+                <a:solidFill>
+                  <a:srgbClr val="000000"/>
+                </a:solidFill>
+                <a:latin typeface="Palatino Linotype"/>
+                <a:cs typeface="Palatino Linotype"/>
+              </a:rPr>
+              <a:t>ti</a:t>
+            </a:r>
+            <a:r>
+              <a:rPr sz="3200" spc="-10" dirty="0">
+                <a:solidFill>
+                  <a:srgbClr val="000000"/>
+                </a:solidFill>
+                <a:latin typeface="Palatino Linotype"/>
+                <a:cs typeface="Palatino Linotype"/>
+              </a:rPr>
+              <a:t>n</a:t>
+            </a:r>
+            <a:r>
+              <a:rPr sz="3200" spc="15" dirty="0">
+                <a:solidFill>
+                  <a:srgbClr val="000000"/>
+                </a:solidFill>
+                <a:latin typeface="Palatino Linotype"/>
+                <a:cs typeface="Palatino Linotype"/>
+              </a:rPr>
+              <a:t>g</a:t>
+            </a:r>
+            <a:endParaRPr sz="3200">
+              <a:latin typeface="Palatino Linotype"/>
+              <a:cs typeface="Palatino Linotype"/>
+            </a:endParaRPr>
+          </a:p>
+        </p:txBody>
+      </p:sp>
+      <p:sp>
+        <p:nvSpPr>
+          <p:cNvPr id="3" name="object 3"/>
+          <p:cNvSpPr txBox="1"/>
+          <p:nvPr/>
+        </p:nvSpPr>
+        <p:spPr>
+          <a:xfrm>
+            <a:off x="2685097" y="1950086"/>
+            <a:ext cx="7167880" cy="2776855"/>
+          </a:xfrm>
+          <a:prstGeom prst="rect">
+            <a:avLst/>
+          </a:prstGeom>
+        </p:spPr>
+        <p:txBody>
+          <a:bodyPr vert="horz" wrap="square" lIns="0" tIns="16510" rIns="0" bIns="0" rtlCol="0">
+            <a:spAutoFit/>
+          </a:bodyPr>
+          <a:lstStyle/>
+          <a:p>
+            <a:pPr marL="355600" indent="-343535">
+              <a:spcBef>
+                <a:spcPts val="130"/>
+              </a:spcBef>
+              <a:buChar char="•"/>
+              <a:tabLst>
+                <a:tab pos="355600" algn="l"/>
+                <a:tab pos="356235" algn="l"/>
+              </a:tabLst>
+            </a:pPr>
+            <a:r>
+              <a:rPr sz="2150" spc="20" dirty="0">
+                <a:latin typeface="Palatino Linotype"/>
+                <a:cs typeface="Palatino Linotype"/>
+              </a:rPr>
+              <a:t>To</a:t>
+            </a:r>
+            <a:r>
+              <a:rPr sz="2150" spc="290" dirty="0">
+                <a:latin typeface="Palatino Linotype"/>
+                <a:cs typeface="Palatino Linotype"/>
+              </a:rPr>
+              <a:t> </a:t>
+            </a:r>
+            <a:r>
+              <a:rPr sz="2150" spc="30" dirty="0">
+                <a:latin typeface="Palatino Linotype"/>
+                <a:cs typeface="Palatino Linotype"/>
+              </a:rPr>
+              <a:t>have</a:t>
+            </a:r>
+            <a:r>
+              <a:rPr sz="2150" spc="300" dirty="0">
+                <a:latin typeface="Palatino Linotype"/>
+                <a:cs typeface="Palatino Linotype"/>
+              </a:rPr>
+              <a:t> </a:t>
+            </a:r>
+            <a:r>
+              <a:rPr sz="2150" spc="15" dirty="0">
+                <a:latin typeface="Palatino Linotype"/>
+                <a:cs typeface="Palatino Linotype"/>
+              </a:rPr>
+              <a:t>a</a:t>
+            </a:r>
+            <a:r>
+              <a:rPr sz="2150" spc="315" dirty="0">
+                <a:latin typeface="Palatino Linotype"/>
+                <a:cs typeface="Palatino Linotype"/>
+              </a:rPr>
+              <a:t> </a:t>
+            </a:r>
+            <a:r>
+              <a:rPr sz="2150" spc="15" dirty="0">
+                <a:latin typeface="Palatino Linotype"/>
+                <a:cs typeface="Palatino Linotype"/>
+              </a:rPr>
+              <a:t>complete</a:t>
+            </a:r>
+            <a:r>
+              <a:rPr sz="2150" spc="305" dirty="0">
+                <a:latin typeface="Palatino Linotype"/>
+                <a:cs typeface="Palatino Linotype"/>
+              </a:rPr>
+              <a:t> </a:t>
+            </a:r>
+            <a:r>
+              <a:rPr sz="2150" spc="25" dirty="0">
+                <a:latin typeface="Palatino Linotype"/>
+                <a:cs typeface="Palatino Linotype"/>
+              </a:rPr>
+              <a:t>record</a:t>
+            </a:r>
+            <a:r>
+              <a:rPr sz="2150" spc="240" dirty="0">
+                <a:latin typeface="Palatino Linotype"/>
+                <a:cs typeface="Palatino Linotype"/>
+              </a:rPr>
+              <a:t> </a:t>
+            </a:r>
+            <a:r>
+              <a:rPr sz="2150" spc="15" dirty="0">
+                <a:latin typeface="Palatino Linotype"/>
+                <a:cs typeface="Palatino Linotype"/>
+              </a:rPr>
+              <a:t>of</a:t>
+            </a:r>
+            <a:r>
+              <a:rPr sz="2150" spc="380" dirty="0">
+                <a:latin typeface="Palatino Linotype"/>
+                <a:cs typeface="Palatino Linotype"/>
+              </a:rPr>
+              <a:t> </a:t>
+            </a:r>
+            <a:r>
+              <a:rPr sz="2150" spc="15" dirty="0">
+                <a:latin typeface="Palatino Linotype"/>
+                <a:cs typeface="Palatino Linotype"/>
+              </a:rPr>
+              <a:t>discrepancies</a:t>
+            </a:r>
+            <a:r>
+              <a:rPr sz="2150" spc="370" dirty="0">
+                <a:latin typeface="Palatino Linotype"/>
+                <a:cs typeface="Palatino Linotype"/>
+              </a:rPr>
+              <a:t> </a:t>
+            </a:r>
+            <a:r>
+              <a:rPr sz="2150" spc="30" dirty="0">
+                <a:latin typeface="Palatino Linotype"/>
+                <a:cs typeface="Palatino Linotype"/>
+              </a:rPr>
+              <a:t>that</a:t>
+            </a:r>
+            <a:r>
+              <a:rPr sz="2150" spc="330" dirty="0">
+                <a:latin typeface="Palatino Linotype"/>
+                <a:cs typeface="Palatino Linotype"/>
+              </a:rPr>
+              <a:t> </a:t>
+            </a:r>
+            <a:r>
+              <a:rPr sz="2150" spc="35" dirty="0">
+                <a:latin typeface="Palatino Linotype"/>
+                <a:cs typeface="Palatino Linotype"/>
+              </a:rPr>
+              <a:t>may</a:t>
+            </a:r>
+            <a:endParaRPr sz="2150">
+              <a:latin typeface="Palatino Linotype"/>
+              <a:cs typeface="Palatino Linotype"/>
+            </a:endParaRPr>
+          </a:p>
+          <a:p>
+            <a:pPr marL="355600">
+              <a:spcBef>
+                <a:spcPts val="45"/>
+              </a:spcBef>
+            </a:pPr>
+            <a:r>
+              <a:rPr sz="2150" spc="-30" dirty="0">
+                <a:latin typeface="Palatino Linotype"/>
+                <a:cs typeface="Palatino Linotype"/>
+              </a:rPr>
+              <a:t>be</a:t>
+            </a:r>
+            <a:r>
+              <a:rPr sz="2150" spc="55" dirty="0">
+                <a:latin typeface="Palatino Linotype"/>
+                <a:cs typeface="Palatino Linotype"/>
+              </a:rPr>
+              <a:t> </a:t>
+            </a:r>
+            <a:r>
+              <a:rPr sz="2150" spc="15" dirty="0">
+                <a:latin typeface="Palatino Linotype"/>
+                <a:cs typeface="Palatino Linotype"/>
+              </a:rPr>
+              <a:t>used</a:t>
+            </a:r>
+            <a:r>
+              <a:rPr sz="2150" spc="80" dirty="0">
+                <a:latin typeface="Palatino Linotype"/>
+                <a:cs typeface="Palatino Linotype"/>
+              </a:rPr>
+              <a:t> </a:t>
+            </a:r>
+            <a:r>
+              <a:rPr sz="2150" spc="-10" dirty="0">
+                <a:latin typeface="Palatino Linotype"/>
+                <a:cs typeface="Palatino Linotype"/>
+              </a:rPr>
+              <a:t>in</a:t>
+            </a:r>
+            <a:r>
+              <a:rPr sz="2150" spc="60" dirty="0">
+                <a:latin typeface="Palatino Linotype"/>
+                <a:cs typeface="Palatino Linotype"/>
+              </a:rPr>
+              <a:t> </a:t>
+            </a:r>
+            <a:r>
+              <a:rPr sz="2150" spc="-5" dirty="0">
+                <a:latin typeface="Palatino Linotype"/>
+                <a:cs typeface="Palatino Linotype"/>
+              </a:rPr>
+              <a:t>multiple</a:t>
+            </a:r>
+            <a:r>
+              <a:rPr sz="2150" spc="145" dirty="0">
+                <a:latin typeface="Palatino Linotype"/>
+                <a:cs typeface="Palatino Linotype"/>
+              </a:rPr>
+              <a:t> </a:t>
+            </a:r>
+            <a:r>
+              <a:rPr sz="2150" spc="15" dirty="0">
+                <a:latin typeface="Palatino Linotype"/>
+                <a:cs typeface="Palatino Linotype"/>
+              </a:rPr>
+              <a:t>ways</a:t>
+            </a:r>
+            <a:endParaRPr sz="2150">
+              <a:latin typeface="Palatino Linotype"/>
+              <a:cs typeface="Palatino Linotype"/>
+            </a:endParaRPr>
+          </a:p>
+          <a:p>
+            <a:pPr marL="355600" indent="-343535">
+              <a:spcBef>
+                <a:spcPts val="350"/>
+              </a:spcBef>
+              <a:buChar char="•"/>
+              <a:tabLst>
+                <a:tab pos="355600" algn="l"/>
+                <a:tab pos="356235" algn="l"/>
+              </a:tabLst>
+            </a:pPr>
+            <a:r>
+              <a:rPr sz="2150" spc="-5" dirty="0">
+                <a:latin typeface="Palatino Linotype"/>
+                <a:cs typeface="Palatino Linotype"/>
+              </a:rPr>
+              <a:t>Forms</a:t>
+            </a:r>
+            <a:r>
+              <a:rPr sz="2150" spc="180" dirty="0">
+                <a:latin typeface="Palatino Linotype"/>
+                <a:cs typeface="Palatino Linotype"/>
+              </a:rPr>
+              <a:t> </a:t>
+            </a:r>
+            <a:r>
+              <a:rPr sz="2150" spc="-10" dirty="0">
+                <a:latin typeface="Palatino Linotype"/>
+                <a:cs typeface="Palatino Linotype"/>
+              </a:rPr>
+              <a:t>basis</a:t>
+            </a:r>
+            <a:r>
+              <a:rPr sz="2150" spc="110" dirty="0">
+                <a:latin typeface="Palatino Linotype"/>
+                <a:cs typeface="Palatino Linotype"/>
+              </a:rPr>
+              <a:t> </a:t>
+            </a:r>
+            <a:r>
+              <a:rPr sz="2150" spc="20" dirty="0">
+                <a:latin typeface="Palatino Linotype"/>
+                <a:cs typeface="Palatino Linotype"/>
+              </a:rPr>
+              <a:t>for </a:t>
+            </a:r>
+            <a:r>
+              <a:rPr sz="2150" spc="10" dirty="0">
+                <a:latin typeface="Palatino Linotype"/>
+                <a:cs typeface="Palatino Linotype"/>
+              </a:rPr>
+              <a:t>quality</a:t>
+            </a:r>
+            <a:r>
+              <a:rPr sz="2150" spc="55" dirty="0">
+                <a:latin typeface="Palatino Linotype"/>
+                <a:cs typeface="Palatino Linotype"/>
+              </a:rPr>
+              <a:t> </a:t>
+            </a:r>
+            <a:r>
+              <a:rPr sz="2150" spc="25" dirty="0">
+                <a:latin typeface="Palatino Linotype"/>
+                <a:cs typeface="Palatino Linotype"/>
+              </a:rPr>
+              <a:t>measurement</a:t>
+            </a:r>
+            <a:endParaRPr sz="2150">
+              <a:latin typeface="Palatino Linotype"/>
+              <a:cs typeface="Palatino Linotype"/>
+            </a:endParaRPr>
+          </a:p>
+          <a:p>
+            <a:pPr marL="355600" indent="-343535">
+              <a:spcBef>
+                <a:spcPts val="350"/>
+              </a:spcBef>
+              <a:buChar char="•"/>
+              <a:tabLst>
+                <a:tab pos="355600" algn="l"/>
+                <a:tab pos="356235" algn="l"/>
+              </a:tabLst>
+            </a:pPr>
+            <a:r>
+              <a:rPr sz="2150" spc="30" dirty="0">
+                <a:latin typeface="Palatino Linotype"/>
+                <a:cs typeface="Palatino Linotype"/>
+              </a:rPr>
+              <a:t>Major</a:t>
+            </a:r>
+            <a:r>
+              <a:rPr sz="2150" spc="-70" dirty="0">
+                <a:latin typeface="Palatino Linotype"/>
+                <a:cs typeface="Palatino Linotype"/>
+              </a:rPr>
+              <a:t> </a:t>
+            </a:r>
+            <a:r>
+              <a:rPr sz="2150" spc="-25" dirty="0">
+                <a:latin typeface="Palatino Linotype"/>
+                <a:cs typeface="Palatino Linotype"/>
+              </a:rPr>
+              <a:t>purpose</a:t>
+            </a:r>
+            <a:endParaRPr sz="2150">
+              <a:latin typeface="Palatino Linotype"/>
+              <a:cs typeface="Palatino Linotype"/>
+            </a:endParaRPr>
+          </a:p>
+          <a:p>
+            <a:pPr marL="756285" lvl="1" indent="-287020">
+              <a:spcBef>
+                <a:spcPts val="275"/>
+              </a:spcBef>
+              <a:buSzPct val="47500"/>
+              <a:buFont typeface="Wingdings"/>
+              <a:buChar char=""/>
+              <a:tabLst>
+                <a:tab pos="756285" algn="l"/>
+                <a:tab pos="756920" algn="l"/>
+              </a:tabLst>
+            </a:pPr>
+            <a:r>
+              <a:rPr sz="2000" spc="-25" dirty="0">
+                <a:latin typeface="Palatino Linotype"/>
+                <a:cs typeface="Palatino Linotype"/>
+              </a:rPr>
+              <a:t>Correct</a:t>
+            </a:r>
+            <a:r>
+              <a:rPr sz="2000" spc="85" dirty="0">
+                <a:latin typeface="Palatino Linotype"/>
+                <a:cs typeface="Palatino Linotype"/>
+              </a:rPr>
+              <a:t> </a:t>
+            </a:r>
+            <a:r>
+              <a:rPr sz="2000" spc="-5" dirty="0">
+                <a:latin typeface="Palatino Linotype"/>
+                <a:cs typeface="Palatino Linotype"/>
+              </a:rPr>
+              <a:t>the</a:t>
+            </a:r>
+            <a:r>
+              <a:rPr sz="2000" spc="10" dirty="0">
+                <a:latin typeface="Palatino Linotype"/>
+                <a:cs typeface="Palatino Linotype"/>
+              </a:rPr>
+              <a:t> </a:t>
+            </a:r>
+            <a:r>
+              <a:rPr sz="2000" spc="-20" dirty="0">
+                <a:latin typeface="Palatino Linotype"/>
+                <a:cs typeface="Palatino Linotype"/>
+              </a:rPr>
+              <a:t>defect</a:t>
+            </a:r>
+            <a:endParaRPr sz="2000">
+              <a:latin typeface="Palatino Linotype"/>
+              <a:cs typeface="Palatino Linotype"/>
+            </a:endParaRPr>
+          </a:p>
+          <a:p>
+            <a:pPr marL="756285" lvl="1" indent="-287020">
+              <a:spcBef>
+                <a:spcPts val="225"/>
+              </a:spcBef>
+              <a:buSzPct val="47500"/>
+              <a:buFont typeface="Wingdings"/>
+              <a:buChar char=""/>
+              <a:tabLst>
+                <a:tab pos="756285" algn="l"/>
+                <a:tab pos="756920" algn="l"/>
+              </a:tabLst>
+            </a:pPr>
+            <a:r>
+              <a:rPr sz="2000" spc="-60" dirty="0">
+                <a:latin typeface="Palatino Linotype"/>
+                <a:cs typeface="Palatino Linotype"/>
+              </a:rPr>
+              <a:t>Report</a:t>
+            </a:r>
+            <a:r>
+              <a:rPr sz="2000" spc="310" dirty="0">
+                <a:latin typeface="Palatino Linotype"/>
+                <a:cs typeface="Palatino Linotype"/>
+              </a:rPr>
+              <a:t> </a:t>
+            </a:r>
+            <a:r>
+              <a:rPr sz="2000" spc="10" dirty="0">
+                <a:latin typeface="Palatino Linotype"/>
+                <a:cs typeface="Palatino Linotype"/>
+              </a:rPr>
+              <a:t>status</a:t>
+            </a:r>
+            <a:r>
+              <a:rPr sz="2000" spc="-85" dirty="0">
+                <a:latin typeface="Palatino Linotype"/>
+                <a:cs typeface="Palatino Linotype"/>
+              </a:rPr>
+              <a:t> </a:t>
+            </a:r>
+            <a:r>
+              <a:rPr sz="2000" spc="-20" dirty="0">
+                <a:latin typeface="Palatino Linotype"/>
+                <a:cs typeface="Palatino Linotype"/>
+              </a:rPr>
+              <a:t>of</a:t>
+            </a:r>
+            <a:r>
+              <a:rPr sz="2000" spc="10" dirty="0">
+                <a:latin typeface="Palatino Linotype"/>
+                <a:cs typeface="Palatino Linotype"/>
+              </a:rPr>
+              <a:t> </a:t>
+            </a:r>
+            <a:r>
+              <a:rPr sz="2000" spc="-30" dirty="0">
+                <a:latin typeface="Palatino Linotype"/>
+                <a:cs typeface="Palatino Linotype"/>
+              </a:rPr>
+              <a:t>application</a:t>
+            </a:r>
+            <a:endParaRPr sz="2000">
+              <a:latin typeface="Palatino Linotype"/>
+              <a:cs typeface="Palatino Linotype"/>
+            </a:endParaRPr>
+          </a:p>
+          <a:p>
+            <a:pPr marL="756285" lvl="1" indent="-287020">
+              <a:spcBef>
+                <a:spcPts val="229"/>
+              </a:spcBef>
+              <a:buSzPct val="47500"/>
+              <a:buFont typeface="Wingdings"/>
+              <a:buChar char=""/>
+              <a:tabLst>
+                <a:tab pos="756285" algn="l"/>
+                <a:tab pos="756920" algn="l"/>
+              </a:tabLst>
+            </a:pPr>
+            <a:r>
+              <a:rPr sz="2000" spc="-10" dirty="0">
+                <a:latin typeface="Palatino Linotype"/>
+                <a:cs typeface="Palatino Linotype"/>
+              </a:rPr>
+              <a:t>Gather</a:t>
+            </a:r>
+            <a:r>
+              <a:rPr sz="2000" spc="60" dirty="0">
+                <a:latin typeface="Palatino Linotype"/>
+                <a:cs typeface="Palatino Linotype"/>
+              </a:rPr>
+              <a:t> </a:t>
+            </a:r>
+            <a:r>
+              <a:rPr sz="2000" dirty="0">
+                <a:latin typeface="Palatino Linotype"/>
+                <a:cs typeface="Palatino Linotype"/>
+              </a:rPr>
+              <a:t>statistics</a:t>
+            </a:r>
+            <a:r>
+              <a:rPr sz="2000" spc="-65" dirty="0">
+                <a:latin typeface="Palatino Linotype"/>
+                <a:cs typeface="Palatino Linotype"/>
+              </a:rPr>
+              <a:t> </a:t>
+            </a:r>
+            <a:r>
+              <a:rPr sz="2000" spc="15" dirty="0">
+                <a:latin typeface="Palatino Linotype"/>
+                <a:cs typeface="Palatino Linotype"/>
+              </a:rPr>
+              <a:t>to</a:t>
+            </a:r>
+            <a:r>
+              <a:rPr sz="2000" spc="-20" dirty="0">
+                <a:latin typeface="Palatino Linotype"/>
+                <a:cs typeface="Palatino Linotype"/>
+              </a:rPr>
+              <a:t> </a:t>
+            </a:r>
+            <a:r>
+              <a:rPr sz="2000" spc="-40" dirty="0">
+                <a:latin typeface="Palatino Linotype"/>
+                <a:cs typeface="Palatino Linotype"/>
+              </a:rPr>
+              <a:t>predict</a:t>
+            </a:r>
+            <a:r>
+              <a:rPr sz="2000" spc="280" dirty="0">
+                <a:latin typeface="Palatino Linotype"/>
+                <a:cs typeface="Palatino Linotype"/>
+              </a:rPr>
+              <a:t> </a:t>
+            </a:r>
+            <a:r>
+              <a:rPr sz="2000" spc="-15" dirty="0">
+                <a:latin typeface="Palatino Linotype"/>
+                <a:cs typeface="Palatino Linotype"/>
+              </a:rPr>
+              <a:t>defects</a:t>
+            </a:r>
+            <a:r>
+              <a:rPr sz="2000" spc="75" dirty="0">
+                <a:latin typeface="Palatino Linotype"/>
+                <a:cs typeface="Palatino Linotype"/>
+              </a:rPr>
+              <a:t> </a:t>
+            </a:r>
+            <a:r>
+              <a:rPr sz="2000" spc="15" dirty="0">
+                <a:latin typeface="Palatino Linotype"/>
+                <a:cs typeface="Palatino Linotype"/>
+              </a:rPr>
+              <a:t>in</a:t>
+            </a:r>
+            <a:r>
+              <a:rPr sz="2000" spc="-20" dirty="0">
+                <a:latin typeface="Palatino Linotype"/>
+                <a:cs typeface="Palatino Linotype"/>
+              </a:rPr>
+              <a:t> </a:t>
+            </a:r>
+            <a:r>
+              <a:rPr sz="2000" spc="20" dirty="0">
+                <a:latin typeface="Palatino Linotype"/>
+                <a:cs typeface="Palatino Linotype"/>
+              </a:rPr>
+              <a:t>future</a:t>
+            </a:r>
+            <a:r>
+              <a:rPr sz="2000" spc="-110" dirty="0">
+                <a:latin typeface="Palatino Linotype"/>
+                <a:cs typeface="Palatino Linotype"/>
+              </a:rPr>
+              <a:t> </a:t>
+            </a:r>
+            <a:r>
+              <a:rPr sz="2000" spc="-35" dirty="0">
+                <a:latin typeface="Palatino Linotype"/>
+                <a:cs typeface="Palatino Linotype"/>
+              </a:rPr>
+              <a:t>applications</a:t>
+            </a:r>
+            <a:endParaRPr sz="2000">
+              <a:latin typeface="Palatino Linotype"/>
+              <a:cs typeface="Palatino Linotype"/>
+            </a:endParaRPr>
+          </a:p>
+          <a:p>
+            <a:pPr marL="756285" lvl="1" indent="-287020">
+              <a:spcBef>
+                <a:spcPts val="229"/>
+              </a:spcBef>
+              <a:buSzPct val="47500"/>
+              <a:buFont typeface="Wingdings"/>
+              <a:buChar char=""/>
+              <a:tabLst>
+                <a:tab pos="756285" algn="l"/>
+                <a:tab pos="756920" algn="l"/>
+              </a:tabLst>
+            </a:pPr>
+            <a:r>
+              <a:rPr sz="2000" spc="-25" dirty="0">
+                <a:latin typeface="Palatino Linotype"/>
+                <a:cs typeface="Palatino Linotype"/>
+              </a:rPr>
+              <a:t>Process</a:t>
+            </a:r>
+            <a:r>
+              <a:rPr sz="2000" spc="120" dirty="0">
+                <a:latin typeface="Palatino Linotype"/>
+                <a:cs typeface="Palatino Linotype"/>
+              </a:rPr>
+              <a:t> </a:t>
+            </a:r>
+            <a:r>
+              <a:rPr sz="2000" spc="-40" dirty="0">
+                <a:latin typeface="Palatino Linotype"/>
+                <a:cs typeface="Palatino Linotype"/>
+              </a:rPr>
+              <a:t>improvement</a:t>
+            </a:r>
+            <a:endParaRPr sz="2000">
+              <a:latin typeface="Palatino Linotype"/>
+              <a:cs typeface="Palatino Linotype"/>
+            </a:endParaRPr>
+          </a:p>
+        </p:txBody>
+      </p:sp>
+    </p:spTree>
+  </p:cSld>
+  <p:clrMapOvr>
+    <a:masterClrMapping/>
+  </p:clrMapOvr>
+</p:sld>
+</file>
+
+<file path=ppt/slides/slide111.xml><?xml version="1.0" encoding="utf-8"?>
+<p:sld xmlns:a="http://schemas.openxmlformats.org/drawingml/2006/main" xmlns:r="http://schemas.openxmlformats.org/officeDocument/2006/relationships" xmlns:p="http://schemas.openxmlformats.org/presentationml/2006/main">
+  <p:cSld>
+    <p:spTree>
+      <p:nvGrpSpPr>
+        <p:cNvPr id="1" name=""/>
+        <p:cNvGrpSpPr/>
+        <p:nvPr/>
+      </p:nvGrpSpPr>
+      <p:grpSpPr>
+        <a:xfrm>
+          <a:off x="0" y="0"/>
+          <a:ext cx="0" cy="0"/>
+          <a:chOff x="0" y="0"/>
+          <a:chExt cx="0" cy="0"/>
+        </a:xfrm>
+      </p:grpSpPr>
+      <p:sp>
+        <p:nvSpPr>
+          <p:cNvPr id="2" name="object 2"/>
+          <p:cNvSpPr txBox="1">
+            <a:spLocks noGrp="1"/>
+          </p:cNvSpPr>
+          <p:nvPr>
+            <p:ph type="title"/>
+          </p:nvPr>
+        </p:nvSpPr>
+        <p:spPr>
+          <a:xfrm>
+            <a:off x="2685097" y="286639"/>
+            <a:ext cx="4169410" cy="518159"/>
+          </a:xfrm>
+          <a:prstGeom prst="rect">
+            <a:avLst/>
+          </a:prstGeom>
+        </p:spPr>
+        <p:txBody>
+          <a:bodyPr vert="horz" wrap="square" lIns="0" tIns="16510" rIns="0" bIns="0" numCol="1" rtlCol="0" anchor="ctr" anchorCtr="0" compatLnSpc="1">
+            <a:prstTxWarp prst="textNoShape">
+              <a:avLst/>
+            </a:prstTxWarp>
+            <a:spAutoFit/>
+          </a:bodyPr>
+          <a:lstStyle/>
+          <a:p>
+            <a:pPr marL="12700">
+              <a:spcBef>
+                <a:spcPts val="130"/>
+              </a:spcBef>
+            </a:pPr>
+            <a:r>
+              <a:rPr sz="3200" spc="30" dirty="0">
+                <a:solidFill>
+                  <a:srgbClr val="000000"/>
+                </a:solidFill>
+                <a:latin typeface="Palatino Linotype"/>
+                <a:cs typeface="Palatino Linotype"/>
+              </a:rPr>
+              <a:t>Defect</a:t>
+            </a:r>
+            <a:r>
+              <a:rPr sz="3200" spc="-195" dirty="0">
+                <a:solidFill>
+                  <a:srgbClr val="000000"/>
+                </a:solidFill>
+                <a:latin typeface="Palatino Linotype"/>
+                <a:cs typeface="Palatino Linotype"/>
+              </a:rPr>
+              <a:t> </a:t>
+            </a:r>
+            <a:r>
+              <a:rPr sz="3200" spc="10" dirty="0">
+                <a:solidFill>
+                  <a:srgbClr val="000000"/>
+                </a:solidFill>
+                <a:latin typeface="Palatino Linotype"/>
+                <a:cs typeface="Palatino Linotype"/>
+              </a:rPr>
+              <a:t>Tracking</a:t>
+            </a:r>
+            <a:r>
+              <a:rPr sz="3200" spc="-150" dirty="0">
+                <a:solidFill>
+                  <a:srgbClr val="000000"/>
+                </a:solidFill>
+                <a:latin typeface="Palatino Linotype"/>
+                <a:cs typeface="Palatino Linotype"/>
+              </a:rPr>
+              <a:t> </a:t>
+            </a:r>
+            <a:r>
+              <a:rPr sz="3200" spc="10" dirty="0">
+                <a:solidFill>
+                  <a:srgbClr val="000000"/>
+                </a:solidFill>
+                <a:latin typeface="Palatino Linotype"/>
+                <a:cs typeface="Palatino Linotype"/>
+              </a:rPr>
+              <a:t>Tools</a:t>
+            </a:r>
+            <a:endParaRPr sz="3200">
+              <a:latin typeface="Palatino Linotype"/>
+              <a:cs typeface="Palatino Linotype"/>
+            </a:endParaRPr>
+          </a:p>
+        </p:txBody>
+      </p:sp>
+      <p:sp>
+        <p:nvSpPr>
+          <p:cNvPr id="4" name="object 4"/>
+          <p:cNvSpPr txBox="1">
+            <a:spLocks noGrp="1"/>
+          </p:cNvSpPr>
+          <p:nvPr>
+            <p:ph type="sldNum" sz="quarter" idx="7"/>
+          </p:nvPr>
+        </p:nvSpPr>
+        <p:spPr>
+          <a:xfrm>
+            <a:off x="8797543" y="6450719"/>
+            <a:ext cx="317500" cy="153034"/>
+          </a:xfrm>
+          <a:prstGeom prst="rect">
+            <a:avLst/>
+          </a:prstGeom>
+        </p:spPr>
+        <p:txBody>
+          <a:bodyPr vert="horz" wrap="square" lIns="0" tIns="0" rIns="0" bIns="0" rtlCol="0">
+            <a:spAutoFit/>
+          </a:bodyPr>
+          <a:lstStyle>
+            <a:defPPr>
+              <a:defRPr lang="en-US"/>
+            </a:defPPr>
+            <a:lvl1pPr marL="0" algn="l" defTabSz="914400" rtl="0" eaLnBrk="1" latinLnBrk="0" hangingPunct="1">
+              <a:defRPr sz="800" b="1" i="0" kern="1200">
+                <a:solidFill>
+                  <a:schemeClr val="tx1"/>
+                </a:solidFill>
+                <a:latin typeface="Verdana"/>
+                <a:ea typeface="+mn-ea"/>
+                <a:cs typeface="Verdana"/>
+              </a:defRPr>
+            </a:lvl1pPr>
+            <a:lvl2pPr marL="457200" algn="l" defTabSz="914400" rtl="0" eaLnBrk="1" latinLnBrk="0" hangingPunct="1">
+              <a:defRPr sz="1800" kern="1200">
+                <a:solidFill>
+                  <a:schemeClr val="tx1"/>
+                </a:solidFill>
+                <a:latin typeface="+mn-lt"/>
+                <a:ea typeface="+mn-ea"/>
+                <a:cs typeface="+mn-cs"/>
+              </a:defRPr>
+            </a:lvl2pPr>
+            <a:lvl3pPr marL="914400" algn="l" defTabSz="914400" rtl="0" eaLnBrk="1" latinLnBrk="0" hangingPunct="1">
+              <a:defRPr sz="1800" kern="1200">
+                <a:solidFill>
+                  <a:schemeClr val="tx1"/>
+                </a:solidFill>
+                <a:latin typeface="+mn-lt"/>
+                <a:ea typeface="+mn-ea"/>
+                <a:cs typeface="+mn-cs"/>
+              </a:defRPr>
+            </a:lvl3pPr>
+            <a:lvl4pPr marL="1371600" algn="l" defTabSz="914400" rtl="0" eaLnBrk="1" latinLnBrk="0" hangingPunct="1">
+              <a:defRPr sz="1800" kern="1200">
+                <a:solidFill>
+                  <a:schemeClr val="tx1"/>
+                </a:solidFill>
+                <a:latin typeface="+mn-lt"/>
+                <a:ea typeface="+mn-ea"/>
+                <a:cs typeface="+mn-cs"/>
+              </a:defRPr>
+            </a:lvl4pPr>
+            <a:lvl5pPr marL="1828800" algn="l" defTabSz="914400" rtl="0" eaLnBrk="1" latinLnBrk="0" hangingPunct="1">
+              <a:defRPr sz="1800" kern="1200">
+                <a:solidFill>
+                  <a:schemeClr val="tx1"/>
+                </a:solidFill>
+                <a:latin typeface="+mn-lt"/>
+                <a:ea typeface="+mn-ea"/>
+                <a:cs typeface="+mn-cs"/>
+              </a:defRPr>
+            </a:lvl5pPr>
+            <a:lvl6pPr marL="2286000" algn="l" defTabSz="914400" rtl="0" eaLnBrk="1" latinLnBrk="0" hangingPunct="1">
+              <a:defRPr sz="1800" kern="1200">
+                <a:solidFill>
+                  <a:schemeClr val="tx1"/>
+                </a:solidFill>
+                <a:latin typeface="+mn-lt"/>
+                <a:ea typeface="+mn-ea"/>
+                <a:cs typeface="+mn-cs"/>
+              </a:defRPr>
+            </a:lvl6pPr>
+            <a:lvl7pPr marL="2743200" algn="l" defTabSz="914400" rtl="0" eaLnBrk="1" latinLnBrk="0" hangingPunct="1">
+              <a:defRPr sz="1800" kern="1200">
+                <a:solidFill>
+                  <a:schemeClr val="tx1"/>
+                </a:solidFill>
+                <a:latin typeface="+mn-lt"/>
+                <a:ea typeface="+mn-ea"/>
+                <a:cs typeface="+mn-cs"/>
+              </a:defRPr>
+            </a:lvl7pPr>
+            <a:lvl8pPr marL="3200400" algn="l" defTabSz="914400" rtl="0" eaLnBrk="1" latinLnBrk="0" hangingPunct="1">
+              <a:defRPr sz="1800" kern="1200">
+                <a:solidFill>
+                  <a:schemeClr val="tx1"/>
+                </a:solidFill>
+                <a:latin typeface="+mn-lt"/>
+                <a:ea typeface="+mn-ea"/>
+                <a:cs typeface="+mn-cs"/>
+              </a:defRPr>
+            </a:lvl8pPr>
+            <a:lvl9pPr marL="3657600" algn="l" defTabSz="914400" rtl="0" eaLnBrk="1" latinLnBrk="0" hangingPunct="1">
+              <a:defRPr sz="1800" kern="1200">
+                <a:solidFill>
+                  <a:schemeClr val="tx1"/>
+                </a:solidFill>
+                <a:latin typeface="+mn-lt"/>
+                <a:ea typeface="+mn-ea"/>
+                <a:cs typeface="+mn-cs"/>
+              </a:defRPr>
+            </a:lvl9pPr>
+          </a:lstStyle>
+          <a:p>
+            <a:pPr marL="38100">
+              <a:spcBef>
+                <a:spcPts val="130"/>
+              </a:spcBef>
+            </a:pPr>
+            <a:fld id="{81D60167-4931-47E6-BA6A-407CBD079E47}" type="slidenum">
+              <a:rPr lang="en-IN" spc="15" smtClean="0"/>
+              <a:pPr marL="38100">
+                <a:spcBef>
+                  <a:spcPts val="130"/>
+                </a:spcBef>
+              </a:pPr>
+              <a:t>111</a:t>
+            </a:fld>
+            <a:endParaRPr spc="15" dirty="0"/>
+          </a:p>
+        </p:txBody>
+      </p:sp>
+      <p:sp>
+        <p:nvSpPr>
+          <p:cNvPr id="3" name="object 3"/>
+          <p:cNvSpPr txBox="1"/>
+          <p:nvPr/>
+        </p:nvSpPr>
+        <p:spPr>
+          <a:xfrm>
+            <a:off x="2685097" y="1538397"/>
+            <a:ext cx="2927350" cy="1513205"/>
+          </a:xfrm>
+          <a:prstGeom prst="rect">
+            <a:avLst/>
+          </a:prstGeom>
+        </p:spPr>
+        <p:txBody>
+          <a:bodyPr vert="horz" wrap="square" lIns="0" tIns="55880" rIns="0" bIns="0" rtlCol="0">
+            <a:spAutoFit/>
+          </a:bodyPr>
+          <a:lstStyle/>
+          <a:p>
+            <a:pPr marL="355600" indent="-343535">
+              <a:spcBef>
+                <a:spcPts val="440"/>
+              </a:spcBef>
+              <a:buChar char="•"/>
+              <a:tabLst>
+                <a:tab pos="355600" algn="l"/>
+                <a:tab pos="356235" algn="l"/>
+              </a:tabLst>
+            </a:pPr>
+            <a:r>
+              <a:rPr sz="2150" spc="5" dirty="0">
+                <a:latin typeface="Palatino Linotype"/>
+                <a:cs typeface="Palatino Linotype"/>
+              </a:rPr>
+              <a:t>Quality</a:t>
+            </a:r>
+            <a:r>
+              <a:rPr sz="2150" spc="20" dirty="0">
+                <a:latin typeface="Palatino Linotype"/>
+                <a:cs typeface="Palatino Linotype"/>
+              </a:rPr>
+              <a:t> </a:t>
+            </a:r>
+            <a:r>
+              <a:rPr sz="2150" spc="25" dirty="0">
+                <a:latin typeface="Palatino Linotype"/>
+                <a:cs typeface="Palatino Linotype"/>
+              </a:rPr>
+              <a:t>Center</a:t>
+            </a:r>
+            <a:endParaRPr sz="2150">
+              <a:latin typeface="Palatino Linotype"/>
+              <a:cs typeface="Palatino Linotype"/>
+            </a:endParaRPr>
+          </a:p>
+          <a:p>
+            <a:pPr marL="355600" indent="-343535">
+              <a:spcBef>
+                <a:spcPts val="350"/>
+              </a:spcBef>
+              <a:buChar char="•"/>
+              <a:tabLst>
+                <a:tab pos="355600" algn="l"/>
+                <a:tab pos="356235" algn="l"/>
+              </a:tabLst>
+            </a:pPr>
+            <a:r>
+              <a:rPr sz="2150" spc="15" dirty="0">
+                <a:latin typeface="Palatino Linotype"/>
+                <a:cs typeface="Palatino Linotype"/>
+              </a:rPr>
+              <a:t>Rational</a:t>
+            </a:r>
+            <a:r>
+              <a:rPr sz="2150" spc="35" dirty="0">
+                <a:latin typeface="Palatino Linotype"/>
+                <a:cs typeface="Palatino Linotype"/>
+              </a:rPr>
+              <a:t> </a:t>
+            </a:r>
+            <a:r>
+              <a:rPr sz="2150" dirty="0">
+                <a:latin typeface="Palatino Linotype"/>
+                <a:cs typeface="Palatino Linotype"/>
+              </a:rPr>
+              <a:t>Clear</a:t>
+            </a:r>
+            <a:r>
+              <a:rPr sz="2150" spc="85" dirty="0">
+                <a:latin typeface="Palatino Linotype"/>
+                <a:cs typeface="Palatino Linotype"/>
+              </a:rPr>
+              <a:t> </a:t>
+            </a:r>
+            <a:r>
+              <a:rPr sz="2150" dirty="0">
+                <a:latin typeface="Palatino Linotype"/>
+                <a:cs typeface="Palatino Linotype"/>
+              </a:rPr>
+              <a:t>Quest</a:t>
+            </a:r>
+            <a:endParaRPr sz="2150">
+              <a:latin typeface="Palatino Linotype"/>
+              <a:cs typeface="Palatino Linotype"/>
+            </a:endParaRPr>
+          </a:p>
+          <a:p>
+            <a:pPr marL="355600" indent="-343535">
+              <a:spcBef>
+                <a:spcPts val="345"/>
+              </a:spcBef>
+              <a:buChar char="•"/>
+              <a:tabLst>
+                <a:tab pos="355600" algn="l"/>
+                <a:tab pos="356235" algn="l"/>
+              </a:tabLst>
+            </a:pPr>
+            <a:r>
+              <a:rPr sz="2150" spc="10" dirty="0">
+                <a:latin typeface="Palatino Linotype"/>
+                <a:cs typeface="Palatino Linotype"/>
+              </a:rPr>
+              <a:t>Bugzila</a:t>
+            </a:r>
+            <a:endParaRPr sz="2150">
+              <a:latin typeface="Palatino Linotype"/>
+              <a:cs typeface="Palatino Linotype"/>
+            </a:endParaRPr>
+          </a:p>
+          <a:p>
+            <a:pPr marL="355600" indent="-343535">
+              <a:spcBef>
+                <a:spcPts val="350"/>
+              </a:spcBef>
+              <a:buChar char="•"/>
+              <a:tabLst>
+                <a:tab pos="355600" algn="l"/>
+                <a:tab pos="356235" algn="l"/>
+              </a:tabLst>
+            </a:pPr>
+            <a:r>
+              <a:rPr sz="2150" dirty="0">
+                <a:latin typeface="Palatino Linotype"/>
+                <a:cs typeface="Palatino Linotype"/>
+              </a:rPr>
+              <a:t>Excel</a:t>
+            </a:r>
+            <a:r>
+              <a:rPr sz="2150" spc="65" dirty="0">
+                <a:latin typeface="Palatino Linotype"/>
+                <a:cs typeface="Palatino Linotype"/>
+              </a:rPr>
+              <a:t> </a:t>
+            </a:r>
+            <a:r>
+              <a:rPr sz="2150" spc="25" dirty="0">
+                <a:latin typeface="Palatino Linotype"/>
+                <a:cs typeface="Palatino Linotype"/>
+              </a:rPr>
+              <a:t>Sheet</a:t>
+            </a:r>
+            <a:endParaRPr sz="2150">
+              <a:latin typeface="Palatino Linotype"/>
+              <a:cs typeface="Palatino Linotype"/>
+            </a:endParaRPr>
+          </a:p>
+        </p:txBody>
+      </p:sp>
+    </p:spTree>
+  </p:cSld>
+  <p:clrMapOvr>
+    <a:masterClrMapping/>
+  </p:clrMapOvr>
+</p:sld>
+</file>
+
+<file path=ppt/slides/slide112.xml><?xml version="1.0" encoding="utf-8"?>
+<p:sld xmlns:a="http://schemas.openxmlformats.org/drawingml/2006/main" xmlns:r="http://schemas.openxmlformats.org/officeDocument/2006/relationships" xmlns:p="http://schemas.openxmlformats.org/presentationml/2006/main">
+  <p:cSld>
+    <p:spTree>
+      <p:nvGrpSpPr>
+        <p:cNvPr id="1" name=""/>
+        <p:cNvGrpSpPr/>
+        <p:nvPr/>
+      </p:nvGrpSpPr>
+      <p:grpSpPr>
+        <a:xfrm>
+          <a:off x="0" y="0"/>
+          <a:ext cx="0" cy="0"/>
+          <a:chOff x="0" y="0"/>
+          <a:chExt cx="0" cy="0"/>
+        </a:xfrm>
+      </p:grpSpPr>
+      <p:sp>
+        <p:nvSpPr>
+          <p:cNvPr id="2" name="Content Placeholder 1">
+            <a:extLst>
+              <a:ext uri="{FF2B5EF4-FFF2-40B4-BE49-F238E27FC236}">
+                <a16:creationId xmlns:a16="http://schemas.microsoft.com/office/drawing/2014/main" id="{99C7B5A3-7633-4A5F-8405-3C275172DC78}"/>
+              </a:ext>
+            </a:extLst>
+          </p:cNvPr>
+          <p:cNvSpPr>
+            <a:spLocks noGrp="1"/>
+          </p:cNvSpPr>
+          <p:nvPr>
+            <p:ph idx="1"/>
+          </p:nvPr>
+        </p:nvSpPr>
+        <p:spPr/>
+        <p:txBody>
+          <a:bodyPr/>
+          <a:lstStyle/>
+          <a:p>
+            <a:pPr algn="just"/>
+            <a:r>
+              <a:rPr lang="en-US" b="0" i="0" dirty="0">
+                <a:solidFill>
+                  <a:srgbClr val="333333"/>
+                </a:solidFill>
+                <a:effectLst/>
+                <a:latin typeface="inter-regular"/>
+              </a:rPr>
+              <a:t>The </a:t>
+            </a:r>
+            <a:r>
+              <a:rPr lang="en-US" b="1" i="0" dirty="0">
+                <a:solidFill>
+                  <a:srgbClr val="333333"/>
+                </a:solidFill>
+                <a:effectLst/>
+                <a:latin typeface="inter-bold"/>
+              </a:rPr>
+              <a:t>Defect Management Process</a:t>
+            </a:r>
+            <a:r>
+              <a:rPr lang="en-US" b="0" i="0" dirty="0">
+                <a:solidFill>
+                  <a:srgbClr val="333333"/>
+                </a:solidFill>
+                <a:effectLst/>
+                <a:latin typeface="inter-regular"/>
+              </a:rPr>
+              <a:t> is process where most of the organizations manage the </a:t>
+            </a:r>
+            <a:r>
+              <a:rPr lang="en-US" b="1" i="0" dirty="0">
+                <a:solidFill>
+                  <a:srgbClr val="333333"/>
+                </a:solidFill>
+                <a:effectLst/>
+                <a:latin typeface="inter-bold"/>
+              </a:rPr>
+              <a:t>Defect Discovery, Defect Removal</a:t>
+            </a:r>
+            <a:r>
+              <a:rPr lang="en-US" b="0" i="0" dirty="0">
+                <a:solidFill>
+                  <a:srgbClr val="333333"/>
+                </a:solidFill>
+                <a:effectLst/>
+                <a:latin typeface="inter-regular"/>
+              </a:rPr>
+              <a:t>, and then the </a:t>
+            </a:r>
+            <a:r>
+              <a:rPr lang="en-US" b="1" i="0" dirty="0">
+                <a:solidFill>
+                  <a:srgbClr val="333333"/>
+                </a:solidFill>
+                <a:effectLst/>
+                <a:latin typeface="inter-bold"/>
+              </a:rPr>
+              <a:t>Process Improvement</a:t>
+            </a:r>
+            <a:r>
+              <a:rPr lang="en-US" b="0" i="0" dirty="0">
+                <a:solidFill>
+                  <a:srgbClr val="333333"/>
+                </a:solidFill>
+                <a:effectLst/>
+                <a:latin typeface="inter-regular"/>
+              </a:rPr>
+              <a:t>.</a:t>
+            </a:r>
+          </a:p>
+          <a:p>
+            <a:pPr algn="just"/>
+            <a:r>
+              <a:rPr lang="en-US" b="0" i="0" dirty="0">
+                <a:solidFill>
+                  <a:srgbClr val="333333"/>
+                </a:solidFill>
+                <a:effectLst/>
+                <a:latin typeface="inter-regular"/>
+              </a:rPr>
+              <a:t>As the name recommends</a:t>
+            </a:r>
+            <a:r>
+              <a:rPr lang="en-US" b="1" i="0" dirty="0">
+                <a:solidFill>
+                  <a:srgbClr val="333333"/>
+                </a:solidFill>
+                <a:effectLst/>
+                <a:latin typeface="inter-bold"/>
+              </a:rPr>
+              <a:t>, the Defect Management Process (DMP)</a:t>
+            </a:r>
+            <a:r>
+              <a:rPr lang="en-US" b="0" i="0" dirty="0">
+                <a:solidFill>
+                  <a:srgbClr val="333333"/>
+                </a:solidFill>
+                <a:effectLst/>
+                <a:latin typeface="inter-regular"/>
+              </a:rPr>
+              <a:t> manages defects by purely detecting and resolving or fixing the faults.</a:t>
+            </a:r>
+          </a:p>
+          <a:p>
+            <a:pPr algn="just"/>
+            <a:r>
+              <a:rPr lang="en-US" b="0" i="0" dirty="0">
+                <a:solidFill>
+                  <a:srgbClr val="333333"/>
+                </a:solidFill>
+                <a:effectLst/>
+                <a:latin typeface="inter-regular"/>
+              </a:rPr>
+              <a:t>It is impossible to make a software 100% error or defect-free, but several defects can be declined by fixing or resolving them.</a:t>
+            </a:r>
+          </a:p>
+          <a:p>
+            <a:pPr algn="just"/>
+            <a:r>
+              <a:rPr lang="en-US" b="0" i="0" dirty="0">
+                <a:solidFill>
+                  <a:srgbClr val="333333"/>
+                </a:solidFill>
+                <a:effectLst/>
+                <a:latin typeface="inter-regular"/>
+              </a:rPr>
+              <a:t>The defect management process primarily focuses on stopping defects, finding defects in the earlier stages, and moderating the effect of defects.</a:t>
+            </a:r>
+          </a:p>
+          <a:p>
+            <a:endParaRPr lang="en-IN" dirty="0"/>
+          </a:p>
+        </p:txBody>
+      </p:sp>
+      <p:sp>
+        <p:nvSpPr>
+          <p:cNvPr id="3" name="Title 2">
+            <a:extLst>
+              <a:ext uri="{FF2B5EF4-FFF2-40B4-BE49-F238E27FC236}">
+                <a16:creationId xmlns:a16="http://schemas.microsoft.com/office/drawing/2014/main" id="{C4195846-B70D-4F46-88F4-DB4B8508D63E}"/>
+              </a:ext>
+            </a:extLst>
+          </p:cNvPr>
+          <p:cNvSpPr>
+            <a:spLocks noGrp="1"/>
+          </p:cNvSpPr>
+          <p:nvPr>
+            <p:ph type="title"/>
+          </p:nvPr>
+        </p:nvSpPr>
+        <p:spPr/>
+        <p:txBody>
+          <a:bodyPr/>
+          <a:lstStyle/>
+          <a:p>
+            <a:r>
+              <a:rPr lang="en-US" b="0" i="0" dirty="0">
+                <a:solidFill>
+                  <a:schemeClr val="accent1">
+                    <a:lumMod val="75000"/>
+                  </a:schemeClr>
+                </a:solidFill>
+                <a:effectLst/>
+                <a:latin typeface="erdana"/>
+              </a:rPr>
+              <a:t>What is Defect Management Process?</a:t>
+            </a:r>
+            <a:endParaRPr lang="en-IN" dirty="0">
+              <a:solidFill>
+                <a:schemeClr val="accent1">
+                  <a:lumMod val="75000"/>
+                </a:schemeClr>
+              </a:solidFill>
+            </a:endParaRPr>
+          </a:p>
+        </p:txBody>
+      </p:sp>
+    </p:spTree>
+    <p:extLst>
+      <p:ext uri="{BB962C8B-B14F-4D97-AF65-F5344CB8AC3E}">
+        <p14:creationId xmlns:p14="http://schemas.microsoft.com/office/powerpoint/2010/main" val="1461763385"/>
+      </p:ext>
+    </p:extLst>
+  </p:cSld>
+  <p:clrMapOvr>
+    <a:masterClrMapping/>
+  </p:clrMapOvr>
+  <p:transition spd="slow">
+    <p:push dir="u"/>
+  </p:transition>
+</p:sld>
+</file>
+
+<file path=ppt/slides/slide113.xml><?xml version="1.0" encoding="utf-8"?>
+<p:sld xmlns:a="http://schemas.openxmlformats.org/drawingml/2006/main" xmlns:r="http://schemas.openxmlformats.org/officeDocument/2006/relationships" xmlns:p="http://schemas.openxmlformats.org/presentationml/2006/main">
+  <p:cSld>
+    <p:spTree>
+      <p:nvGrpSpPr>
+        <p:cNvPr id="1" name=""/>
+        <p:cNvGrpSpPr/>
+        <p:nvPr/>
+      </p:nvGrpSpPr>
+      <p:grpSpPr>
+        <a:xfrm>
+          <a:off x="0" y="0"/>
+          <a:ext cx="0" cy="0"/>
+          <a:chOff x="0" y="0"/>
+          <a:chExt cx="0" cy="0"/>
+        </a:xfrm>
+      </p:grpSpPr>
+      <p:sp>
+        <p:nvSpPr>
+          <p:cNvPr id="2" name="Content Placeholder 1">
+            <a:extLst>
+              <a:ext uri="{FF2B5EF4-FFF2-40B4-BE49-F238E27FC236}">
+                <a16:creationId xmlns:a16="http://schemas.microsoft.com/office/drawing/2014/main" id="{4A54E087-F994-4710-A762-040E9C896146}"/>
+              </a:ext>
+            </a:extLst>
+          </p:cNvPr>
+          <p:cNvSpPr>
+            <a:spLocks noGrp="1"/>
+          </p:cNvSpPr>
+          <p:nvPr>
+            <p:ph idx="1"/>
+          </p:nvPr>
+        </p:nvSpPr>
+        <p:spPr/>
+        <p:txBody>
+          <a:bodyPr/>
+          <a:lstStyle/>
+          <a:p>
+            <a:pPr algn="just">
+              <a:buFont typeface="Arial" panose="020B0604020202020204" pitchFamily="34" charset="0"/>
+              <a:buChar char="•"/>
+            </a:pPr>
+            <a:r>
+              <a:rPr lang="en-US" b="0" i="0" dirty="0">
+                <a:solidFill>
+                  <a:srgbClr val="000000"/>
+                </a:solidFill>
+                <a:effectLst/>
+                <a:latin typeface="inter-regular"/>
+              </a:rPr>
+              <a:t>The primary objective of DMP is to expose the defects at an early stage of the software development process.</a:t>
+            </a:r>
+          </a:p>
+          <a:p>
+            <a:pPr algn="just">
+              <a:buFont typeface="Arial" panose="020B0604020202020204" pitchFamily="34" charset="0"/>
+              <a:buChar char="•"/>
+            </a:pPr>
+            <a:r>
+              <a:rPr lang="en-US" b="0" i="0" dirty="0">
+                <a:solidFill>
+                  <a:srgbClr val="000000"/>
+                </a:solidFill>
+                <a:effectLst/>
+                <a:latin typeface="inter-regular"/>
+              </a:rPr>
+              <a:t>The execution of the defect management process will help us enhance the process and implementation of software.</a:t>
+            </a:r>
+          </a:p>
+          <a:p>
+            <a:pPr algn="just">
+              <a:buFont typeface="Arial" panose="020B0604020202020204" pitchFamily="34" charset="0"/>
+              <a:buChar char="•"/>
+            </a:pPr>
+            <a:r>
+              <a:rPr lang="en-US" b="0" i="0" dirty="0">
+                <a:solidFill>
+                  <a:srgbClr val="000000"/>
+                </a:solidFill>
+                <a:effectLst/>
+                <a:latin typeface="inter-regular"/>
+              </a:rPr>
+              <a:t>The defect management process reduces the impact or effects of defects on software.</a:t>
+            </a:r>
+          </a:p>
+          <a:p>
+            <a:pPr algn="just">
+              <a:buFont typeface="Arial" panose="020B0604020202020204" pitchFamily="34" charset="0"/>
+              <a:buChar char="•"/>
+            </a:pPr>
+            <a:r>
+              <a:rPr lang="en-US" b="0" i="0" dirty="0">
+                <a:solidFill>
+                  <a:srgbClr val="000000"/>
+                </a:solidFill>
+                <a:effectLst/>
+                <a:latin typeface="inter-regular"/>
+              </a:rPr>
+              <a:t>The Defect management process (DMP) helps us to avoid defects.</a:t>
+            </a:r>
+          </a:p>
+          <a:p>
+            <a:pPr algn="just">
+              <a:buFont typeface="Arial" panose="020B0604020202020204" pitchFamily="34" charset="0"/>
+              <a:buChar char="•"/>
+            </a:pPr>
+            <a:r>
+              <a:rPr lang="en-US" b="0" i="0" dirty="0">
+                <a:solidFill>
+                  <a:srgbClr val="000000"/>
+                </a:solidFill>
+                <a:effectLst/>
+                <a:latin typeface="inter-regular"/>
+              </a:rPr>
+              <a:t>The main goal of the Defect management process is to resolve or fixing the defects.</a:t>
+            </a:r>
+          </a:p>
+          <a:p>
+            <a:endParaRPr lang="en-IN" dirty="0"/>
+          </a:p>
+          <a:p>
+            <a:pPr marL="0" indent="0" algn="just">
+              <a:buNone/>
+            </a:pPr>
+            <a:r>
+              <a:rPr lang="en-US" b="0" i="0" dirty="0">
+                <a:solidFill>
+                  <a:srgbClr val="333333"/>
+                </a:solidFill>
+                <a:effectLst/>
+                <a:latin typeface="inter-regular"/>
+              </a:rPr>
+              <a:t>For the </a:t>
+            </a:r>
+            <a:r>
+              <a:rPr lang="en-US" b="1" i="0" dirty="0">
+                <a:solidFill>
+                  <a:srgbClr val="333333"/>
+                </a:solidFill>
+                <a:effectLst/>
+                <a:latin typeface="inter-bold"/>
+              </a:rPr>
+              <a:t>different organization or projects</a:t>
+            </a:r>
+            <a:r>
+              <a:rPr lang="en-US" b="0" i="0" dirty="0">
+                <a:solidFill>
+                  <a:srgbClr val="333333"/>
+                </a:solidFill>
+                <a:effectLst/>
+                <a:latin typeface="inter-regular"/>
+              </a:rPr>
+              <a:t> the critical goals of the Defect management process is as follows:</a:t>
+            </a:r>
+          </a:p>
+          <a:p>
+            <a:pPr algn="just">
+              <a:buFont typeface="Arial" panose="020B0604020202020204" pitchFamily="34" charset="0"/>
+              <a:buChar char="•"/>
+            </a:pPr>
+            <a:r>
+              <a:rPr lang="en-US" b="0" i="0" dirty="0">
+                <a:solidFill>
+                  <a:srgbClr val="000000"/>
+                </a:solidFill>
+                <a:effectLst/>
+                <a:latin typeface="inter-regular"/>
+              </a:rPr>
+              <a:t>The defect management process allows us to provide input for status and progress reports about the defect.</a:t>
+            </a:r>
+          </a:p>
+          <a:p>
+            <a:pPr algn="just">
+              <a:buFont typeface="Arial" panose="020B0604020202020204" pitchFamily="34" charset="0"/>
+              <a:buChar char="•"/>
+            </a:pPr>
+            <a:r>
+              <a:rPr lang="en-US" b="0" i="0" dirty="0">
+                <a:solidFill>
+                  <a:srgbClr val="000000"/>
+                </a:solidFill>
+                <a:effectLst/>
+                <a:latin typeface="inter-regular"/>
+              </a:rPr>
+              <a:t>To find the primary cause that how the defect happened and how to handle it.</a:t>
+            </a:r>
+          </a:p>
+          <a:p>
+            <a:pPr algn="just">
+              <a:buFont typeface="Arial" panose="020B0604020202020204" pitchFamily="34" charset="0"/>
+              <a:buChar char="•"/>
+            </a:pPr>
+            <a:r>
+              <a:rPr lang="en-US" b="0" i="0" dirty="0">
+                <a:solidFill>
+                  <a:srgbClr val="000000"/>
+                </a:solidFill>
+                <a:effectLst/>
+                <a:latin typeface="inter-regular"/>
+              </a:rPr>
+              <a:t>To provide input, for information related to the release of the defect.</a:t>
+            </a:r>
+          </a:p>
+          <a:p>
+            <a:endParaRPr lang="en-IN" dirty="0"/>
+          </a:p>
+        </p:txBody>
+      </p:sp>
+      <p:sp>
+        <p:nvSpPr>
+          <p:cNvPr id="3" name="Title 2">
+            <a:extLst>
+              <a:ext uri="{FF2B5EF4-FFF2-40B4-BE49-F238E27FC236}">
+                <a16:creationId xmlns:a16="http://schemas.microsoft.com/office/drawing/2014/main" id="{D7B6AFA4-712E-4E7D-9488-C97DA186D571}"/>
+              </a:ext>
+            </a:extLst>
+          </p:cNvPr>
+          <p:cNvSpPr>
+            <a:spLocks noGrp="1"/>
+          </p:cNvSpPr>
+          <p:nvPr>
+            <p:ph type="title"/>
+          </p:nvPr>
+        </p:nvSpPr>
+        <p:spPr/>
+        <p:txBody>
+          <a:bodyPr/>
+          <a:lstStyle/>
+          <a:p>
+            <a:r>
+              <a:rPr lang="en-US" i="0" dirty="0">
+                <a:solidFill>
+                  <a:schemeClr val="accent1">
+                    <a:lumMod val="75000"/>
+                  </a:schemeClr>
+                </a:solidFill>
+                <a:effectLst/>
+                <a:latin typeface="erdana"/>
+              </a:rPr>
+              <a:t>Objective of Defect Management Process (DMP)</a:t>
+            </a:r>
+            <a:endParaRPr lang="en-IN" dirty="0">
+              <a:solidFill>
+                <a:schemeClr val="accent1">
+                  <a:lumMod val="75000"/>
+                </a:schemeClr>
+              </a:solidFill>
+            </a:endParaRPr>
+          </a:p>
+        </p:txBody>
+      </p:sp>
+    </p:spTree>
+    <p:extLst>
+      <p:ext uri="{BB962C8B-B14F-4D97-AF65-F5344CB8AC3E}">
+        <p14:creationId xmlns:p14="http://schemas.microsoft.com/office/powerpoint/2010/main" val="268124926"/>
+      </p:ext>
+    </p:extLst>
+  </p:cSld>
+  <p:clrMapOvr>
+    <a:masterClrMapping/>
+  </p:clrMapOvr>
+  <p:transition spd="slow">
+    <p:push dir="u"/>
+  </p:transition>
+</p:sld>
+</file>
+
+<file path=ppt/slides/slide114.xml><?xml version="1.0" encoding="utf-8"?>
+<p:sld xmlns:a="http://schemas.openxmlformats.org/drawingml/2006/main" xmlns:r="http://schemas.openxmlformats.org/officeDocument/2006/relationships" xmlns:p="http://schemas.openxmlformats.org/presentationml/2006/main">
+  <p:cSld>
+    <p:spTree>
+      <p:nvGrpSpPr>
+        <p:cNvPr id="1" name=""/>
+        <p:cNvGrpSpPr/>
+        <p:nvPr/>
+      </p:nvGrpSpPr>
+      <p:grpSpPr>
+        <a:xfrm>
+          <a:off x="0" y="0"/>
+          <a:ext cx="0" cy="0"/>
+          <a:chOff x="0" y="0"/>
+          <a:chExt cx="0" cy="0"/>
+        </a:xfrm>
+      </p:grpSpPr>
+      <p:sp>
+        <p:nvSpPr>
+          <p:cNvPr id="2" name="Content Placeholder 1">
+            <a:extLst>
+              <a:ext uri="{FF2B5EF4-FFF2-40B4-BE49-F238E27FC236}">
+                <a16:creationId xmlns:a16="http://schemas.microsoft.com/office/drawing/2014/main" id="{07B8E3DC-1928-447F-A2DF-305983D2A52A}"/>
+              </a:ext>
+            </a:extLst>
+          </p:cNvPr>
+          <p:cNvSpPr>
+            <a:spLocks noGrp="1"/>
+          </p:cNvSpPr>
+          <p:nvPr>
+            <p:ph idx="1"/>
+          </p:nvPr>
+        </p:nvSpPr>
+        <p:spPr/>
+        <p:txBody>
+          <a:bodyPr/>
+          <a:lstStyle/>
+          <a:p>
+            <a:pPr algn="just">
+              <a:buFont typeface="+mj-lt"/>
+              <a:buAutoNum type="arabicPeriod"/>
+            </a:pPr>
+            <a:r>
+              <a:rPr lang="en-US" b="1" i="0" dirty="0">
+                <a:solidFill>
+                  <a:srgbClr val="000000"/>
+                </a:solidFill>
+                <a:effectLst/>
+                <a:latin typeface="inter-bold"/>
+              </a:rPr>
+              <a:t>Defect Prevention</a:t>
+            </a:r>
+            <a:endParaRPr lang="en-US" b="0" i="0" dirty="0">
+              <a:solidFill>
+                <a:srgbClr val="000000"/>
+              </a:solidFill>
+              <a:effectLst/>
+              <a:latin typeface="inter-regular"/>
+            </a:endParaRPr>
+          </a:p>
+          <a:p>
+            <a:pPr algn="just">
+              <a:buFont typeface="+mj-lt"/>
+              <a:buAutoNum type="arabicPeriod"/>
+            </a:pPr>
+            <a:r>
+              <a:rPr lang="en-US" b="1" i="0" dirty="0">
+                <a:solidFill>
+                  <a:srgbClr val="000000"/>
+                </a:solidFill>
+                <a:effectLst/>
+                <a:latin typeface="inter-bold"/>
+              </a:rPr>
+              <a:t>Deliverable Baseline</a:t>
+            </a:r>
+            <a:endParaRPr lang="en-US" b="0" i="0" dirty="0">
+              <a:solidFill>
+                <a:srgbClr val="000000"/>
+              </a:solidFill>
+              <a:effectLst/>
+              <a:latin typeface="inter-regular"/>
+            </a:endParaRPr>
+          </a:p>
+          <a:p>
+            <a:pPr algn="just">
+              <a:buFont typeface="+mj-lt"/>
+              <a:buAutoNum type="arabicPeriod"/>
+            </a:pPr>
+            <a:r>
+              <a:rPr lang="en-US" b="1" i="0" dirty="0">
+                <a:solidFill>
+                  <a:srgbClr val="000000"/>
+                </a:solidFill>
+                <a:effectLst/>
+                <a:latin typeface="inter-bold"/>
+              </a:rPr>
+              <a:t>Defect Discovery</a:t>
+            </a:r>
+            <a:endParaRPr lang="en-US" b="0" i="0" dirty="0">
+              <a:solidFill>
+                <a:srgbClr val="000000"/>
+              </a:solidFill>
+              <a:effectLst/>
+              <a:latin typeface="inter-regular"/>
+            </a:endParaRPr>
+          </a:p>
+          <a:p>
+            <a:pPr algn="just">
+              <a:buFont typeface="+mj-lt"/>
+              <a:buAutoNum type="arabicPeriod"/>
+            </a:pPr>
+            <a:r>
+              <a:rPr lang="en-US" b="1" i="0" dirty="0">
+                <a:solidFill>
+                  <a:srgbClr val="000000"/>
+                </a:solidFill>
+                <a:effectLst/>
+                <a:latin typeface="inter-bold"/>
+              </a:rPr>
+              <a:t>Defect Resolution</a:t>
+            </a:r>
+            <a:endParaRPr lang="en-US" b="0" i="0" dirty="0">
+              <a:solidFill>
+                <a:srgbClr val="000000"/>
+              </a:solidFill>
+              <a:effectLst/>
+              <a:latin typeface="inter-regular"/>
+            </a:endParaRPr>
+          </a:p>
+          <a:p>
+            <a:pPr algn="just">
+              <a:buFont typeface="+mj-lt"/>
+              <a:buAutoNum type="arabicPeriod"/>
+            </a:pPr>
+            <a:r>
+              <a:rPr lang="en-US" b="1" i="0" dirty="0">
+                <a:solidFill>
+                  <a:srgbClr val="000000"/>
+                </a:solidFill>
+                <a:effectLst/>
+                <a:latin typeface="inter-bold"/>
+              </a:rPr>
+              <a:t>Process Improvement</a:t>
+            </a:r>
+            <a:endParaRPr lang="en-US" b="0" i="0" dirty="0">
+              <a:solidFill>
+                <a:srgbClr val="000000"/>
+              </a:solidFill>
+              <a:effectLst/>
+              <a:latin typeface="inter-regular"/>
+            </a:endParaRPr>
+          </a:p>
+          <a:p>
+            <a:pPr algn="just">
+              <a:buFont typeface="+mj-lt"/>
+              <a:buAutoNum type="arabicPeriod"/>
+            </a:pPr>
+            <a:r>
+              <a:rPr lang="en-US" b="1" i="0" dirty="0">
+                <a:solidFill>
+                  <a:srgbClr val="000000"/>
+                </a:solidFill>
+                <a:effectLst/>
+                <a:latin typeface="inter-bold"/>
+              </a:rPr>
+              <a:t>Management Reporting</a:t>
+            </a:r>
+            <a:endParaRPr lang="en-US" b="0" i="0" dirty="0">
+              <a:solidFill>
+                <a:srgbClr val="000000"/>
+              </a:solidFill>
+              <a:effectLst/>
+              <a:latin typeface="inter-regular"/>
+            </a:endParaRPr>
+          </a:p>
+          <a:p>
+            <a:endParaRPr lang="en-IN" dirty="0"/>
+          </a:p>
+        </p:txBody>
+      </p:sp>
+      <p:sp>
+        <p:nvSpPr>
+          <p:cNvPr id="3" name="Title 2">
+            <a:extLst>
+              <a:ext uri="{FF2B5EF4-FFF2-40B4-BE49-F238E27FC236}">
+                <a16:creationId xmlns:a16="http://schemas.microsoft.com/office/drawing/2014/main" id="{A8F21E4B-9A8B-412A-901F-616DF95E6967}"/>
+              </a:ext>
+            </a:extLst>
+          </p:cNvPr>
+          <p:cNvSpPr>
+            <a:spLocks noGrp="1"/>
+          </p:cNvSpPr>
+          <p:nvPr>
+            <p:ph type="title"/>
+          </p:nvPr>
+        </p:nvSpPr>
+        <p:spPr/>
+        <p:txBody>
+          <a:bodyPr/>
+          <a:lstStyle/>
+          <a:p>
+            <a:r>
+              <a:rPr lang="en-US" i="0" dirty="0">
+                <a:solidFill>
+                  <a:schemeClr val="accent1">
+                    <a:lumMod val="75000"/>
+                  </a:schemeClr>
+                </a:solidFill>
+                <a:effectLst/>
+                <a:latin typeface="erdana"/>
+              </a:rPr>
+              <a:t>Various Stages of Defect Management Process</a:t>
+            </a:r>
+            <a:endParaRPr lang="en-IN" dirty="0">
+              <a:solidFill>
+                <a:schemeClr val="accent1">
+                  <a:lumMod val="75000"/>
+                </a:schemeClr>
+              </a:solidFill>
+            </a:endParaRPr>
+          </a:p>
+        </p:txBody>
+      </p:sp>
+      <p:pic>
+        <p:nvPicPr>
+          <p:cNvPr id="1028" name="Picture 4" descr="Defect Management Process">
+            <a:extLst>
+              <a:ext uri="{FF2B5EF4-FFF2-40B4-BE49-F238E27FC236}">
+                <a16:creationId xmlns:a16="http://schemas.microsoft.com/office/drawing/2014/main" id="{2133ACF6-C30F-4658-8969-F7791883784D}"/>
+              </a:ext>
+            </a:extLst>
+          </p:cNvPr>
+          <p:cNvPicPr>
+            <a:picLocks noChangeAspect="1" noChangeArrowheads="1"/>
+          </p:cNvPicPr>
+          <p:nvPr/>
+        </p:nvPicPr>
+        <p:blipFill>
+          <a:blip r:embed="rId2">
+            <a:extLst>
+              <a:ext uri="{28A0092B-C50C-407E-A947-70E740481C1C}">
+                <a14:useLocalDpi xmlns:a14="http://schemas.microsoft.com/office/drawing/2010/main" val="0"/>
+              </a:ext>
+            </a:extLst>
+          </a:blip>
+          <a:srcRect/>
+          <a:stretch>
+            <a:fillRect/>
+          </a:stretch>
+        </p:blipFill>
+        <p:spPr bwMode="auto">
+          <a:xfrm>
+            <a:off x="2405062" y="3228975"/>
+            <a:ext cx="5715000" cy="2609850"/>
+          </a:xfrm>
+          <a:prstGeom prst="rect">
+            <a:avLst/>
+          </a:prstGeom>
+          <a:noFill/>
+          <a:extLst>
+            <a:ext uri="{909E8E84-426E-40DD-AFC4-6F175D3DCCD1}">
+              <a14:hiddenFill xmlns:a14="http://schemas.microsoft.com/office/drawing/2010/main">
+                <a:solidFill>
+                  <a:srgbClr val="FFFFFF"/>
+                </a:solidFill>
+              </a14:hiddenFill>
+            </a:ext>
+          </a:extLst>
+        </p:spPr>
+      </p:pic>
+    </p:spTree>
+    <p:extLst>
+      <p:ext uri="{BB962C8B-B14F-4D97-AF65-F5344CB8AC3E}">
+        <p14:creationId xmlns:p14="http://schemas.microsoft.com/office/powerpoint/2010/main" val="1368055859"/>
+      </p:ext>
+    </p:extLst>
+  </p:cSld>
+  <p:clrMapOvr>
+    <a:masterClrMapping/>
+  </p:clrMapOvr>
+  <p:transition spd="slow">
+    <p:push dir="u"/>
+  </p:transition>
+</p:sld>
+</file>
+
+<file path=ppt/slides/slide115.xml><?xml version="1.0" encoding="utf-8"?>
+<p:sld xmlns:a="http://schemas.openxmlformats.org/drawingml/2006/main" xmlns:r="http://schemas.openxmlformats.org/officeDocument/2006/relationships" xmlns:p="http://schemas.openxmlformats.org/presentationml/2006/main">
+  <p:cSld>
+    <p:spTree>
+      <p:nvGrpSpPr>
+        <p:cNvPr id="1" name=""/>
+        <p:cNvGrpSpPr/>
+        <p:nvPr/>
+      </p:nvGrpSpPr>
+      <p:grpSpPr>
+        <a:xfrm>
+          <a:off x="0" y="0"/>
+          <a:ext cx="0" cy="0"/>
+          <a:chOff x="0" y="0"/>
+          <a:chExt cx="0" cy="0"/>
+        </a:xfrm>
+      </p:grpSpPr>
+      <p:sp>
+        <p:nvSpPr>
+          <p:cNvPr id="2" name="Content Placeholder 1">
+            <a:extLst>
+              <a:ext uri="{FF2B5EF4-FFF2-40B4-BE49-F238E27FC236}">
+                <a16:creationId xmlns:a16="http://schemas.microsoft.com/office/drawing/2014/main" id="{3B68D7C8-7C69-4AA8-B00E-808EE86A68BF}"/>
+              </a:ext>
+            </a:extLst>
+          </p:cNvPr>
+          <p:cNvSpPr>
+            <a:spLocks noGrp="1"/>
+          </p:cNvSpPr>
+          <p:nvPr>
+            <p:ph idx="1"/>
+          </p:nvPr>
+        </p:nvSpPr>
+        <p:spPr/>
+        <p:txBody>
+          <a:bodyPr>
+            <a:normAutofit lnSpcReduction="10000"/>
+          </a:bodyPr>
+          <a:lstStyle/>
+          <a:p>
+            <a:pPr algn="just"/>
+            <a:r>
+              <a:rPr lang="en-US" dirty="0">
+                <a:solidFill>
+                  <a:srgbClr val="333333"/>
+                </a:solidFill>
+                <a:latin typeface="inter-regular"/>
+              </a:rPr>
+              <a:t>E</a:t>
+            </a:r>
+            <a:r>
+              <a:rPr lang="en-US" b="0" i="0" dirty="0">
+                <a:solidFill>
+                  <a:srgbClr val="333333"/>
+                </a:solidFill>
+                <a:effectLst/>
+                <a:latin typeface="inter-regular"/>
+              </a:rPr>
+              <a:t>xecution of procedures, methodology, and standard approaches decreases the risk of defects.</a:t>
+            </a:r>
+          </a:p>
+          <a:p>
+            <a:pPr algn="just"/>
+            <a:r>
+              <a:rPr lang="en-US" b="0" i="0" dirty="0">
+                <a:solidFill>
+                  <a:srgbClr val="333333"/>
+                </a:solidFill>
+                <a:effectLst/>
+                <a:latin typeface="inter-regular"/>
+              </a:rPr>
+              <a:t> Defect removal at the initial phase is the best approach in order to reduction its impact.</a:t>
+            </a:r>
+          </a:p>
+          <a:p>
+            <a:pPr algn="just"/>
+            <a:r>
+              <a:rPr lang="en-US" b="0" i="0" dirty="0">
+                <a:solidFill>
+                  <a:srgbClr val="333333"/>
+                </a:solidFill>
+                <a:effectLst/>
+                <a:latin typeface="inter-regular"/>
+              </a:rPr>
+              <a:t>Because in the initial phase of fixing or resolving defects is less expensive, and the impact can also be diminished.</a:t>
+            </a:r>
+          </a:p>
+          <a:p>
+            <a:pPr algn="just"/>
+            <a:r>
+              <a:rPr lang="en-US" b="0" i="0" dirty="0">
+                <a:solidFill>
+                  <a:srgbClr val="333333"/>
+                </a:solidFill>
+                <a:effectLst/>
+                <a:latin typeface="inter-regular"/>
+              </a:rPr>
+              <a:t>But for the future phases, identifying faults and then fixing it is an expensive process, and the effects of defect can also be amplified.</a:t>
+            </a:r>
+          </a:p>
+          <a:p>
+            <a:pPr algn="just"/>
+            <a:r>
+              <a:rPr lang="en-US" b="0" i="0" dirty="0">
+                <a:solidFill>
+                  <a:srgbClr val="333333"/>
+                </a:solidFill>
+                <a:effectLst/>
+                <a:latin typeface="inter-regular"/>
+              </a:rPr>
+              <a:t>The defect prevention stage includes the following significant steps:</a:t>
+            </a:r>
+          </a:p>
+          <a:p>
+            <a:pPr lvl="1" algn="just">
+              <a:buFont typeface="Arial" panose="020B0604020202020204" pitchFamily="34" charset="0"/>
+              <a:buChar char="•"/>
+            </a:pPr>
+            <a:r>
+              <a:rPr lang="en-US" b="1" i="0" dirty="0">
+                <a:solidFill>
+                  <a:srgbClr val="000000"/>
+                </a:solidFill>
+                <a:effectLst/>
+                <a:latin typeface="inter-bold"/>
+              </a:rPr>
+              <a:t>Estimate Predictable Impact</a:t>
+            </a:r>
+          </a:p>
+          <a:p>
+            <a:pPr lvl="2" algn="just"/>
+            <a:r>
+              <a:rPr lang="en-US" dirty="0">
+                <a:solidFill>
+                  <a:srgbClr val="333333"/>
+                </a:solidFill>
+                <a:latin typeface="inter-regular"/>
+              </a:rPr>
+              <a:t>I</a:t>
+            </a:r>
+            <a:r>
+              <a:rPr lang="en-US" b="0" i="0" dirty="0">
+                <a:solidFill>
+                  <a:srgbClr val="333333"/>
+                </a:solidFill>
+                <a:effectLst/>
+                <a:latin typeface="inter-regular"/>
+              </a:rPr>
+              <a:t>f the risk is encountered, then we can calculate the estimated financial impact for every critical occasion.</a:t>
+            </a:r>
+            <a:endParaRPr lang="en-US" b="0" i="0" dirty="0">
+              <a:solidFill>
+                <a:srgbClr val="000000"/>
+              </a:solidFill>
+              <a:effectLst/>
+              <a:latin typeface="inter-regular"/>
+            </a:endParaRPr>
+          </a:p>
+          <a:p>
+            <a:pPr lvl="1" algn="just">
+              <a:buFont typeface="Arial" panose="020B0604020202020204" pitchFamily="34" charset="0"/>
+              <a:buChar char="•"/>
+            </a:pPr>
+            <a:r>
+              <a:rPr lang="en-US" b="1" i="0" dirty="0">
+                <a:solidFill>
+                  <a:srgbClr val="000000"/>
+                </a:solidFill>
+                <a:effectLst/>
+                <a:latin typeface="inter-bold"/>
+              </a:rPr>
+              <a:t>Minimize expected impact</a:t>
+            </a:r>
+          </a:p>
+          <a:p>
+            <a:pPr lvl="2" algn="just"/>
+            <a:r>
+              <a:rPr lang="en-US" b="0" i="0" dirty="0">
+                <a:solidFill>
+                  <a:srgbClr val="333333"/>
+                </a:solidFill>
+                <a:effectLst/>
+                <a:latin typeface="inter-regular"/>
+              </a:rPr>
+              <a:t>When all the critical risk has been discovered, we can take the topmost risks that may be dangerous to the system if encountered and try to diminish or eliminate it.</a:t>
+            </a:r>
+          </a:p>
+          <a:p>
+            <a:pPr lvl="2" algn="just"/>
+            <a:r>
+              <a:rPr lang="en-US" b="0" i="0" dirty="0">
+                <a:solidFill>
+                  <a:srgbClr val="333333"/>
+                </a:solidFill>
+                <a:effectLst/>
+                <a:latin typeface="inter-regular"/>
+              </a:rPr>
+              <a:t>Those risks that cannot be removed will decrease the possibility of existence and its financial impact.</a:t>
+            </a:r>
+            <a:endParaRPr lang="en-US" b="0" i="0" dirty="0">
+              <a:solidFill>
+                <a:srgbClr val="000000"/>
+              </a:solidFill>
+              <a:effectLst/>
+              <a:latin typeface="inter-regular"/>
+            </a:endParaRPr>
+          </a:p>
+          <a:p>
+            <a:pPr lvl="1" algn="just">
+              <a:buFont typeface="Arial" panose="020B0604020202020204" pitchFamily="34" charset="0"/>
+              <a:buChar char="•"/>
+            </a:pPr>
+            <a:r>
+              <a:rPr lang="en-US" b="1" i="0" dirty="0">
+                <a:solidFill>
+                  <a:srgbClr val="000000"/>
+                </a:solidFill>
+                <a:effectLst/>
+                <a:latin typeface="inter-bold"/>
+              </a:rPr>
+              <a:t>Identify Critical Risk</a:t>
+            </a:r>
+          </a:p>
+          <a:p>
+            <a:pPr lvl="2" algn="just"/>
+            <a:r>
+              <a:rPr lang="en-US" dirty="0">
+                <a:solidFill>
+                  <a:srgbClr val="333333"/>
+                </a:solidFill>
+                <a:latin typeface="inter-regular"/>
+              </a:rPr>
+              <a:t>I</a:t>
+            </a:r>
+            <a:r>
+              <a:rPr lang="en-US" b="0" i="0" dirty="0">
+                <a:solidFill>
+                  <a:srgbClr val="333333"/>
+                </a:solidFill>
+                <a:effectLst/>
+                <a:latin typeface="inter-regular"/>
+              </a:rPr>
+              <a:t>dentify the system's critical risks that will affect more if they happened throughout the testing or in the future stage.</a:t>
+            </a:r>
+            <a:endParaRPr lang="en-US" b="0" i="0" dirty="0">
+              <a:solidFill>
+                <a:srgbClr val="000000"/>
+              </a:solidFill>
+              <a:effectLst/>
+              <a:latin typeface="inter-regular"/>
+            </a:endParaRPr>
+          </a:p>
+          <a:p>
+            <a:pPr algn="just"/>
+            <a:endParaRPr lang="en-US" b="0" i="0" dirty="0">
+              <a:solidFill>
+                <a:srgbClr val="333333"/>
+              </a:solidFill>
+              <a:effectLst/>
+              <a:latin typeface="inter-regular"/>
+            </a:endParaRPr>
+          </a:p>
+          <a:p>
+            <a:endParaRPr lang="en-IN" dirty="0"/>
+          </a:p>
+        </p:txBody>
+      </p:sp>
+      <p:sp>
+        <p:nvSpPr>
+          <p:cNvPr id="3" name="Title 2">
+            <a:extLst>
+              <a:ext uri="{FF2B5EF4-FFF2-40B4-BE49-F238E27FC236}">
+                <a16:creationId xmlns:a16="http://schemas.microsoft.com/office/drawing/2014/main" id="{B4B7D384-3A59-4DF2-927B-EFECA4622D61}"/>
+              </a:ext>
+            </a:extLst>
+          </p:cNvPr>
+          <p:cNvSpPr>
+            <a:spLocks noGrp="1"/>
+          </p:cNvSpPr>
+          <p:nvPr>
+            <p:ph type="title"/>
+          </p:nvPr>
+        </p:nvSpPr>
+        <p:spPr/>
+        <p:txBody>
+          <a:bodyPr/>
+          <a:lstStyle/>
+          <a:p>
+            <a:r>
+              <a:rPr lang="en-IN" i="0" dirty="0">
+                <a:solidFill>
+                  <a:schemeClr val="accent1">
+                    <a:lumMod val="75000"/>
+                  </a:schemeClr>
+                </a:solidFill>
+                <a:effectLst/>
+                <a:latin typeface="erdana"/>
+              </a:rPr>
+              <a:t>1. Defect Prevention</a:t>
+            </a:r>
+            <a:endParaRPr lang="en-IN" dirty="0">
+              <a:solidFill>
+                <a:schemeClr val="accent1">
+                  <a:lumMod val="75000"/>
+                </a:schemeClr>
+              </a:solidFill>
+            </a:endParaRPr>
+          </a:p>
+        </p:txBody>
+      </p:sp>
+    </p:spTree>
+    <p:extLst>
+      <p:ext uri="{BB962C8B-B14F-4D97-AF65-F5344CB8AC3E}">
+        <p14:creationId xmlns:p14="http://schemas.microsoft.com/office/powerpoint/2010/main" val="1052966894"/>
+      </p:ext>
+    </p:extLst>
+  </p:cSld>
+  <p:clrMapOvr>
+    <a:masterClrMapping/>
+  </p:clrMapOvr>
+  <p:transition spd="slow">
+    <p:push dir="u"/>
+  </p:transition>
+</p:sld>
+</file>
+
+<file path=ppt/slides/slide116.xml><?xml version="1.0" encoding="utf-8"?>
+<p:sld xmlns:a="http://schemas.openxmlformats.org/drawingml/2006/main" xmlns:r="http://schemas.openxmlformats.org/officeDocument/2006/relationships" xmlns:p="http://schemas.openxmlformats.org/presentationml/2006/main">
+  <p:cSld>
+    <p:spTree>
+      <p:nvGrpSpPr>
+        <p:cNvPr id="1" name=""/>
+        <p:cNvGrpSpPr/>
+        <p:nvPr/>
+      </p:nvGrpSpPr>
+      <p:grpSpPr>
+        <a:xfrm>
+          <a:off x="0" y="0"/>
+          <a:ext cx="0" cy="0"/>
+          <a:chOff x="0" y="0"/>
+          <a:chExt cx="0" cy="0"/>
+        </a:xfrm>
+      </p:grpSpPr>
+      <p:sp>
+        <p:nvSpPr>
+          <p:cNvPr id="2" name="Content Placeholder 1">
+            <a:extLst>
+              <a:ext uri="{FF2B5EF4-FFF2-40B4-BE49-F238E27FC236}">
+                <a16:creationId xmlns:a16="http://schemas.microsoft.com/office/drawing/2014/main" id="{C4616A55-5371-4806-A3DC-253269A3334F}"/>
+              </a:ext>
+            </a:extLst>
+          </p:cNvPr>
+          <p:cNvSpPr>
+            <a:spLocks noGrp="1"/>
+          </p:cNvSpPr>
+          <p:nvPr>
+            <p:ph idx="1"/>
+          </p:nvPr>
+        </p:nvSpPr>
+        <p:spPr/>
+        <p:txBody>
+          <a:bodyPr/>
+          <a:lstStyle/>
+          <a:p>
+            <a:pPr algn="just"/>
+            <a:r>
+              <a:rPr lang="en-US" b="0" i="0" dirty="0">
+                <a:solidFill>
+                  <a:srgbClr val="333333"/>
+                </a:solidFill>
+                <a:effectLst/>
+                <a:latin typeface="inter-regular"/>
+              </a:rPr>
+              <a:t>The second stage of the defect management process is the </a:t>
+            </a:r>
+            <a:r>
+              <a:rPr lang="en-US" b="1" i="0" dirty="0">
+                <a:solidFill>
+                  <a:srgbClr val="333333"/>
+                </a:solidFill>
+                <a:effectLst/>
+                <a:latin typeface="inter-bold"/>
+              </a:rPr>
+              <a:t>Deliverable baseline.</a:t>
+            </a:r>
+            <a:r>
+              <a:rPr lang="en-US" b="0" i="0" dirty="0">
+                <a:solidFill>
+                  <a:srgbClr val="333333"/>
+                </a:solidFill>
+                <a:effectLst/>
+                <a:latin typeface="inter-regular"/>
+              </a:rPr>
+              <a:t> Here, the deliverable defines the </a:t>
+            </a:r>
+            <a:r>
+              <a:rPr lang="en-US" b="1" i="0" dirty="0">
+                <a:solidFill>
+                  <a:srgbClr val="333333"/>
+                </a:solidFill>
+                <a:effectLst/>
+                <a:latin typeface="inter-bold"/>
+              </a:rPr>
+              <a:t>system, documents, or product</a:t>
+            </a:r>
+            <a:r>
+              <a:rPr lang="en-US" b="0" i="0" dirty="0">
+                <a:solidFill>
+                  <a:srgbClr val="333333"/>
+                </a:solidFill>
+                <a:effectLst/>
+                <a:latin typeface="inter-regular"/>
+              </a:rPr>
+              <a:t>.</a:t>
+            </a:r>
+          </a:p>
+          <a:p>
+            <a:pPr algn="just"/>
+            <a:r>
+              <a:rPr lang="en-US" b="0" i="0" dirty="0">
+                <a:solidFill>
+                  <a:srgbClr val="333333"/>
+                </a:solidFill>
+                <a:effectLst/>
+                <a:latin typeface="inter-regular"/>
+              </a:rPr>
+              <a:t>We can say that the </a:t>
+            </a:r>
+            <a:r>
+              <a:rPr lang="en-US" b="1" i="0" dirty="0">
+                <a:solidFill>
+                  <a:srgbClr val="333333"/>
+                </a:solidFill>
+                <a:effectLst/>
+                <a:latin typeface="inter-bold"/>
+              </a:rPr>
+              <a:t>deliverable is a baseline</a:t>
+            </a:r>
+            <a:r>
+              <a:rPr lang="en-US" b="0" i="0" dirty="0">
+                <a:solidFill>
+                  <a:srgbClr val="333333"/>
+                </a:solidFill>
+                <a:effectLst/>
+                <a:latin typeface="inter-regular"/>
+              </a:rPr>
+              <a:t> as soon as a deliverable reaches its pre-defined milestone.</a:t>
+            </a:r>
+          </a:p>
+          <a:p>
+            <a:pPr algn="just"/>
+            <a:r>
+              <a:rPr lang="en-US" b="0" i="0" dirty="0">
+                <a:solidFill>
+                  <a:srgbClr val="333333"/>
+                </a:solidFill>
+                <a:effectLst/>
+                <a:latin typeface="inter-regular"/>
+              </a:rPr>
+              <a:t>In this stage, the deliverable is carried from one step to another; the system's existing defects also move forward to the next step or a milestone.</a:t>
+            </a:r>
+          </a:p>
+          <a:p>
+            <a:pPr algn="just"/>
+            <a:r>
+              <a:rPr lang="en-US" b="0" i="0" dirty="0">
+                <a:solidFill>
+                  <a:srgbClr val="333333"/>
+                </a:solidFill>
+                <a:effectLst/>
+                <a:latin typeface="inter-regular"/>
+              </a:rPr>
+              <a:t>In other words, we can say that once a deliverable is baselined, any additional changes are controlled.</a:t>
+            </a:r>
+          </a:p>
+          <a:p>
+            <a:endParaRPr lang="en-IN" dirty="0"/>
+          </a:p>
+        </p:txBody>
+      </p:sp>
+      <p:sp>
+        <p:nvSpPr>
+          <p:cNvPr id="3" name="Title 2">
+            <a:extLst>
+              <a:ext uri="{FF2B5EF4-FFF2-40B4-BE49-F238E27FC236}">
+                <a16:creationId xmlns:a16="http://schemas.microsoft.com/office/drawing/2014/main" id="{24C5C340-0194-4ADF-97A4-25BA5E6F974B}"/>
+              </a:ext>
+            </a:extLst>
+          </p:cNvPr>
+          <p:cNvSpPr>
+            <a:spLocks noGrp="1"/>
+          </p:cNvSpPr>
+          <p:nvPr>
+            <p:ph type="title"/>
+          </p:nvPr>
+        </p:nvSpPr>
+        <p:spPr/>
+        <p:txBody>
+          <a:bodyPr/>
+          <a:lstStyle/>
+          <a:p>
+            <a:r>
+              <a:rPr lang="en-IN" i="0" dirty="0">
+                <a:solidFill>
+                  <a:schemeClr val="accent1">
+                    <a:lumMod val="75000"/>
+                  </a:schemeClr>
+                </a:solidFill>
+                <a:effectLst/>
+                <a:latin typeface="erdana"/>
+              </a:rPr>
+              <a:t>2. Deliverable Baseline</a:t>
+            </a:r>
+            <a:endParaRPr lang="en-IN" dirty="0">
+              <a:solidFill>
+                <a:schemeClr val="accent1">
+                  <a:lumMod val="75000"/>
+                </a:schemeClr>
+              </a:solidFill>
+            </a:endParaRPr>
+          </a:p>
+        </p:txBody>
+      </p:sp>
+    </p:spTree>
+    <p:extLst>
+      <p:ext uri="{BB962C8B-B14F-4D97-AF65-F5344CB8AC3E}">
+        <p14:creationId xmlns:p14="http://schemas.microsoft.com/office/powerpoint/2010/main" val="2863160290"/>
+      </p:ext>
+    </p:extLst>
+  </p:cSld>
+  <p:clrMapOvr>
+    <a:masterClrMapping/>
+  </p:clrMapOvr>
+  <p:transition spd="slow">
+    <p:push dir="u"/>
+  </p:transition>
+</p:sld>
+</file>
+
+<file path=ppt/slides/slide117.xml><?xml version="1.0" encoding="utf-8"?>
+<p:sld xmlns:a="http://schemas.openxmlformats.org/drawingml/2006/main" xmlns:r="http://schemas.openxmlformats.org/officeDocument/2006/relationships" xmlns:p="http://schemas.openxmlformats.org/presentationml/2006/main">
+  <p:cSld>
+    <p:spTree>
+      <p:nvGrpSpPr>
+        <p:cNvPr id="1" name=""/>
+        <p:cNvGrpSpPr/>
+        <p:nvPr/>
+      </p:nvGrpSpPr>
+      <p:grpSpPr>
+        <a:xfrm>
+          <a:off x="0" y="0"/>
+          <a:ext cx="0" cy="0"/>
+          <a:chOff x="0" y="0"/>
+          <a:chExt cx="0" cy="0"/>
+        </a:xfrm>
+      </p:grpSpPr>
+      <p:sp>
+        <p:nvSpPr>
+          <p:cNvPr id="2" name="Content Placeholder 1">
+            <a:extLst>
+              <a:ext uri="{FF2B5EF4-FFF2-40B4-BE49-F238E27FC236}">
+                <a16:creationId xmlns:a16="http://schemas.microsoft.com/office/drawing/2014/main" id="{EEDFA596-F117-4BB8-B581-0F5D9B532423}"/>
+              </a:ext>
+            </a:extLst>
+          </p:cNvPr>
+          <p:cNvSpPr>
+            <a:spLocks noGrp="1"/>
+          </p:cNvSpPr>
+          <p:nvPr>
+            <p:ph idx="1"/>
+          </p:nvPr>
+        </p:nvSpPr>
+        <p:spPr/>
+        <p:txBody>
+          <a:bodyPr>
+            <a:normAutofit lnSpcReduction="10000"/>
+          </a:bodyPr>
+          <a:lstStyle/>
+          <a:p>
+            <a:r>
+              <a:rPr lang="en-US" b="0" i="0" dirty="0">
+                <a:solidFill>
+                  <a:srgbClr val="333333"/>
+                </a:solidFill>
+                <a:effectLst/>
+                <a:latin typeface="inter-regular"/>
+              </a:rPr>
+              <a:t>At the early stage of the defect management process, defect discovery is very significant. And later, it might cause greater damage.</a:t>
+            </a:r>
+          </a:p>
+          <a:p>
+            <a:pPr algn="just"/>
+            <a:r>
+              <a:rPr lang="en-US" b="0" i="0" dirty="0">
+                <a:solidFill>
+                  <a:srgbClr val="333333"/>
+                </a:solidFill>
+                <a:effectLst/>
+                <a:latin typeface="inter-regular"/>
+              </a:rPr>
+              <a:t>If developers have approved or documented the defect as a valid one, then only a defect is considered as </a:t>
+            </a:r>
+            <a:r>
+              <a:rPr lang="en-US" b="1" i="1" dirty="0">
+                <a:solidFill>
+                  <a:srgbClr val="333333"/>
+                </a:solidFill>
+                <a:effectLst/>
+                <a:latin typeface="inter-bold"/>
+              </a:rPr>
+              <a:t>discovered</a:t>
+            </a:r>
+            <a:r>
+              <a:rPr lang="en-US" b="0" i="0" dirty="0">
+                <a:solidFill>
+                  <a:srgbClr val="333333"/>
+                </a:solidFill>
+                <a:effectLst/>
+                <a:latin typeface="inter-regular"/>
+              </a:rPr>
+              <a:t>.</a:t>
+            </a:r>
+          </a:p>
+          <a:p>
+            <a:pPr algn="just"/>
+            <a:r>
+              <a:rPr lang="en-US" b="0" i="0" dirty="0">
+                <a:solidFill>
+                  <a:srgbClr val="333333"/>
+                </a:solidFill>
+                <a:effectLst/>
+                <a:latin typeface="inter-regular"/>
+              </a:rPr>
+              <a:t>As we understood that, it is practically impossible to eliminate each defect from the system and make a system defect-free. But we can detect the defects early before they become expensive to the project.</a:t>
+            </a:r>
+          </a:p>
+          <a:p>
+            <a:pPr algn="just"/>
+            <a:r>
+              <a:rPr lang="en-US" b="0" i="0" dirty="0">
+                <a:solidFill>
+                  <a:srgbClr val="333333"/>
+                </a:solidFill>
+                <a:effectLst/>
+                <a:latin typeface="inter-regular"/>
+              </a:rPr>
+              <a:t>The following phases have been including in the defect discovery stage; let's understand them in details:</a:t>
+            </a:r>
+          </a:p>
+          <a:p>
+            <a:pPr lvl="1" algn="just">
+              <a:buFont typeface="Arial" panose="020B0604020202020204" pitchFamily="34" charset="0"/>
+              <a:buChar char="•"/>
+            </a:pPr>
+            <a:r>
+              <a:rPr lang="en-US" b="1" i="0" dirty="0">
+                <a:solidFill>
+                  <a:srgbClr val="000000"/>
+                </a:solidFill>
+                <a:effectLst/>
+                <a:latin typeface="inter-bold"/>
+              </a:rPr>
+              <a:t>Identify a defect</a:t>
+            </a:r>
+          </a:p>
+          <a:p>
+            <a:pPr lvl="2" algn="just"/>
+            <a:r>
+              <a:rPr lang="en-US" dirty="0">
+                <a:solidFill>
+                  <a:srgbClr val="333333"/>
+                </a:solidFill>
+                <a:latin typeface="inter-regular"/>
+              </a:rPr>
+              <a:t>F</a:t>
+            </a:r>
+            <a:r>
+              <a:rPr lang="en-US" b="0" i="0" dirty="0">
+                <a:solidFill>
+                  <a:srgbClr val="333333"/>
+                </a:solidFill>
+                <a:effectLst/>
+                <a:latin typeface="inter-regular"/>
+              </a:rPr>
+              <a:t>ind the defects before becoming a critical problem.</a:t>
+            </a:r>
+            <a:endParaRPr lang="en-US" b="0" i="0" dirty="0">
+              <a:solidFill>
+                <a:srgbClr val="000000"/>
+              </a:solidFill>
+              <a:effectLst/>
+              <a:latin typeface="inter-regular"/>
+            </a:endParaRPr>
+          </a:p>
+          <a:p>
+            <a:pPr lvl="1" algn="just">
+              <a:buFont typeface="Arial" panose="020B0604020202020204" pitchFamily="34" charset="0"/>
+              <a:buChar char="•"/>
+            </a:pPr>
+            <a:r>
+              <a:rPr lang="en-US" b="1" i="0" dirty="0">
+                <a:solidFill>
+                  <a:srgbClr val="000000"/>
+                </a:solidFill>
+                <a:effectLst/>
+                <a:latin typeface="inter-bold"/>
+              </a:rPr>
+              <a:t>Report a defect</a:t>
+            </a:r>
+          </a:p>
+          <a:p>
+            <a:pPr lvl="2" algn="just"/>
+            <a:r>
+              <a:rPr lang="en-US" b="0" i="0" dirty="0">
+                <a:solidFill>
+                  <a:srgbClr val="333333"/>
+                </a:solidFill>
+                <a:effectLst/>
+                <a:latin typeface="inter-regular"/>
+              </a:rPr>
+              <a:t>The moment testing team identifies a defect, they need to assign known issues to the development team for further evaluation and fixing process.</a:t>
+            </a:r>
+            <a:endParaRPr lang="en-US" b="0" i="0" dirty="0">
+              <a:solidFill>
+                <a:srgbClr val="000000"/>
+              </a:solidFill>
+              <a:effectLst/>
+              <a:latin typeface="inter-regular"/>
+            </a:endParaRPr>
+          </a:p>
+          <a:p>
+            <a:pPr lvl="1" algn="just">
+              <a:buFont typeface="Arial" panose="020B0604020202020204" pitchFamily="34" charset="0"/>
+              <a:buChar char="•"/>
+            </a:pPr>
+            <a:r>
+              <a:rPr lang="en-US" b="1" i="0" dirty="0">
+                <a:solidFill>
+                  <a:srgbClr val="000000"/>
+                </a:solidFill>
+                <a:effectLst/>
+                <a:latin typeface="inter-bold"/>
+              </a:rPr>
+              <a:t>Acknowledge Defect</a:t>
+            </a:r>
+          </a:p>
+          <a:p>
+            <a:pPr lvl="2" algn="just"/>
+            <a:r>
+              <a:rPr lang="en-US" b="0" i="0" dirty="0">
+                <a:solidFill>
+                  <a:srgbClr val="333333"/>
+                </a:solidFill>
+                <a:effectLst/>
+                <a:latin typeface="inter-regular"/>
+              </a:rPr>
+              <a:t>Once the test engineers' hand over the defect to the assigned developers, now it is the responsibility of development teams to acknowledge the fault and remain further to fix it if the defect is a valid one.</a:t>
+            </a:r>
+            <a:endParaRPr lang="en-US" b="0" i="0" dirty="0">
+              <a:solidFill>
+                <a:srgbClr val="000000"/>
+              </a:solidFill>
+              <a:effectLst/>
+              <a:latin typeface="inter-regular"/>
+            </a:endParaRPr>
+          </a:p>
+          <a:p>
+            <a:endParaRPr lang="en-IN" dirty="0"/>
+          </a:p>
+        </p:txBody>
+      </p:sp>
+      <p:sp>
+        <p:nvSpPr>
+          <p:cNvPr id="3" name="Title 2">
+            <a:extLst>
+              <a:ext uri="{FF2B5EF4-FFF2-40B4-BE49-F238E27FC236}">
+                <a16:creationId xmlns:a16="http://schemas.microsoft.com/office/drawing/2014/main" id="{9A99C1DD-8444-4201-A3FA-724366D2904E}"/>
+              </a:ext>
+            </a:extLst>
+          </p:cNvPr>
+          <p:cNvSpPr>
+            <a:spLocks noGrp="1"/>
+          </p:cNvSpPr>
+          <p:nvPr>
+            <p:ph type="title"/>
+          </p:nvPr>
+        </p:nvSpPr>
+        <p:spPr/>
+        <p:txBody>
+          <a:bodyPr/>
+          <a:lstStyle/>
+          <a:p>
+            <a:r>
+              <a:rPr lang="en-IN" i="0" dirty="0">
+                <a:solidFill>
+                  <a:schemeClr val="accent1">
+                    <a:lumMod val="75000"/>
+                  </a:schemeClr>
+                </a:solidFill>
+                <a:effectLst/>
+                <a:latin typeface="erdana"/>
+              </a:rPr>
+              <a:t>3. Defect Discovery</a:t>
+            </a:r>
+            <a:endParaRPr lang="en-IN" dirty="0">
+              <a:solidFill>
+                <a:schemeClr val="accent1">
+                  <a:lumMod val="75000"/>
+                </a:schemeClr>
+              </a:solidFill>
+            </a:endParaRPr>
+          </a:p>
+        </p:txBody>
+      </p:sp>
+    </p:spTree>
+    <p:extLst>
+      <p:ext uri="{BB962C8B-B14F-4D97-AF65-F5344CB8AC3E}">
+        <p14:creationId xmlns:p14="http://schemas.microsoft.com/office/powerpoint/2010/main" val="3208758514"/>
+      </p:ext>
+    </p:extLst>
+  </p:cSld>
+  <p:clrMapOvr>
+    <a:masterClrMapping/>
+  </p:clrMapOvr>
+  <p:transition spd="slow">
+    <p:push dir="u"/>
+  </p:transition>
+</p:sld>
+</file>
+
+<file path=ppt/slides/slide118.xml><?xml version="1.0" encoding="utf-8"?>
+<p:sld xmlns:a="http://schemas.openxmlformats.org/drawingml/2006/main" xmlns:r="http://schemas.openxmlformats.org/officeDocument/2006/relationships" xmlns:p="http://schemas.openxmlformats.org/presentationml/2006/main">
+  <p:cSld>
+    <p:spTree>
+      <p:nvGrpSpPr>
+        <p:cNvPr id="1" name=""/>
+        <p:cNvGrpSpPr/>
+        <p:nvPr/>
+      </p:nvGrpSpPr>
+      <p:grpSpPr>
+        <a:xfrm>
+          <a:off x="0" y="0"/>
+          <a:ext cx="0" cy="0"/>
+          <a:chOff x="0" y="0"/>
+          <a:chExt cx="0" cy="0"/>
+        </a:xfrm>
+      </p:grpSpPr>
+      <p:sp>
+        <p:nvSpPr>
+          <p:cNvPr id="2" name="Content Placeholder 1">
+            <a:extLst>
+              <a:ext uri="{FF2B5EF4-FFF2-40B4-BE49-F238E27FC236}">
+                <a16:creationId xmlns:a16="http://schemas.microsoft.com/office/drawing/2014/main" id="{BC759AD0-3F63-47BB-9F41-73FD26C9B6B1}"/>
+              </a:ext>
+            </a:extLst>
+          </p:cNvPr>
+          <p:cNvSpPr>
+            <a:spLocks noGrp="1"/>
+          </p:cNvSpPr>
+          <p:nvPr>
+            <p:ph idx="1"/>
+          </p:nvPr>
+        </p:nvSpPr>
+        <p:spPr/>
+        <p:txBody>
+          <a:bodyPr/>
+          <a:lstStyle/>
+          <a:p>
+            <a:pPr algn="just"/>
+            <a:r>
+              <a:rPr lang="en-US" b="0" i="0" dirty="0">
+                <a:solidFill>
+                  <a:srgbClr val="333333"/>
+                </a:solidFill>
+                <a:effectLst/>
+                <a:latin typeface="inter-regular"/>
+              </a:rPr>
+              <a:t>The </a:t>
+            </a:r>
+            <a:r>
+              <a:rPr lang="en-US" b="1" i="0" dirty="0">
+                <a:solidFill>
+                  <a:srgbClr val="333333"/>
+                </a:solidFill>
+                <a:effectLst/>
+                <a:latin typeface="inter-bold"/>
+              </a:rPr>
+              <a:t>Defect Resolution</a:t>
+            </a:r>
+            <a:r>
+              <a:rPr lang="en-US" b="0" i="0" dirty="0">
+                <a:solidFill>
+                  <a:srgbClr val="333333"/>
+                </a:solidFill>
+                <a:effectLst/>
+                <a:latin typeface="inter-regular"/>
+              </a:rPr>
+              <a:t> is a step-by-step procedure of fixing the defects, or we can say that this process is beneficial in order to specified and track the defects.</a:t>
+            </a:r>
+          </a:p>
+          <a:p>
+            <a:pPr algn="just"/>
+            <a:r>
+              <a:rPr lang="en-US" b="0" i="0" dirty="0">
+                <a:solidFill>
+                  <a:srgbClr val="333333"/>
+                </a:solidFill>
+                <a:effectLst/>
+                <a:latin typeface="inter-regular"/>
+              </a:rPr>
+              <a:t>This process begins with handing over the defects to the development team. The developers need to proceed with the resolution of the defect and fixed them based on the </a:t>
+            </a:r>
+            <a:r>
+              <a:rPr lang="en-US" b="1" i="0" dirty="0">
+                <a:solidFill>
+                  <a:srgbClr val="333333"/>
+                </a:solidFill>
+                <a:effectLst/>
+                <a:latin typeface="inter-bold"/>
+              </a:rPr>
+              <a:t>priority.</a:t>
+            </a:r>
+            <a:endParaRPr lang="en-US" b="0" i="0" dirty="0">
+              <a:solidFill>
+                <a:srgbClr val="333333"/>
+              </a:solidFill>
+              <a:effectLst/>
+              <a:latin typeface="inter-regular"/>
+            </a:endParaRPr>
+          </a:p>
+          <a:p>
+            <a:pPr algn="just"/>
+            <a:r>
+              <a:rPr lang="en-US" b="0" i="0" dirty="0">
+                <a:solidFill>
+                  <a:srgbClr val="333333"/>
+                </a:solidFill>
+                <a:effectLst/>
+                <a:latin typeface="inter-regular"/>
+              </a:rPr>
+              <a:t>Once the defect has been selected, the developer sends a defect report of resolution to the test manager's testing team.</a:t>
+            </a:r>
+          </a:p>
+          <a:p>
+            <a:pPr algn="just"/>
+            <a:r>
+              <a:rPr lang="en-US" b="0" i="0" dirty="0">
+                <a:solidFill>
+                  <a:srgbClr val="333333"/>
+                </a:solidFill>
+                <a:effectLst/>
+                <a:latin typeface="inter-regular"/>
+              </a:rPr>
+              <a:t>The defect resolution process also involves the notification back to the test engineer to confirm that the resolution is verified.</a:t>
+            </a:r>
+          </a:p>
+          <a:p>
+            <a:endParaRPr lang="en-IN" dirty="0"/>
+          </a:p>
+        </p:txBody>
+      </p:sp>
+      <p:sp>
+        <p:nvSpPr>
+          <p:cNvPr id="3" name="Title 2">
+            <a:extLst>
+              <a:ext uri="{FF2B5EF4-FFF2-40B4-BE49-F238E27FC236}">
+                <a16:creationId xmlns:a16="http://schemas.microsoft.com/office/drawing/2014/main" id="{77579EB8-6256-4153-AE64-A741DF633E6B}"/>
+              </a:ext>
+            </a:extLst>
+          </p:cNvPr>
+          <p:cNvSpPr>
+            <a:spLocks noGrp="1"/>
+          </p:cNvSpPr>
+          <p:nvPr>
+            <p:ph type="title"/>
+          </p:nvPr>
+        </p:nvSpPr>
+        <p:spPr/>
+        <p:txBody>
+          <a:bodyPr/>
+          <a:lstStyle/>
+          <a:p>
+            <a:r>
+              <a:rPr lang="en-IN" i="0" dirty="0">
+                <a:solidFill>
+                  <a:schemeClr val="accent1">
+                    <a:lumMod val="75000"/>
+                  </a:schemeClr>
+                </a:solidFill>
+                <a:effectLst/>
+                <a:latin typeface="erdana"/>
+              </a:rPr>
+              <a:t>4. Defect Resolution</a:t>
+            </a:r>
+            <a:endParaRPr lang="en-IN" dirty="0">
+              <a:solidFill>
+                <a:schemeClr val="accent1">
+                  <a:lumMod val="75000"/>
+                </a:schemeClr>
+              </a:solidFill>
+            </a:endParaRPr>
+          </a:p>
+        </p:txBody>
+      </p:sp>
+    </p:spTree>
+    <p:extLst>
+      <p:ext uri="{BB962C8B-B14F-4D97-AF65-F5344CB8AC3E}">
+        <p14:creationId xmlns:p14="http://schemas.microsoft.com/office/powerpoint/2010/main" val="987097337"/>
+      </p:ext>
+    </p:extLst>
+  </p:cSld>
+  <p:clrMapOvr>
+    <a:masterClrMapping/>
+  </p:clrMapOvr>
+  <p:transition spd="slow">
+    <p:push dir="u"/>
+  </p:transition>
+</p:sld>
+</file>
+
+<file path=ppt/slides/slide119.xml><?xml version="1.0" encoding="utf-8"?>
+<p:sld xmlns:a="http://schemas.openxmlformats.org/drawingml/2006/main" xmlns:r="http://schemas.openxmlformats.org/officeDocument/2006/relationships" xmlns:p="http://schemas.openxmlformats.org/presentationml/2006/main">
+  <p:cSld>
+    <p:spTree>
+      <p:nvGrpSpPr>
+        <p:cNvPr id="1" name=""/>
+        <p:cNvGrpSpPr/>
+        <p:nvPr/>
+      </p:nvGrpSpPr>
+      <p:grpSpPr>
+        <a:xfrm>
+          <a:off x="0" y="0"/>
+          <a:ext cx="0" cy="0"/>
+          <a:chOff x="0" y="0"/>
+          <a:chExt cx="0" cy="0"/>
+        </a:xfrm>
+      </p:grpSpPr>
+      <p:sp>
+        <p:nvSpPr>
+          <p:cNvPr id="2" name="Content Placeholder 1">
+            <a:extLst>
+              <a:ext uri="{FF2B5EF4-FFF2-40B4-BE49-F238E27FC236}">
+                <a16:creationId xmlns:a16="http://schemas.microsoft.com/office/drawing/2014/main" id="{BB27A136-C837-4A75-A449-EAA9B23F27B5}"/>
+              </a:ext>
+            </a:extLst>
+          </p:cNvPr>
+          <p:cNvSpPr>
+            <a:spLocks noGrp="1"/>
+          </p:cNvSpPr>
+          <p:nvPr>
+            <p:ph idx="1"/>
+          </p:nvPr>
+        </p:nvSpPr>
+        <p:spPr/>
+        <p:txBody>
+          <a:bodyPr/>
+          <a:lstStyle/>
+          <a:p>
+            <a:pPr algn="just"/>
+            <a:r>
+              <a:rPr lang="en-US" b="0" i="0" dirty="0">
+                <a:solidFill>
+                  <a:srgbClr val="333333"/>
+                </a:solidFill>
+                <a:effectLst/>
+                <a:latin typeface="inter-regular"/>
+              </a:rPr>
+              <a:t>We need to follow the below steps in order to accomplish the defect resolution stage.</a:t>
+            </a:r>
+          </a:p>
+          <a:p>
+            <a:pPr lvl="1" algn="just">
+              <a:buFont typeface="Arial" panose="020B0604020202020204" pitchFamily="34" charset="0"/>
+              <a:buChar char="•"/>
+            </a:pPr>
+            <a:r>
+              <a:rPr lang="en-US" b="1" i="0" dirty="0">
+                <a:solidFill>
+                  <a:srgbClr val="000000"/>
+                </a:solidFill>
+                <a:effectLst/>
+                <a:latin typeface="inter-bold"/>
+              </a:rPr>
+              <a:t>Prioritize the risk</a:t>
+            </a:r>
+          </a:p>
+          <a:p>
+            <a:pPr lvl="2" algn="just"/>
+            <a:r>
+              <a:rPr lang="en-US" dirty="0">
+                <a:solidFill>
+                  <a:srgbClr val="333333"/>
+                </a:solidFill>
+                <a:latin typeface="inter-regular"/>
+              </a:rPr>
+              <a:t>T</a:t>
+            </a:r>
+            <a:r>
+              <a:rPr lang="en-US" b="0" i="0" dirty="0">
+                <a:solidFill>
+                  <a:srgbClr val="333333"/>
+                </a:solidFill>
+                <a:effectLst/>
+                <a:latin typeface="inter-regular"/>
+              </a:rPr>
+              <a:t>he development team evaluates the defects and arranges the fault's fixing. </a:t>
+            </a:r>
+          </a:p>
+          <a:p>
+            <a:pPr lvl="2" algn="just"/>
+            <a:r>
+              <a:rPr lang="en-US" b="0" i="0" dirty="0">
+                <a:solidFill>
+                  <a:srgbClr val="333333"/>
+                </a:solidFill>
+                <a:effectLst/>
+                <a:latin typeface="inter-regular"/>
+              </a:rPr>
+              <a:t>If a defect is more impactful on the system, then developers need to fix those defects on a high priority.</a:t>
+            </a:r>
+            <a:endParaRPr lang="en-US" b="0" i="0" dirty="0">
+              <a:solidFill>
+                <a:srgbClr val="000000"/>
+              </a:solidFill>
+              <a:effectLst/>
+              <a:latin typeface="inter-regular"/>
+            </a:endParaRPr>
+          </a:p>
+          <a:p>
+            <a:pPr algn="just">
+              <a:buFont typeface="Arial" panose="020B0604020202020204" pitchFamily="34" charset="0"/>
+              <a:buChar char="•"/>
+            </a:pPr>
+            <a:r>
+              <a:rPr lang="en-US" b="1" i="0" dirty="0">
+                <a:solidFill>
+                  <a:srgbClr val="000000"/>
+                </a:solidFill>
+                <a:effectLst/>
+                <a:latin typeface="inter-bold"/>
+              </a:rPr>
+              <a:t>Fix the defect</a:t>
+            </a:r>
+          </a:p>
+          <a:p>
+            <a:pPr lvl="1" algn="just">
+              <a:buFont typeface="Arial" panose="020B0604020202020204" pitchFamily="34" charset="0"/>
+              <a:buChar char="•"/>
+            </a:pPr>
+            <a:r>
+              <a:rPr lang="en-US" b="0" i="0" dirty="0">
+                <a:solidFill>
+                  <a:srgbClr val="333333"/>
+                </a:solidFill>
+                <a:effectLst/>
+                <a:latin typeface="inter-regular"/>
+              </a:rPr>
+              <a:t>Developer will fix the defects as per the priority, which implies that the higher priority defects are resolved first. Then the developer will fix the lower priority defects.</a:t>
+            </a:r>
+            <a:endParaRPr lang="en-US" b="0" i="0" dirty="0">
+              <a:solidFill>
+                <a:srgbClr val="000000"/>
+              </a:solidFill>
+              <a:effectLst/>
+              <a:latin typeface="inter-regular"/>
+            </a:endParaRPr>
+          </a:p>
+          <a:p>
+            <a:pPr algn="just">
+              <a:buFont typeface="Arial" panose="020B0604020202020204" pitchFamily="34" charset="0"/>
+              <a:buChar char="•"/>
+            </a:pPr>
+            <a:r>
+              <a:rPr lang="en-US" b="1" i="0" dirty="0">
+                <a:solidFill>
+                  <a:srgbClr val="000000"/>
+                </a:solidFill>
+                <a:effectLst/>
+                <a:latin typeface="inter-bold"/>
+              </a:rPr>
+              <a:t>Report the Resolution</a:t>
+            </a:r>
+          </a:p>
+          <a:p>
+            <a:pPr lvl="1" algn="just">
+              <a:buFont typeface="Arial" panose="020B0604020202020204" pitchFamily="34" charset="0"/>
+              <a:buChar char="•"/>
+            </a:pPr>
+            <a:r>
+              <a:rPr lang="en-US" dirty="0">
+                <a:solidFill>
+                  <a:srgbClr val="333333"/>
+                </a:solidFill>
+                <a:latin typeface="inter-regular"/>
+              </a:rPr>
+              <a:t>D</a:t>
+            </a:r>
+            <a:r>
+              <a:rPr lang="en-US" b="0" i="0" dirty="0">
+                <a:solidFill>
+                  <a:srgbClr val="333333"/>
+                </a:solidFill>
+                <a:effectLst/>
+                <a:latin typeface="inter-regular"/>
+              </a:rPr>
+              <a:t>eveloper needs to send the fixed defects report. As it is the responsibility of development teams to make sure that the testing team is well aware of when the defects are going to be fixed and how the fault has been fixed.</a:t>
+            </a:r>
+            <a:endParaRPr lang="en-US" b="0" i="0" dirty="0">
+              <a:solidFill>
+                <a:srgbClr val="000000"/>
+              </a:solidFill>
+              <a:effectLst/>
+              <a:latin typeface="inter-regular"/>
+            </a:endParaRPr>
+          </a:p>
+          <a:p>
+            <a:endParaRPr lang="en-IN" dirty="0"/>
+          </a:p>
+        </p:txBody>
+      </p:sp>
+      <p:sp>
+        <p:nvSpPr>
+          <p:cNvPr id="3" name="Title 2">
+            <a:extLst>
+              <a:ext uri="{FF2B5EF4-FFF2-40B4-BE49-F238E27FC236}">
+                <a16:creationId xmlns:a16="http://schemas.microsoft.com/office/drawing/2014/main" id="{E903C418-FC72-43E1-871D-4986AC885040}"/>
+              </a:ext>
+            </a:extLst>
+          </p:cNvPr>
+          <p:cNvSpPr>
+            <a:spLocks noGrp="1"/>
+          </p:cNvSpPr>
+          <p:nvPr>
+            <p:ph type="title"/>
+          </p:nvPr>
+        </p:nvSpPr>
+        <p:spPr/>
+        <p:txBody>
+          <a:bodyPr/>
+          <a:lstStyle/>
+          <a:p>
+            <a:r>
+              <a:rPr lang="en-IN" i="0" dirty="0">
+                <a:solidFill>
+                  <a:schemeClr val="accent1">
+                    <a:lumMod val="75000"/>
+                  </a:schemeClr>
+                </a:solidFill>
+                <a:effectLst/>
+                <a:latin typeface="erdana"/>
+              </a:rPr>
+              <a:t>4. Defect Resolution</a:t>
+            </a:r>
+            <a:endParaRPr lang="en-IN" dirty="0"/>
+          </a:p>
+        </p:txBody>
+      </p:sp>
+    </p:spTree>
+    <p:extLst>
+      <p:ext uri="{BB962C8B-B14F-4D97-AF65-F5344CB8AC3E}">
+        <p14:creationId xmlns:p14="http://schemas.microsoft.com/office/powerpoint/2010/main" val="640835319"/>
+      </p:ext>
+    </p:extLst>
+  </p:cSld>
+  <p:clrMapOvr>
+    <a:masterClrMapping/>
+  </p:clrMapOvr>
+  <p:transition spd="slow">
+    <p:push dir="u"/>
+  </p:transition>
 </p:sld>
 </file>
 
@@ -11741,6 +19255,1254 @@
   <p:clrMapOvr>
     <a:masterClrMapping/>
   </p:clrMapOvr>
+</p:sld>
+</file>
+
+<file path=ppt/slides/slide120.xml><?xml version="1.0" encoding="utf-8"?>
+<p:sld xmlns:a="http://schemas.openxmlformats.org/drawingml/2006/main" xmlns:r="http://schemas.openxmlformats.org/officeDocument/2006/relationships" xmlns:p="http://schemas.openxmlformats.org/presentationml/2006/main">
+  <p:cSld>
+    <p:spTree>
+      <p:nvGrpSpPr>
+        <p:cNvPr id="1" name=""/>
+        <p:cNvGrpSpPr/>
+        <p:nvPr/>
+      </p:nvGrpSpPr>
+      <p:grpSpPr>
+        <a:xfrm>
+          <a:off x="0" y="0"/>
+          <a:ext cx="0" cy="0"/>
+          <a:chOff x="0" y="0"/>
+          <a:chExt cx="0" cy="0"/>
+        </a:xfrm>
+      </p:grpSpPr>
+      <p:sp>
+        <p:nvSpPr>
+          <p:cNvPr id="2" name="Content Placeholder 1">
+            <a:extLst>
+              <a:ext uri="{FF2B5EF4-FFF2-40B4-BE49-F238E27FC236}">
+                <a16:creationId xmlns:a16="http://schemas.microsoft.com/office/drawing/2014/main" id="{8F4BFE00-7C5E-4E56-98BE-934FE1CAD9B9}"/>
+              </a:ext>
+            </a:extLst>
+          </p:cNvPr>
+          <p:cNvSpPr>
+            <a:spLocks noGrp="1"/>
+          </p:cNvSpPr>
+          <p:nvPr>
+            <p:ph idx="1"/>
+          </p:nvPr>
+        </p:nvSpPr>
+        <p:spPr/>
+        <p:txBody>
+          <a:bodyPr/>
+          <a:lstStyle/>
+          <a:p>
+            <a:pPr algn="just"/>
+            <a:r>
+              <a:rPr lang="en-US" dirty="0">
+                <a:solidFill>
+                  <a:srgbClr val="333333"/>
+                </a:solidFill>
+                <a:latin typeface="inter-regular"/>
+              </a:rPr>
+              <a:t>I</a:t>
+            </a:r>
+            <a:r>
+              <a:rPr lang="en-US" b="0" i="0" dirty="0">
+                <a:solidFill>
+                  <a:srgbClr val="333333"/>
+                </a:solidFill>
+                <a:effectLst/>
+                <a:latin typeface="inter-regular"/>
+              </a:rPr>
+              <a:t>n the </a:t>
+            </a:r>
+            <a:r>
+              <a:rPr lang="en-US" b="1" i="0" dirty="0">
+                <a:solidFill>
+                  <a:srgbClr val="333333"/>
+                </a:solidFill>
+                <a:effectLst/>
+                <a:latin typeface="inter-bold"/>
+              </a:rPr>
+              <a:t>process improvement</a:t>
+            </a:r>
+            <a:r>
+              <a:rPr lang="en-US" b="0" i="0" dirty="0">
+                <a:solidFill>
+                  <a:srgbClr val="333333"/>
+                </a:solidFill>
+                <a:effectLst/>
+                <a:latin typeface="inter-regular"/>
+              </a:rPr>
+              <a:t> phase, we will look into the lower priority defects because these defects are also essential as well as impact the system.</a:t>
+            </a:r>
+          </a:p>
+          <a:p>
+            <a:pPr algn="just"/>
+            <a:r>
+              <a:rPr lang="en-US" b="0" i="0" dirty="0">
+                <a:solidFill>
+                  <a:srgbClr val="333333"/>
+                </a:solidFill>
+                <a:effectLst/>
+                <a:latin typeface="inter-regular"/>
+              </a:rPr>
+              <a:t>All the acknowledged defects are equal to a critical defect from the process improvement phase perspective and need to be fixed.</a:t>
+            </a:r>
+          </a:p>
+          <a:p>
+            <a:pPr algn="just"/>
+            <a:r>
+              <a:rPr lang="en-US" b="0" i="0" dirty="0">
+                <a:solidFill>
+                  <a:srgbClr val="333333"/>
+                </a:solidFill>
+                <a:effectLst/>
+                <a:latin typeface="inter-regular"/>
+              </a:rPr>
+              <a:t>The people involved in this particular stage need to recall and check from where the defect was initiated.</a:t>
+            </a:r>
+          </a:p>
+          <a:p>
+            <a:pPr algn="just"/>
+            <a:r>
+              <a:rPr lang="en-US" b="0" i="0" dirty="0">
+                <a:solidFill>
+                  <a:srgbClr val="333333"/>
+                </a:solidFill>
+                <a:effectLst/>
+                <a:latin typeface="inter-regular"/>
+              </a:rPr>
+              <a:t>Depending on that, we can make modifications in the </a:t>
+            </a:r>
+            <a:r>
+              <a:rPr lang="en-US" b="1" i="0" dirty="0">
+                <a:solidFill>
+                  <a:srgbClr val="333333"/>
+                </a:solidFill>
+                <a:effectLst/>
+                <a:latin typeface="inter-bold"/>
+              </a:rPr>
+              <a:t>validation process, base-lining document, review process</a:t>
+            </a:r>
+            <a:r>
+              <a:rPr lang="en-US" b="0" i="0" dirty="0">
+                <a:solidFill>
+                  <a:srgbClr val="333333"/>
+                </a:solidFill>
+                <a:effectLst/>
+                <a:latin typeface="inter-regular"/>
+              </a:rPr>
+              <a:t> that may find the flaws early in the process, and make the process less costly.</a:t>
+            </a:r>
+          </a:p>
+          <a:p>
+            <a:pPr algn="just"/>
+            <a:r>
+              <a:rPr lang="en-US" b="0" i="0" dirty="0">
+                <a:solidFill>
+                  <a:srgbClr val="333333"/>
+                </a:solidFill>
+                <a:effectLst/>
+                <a:latin typeface="inter-regular"/>
+              </a:rPr>
+              <a:t>These minor defects allow us to learn how we can enhance the process and avoid the existence of any kind of defects that may affect the system or the product failure in the future.</a:t>
+            </a:r>
+          </a:p>
+          <a:p>
+            <a:pPr algn="just"/>
+            <a:endParaRPr lang="en-US" b="0" i="0" dirty="0">
+              <a:solidFill>
+                <a:srgbClr val="333333"/>
+              </a:solidFill>
+              <a:effectLst/>
+              <a:latin typeface="inter-regular"/>
+            </a:endParaRPr>
+          </a:p>
+          <a:p>
+            <a:endParaRPr lang="en-IN" dirty="0"/>
+          </a:p>
+        </p:txBody>
+      </p:sp>
+      <p:sp>
+        <p:nvSpPr>
+          <p:cNvPr id="3" name="Title 2">
+            <a:extLst>
+              <a:ext uri="{FF2B5EF4-FFF2-40B4-BE49-F238E27FC236}">
+                <a16:creationId xmlns:a16="http://schemas.microsoft.com/office/drawing/2014/main" id="{8B0DCA30-0CA6-48B0-AE56-0AF30CC3B0F6}"/>
+              </a:ext>
+            </a:extLst>
+          </p:cNvPr>
+          <p:cNvSpPr>
+            <a:spLocks noGrp="1"/>
+          </p:cNvSpPr>
+          <p:nvPr>
+            <p:ph type="title"/>
+          </p:nvPr>
+        </p:nvSpPr>
+        <p:spPr/>
+        <p:txBody>
+          <a:bodyPr/>
+          <a:lstStyle/>
+          <a:p>
+            <a:r>
+              <a:rPr lang="en-IN" i="0" dirty="0">
+                <a:solidFill>
+                  <a:schemeClr val="accent1">
+                    <a:lumMod val="75000"/>
+                  </a:schemeClr>
+                </a:solidFill>
+                <a:effectLst/>
+                <a:latin typeface="erdana"/>
+              </a:rPr>
+              <a:t>5. Process Improvement</a:t>
+            </a:r>
+            <a:endParaRPr lang="en-IN" dirty="0">
+              <a:solidFill>
+                <a:schemeClr val="accent1">
+                  <a:lumMod val="75000"/>
+                </a:schemeClr>
+              </a:solidFill>
+            </a:endParaRPr>
+          </a:p>
+        </p:txBody>
+      </p:sp>
+    </p:spTree>
+    <p:extLst>
+      <p:ext uri="{BB962C8B-B14F-4D97-AF65-F5344CB8AC3E}">
+        <p14:creationId xmlns:p14="http://schemas.microsoft.com/office/powerpoint/2010/main" val="3022327157"/>
+      </p:ext>
+    </p:extLst>
+  </p:cSld>
+  <p:clrMapOvr>
+    <a:masterClrMapping/>
+  </p:clrMapOvr>
+  <p:transition spd="slow">
+    <p:push dir="u"/>
+  </p:transition>
+</p:sld>
+</file>
+
+<file path=ppt/slides/slide121.xml><?xml version="1.0" encoding="utf-8"?>
+<p:sld xmlns:a="http://schemas.openxmlformats.org/drawingml/2006/main" xmlns:r="http://schemas.openxmlformats.org/officeDocument/2006/relationships" xmlns:p="http://schemas.openxmlformats.org/presentationml/2006/main">
+  <p:cSld>
+    <p:spTree>
+      <p:nvGrpSpPr>
+        <p:cNvPr id="1" name=""/>
+        <p:cNvGrpSpPr/>
+        <p:nvPr/>
+      </p:nvGrpSpPr>
+      <p:grpSpPr>
+        <a:xfrm>
+          <a:off x="0" y="0"/>
+          <a:ext cx="0" cy="0"/>
+          <a:chOff x="0" y="0"/>
+          <a:chExt cx="0" cy="0"/>
+        </a:xfrm>
+      </p:grpSpPr>
+      <p:sp>
+        <p:nvSpPr>
+          <p:cNvPr id="2" name="Content Placeholder 1">
+            <a:extLst>
+              <a:ext uri="{FF2B5EF4-FFF2-40B4-BE49-F238E27FC236}">
+                <a16:creationId xmlns:a16="http://schemas.microsoft.com/office/drawing/2014/main" id="{29657CE7-2AAE-41E4-B44E-E330B01E20F6}"/>
+              </a:ext>
+            </a:extLst>
+          </p:cNvPr>
+          <p:cNvSpPr>
+            <a:spLocks noGrp="1"/>
+          </p:cNvSpPr>
+          <p:nvPr>
+            <p:ph idx="1"/>
+          </p:nvPr>
+        </p:nvSpPr>
+        <p:spPr/>
+        <p:txBody>
+          <a:bodyPr/>
+          <a:lstStyle/>
+          <a:p>
+            <a:pPr algn="just"/>
+            <a:r>
+              <a:rPr lang="en-US" dirty="0">
+                <a:solidFill>
+                  <a:srgbClr val="333333"/>
+                </a:solidFill>
+                <a:latin typeface="inter-regular"/>
+              </a:rPr>
+              <a:t>E</a:t>
+            </a:r>
+            <a:r>
+              <a:rPr lang="en-US" b="0" i="0" dirty="0">
+                <a:solidFill>
+                  <a:srgbClr val="333333"/>
+                </a:solidFill>
+                <a:effectLst/>
+                <a:latin typeface="inter-regular"/>
+              </a:rPr>
+              <a:t>valuation and reporting of defect information support organization and risk management, process improvement, and project management.</a:t>
+            </a:r>
+          </a:p>
+          <a:p>
+            <a:pPr algn="just"/>
+            <a:r>
+              <a:rPr lang="en-US" b="0" i="0" dirty="0">
+                <a:solidFill>
+                  <a:srgbClr val="333333"/>
+                </a:solidFill>
+                <a:effectLst/>
+                <a:latin typeface="inter-regular"/>
+              </a:rPr>
+              <a:t>The information collected on specific defects by the project teams is the root of the management reporting. Therefore, every organization needs to consider the information gathered throughout the defect management process and the grouping of individual defects.</a:t>
+            </a:r>
+          </a:p>
+          <a:p>
+            <a:endParaRPr lang="en-IN" dirty="0"/>
+          </a:p>
+        </p:txBody>
+      </p:sp>
+      <p:sp>
+        <p:nvSpPr>
+          <p:cNvPr id="3" name="Title 2">
+            <a:extLst>
+              <a:ext uri="{FF2B5EF4-FFF2-40B4-BE49-F238E27FC236}">
+                <a16:creationId xmlns:a16="http://schemas.microsoft.com/office/drawing/2014/main" id="{08A22074-3256-400F-8975-99AE4AA90668}"/>
+              </a:ext>
+            </a:extLst>
+          </p:cNvPr>
+          <p:cNvSpPr>
+            <a:spLocks noGrp="1"/>
+          </p:cNvSpPr>
+          <p:nvPr>
+            <p:ph type="title"/>
+          </p:nvPr>
+        </p:nvSpPr>
+        <p:spPr/>
+        <p:txBody>
+          <a:bodyPr/>
+          <a:lstStyle/>
+          <a:p>
+            <a:r>
+              <a:rPr lang="en-IN" i="0" dirty="0">
+                <a:solidFill>
+                  <a:schemeClr val="accent1">
+                    <a:lumMod val="75000"/>
+                  </a:schemeClr>
+                </a:solidFill>
+                <a:effectLst/>
+                <a:latin typeface="erdana"/>
+              </a:rPr>
+              <a:t>6. Management Reporting</a:t>
+            </a:r>
+            <a:endParaRPr lang="en-IN" dirty="0">
+              <a:solidFill>
+                <a:schemeClr val="accent1">
+                  <a:lumMod val="75000"/>
+                </a:schemeClr>
+              </a:solidFill>
+            </a:endParaRPr>
+          </a:p>
+        </p:txBody>
+      </p:sp>
+    </p:spTree>
+    <p:extLst>
+      <p:ext uri="{BB962C8B-B14F-4D97-AF65-F5344CB8AC3E}">
+        <p14:creationId xmlns:p14="http://schemas.microsoft.com/office/powerpoint/2010/main" val="3489447028"/>
+      </p:ext>
+    </p:extLst>
+  </p:cSld>
+  <p:clrMapOvr>
+    <a:masterClrMapping/>
+  </p:clrMapOvr>
+  <p:transition spd="slow">
+    <p:push dir="u"/>
+  </p:transition>
+</p:sld>
+</file>
+
+<file path=ppt/slides/slide122.xml><?xml version="1.0" encoding="utf-8"?>
+<p:sld xmlns:a="http://schemas.openxmlformats.org/drawingml/2006/main" xmlns:r="http://schemas.openxmlformats.org/officeDocument/2006/relationships" xmlns:p="http://schemas.openxmlformats.org/presentationml/2006/main">
+  <p:cSld>
+    <p:spTree>
+      <p:nvGrpSpPr>
+        <p:cNvPr id="1" name=""/>
+        <p:cNvGrpSpPr/>
+        <p:nvPr/>
+      </p:nvGrpSpPr>
+      <p:grpSpPr>
+        <a:xfrm>
+          <a:off x="0" y="0"/>
+          <a:ext cx="0" cy="0"/>
+          <a:chOff x="0" y="0"/>
+          <a:chExt cx="0" cy="0"/>
+        </a:xfrm>
+      </p:grpSpPr>
+      <p:sp>
+        <p:nvSpPr>
+          <p:cNvPr id="2" name="Content Placeholder 1">
+            <a:extLst>
+              <a:ext uri="{FF2B5EF4-FFF2-40B4-BE49-F238E27FC236}">
+                <a16:creationId xmlns:a16="http://schemas.microsoft.com/office/drawing/2014/main" id="{E74F5B84-31E5-4A9F-B857-E2433ACFFD6A}"/>
+              </a:ext>
+            </a:extLst>
+          </p:cNvPr>
+          <p:cNvSpPr>
+            <a:spLocks noGrp="1"/>
+          </p:cNvSpPr>
+          <p:nvPr>
+            <p:ph idx="1"/>
+          </p:nvPr>
+        </p:nvSpPr>
+        <p:spPr/>
+        <p:txBody>
+          <a:bodyPr/>
+          <a:lstStyle/>
+          <a:p>
+            <a:pPr algn="just"/>
+            <a:r>
+              <a:rPr lang="en-US" b="0" i="0" dirty="0">
+                <a:solidFill>
+                  <a:srgbClr val="333333"/>
+                </a:solidFill>
+                <a:effectLst/>
+                <a:latin typeface="inter-regular"/>
+              </a:rPr>
+              <a:t>Various organizations that achieve the </a:t>
+            </a:r>
+            <a:r>
+              <a:rPr lang="en-US" b="1" i="0" dirty="0">
+                <a:solidFill>
+                  <a:srgbClr val="333333"/>
+                </a:solidFill>
+                <a:effectLst/>
+                <a:latin typeface="inter-bold"/>
+              </a:rPr>
+              <a:t>software testing</a:t>
+            </a:r>
+            <a:r>
+              <a:rPr lang="en-US" b="0" i="0" dirty="0">
+                <a:solidFill>
+                  <a:srgbClr val="333333"/>
+                </a:solidFill>
+                <a:effectLst/>
+                <a:latin typeface="inter-regular"/>
+              </a:rPr>
+              <a:t> with the help of a tool that keeps track of the defects during the </a:t>
+            </a:r>
+            <a:r>
+              <a:rPr lang="en-US" b="1" i="0" dirty="0">
+                <a:solidFill>
+                  <a:srgbClr val="333333"/>
+                </a:solidFill>
+                <a:effectLst/>
+                <a:latin typeface="inter-bold"/>
+              </a:rPr>
+              <a:t>bug/defect lifecycle</a:t>
+            </a:r>
+            <a:r>
+              <a:rPr lang="en-US" b="0" i="0" dirty="0">
+                <a:solidFill>
+                  <a:srgbClr val="333333"/>
+                </a:solidFill>
+                <a:effectLst/>
+                <a:latin typeface="inter-regular"/>
+              </a:rPr>
+              <a:t> and also contains defect reports.</a:t>
+            </a:r>
+          </a:p>
+          <a:p>
+            <a:pPr algn="just"/>
+            <a:r>
+              <a:rPr lang="en-US" b="0" i="0" dirty="0">
+                <a:solidFill>
+                  <a:srgbClr val="333333"/>
+                </a:solidFill>
+                <a:effectLst/>
+                <a:latin typeface="inter-regular"/>
+              </a:rPr>
+              <a:t>Generally, one owner of the defects reports at each state of </a:t>
+            </a:r>
+            <a:r>
+              <a:rPr lang="en-US" b="1" i="0" dirty="0">
+                <a:solidFill>
+                  <a:srgbClr val="333333"/>
+                </a:solidFill>
+                <a:effectLst/>
+                <a:latin typeface="inter-bold"/>
+              </a:rPr>
+              <a:t>defect lifecycle</a:t>
+            </a:r>
+            <a:r>
+              <a:rPr lang="en-US" b="0" i="0" dirty="0">
+                <a:solidFill>
+                  <a:srgbClr val="333333"/>
+                </a:solidFill>
+                <a:effectLst/>
+                <a:latin typeface="inter-regular"/>
+              </a:rPr>
+              <a:t>, responsible for finishing a task that would move defect report to the successive state.</a:t>
+            </a:r>
+          </a:p>
+          <a:p>
+            <a:pPr algn="just"/>
+            <a:r>
+              <a:rPr lang="en-US" b="0" i="0" dirty="0">
+                <a:solidFill>
+                  <a:srgbClr val="333333"/>
+                </a:solidFill>
+                <a:effectLst/>
+                <a:latin typeface="inter-regular"/>
+              </a:rPr>
+              <a:t>Sometimes, </a:t>
+            </a:r>
+            <a:r>
+              <a:rPr lang="en-US" b="1" i="0" dirty="0">
+                <a:solidFill>
+                  <a:srgbClr val="333333"/>
+                </a:solidFill>
+                <a:effectLst/>
+                <a:latin typeface="inter-bold"/>
+              </a:rPr>
+              <a:t>defect report may not have an owner</a:t>
+            </a:r>
+            <a:r>
+              <a:rPr lang="en-US" b="0" i="0" dirty="0">
+                <a:solidFill>
+                  <a:srgbClr val="333333"/>
+                </a:solidFill>
+                <a:effectLst/>
+                <a:latin typeface="inter-regular"/>
+              </a:rPr>
+              <a:t> in the last phases of the defect lifecycle if we may face the following situation:</a:t>
+            </a:r>
+          </a:p>
+          <a:p>
+            <a:pPr lvl="1" algn="just">
+              <a:buFont typeface="Arial" panose="020B0604020202020204" pitchFamily="34" charset="0"/>
+              <a:buChar char="•"/>
+            </a:pPr>
+            <a:r>
+              <a:rPr lang="en-US" b="0" i="0" dirty="0">
+                <a:solidFill>
+                  <a:srgbClr val="000000"/>
+                </a:solidFill>
+                <a:effectLst/>
+                <a:latin typeface="inter-regular"/>
+              </a:rPr>
+              <a:t>If the defect is invalid, then the Defect report is </a:t>
+            </a:r>
+            <a:r>
+              <a:rPr lang="en-US" b="1" i="0" dirty="0">
+                <a:solidFill>
+                  <a:srgbClr val="000000"/>
+                </a:solidFill>
+                <a:effectLst/>
+                <a:latin typeface="inter-bold"/>
+              </a:rPr>
+              <a:t>cancelled</a:t>
+            </a:r>
+            <a:r>
+              <a:rPr lang="en-US" b="0" i="0" dirty="0">
+                <a:solidFill>
+                  <a:srgbClr val="000000"/>
+                </a:solidFill>
+                <a:effectLst/>
+                <a:latin typeface="inter-regular"/>
+              </a:rPr>
+              <a:t>.</a:t>
+            </a:r>
+          </a:p>
+          <a:p>
+            <a:pPr lvl="1" algn="just">
+              <a:buFont typeface="Arial" panose="020B0604020202020204" pitchFamily="34" charset="0"/>
+              <a:buChar char="•"/>
+            </a:pPr>
+            <a:r>
+              <a:rPr lang="en-US" b="0" i="0" dirty="0">
+                <a:solidFill>
+                  <a:srgbClr val="000000"/>
+                </a:solidFill>
+                <a:effectLst/>
+                <a:latin typeface="inter-regular"/>
+              </a:rPr>
+              <a:t>The defect report is considered </a:t>
+            </a:r>
+            <a:r>
+              <a:rPr lang="en-US" b="1" i="0" dirty="0">
+                <a:solidFill>
+                  <a:srgbClr val="000000"/>
+                </a:solidFill>
+                <a:effectLst/>
+                <a:latin typeface="inter-bold"/>
+              </a:rPr>
+              <a:t>deferred</a:t>
+            </a:r>
+            <a:r>
+              <a:rPr lang="en-US" b="0" i="0" dirty="0">
+                <a:solidFill>
+                  <a:srgbClr val="000000"/>
+                </a:solidFill>
+                <a:effectLst/>
+                <a:latin typeface="inter-regular"/>
+              </a:rPr>
+              <a:t> if the defect won't be fixed as part of the project.</a:t>
+            </a:r>
+          </a:p>
+          <a:p>
+            <a:pPr lvl="1" algn="just">
+              <a:buFont typeface="Arial" panose="020B0604020202020204" pitchFamily="34" charset="0"/>
+              <a:buChar char="•"/>
+            </a:pPr>
+            <a:r>
+              <a:rPr lang="en-US" b="0" i="0" dirty="0">
+                <a:solidFill>
+                  <a:srgbClr val="000000"/>
+                </a:solidFill>
+                <a:effectLst/>
+                <a:latin typeface="inter-regular"/>
+              </a:rPr>
+              <a:t>If the fault cannot be detected anymore, hence defect report is regarded as not </a:t>
+            </a:r>
+            <a:r>
+              <a:rPr lang="en-US" b="1" i="0" dirty="0">
+                <a:solidFill>
+                  <a:srgbClr val="000000"/>
+                </a:solidFill>
+                <a:effectLst/>
+                <a:latin typeface="inter-bold"/>
+              </a:rPr>
+              <a:t>reproducible</a:t>
+            </a:r>
+            <a:r>
+              <a:rPr lang="en-US" b="0" i="0" dirty="0">
+                <a:solidFill>
+                  <a:srgbClr val="000000"/>
+                </a:solidFill>
+                <a:effectLst/>
+                <a:latin typeface="inter-regular"/>
+              </a:rPr>
+              <a:t>.</a:t>
+            </a:r>
+          </a:p>
+          <a:p>
+            <a:pPr lvl="1" algn="just">
+              <a:buFont typeface="Arial" panose="020B0604020202020204" pitchFamily="34" charset="0"/>
+              <a:buChar char="•"/>
+            </a:pPr>
+            <a:r>
+              <a:rPr lang="en-US" b="0" i="0" dirty="0">
+                <a:solidFill>
+                  <a:srgbClr val="000000"/>
+                </a:solidFill>
+                <a:effectLst/>
+                <a:latin typeface="inter-regular"/>
+              </a:rPr>
+              <a:t>The defect report is considered </a:t>
+            </a:r>
+            <a:r>
+              <a:rPr lang="en-US" b="1" i="0" dirty="0">
+                <a:solidFill>
+                  <a:srgbClr val="000000"/>
+                </a:solidFill>
+                <a:effectLst/>
+                <a:latin typeface="inter-bold"/>
+              </a:rPr>
+              <a:t>closed</a:t>
+            </a:r>
+            <a:r>
+              <a:rPr lang="en-US" b="0" i="0" dirty="0">
+                <a:solidFill>
+                  <a:srgbClr val="000000"/>
+                </a:solidFill>
+                <a:effectLst/>
+                <a:latin typeface="inter-regular"/>
+              </a:rPr>
+              <a:t> if the defect has been fixed and tested.</a:t>
+            </a:r>
+          </a:p>
+          <a:p>
+            <a:endParaRPr lang="en-IN" dirty="0"/>
+          </a:p>
+        </p:txBody>
+      </p:sp>
+      <p:sp>
+        <p:nvSpPr>
+          <p:cNvPr id="3" name="Title 2">
+            <a:extLst>
+              <a:ext uri="{FF2B5EF4-FFF2-40B4-BE49-F238E27FC236}">
+                <a16:creationId xmlns:a16="http://schemas.microsoft.com/office/drawing/2014/main" id="{5B04BFBC-2962-40FF-8222-BFE0B7C443FA}"/>
+              </a:ext>
+            </a:extLst>
+          </p:cNvPr>
+          <p:cNvSpPr>
+            <a:spLocks noGrp="1"/>
+          </p:cNvSpPr>
+          <p:nvPr>
+            <p:ph type="title"/>
+          </p:nvPr>
+        </p:nvSpPr>
+        <p:spPr/>
+        <p:txBody>
+          <a:bodyPr/>
+          <a:lstStyle/>
+          <a:p>
+            <a:r>
+              <a:rPr lang="en-IN" i="0" dirty="0">
+                <a:solidFill>
+                  <a:schemeClr val="accent1">
+                    <a:lumMod val="75000"/>
+                  </a:schemeClr>
+                </a:solidFill>
+                <a:effectLst/>
+                <a:latin typeface="erdana"/>
+              </a:rPr>
+              <a:t>Defect Workflow and States</a:t>
+            </a:r>
+            <a:endParaRPr lang="en-IN" dirty="0">
+              <a:solidFill>
+                <a:schemeClr val="accent1">
+                  <a:lumMod val="75000"/>
+                </a:schemeClr>
+              </a:solidFill>
+            </a:endParaRPr>
+          </a:p>
+        </p:txBody>
+      </p:sp>
+    </p:spTree>
+    <p:extLst>
+      <p:ext uri="{BB962C8B-B14F-4D97-AF65-F5344CB8AC3E}">
+        <p14:creationId xmlns:p14="http://schemas.microsoft.com/office/powerpoint/2010/main" val="628801543"/>
+      </p:ext>
+    </p:extLst>
+  </p:cSld>
+  <p:clrMapOvr>
+    <a:masterClrMapping/>
+  </p:clrMapOvr>
+  <p:transition spd="slow">
+    <p:push dir="u"/>
+  </p:transition>
+</p:sld>
+</file>
+
+<file path=ppt/slides/slide123.xml><?xml version="1.0" encoding="utf-8"?>
+<p:sld xmlns:a="http://schemas.openxmlformats.org/drawingml/2006/main" xmlns:r="http://schemas.openxmlformats.org/officeDocument/2006/relationships" xmlns:p="http://schemas.openxmlformats.org/presentationml/2006/main">
+  <p:cSld>
+    <p:spTree>
+      <p:nvGrpSpPr>
+        <p:cNvPr id="1" name=""/>
+        <p:cNvGrpSpPr/>
+        <p:nvPr/>
+      </p:nvGrpSpPr>
+      <p:grpSpPr>
+        <a:xfrm>
+          <a:off x="0" y="0"/>
+          <a:ext cx="0" cy="0"/>
+          <a:chOff x="0" y="0"/>
+          <a:chExt cx="0" cy="0"/>
+        </a:xfrm>
+      </p:grpSpPr>
+      <p:sp>
+        <p:nvSpPr>
+          <p:cNvPr id="2" name="Content Placeholder 1">
+            <a:extLst>
+              <a:ext uri="{FF2B5EF4-FFF2-40B4-BE49-F238E27FC236}">
+                <a16:creationId xmlns:a16="http://schemas.microsoft.com/office/drawing/2014/main" id="{D575A332-93A4-4C7E-A8F5-356A4F1CD9AD}"/>
+              </a:ext>
+            </a:extLst>
+          </p:cNvPr>
+          <p:cNvSpPr>
+            <a:spLocks noGrp="1"/>
+          </p:cNvSpPr>
+          <p:nvPr>
+            <p:ph idx="1"/>
+          </p:nvPr>
+        </p:nvSpPr>
+        <p:spPr/>
+        <p:txBody>
+          <a:bodyPr/>
+          <a:lstStyle/>
+          <a:p>
+            <a:pPr algn="just"/>
+            <a:r>
+              <a:rPr lang="en-US" b="0" i="0" dirty="0">
+                <a:solidFill>
+                  <a:srgbClr val="333333"/>
+                </a:solidFill>
+                <a:effectLst/>
+                <a:latin typeface="inter-regular"/>
+              </a:rPr>
+              <a:t>If defects are identified throughout the testing, the testing team must manage them in the following three states:</a:t>
+            </a:r>
+          </a:p>
+          <a:p>
+            <a:pPr lvl="1" algn="just">
+              <a:buFont typeface="Arial" panose="020B0604020202020204" pitchFamily="34" charset="0"/>
+              <a:buChar char="•"/>
+            </a:pPr>
+            <a:r>
+              <a:rPr lang="en-US" b="1" i="0" dirty="0">
+                <a:solidFill>
+                  <a:srgbClr val="000000"/>
+                </a:solidFill>
+                <a:effectLst/>
+                <a:latin typeface="inter-bold"/>
+              </a:rPr>
+              <a:t>Initial state</a:t>
+            </a:r>
+          </a:p>
+          <a:p>
+            <a:pPr lvl="2" algn="just"/>
+            <a:r>
+              <a:rPr lang="en-US" b="0" i="0" dirty="0">
+                <a:solidFill>
+                  <a:srgbClr val="000000"/>
+                </a:solidFill>
+                <a:effectLst/>
+                <a:latin typeface="inter-regular"/>
+              </a:rPr>
+              <a:t>also known as open state.</a:t>
+            </a:r>
+          </a:p>
+          <a:p>
+            <a:pPr lvl="2" algn="just"/>
+            <a:r>
+              <a:rPr lang="en-US" b="0" i="0" dirty="0">
+                <a:solidFill>
+                  <a:srgbClr val="000000"/>
+                </a:solidFill>
+                <a:effectLst/>
+                <a:latin typeface="inter-regular"/>
+              </a:rPr>
+              <a:t>One or several test engineers are responsible for collecting all required data to fix the defects in this state.</a:t>
+            </a:r>
+          </a:p>
+          <a:p>
+            <a:pPr lvl="1" algn="just">
+              <a:buFont typeface="Arial" panose="020B0604020202020204" pitchFamily="34" charset="0"/>
+              <a:buChar char="•"/>
+            </a:pPr>
+            <a:r>
+              <a:rPr lang="en-US" b="1" i="0" dirty="0">
+                <a:solidFill>
+                  <a:srgbClr val="000000"/>
+                </a:solidFill>
+                <a:effectLst/>
+                <a:latin typeface="inter-bold"/>
+              </a:rPr>
+              <a:t>Returned state</a:t>
+            </a:r>
+          </a:p>
+          <a:p>
+            <a:pPr lvl="2" algn="just"/>
+            <a:r>
+              <a:rPr lang="en-US" dirty="0">
+                <a:solidFill>
+                  <a:srgbClr val="000000"/>
+                </a:solidFill>
+                <a:latin typeface="inter-regular"/>
+              </a:rPr>
+              <a:t>T</a:t>
+            </a:r>
+            <a:r>
+              <a:rPr lang="en-US" b="0" i="0" dirty="0">
+                <a:solidFill>
+                  <a:srgbClr val="000000"/>
+                </a:solidFill>
+                <a:effectLst/>
+                <a:latin typeface="inter-regular"/>
+              </a:rPr>
+              <a:t>he person receiving the test report rejects and asks the report creator to provide further information.</a:t>
+            </a:r>
+          </a:p>
+          <a:p>
+            <a:pPr lvl="2" algn="just"/>
+            <a:r>
+              <a:rPr lang="en-US" b="0" i="0" dirty="0">
+                <a:solidFill>
+                  <a:srgbClr val="000000"/>
+                </a:solidFill>
+                <a:effectLst/>
+                <a:latin typeface="inter-regular"/>
+              </a:rPr>
+              <a:t>In a returned state, the test engineers can provide more information or accept the rejection of the report.</a:t>
+            </a:r>
+          </a:p>
+          <a:p>
+            <a:pPr lvl="2" algn="just"/>
+            <a:r>
+              <a:rPr lang="en-US" b="0" i="0" dirty="0">
+                <a:solidFill>
+                  <a:srgbClr val="000000"/>
+                </a:solidFill>
+                <a:effectLst/>
+                <a:latin typeface="inter-regular"/>
+              </a:rPr>
+              <a:t>If various reports are rejected, the test manager should look out for faults in the initial information collection process itself.</a:t>
+            </a:r>
+          </a:p>
+          <a:p>
+            <a:pPr lvl="2" algn="just"/>
+            <a:r>
+              <a:rPr lang="en-US" b="0" i="0" dirty="0">
+                <a:solidFill>
+                  <a:srgbClr val="000000"/>
+                </a:solidFill>
+                <a:effectLst/>
+                <a:latin typeface="inter-regular"/>
+              </a:rPr>
+              <a:t>The returned state is also referred as the </a:t>
+            </a:r>
+            <a:r>
+              <a:rPr lang="en-US" b="1" i="0" dirty="0">
+                <a:solidFill>
+                  <a:srgbClr val="000000"/>
+                </a:solidFill>
+                <a:effectLst/>
+                <a:latin typeface="inter-bold"/>
+              </a:rPr>
+              <a:t>clarification state or rejected state</a:t>
+            </a:r>
+            <a:r>
+              <a:rPr lang="en-US" b="0" i="0" dirty="0">
+                <a:solidFill>
+                  <a:srgbClr val="000000"/>
+                </a:solidFill>
+                <a:effectLst/>
+                <a:latin typeface="inter-regular"/>
+              </a:rPr>
+              <a:t>.</a:t>
+            </a:r>
+          </a:p>
+          <a:p>
+            <a:endParaRPr lang="en-IN" dirty="0"/>
+          </a:p>
+        </p:txBody>
+      </p:sp>
+      <p:sp>
+        <p:nvSpPr>
+          <p:cNvPr id="3" name="Title 2">
+            <a:extLst>
+              <a:ext uri="{FF2B5EF4-FFF2-40B4-BE49-F238E27FC236}">
+                <a16:creationId xmlns:a16="http://schemas.microsoft.com/office/drawing/2014/main" id="{F2B4CD9A-B580-4FE3-9354-E640A4FE386D}"/>
+              </a:ext>
+            </a:extLst>
+          </p:cNvPr>
+          <p:cNvSpPr>
+            <a:spLocks noGrp="1"/>
+          </p:cNvSpPr>
+          <p:nvPr>
+            <p:ph type="title"/>
+          </p:nvPr>
+        </p:nvSpPr>
+        <p:spPr/>
+        <p:txBody>
+          <a:bodyPr/>
+          <a:lstStyle/>
+          <a:p>
+            <a:r>
+              <a:rPr lang="en-IN" i="0" dirty="0">
+                <a:solidFill>
+                  <a:schemeClr val="accent1">
+                    <a:lumMod val="75000"/>
+                  </a:schemeClr>
+                </a:solidFill>
+                <a:effectLst/>
+                <a:latin typeface="erdana"/>
+              </a:rPr>
+              <a:t>Defect States</a:t>
+            </a:r>
+            <a:endParaRPr lang="en-IN" dirty="0">
+              <a:solidFill>
+                <a:schemeClr val="accent1">
+                  <a:lumMod val="75000"/>
+                </a:schemeClr>
+              </a:solidFill>
+            </a:endParaRPr>
+          </a:p>
+        </p:txBody>
+      </p:sp>
+    </p:spTree>
+    <p:extLst>
+      <p:ext uri="{BB962C8B-B14F-4D97-AF65-F5344CB8AC3E}">
+        <p14:creationId xmlns:p14="http://schemas.microsoft.com/office/powerpoint/2010/main" val="2636515902"/>
+      </p:ext>
+    </p:extLst>
+  </p:cSld>
+  <p:clrMapOvr>
+    <a:masterClrMapping/>
+  </p:clrMapOvr>
+  <p:transition spd="slow">
+    <p:push dir="u"/>
+  </p:transition>
+</p:sld>
+</file>
+
+<file path=ppt/slides/slide124.xml><?xml version="1.0" encoding="utf-8"?>
+<p:sld xmlns:a="http://schemas.openxmlformats.org/drawingml/2006/main" xmlns:r="http://schemas.openxmlformats.org/officeDocument/2006/relationships" xmlns:p="http://schemas.openxmlformats.org/presentationml/2006/main">
+  <p:cSld>
+    <p:spTree>
+      <p:nvGrpSpPr>
+        <p:cNvPr id="1" name=""/>
+        <p:cNvGrpSpPr/>
+        <p:nvPr/>
+      </p:nvGrpSpPr>
+      <p:grpSpPr>
+        <a:xfrm>
+          <a:off x="0" y="0"/>
+          <a:ext cx="0" cy="0"/>
+          <a:chOff x="0" y="0"/>
+          <a:chExt cx="0" cy="0"/>
+        </a:xfrm>
+      </p:grpSpPr>
+      <p:sp>
+        <p:nvSpPr>
+          <p:cNvPr id="2" name="Content Placeholder 1">
+            <a:extLst>
+              <a:ext uri="{FF2B5EF4-FFF2-40B4-BE49-F238E27FC236}">
+                <a16:creationId xmlns:a16="http://schemas.microsoft.com/office/drawing/2014/main" id="{D4C48D6C-926D-4FCD-9DE6-B4F159EED88A}"/>
+              </a:ext>
+            </a:extLst>
+          </p:cNvPr>
+          <p:cNvSpPr>
+            <a:spLocks noGrp="1"/>
+          </p:cNvSpPr>
+          <p:nvPr>
+            <p:ph idx="1"/>
+          </p:nvPr>
+        </p:nvSpPr>
+        <p:spPr/>
+        <p:txBody>
+          <a:bodyPr/>
+          <a:lstStyle/>
+          <a:p>
+            <a:pPr lvl="2" algn="just"/>
+            <a:endParaRPr lang="en-US" b="0" i="0" dirty="0">
+              <a:solidFill>
+                <a:srgbClr val="000000"/>
+              </a:solidFill>
+              <a:effectLst/>
+              <a:latin typeface="inter-regular"/>
+            </a:endParaRPr>
+          </a:p>
+          <a:p>
+            <a:pPr lvl="1" algn="just">
+              <a:buFont typeface="Arial" panose="020B0604020202020204" pitchFamily="34" charset="0"/>
+              <a:buChar char="•"/>
+            </a:pPr>
+            <a:r>
+              <a:rPr lang="en-US" b="1" i="0" dirty="0">
+                <a:solidFill>
+                  <a:srgbClr val="000000"/>
+                </a:solidFill>
+                <a:effectLst/>
+                <a:latin typeface="inter-bold"/>
+              </a:rPr>
+              <a:t>Confirmation state</a:t>
+            </a:r>
+          </a:p>
+          <a:p>
+            <a:pPr lvl="2" algn="just"/>
+            <a:r>
+              <a:rPr lang="en-US" b="0" i="0" dirty="0">
+                <a:solidFill>
+                  <a:srgbClr val="000000"/>
+                </a:solidFill>
+                <a:effectLst/>
+                <a:latin typeface="inter-regular"/>
+              </a:rPr>
+              <a:t>Test engineer performed a </a:t>
+            </a:r>
+            <a:r>
+              <a:rPr lang="en-US" b="1" i="0" dirty="0">
+                <a:solidFill>
+                  <a:srgbClr val="000000"/>
+                </a:solidFill>
+                <a:effectLst/>
+                <a:latin typeface="inter-bold"/>
+              </a:rPr>
+              <a:t>confirmation </a:t>
+            </a:r>
+            <a:r>
+              <a:rPr lang="en-US" b="1" i="0" dirty="0" err="1">
+                <a:solidFill>
+                  <a:srgbClr val="000000"/>
+                </a:solidFill>
+                <a:effectLst/>
+                <a:latin typeface="inter-bold"/>
+              </a:rPr>
+              <a:t>testing</a:t>
+            </a:r>
+            <a:r>
+              <a:rPr lang="en-US" b="0" i="0" dirty="0" err="1">
+                <a:solidFill>
+                  <a:srgbClr val="000000"/>
+                </a:solidFill>
+                <a:effectLst/>
+                <a:latin typeface="inter-regular"/>
+              </a:rPr>
+              <a:t>to</a:t>
+            </a:r>
+            <a:r>
+              <a:rPr lang="en-US" b="0" i="0" dirty="0">
+                <a:solidFill>
+                  <a:srgbClr val="000000"/>
+                </a:solidFill>
+                <a:effectLst/>
+                <a:latin typeface="inter-regular"/>
+              </a:rPr>
+              <a:t> make sure that the defect has been fixed.</a:t>
+            </a:r>
+          </a:p>
+          <a:p>
+            <a:pPr lvl="2" algn="just"/>
+            <a:r>
+              <a:rPr lang="en-US" b="0" i="0" dirty="0">
+                <a:solidFill>
+                  <a:srgbClr val="000000"/>
+                </a:solidFill>
+                <a:effectLst/>
+                <a:latin typeface="inter-regular"/>
+              </a:rPr>
+              <a:t>It is achieved by repeating the steps, which found the defect at the time of testing.</a:t>
+            </a:r>
+          </a:p>
+          <a:p>
+            <a:pPr lvl="2" algn="just"/>
+            <a:r>
+              <a:rPr lang="en-US" b="0" i="0" dirty="0">
+                <a:solidFill>
+                  <a:srgbClr val="000000"/>
+                </a:solidFill>
+                <a:effectLst/>
+                <a:latin typeface="inter-regular"/>
+              </a:rPr>
+              <a:t>If the defect is resolved, then the report is closed.</a:t>
+            </a:r>
+          </a:p>
+          <a:p>
+            <a:pPr lvl="2" algn="just"/>
+            <a:r>
+              <a:rPr lang="en-US" b="0" i="0" dirty="0">
+                <a:solidFill>
+                  <a:srgbClr val="000000"/>
+                </a:solidFill>
+                <a:effectLst/>
+                <a:latin typeface="inter-regular"/>
+              </a:rPr>
+              <a:t>And if the defect was not resolved, then the report is considered as </a:t>
+            </a:r>
+            <a:r>
+              <a:rPr lang="en-US" b="1" i="0" dirty="0">
+                <a:solidFill>
+                  <a:srgbClr val="000000"/>
+                </a:solidFill>
+                <a:effectLst/>
+                <a:latin typeface="inter-bold"/>
+              </a:rPr>
+              <a:t>re-opened</a:t>
+            </a:r>
+            <a:r>
+              <a:rPr lang="en-US" b="0" i="0" dirty="0">
+                <a:solidFill>
+                  <a:srgbClr val="000000"/>
+                </a:solidFill>
+                <a:effectLst/>
+                <a:latin typeface="inter-regular"/>
+              </a:rPr>
+              <a:t> and reported back to the owner who formerly preserved the defect report for fixing.</a:t>
+            </a:r>
+          </a:p>
+          <a:p>
+            <a:pPr lvl="2" algn="just"/>
+            <a:r>
+              <a:rPr lang="en-US" b="0" i="0" dirty="0">
+                <a:solidFill>
+                  <a:srgbClr val="000000"/>
+                </a:solidFill>
+                <a:effectLst/>
+                <a:latin typeface="inter-regular"/>
+              </a:rPr>
+              <a:t>A confirmation state is also known as </a:t>
+            </a:r>
+            <a:r>
+              <a:rPr lang="en-US" b="1" i="0" dirty="0">
+                <a:solidFill>
+                  <a:srgbClr val="000000"/>
+                </a:solidFill>
+                <a:effectLst/>
+                <a:latin typeface="inter-bold"/>
+              </a:rPr>
+              <a:t>a verified or resolved state</a:t>
+            </a:r>
+            <a:r>
+              <a:rPr lang="en-US" b="0" i="0" dirty="0">
+                <a:solidFill>
+                  <a:srgbClr val="000000"/>
+                </a:solidFill>
+                <a:effectLst/>
+                <a:latin typeface="inter-regular"/>
+              </a:rPr>
+              <a:t>.</a:t>
+            </a:r>
+          </a:p>
+          <a:p>
+            <a:pPr lvl="1" algn="just">
+              <a:buFont typeface="Arial" panose="020B0604020202020204" pitchFamily="34" charset="0"/>
+              <a:buChar char="•"/>
+            </a:pPr>
+            <a:endParaRPr lang="en-IN" dirty="0"/>
+          </a:p>
+        </p:txBody>
+      </p:sp>
+      <p:sp>
+        <p:nvSpPr>
+          <p:cNvPr id="3" name="Title 2">
+            <a:extLst>
+              <a:ext uri="{FF2B5EF4-FFF2-40B4-BE49-F238E27FC236}">
+                <a16:creationId xmlns:a16="http://schemas.microsoft.com/office/drawing/2014/main" id="{EE993E4D-B257-4759-9149-3D536CEF181E}"/>
+              </a:ext>
+            </a:extLst>
+          </p:cNvPr>
+          <p:cNvSpPr>
+            <a:spLocks noGrp="1"/>
+          </p:cNvSpPr>
+          <p:nvPr>
+            <p:ph type="title"/>
+          </p:nvPr>
+        </p:nvSpPr>
+        <p:spPr/>
+        <p:txBody>
+          <a:bodyPr/>
+          <a:lstStyle/>
+          <a:p>
+            <a:r>
+              <a:rPr lang="en-IN" i="0" dirty="0">
+                <a:solidFill>
+                  <a:schemeClr val="accent1">
+                    <a:lumMod val="75000"/>
+                  </a:schemeClr>
+                </a:solidFill>
+                <a:effectLst/>
+                <a:latin typeface="erdana"/>
+              </a:rPr>
+              <a:t>Defect States</a:t>
+            </a:r>
+            <a:endParaRPr lang="en-IN" dirty="0"/>
+          </a:p>
+        </p:txBody>
+      </p:sp>
+    </p:spTree>
+    <p:extLst>
+      <p:ext uri="{BB962C8B-B14F-4D97-AF65-F5344CB8AC3E}">
+        <p14:creationId xmlns:p14="http://schemas.microsoft.com/office/powerpoint/2010/main" val="4020318653"/>
+      </p:ext>
+    </p:extLst>
+  </p:cSld>
+  <p:clrMapOvr>
+    <a:masterClrMapping/>
+  </p:clrMapOvr>
+  <p:transition spd="slow">
+    <p:push dir="u"/>
+  </p:transition>
 </p:sld>
 </file>
 
